--- a/sample/kubernetes/Bring your own device - Teil 1.pptx
+++ b/sample/kubernetes/Bring your own device - Teil 1.pptx
@@ -5,7 +5,7 @@
     <p:sldMasterId id="2147483648" r:id="rId1"/>
   </p:sldMasterIdLst>
   <p:notesMasterIdLst>
-    <p:notesMasterId r:id="rId18"/>
+    <p:notesMasterId r:id="rId19"/>
   </p:notesMasterIdLst>
   <p:sldIdLst>
     <p:sldId id="256" r:id="rId2"/>
@@ -14,16 +14,17 @@
     <p:sldId id="259" r:id="rId5"/>
     <p:sldId id="271" r:id="rId6"/>
     <p:sldId id="260" r:id="rId7"/>
-    <p:sldId id="265" r:id="rId8"/>
-    <p:sldId id="266" r:id="rId9"/>
-    <p:sldId id="272" r:id="rId10"/>
-    <p:sldId id="267" r:id="rId11"/>
-    <p:sldId id="268" r:id="rId12"/>
-    <p:sldId id="269" r:id="rId13"/>
-    <p:sldId id="274" r:id="rId14"/>
-    <p:sldId id="270" r:id="rId15"/>
-    <p:sldId id="273" r:id="rId16"/>
-    <p:sldId id="275" r:id="rId17"/>
+    <p:sldId id="276" r:id="rId8"/>
+    <p:sldId id="265" r:id="rId9"/>
+    <p:sldId id="266" r:id="rId10"/>
+    <p:sldId id="272" r:id="rId11"/>
+    <p:sldId id="267" r:id="rId12"/>
+    <p:sldId id="268" r:id="rId13"/>
+    <p:sldId id="269" r:id="rId14"/>
+    <p:sldId id="274" r:id="rId15"/>
+    <p:sldId id="270" r:id="rId16"/>
+    <p:sldId id="273" r:id="rId17"/>
+    <p:sldId id="275" r:id="rId18"/>
   </p:sldIdLst>
   <p:sldSz cx="12192000" cy="6858000"/>
   <p:notesSz cx="6858000" cy="9144000"/>
@@ -212,7 +213,7 @@
           <a:p>
             <a:fld id="{5CCD219F-F703-C14B-A05B-DA5DAB0DC4D2}" type="datetimeFigureOut">
               <a:rPr lang="de-DE" smtClean="0"/>
-              <a:t>27.02.23</a:t>
+              <a:t>28.02.23</a:t>
             </a:fld>
             <a:endParaRPr lang="de-DE"/>
           </a:p>
@@ -710,7 +711,7 @@
           <a:p>
             <a:fld id="{6B40B35D-B481-DF4E-B1B0-2B6288A3F72B}" type="datetimeFigureOut">
               <a:rPr lang="de-DE" smtClean="0"/>
-              <a:t>27.02.23</a:t>
+              <a:t>28.02.23</a:t>
             </a:fld>
             <a:endParaRPr lang="de-DE"/>
           </a:p>
@@ -908,7 +909,7 @@
           <a:p>
             <a:fld id="{6B40B35D-B481-DF4E-B1B0-2B6288A3F72B}" type="datetimeFigureOut">
               <a:rPr lang="de-DE" smtClean="0"/>
-              <a:t>27.02.23</a:t>
+              <a:t>28.02.23</a:t>
             </a:fld>
             <a:endParaRPr lang="de-DE"/>
           </a:p>
@@ -1116,7 +1117,7 @@
           <a:p>
             <a:fld id="{6B40B35D-B481-DF4E-B1B0-2B6288A3F72B}" type="datetimeFigureOut">
               <a:rPr lang="de-DE" smtClean="0"/>
-              <a:t>27.02.23</a:t>
+              <a:t>28.02.23</a:t>
             </a:fld>
             <a:endParaRPr lang="de-DE"/>
           </a:p>
@@ -1314,7 +1315,7 @@
           <a:p>
             <a:fld id="{6B40B35D-B481-DF4E-B1B0-2B6288A3F72B}" type="datetimeFigureOut">
               <a:rPr lang="de-DE" smtClean="0"/>
-              <a:t>27.02.23</a:t>
+              <a:t>28.02.23</a:t>
             </a:fld>
             <a:endParaRPr lang="de-DE"/>
           </a:p>
@@ -1589,7 +1590,7 @@
           <a:p>
             <a:fld id="{6B40B35D-B481-DF4E-B1B0-2B6288A3F72B}" type="datetimeFigureOut">
               <a:rPr lang="de-DE" smtClean="0"/>
-              <a:t>27.02.23</a:t>
+              <a:t>28.02.23</a:t>
             </a:fld>
             <a:endParaRPr lang="de-DE"/>
           </a:p>
@@ -1854,7 +1855,7 @@
           <a:p>
             <a:fld id="{6B40B35D-B481-DF4E-B1B0-2B6288A3F72B}" type="datetimeFigureOut">
               <a:rPr lang="de-DE" smtClean="0"/>
-              <a:t>27.02.23</a:t>
+              <a:t>28.02.23</a:t>
             </a:fld>
             <a:endParaRPr lang="de-DE"/>
           </a:p>
@@ -2266,7 +2267,7 @@
           <a:p>
             <a:fld id="{6B40B35D-B481-DF4E-B1B0-2B6288A3F72B}" type="datetimeFigureOut">
               <a:rPr lang="de-DE" smtClean="0"/>
-              <a:t>27.02.23</a:t>
+              <a:t>28.02.23</a:t>
             </a:fld>
             <a:endParaRPr lang="de-DE"/>
           </a:p>
@@ -2407,7 +2408,7 @@
           <a:p>
             <a:fld id="{6B40B35D-B481-DF4E-B1B0-2B6288A3F72B}" type="datetimeFigureOut">
               <a:rPr lang="de-DE" smtClean="0"/>
-              <a:t>27.02.23</a:t>
+              <a:t>28.02.23</a:t>
             </a:fld>
             <a:endParaRPr lang="de-DE"/>
           </a:p>
@@ -2520,7 +2521,7 @@
           <a:p>
             <a:fld id="{6B40B35D-B481-DF4E-B1B0-2B6288A3F72B}" type="datetimeFigureOut">
               <a:rPr lang="de-DE" smtClean="0"/>
-              <a:t>27.02.23</a:t>
+              <a:t>28.02.23</a:t>
             </a:fld>
             <a:endParaRPr lang="de-DE"/>
           </a:p>
@@ -2831,7 +2832,7 @@
           <a:p>
             <a:fld id="{6B40B35D-B481-DF4E-B1B0-2B6288A3F72B}" type="datetimeFigureOut">
               <a:rPr lang="de-DE" smtClean="0"/>
-              <a:t>27.02.23</a:t>
+              <a:t>28.02.23</a:t>
             </a:fld>
             <a:endParaRPr lang="de-DE"/>
           </a:p>
@@ -3119,7 +3120,7 @@
           <a:p>
             <a:fld id="{6B40B35D-B481-DF4E-B1B0-2B6288A3F72B}" type="datetimeFigureOut">
               <a:rPr lang="de-DE" smtClean="0"/>
-              <a:t>27.02.23</a:t>
+              <a:t>28.02.23</a:t>
             </a:fld>
             <a:endParaRPr lang="de-DE"/>
           </a:p>
@@ -3360,7 +3361,7 @@
           <a:p>
             <a:fld id="{6B40B35D-B481-DF4E-B1B0-2B6288A3F72B}" type="datetimeFigureOut">
               <a:rPr lang="de-DE" smtClean="0"/>
-              <a:t>27.02.23</a:t>
+              <a:t>28.02.23</a:t>
             </a:fld>
             <a:endParaRPr lang="de-DE"/>
           </a:p>
@@ -3972,102 +3973,23 @@
           <a:lstStyle/>
           <a:p>
             <a:r>
-              <a:rPr lang="de-DE" dirty="0" err="1"/>
-              <a:t>Kubernetes</a:t>
-            </a:r>
-            <a:r>
-              <a:rPr lang="de-DE" dirty="0"/>
-              <a:t> installieren (3):</a:t>
-            </a:r>
-            <a:endParaRPr lang="de-DE" dirty="0">
-              <a:latin typeface="Courier New" panose="02070309020205020404" pitchFamily="49" charset="0"/>
-              <a:cs typeface="Courier New" panose="02070309020205020404" pitchFamily="49" charset="0"/>
-            </a:endParaRPr>
-          </a:p>
-          <a:p>
-            <a:pPr lvl="1"/>
-            <a:r>
               <a:rPr lang="de-DE" dirty="0">
                 <a:cs typeface="Courier New" panose="02070309020205020404" pitchFamily="49" charset="0"/>
               </a:rPr>
-              <a:t>Browser aufrufen </a:t>
-            </a:r>
+              <a:t>Bitte das Token kopieren!</a:t>
+            </a:r>
+          </a:p>
+          <a:p>
+            <a:pPr marL="0" indent="0">
+              <a:buNone/>
+            </a:pPr>
             <a:r>
               <a:rPr lang="de-DE" dirty="0">
-                <a:cs typeface="Courier New" panose="02070309020205020404" pitchFamily="49" charset="0"/>
-                <a:hlinkClick r:id="rId2"/>
-              </a:rPr>
-              <a:t>https://master:10443</a:t>
-            </a:r>
-            <a:endParaRPr lang="de-DE" dirty="0">
-              <a:cs typeface="Courier New" panose="02070309020205020404" pitchFamily="49" charset="0"/>
-            </a:endParaRPr>
-          </a:p>
-          <a:p>
-            <a:pPr lvl="1"/>
-            <a:r>
-              <a:rPr lang="de-DE" dirty="0">
-                <a:cs typeface="Courier New" panose="02070309020205020404" pitchFamily="49" charset="0"/>
-              </a:rPr>
-              <a:t>Token eingeben</a:t>
-            </a:r>
-          </a:p>
-          <a:p>
-            <a:pPr lvl="1"/>
-            <a:r>
-              <a:rPr lang="de-DE" dirty="0">
-                <a:cs typeface="Courier New" panose="02070309020205020404" pitchFamily="49" charset="0"/>
-              </a:rPr>
-              <a:t>Erscheint das Dashboard?</a:t>
-            </a:r>
-          </a:p>
-          <a:p>
-            <a:pPr lvl="1"/>
-            <a:r>
-              <a:rPr lang="de-DE" dirty="0">
-                <a:cs typeface="Courier New" panose="02070309020205020404" pitchFamily="49" charset="0"/>
-              </a:rPr>
-              <a:t>Sieht man den </a:t>
-            </a:r>
-            <a:r>
-              <a:rPr lang="de-DE" dirty="0" err="1">
-                <a:latin typeface="Courier New" panose="02070309020205020404" pitchFamily="49" charset="0"/>
-                <a:cs typeface="Courier New" panose="02070309020205020404" pitchFamily="49" charset="0"/>
-              </a:rPr>
-              <a:t>master</a:t>
-            </a:r>
-            <a:r>
-              <a:rPr lang="de-DE" dirty="0">
-                <a:cs typeface="Courier New" panose="02070309020205020404" pitchFamily="49" charset="0"/>
-              </a:rPr>
-              <a:t> </a:t>
-            </a:r>
-            <a:r>
-              <a:rPr lang="de-DE" dirty="0" err="1">
-                <a:cs typeface="Courier New" panose="02070309020205020404" pitchFamily="49" charset="0"/>
-              </a:rPr>
-              <a:t>node</a:t>
-            </a:r>
-            <a:r>
-              <a:rPr lang="de-DE" dirty="0">
-                <a:cs typeface="Courier New" panose="02070309020205020404" pitchFamily="49" charset="0"/>
-              </a:rPr>
-              <a:t>? (unter Cluster </a:t>
-            </a:r>
-            <a:r>
-              <a:rPr lang="de-DE" dirty="0">
-                <a:cs typeface="Courier New" panose="02070309020205020404" pitchFamily="49" charset="0"/>
-                <a:sym typeface="Wingdings" pitchFamily="2" charset="2"/>
-              </a:rPr>
-              <a:t> Nodes)</a:t>
-            </a:r>
-            <a:endParaRPr lang="de-DE" dirty="0">
-              <a:cs typeface="Courier New" panose="02070309020205020404" pitchFamily="49" charset="0"/>
-            </a:endParaRPr>
-          </a:p>
-          <a:p>
-            <a:pPr lvl="1"/>
-            <a:endParaRPr lang="de-DE" dirty="0"/>
+                <a:latin typeface="Courier New" panose="02070309020205020404" pitchFamily="49" charset="0"/>
+                <a:cs typeface="Courier New" panose="02070309020205020404" pitchFamily="49" charset="0"/>
+              </a:rPr>
+              <a:t>	</a:t>
+            </a:r>
           </a:p>
         </p:txBody>
       </p:sp>
@@ -4076,7 +3998,7 @@
           <p:cNvPr id="4" name="Grafik 3">
             <a:extLst>
               <a:ext uri="{FF2B5EF4-FFF2-40B4-BE49-F238E27FC236}">
-                <a16:creationId xmlns:a16="http://schemas.microsoft.com/office/drawing/2014/main" id="{C51C0820-64B7-8820-F22B-FC0F71A67B1A}"/>
+                <a16:creationId xmlns:a16="http://schemas.microsoft.com/office/drawing/2014/main" id="{2D007CEF-3EC6-BDB3-7DE3-A93C924F6D36}"/>
               </a:ext>
             </a:extLst>
           </p:cNvPr>
@@ -4086,25 +4008,77 @@
           <p:nvPr/>
         </p:nvPicPr>
         <p:blipFill>
-          <a:blip r:embed="rId3"/>
+          <a:blip r:embed="rId2"/>
           <a:stretch>
             <a:fillRect/>
           </a:stretch>
         </p:blipFill>
         <p:spPr>
           <a:xfrm>
-            <a:off x="5326380" y="3841289"/>
-            <a:ext cx="6865620" cy="3016711"/>
+            <a:off x="20587" y="2548572"/>
+            <a:ext cx="12150825" cy="1760855"/>
           </a:xfrm>
           <a:prstGeom prst="rect">
             <a:avLst/>
           </a:prstGeom>
         </p:spPr>
       </p:pic>
+      <p:sp>
+        <p:nvSpPr>
+          <p:cNvPr id="5" name="Oval 4">
+            <a:extLst>
+              <a:ext uri="{FF2B5EF4-FFF2-40B4-BE49-F238E27FC236}">
+                <a16:creationId xmlns:a16="http://schemas.microsoft.com/office/drawing/2014/main" id="{A98F5722-1B8D-908E-9B20-4508E1C8C87C}"/>
+              </a:ext>
+            </a:extLst>
+          </p:cNvPr>
+          <p:cNvSpPr/>
+          <p:nvPr/>
+        </p:nvSpPr>
+        <p:spPr>
+          <a:xfrm>
+            <a:off x="112394" y="3392804"/>
+            <a:ext cx="11967210" cy="1051560"/>
+          </a:xfrm>
+          <a:prstGeom prst="ellipse">
+            <a:avLst/>
+          </a:prstGeom>
+          <a:noFill/>
+          <a:ln w="38100">
+            <a:solidFill>
+              <a:srgbClr val="FF0000"/>
+            </a:solidFill>
+          </a:ln>
+        </p:spPr>
+        <p:style>
+          <a:lnRef idx="2">
+            <a:schemeClr val="accent1">
+              <a:shade val="50000"/>
+            </a:schemeClr>
+          </a:lnRef>
+          <a:fillRef idx="1">
+            <a:schemeClr val="accent1"/>
+          </a:fillRef>
+          <a:effectRef idx="0">
+            <a:schemeClr val="accent1"/>
+          </a:effectRef>
+          <a:fontRef idx="minor">
+            <a:schemeClr val="lt1"/>
+          </a:fontRef>
+        </p:style>
+        <p:txBody>
+          <a:bodyPr rtlCol="0" anchor="ctr"/>
+          <a:lstStyle/>
+          <a:p>
+            <a:pPr algn="ctr"/>
+            <a:endParaRPr lang="de-DE"/>
+          </a:p>
+        </p:txBody>
+      </p:sp>
     </p:spTree>
     <p:extLst>
       <p:ext uri="{BB962C8B-B14F-4D97-AF65-F5344CB8AC3E}">
-        <p14:creationId xmlns:p14="http://schemas.microsoft.com/office/powerpoint/2010/main" val="366161749"/>
+        <p14:creationId xmlns:p14="http://schemas.microsoft.com/office/powerpoint/2010/main" val="1791239617"/>
       </p:ext>
     </p:extLst>
   </p:cSld>
@@ -4136,6 +4110,277 @@
           <p:cNvPr id="2" name="Titel 1">
             <a:extLst>
               <a:ext uri="{FF2B5EF4-FFF2-40B4-BE49-F238E27FC236}">
+                <a16:creationId xmlns:a16="http://schemas.microsoft.com/office/drawing/2014/main" id="{54472761-F6BA-A4DF-6E97-094AE60B729E}"/>
+              </a:ext>
+            </a:extLst>
+          </p:cNvPr>
+          <p:cNvSpPr>
+            <a:spLocks noGrp="1"/>
+          </p:cNvSpPr>
+          <p:nvPr>
+            <p:ph type="title"/>
+          </p:nvPr>
+        </p:nvSpPr>
+        <p:spPr/>
+        <p:txBody>
+          <a:bodyPr/>
+          <a:lstStyle/>
+          <a:p>
+            <a:r>
+              <a:rPr lang="de-DE" dirty="0"/>
+              <a:t>Master </a:t>
+            </a:r>
+            <a:r>
+              <a:rPr lang="de-DE" dirty="0" err="1"/>
+              <a:t>Node</a:t>
+            </a:r>
+            <a:r>
+              <a:rPr lang="de-DE" dirty="0"/>
+              <a:t> einrichten</a:t>
+            </a:r>
+          </a:p>
+        </p:txBody>
+      </p:sp>
+      <p:sp>
+        <p:nvSpPr>
+          <p:cNvPr id="3" name="Inhaltsplatzhalter 2">
+            <a:extLst>
+              <a:ext uri="{FF2B5EF4-FFF2-40B4-BE49-F238E27FC236}">
+                <a16:creationId xmlns:a16="http://schemas.microsoft.com/office/drawing/2014/main" id="{A6C84D30-D395-411D-5201-F8BC8F103909}"/>
+              </a:ext>
+            </a:extLst>
+          </p:cNvPr>
+          <p:cNvSpPr>
+            <a:spLocks noGrp="1"/>
+          </p:cNvSpPr>
+          <p:nvPr>
+            <p:ph idx="1"/>
+          </p:nvPr>
+        </p:nvSpPr>
+        <p:spPr/>
+        <p:txBody>
+          <a:bodyPr>
+            <a:normAutofit/>
+          </a:bodyPr>
+          <a:lstStyle/>
+          <a:p>
+            <a:r>
+              <a:rPr lang="de-DE" dirty="0" err="1"/>
+              <a:t>Kubernetes</a:t>
+            </a:r>
+            <a:r>
+              <a:rPr lang="de-DE" dirty="0"/>
+              <a:t> installieren (3):</a:t>
+            </a:r>
+            <a:endParaRPr lang="de-DE" dirty="0">
+              <a:latin typeface="Courier New" panose="02070309020205020404" pitchFamily="49" charset="0"/>
+              <a:cs typeface="Courier New" panose="02070309020205020404" pitchFamily="49" charset="0"/>
+            </a:endParaRPr>
+          </a:p>
+          <a:p>
+            <a:pPr lvl="1"/>
+            <a:r>
+              <a:rPr lang="de-DE" dirty="0">
+                <a:cs typeface="Courier New" panose="02070309020205020404" pitchFamily="49" charset="0"/>
+              </a:rPr>
+              <a:t>Browser aufrufen </a:t>
+            </a:r>
+            <a:r>
+              <a:rPr lang="de-DE" dirty="0">
+                <a:cs typeface="Courier New" panose="02070309020205020404" pitchFamily="49" charset="0"/>
+                <a:hlinkClick r:id="rId2"/>
+              </a:rPr>
+              <a:t>https://192.168.22.2:10443</a:t>
+            </a:r>
+            <a:endParaRPr lang="de-DE" dirty="0">
+              <a:cs typeface="Courier New" panose="02070309020205020404" pitchFamily="49" charset="0"/>
+            </a:endParaRPr>
+          </a:p>
+          <a:p>
+            <a:pPr lvl="1"/>
+            <a:r>
+              <a:rPr lang="de-DE" dirty="0">
+                <a:cs typeface="Courier New" panose="02070309020205020404" pitchFamily="49" charset="0"/>
+              </a:rPr>
+              <a:t>Token eingeben</a:t>
+            </a:r>
+          </a:p>
+          <a:p>
+            <a:pPr lvl="1"/>
+            <a:r>
+              <a:rPr lang="de-DE" dirty="0">
+                <a:cs typeface="Courier New" panose="02070309020205020404" pitchFamily="49" charset="0"/>
+              </a:rPr>
+              <a:t>Erscheint das Dashboard?</a:t>
+            </a:r>
+          </a:p>
+          <a:p>
+            <a:pPr lvl="1"/>
+            <a:r>
+              <a:rPr lang="de-DE" dirty="0">
+                <a:cs typeface="Courier New" panose="02070309020205020404" pitchFamily="49" charset="0"/>
+              </a:rPr>
+              <a:t>Sieht man den </a:t>
+            </a:r>
+            <a:r>
+              <a:rPr lang="de-DE" dirty="0" err="1">
+                <a:latin typeface="Courier New" panose="02070309020205020404" pitchFamily="49" charset="0"/>
+                <a:cs typeface="Courier New" panose="02070309020205020404" pitchFamily="49" charset="0"/>
+              </a:rPr>
+              <a:t>master</a:t>
+            </a:r>
+            <a:r>
+              <a:rPr lang="de-DE" dirty="0">
+                <a:cs typeface="Courier New" panose="02070309020205020404" pitchFamily="49" charset="0"/>
+              </a:rPr>
+              <a:t> </a:t>
+            </a:r>
+            <a:r>
+              <a:rPr lang="de-DE" dirty="0" err="1">
+                <a:cs typeface="Courier New" panose="02070309020205020404" pitchFamily="49" charset="0"/>
+              </a:rPr>
+              <a:t>node</a:t>
+            </a:r>
+            <a:r>
+              <a:rPr lang="de-DE" dirty="0">
+                <a:cs typeface="Courier New" panose="02070309020205020404" pitchFamily="49" charset="0"/>
+              </a:rPr>
+              <a:t>? (unter Cluster </a:t>
+            </a:r>
+            <a:r>
+              <a:rPr lang="de-DE" dirty="0">
+                <a:cs typeface="Courier New" panose="02070309020205020404" pitchFamily="49" charset="0"/>
+                <a:sym typeface="Wingdings" pitchFamily="2" charset="2"/>
+              </a:rPr>
+              <a:t> Nodes)</a:t>
+            </a:r>
+            <a:endParaRPr lang="de-DE" dirty="0">
+              <a:cs typeface="Courier New" panose="02070309020205020404" pitchFamily="49" charset="0"/>
+            </a:endParaRPr>
+          </a:p>
+          <a:p>
+            <a:pPr lvl="1"/>
+            <a:endParaRPr lang="de-DE" dirty="0"/>
+          </a:p>
+        </p:txBody>
+      </p:sp>
+      <p:pic>
+        <p:nvPicPr>
+          <p:cNvPr id="4" name="Grafik 3">
+            <a:extLst>
+              <a:ext uri="{FF2B5EF4-FFF2-40B4-BE49-F238E27FC236}">
+                <a16:creationId xmlns:a16="http://schemas.microsoft.com/office/drawing/2014/main" id="{C51C0820-64B7-8820-F22B-FC0F71A67B1A}"/>
+              </a:ext>
+            </a:extLst>
+          </p:cNvPr>
+          <p:cNvPicPr>
+            <a:picLocks noChangeAspect="1"/>
+          </p:cNvPicPr>
+          <p:nvPr/>
+        </p:nvPicPr>
+        <p:blipFill>
+          <a:blip r:embed="rId3"/>
+          <a:stretch>
+            <a:fillRect/>
+          </a:stretch>
+        </p:blipFill>
+        <p:spPr>
+          <a:xfrm>
+            <a:off x="5326380" y="3841289"/>
+            <a:ext cx="6865620" cy="3016711"/>
+          </a:xfrm>
+          <a:prstGeom prst="rect">
+            <a:avLst/>
+          </a:prstGeom>
+        </p:spPr>
+      </p:pic>
+      <p:sp>
+        <p:nvSpPr>
+          <p:cNvPr id="7" name="Oval 6">
+            <a:extLst>
+              <a:ext uri="{FF2B5EF4-FFF2-40B4-BE49-F238E27FC236}">
+                <a16:creationId xmlns:a16="http://schemas.microsoft.com/office/drawing/2014/main" id="{DCAB8E92-A52B-131E-DFF2-2222213BCB7B}"/>
+              </a:ext>
+            </a:extLst>
+          </p:cNvPr>
+          <p:cNvSpPr/>
+          <p:nvPr/>
+        </p:nvSpPr>
+        <p:spPr>
+          <a:xfrm>
+            <a:off x="4591404" y="2216258"/>
+            <a:ext cx="1964379" cy="495945"/>
+          </a:xfrm>
+          <a:prstGeom prst="ellipse">
+            <a:avLst/>
+          </a:prstGeom>
+          <a:noFill/>
+          <a:ln w="38100">
+            <a:solidFill>
+              <a:srgbClr val="FF0000"/>
+            </a:solidFill>
+          </a:ln>
+        </p:spPr>
+        <p:style>
+          <a:lnRef idx="2">
+            <a:schemeClr val="accent1">
+              <a:shade val="50000"/>
+            </a:schemeClr>
+          </a:lnRef>
+          <a:fillRef idx="1">
+            <a:schemeClr val="accent1"/>
+          </a:fillRef>
+          <a:effectRef idx="0">
+            <a:schemeClr val="accent1"/>
+          </a:effectRef>
+          <a:fontRef idx="minor">
+            <a:schemeClr val="lt1"/>
+          </a:fontRef>
+        </p:style>
+        <p:txBody>
+          <a:bodyPr rtlCol="0" anchor="ctr"/>
+          <a:lstStyle/>
+          <a:p>
+            <a:pPr algn="ctr"/>
+            <a:endParaRPr lang="de-DE"/>
+          </a:p>
+        </p:txBody>
+      </p:sp>
+    </p:spTree>
+    <p:extLst>
+      <p:ext uri="{BB962C8B-B14F-4D97-AF65-F5344CB8AC3E}">
+        <p14:creationId xmlns:p14="http://schemas.microsoft.com/office/powerpoint/2010/main" val="366161749"/>
+      </p:ext>
+    </p:extLst>
+  </p:cSld>
+  <p:clrMapOvr>
+    <a:masterClrMapping/>
+  </p:clrMapOvr>
+</p:sld>
+</file>
+
+<file path=ppt/slides/slide12.xml><?xml version="1.0" encoding="utf-8"?>
+<p:sld xmlns:a="http://schemas.openxmlformats.org/drawingml/2006/main" xmlns:r="http://schemas.openxmlformats.org/officeDocument/2006/relationships" xmlns:p="http://schemas.openxmlformats.org/presentationml/2006/main">
+  <p:cSld>
+    <p:spTree>
+      <p:nvGrpSpPr>
+        <p:cNvPr id="1" name=""/>
+        <p:cNvGrpSpPr/>
+        <p:nvPr/>
+      </p:nvGrpSpPr>
+      <p:grpSpPr>
+        <a:xfrm>
+          <a:off x="0" y="0"/>
+          <a:ext cx="0" cy="0"/>
+          <a:chOff x="0" y="0"/>
+          <a:chExt cx="0" cy="0"/>
+        </a:xfrm>
+      </p:grpSpPr>
+      <p:sp>
+        <p:nvSpPr>
+          <p:cNvPr id="2" name="Titel 1">
+            <a:extLst>
+              <a:ext uri="{FF2B5EF4-FFF2-40B4-BE49-F238E27FC236}">
                 <a16:creationId xmlns:a16="http://schemas.microsoft.com/office/drawing/2014/main" id="{97B81511-FD40-5DFB-A11C-439D47FC7E4E}"/>
               </a:ext>
             </a:extLst>
@@ -4459,7 +4704,7 @@
 </p:sld>
 </file>
 
-<file path=ppt/slides/slide12.xml><?xml version="1.0" encoding="utf-8"?>
+<file path=ppt/slides/slide13.xml><?xml version="1.0" encoding="utf-8"?>
 <p:sld xmlns:a="http://schemas.openxmlformats.org/drawingml/2006/main" xmlns:r="http://schemas.openxmlformats.org/officeDocument/2006/relationships" xmlns:p="http://schemas.openxmlformats.org/presentationml/2006/main">
   <p:cSld>
     <p:spTree>
@@ -4749,7 +4994,7 @@
 </p:sld>
 </file>
 
-<file path=ppt/slides/slide13.xml><?xml version="1.0" encoding="utf-8"?>
+<file path=ppt/slides/slide14.xml><?xml version="1.0" encoding="utf-8"?>
 <p:sld xmlns:a="http://schemas.openxmlformats.org/drawingml/2006/main" xmlns:r="http://schemas.openxmlformats.org/officeDocument/2006/relationships" xmlns:p="http://schemas.openxmlformats.org/presentationml/2006/main">
   <p:cSld>
     <p:spTree>
@@ -4922,7 +5167,7 @@
 </p:sld>
 </file>
 
-<file path=ppt/slides/slide14.xml><?xml version="1.0" encoding="utf-8"?>
+<file path=ppt/slides/slide15.xml><?xml version="1.0" encoding="utf-8"?>
 <p:sld xmlns:a="http://schemas.openxmlformats.org/drawingml/2006/main" xmlns:r="http://schemas.openxmlformats.org/officeDocument/2006/relationships" xmlns:p="http://schemas.openxmlformats.org/presentationml/2006/main">
   <p:cSld>
     <p:spTree>
@@ -5062,7 +5307,7 @@
 </p:sld>
 </file>
 
-<file path=ppt/slides/slide15.xml><?xml version="1.0" encoding="utf-8"?>
+<file path=ppt/slides/slide16.xml><?xml version="1.0" encoding="utf-8"?>
 <p:sld xmlns:a="http://schemas.openxmlformats.org/drawingml/2006/main" xmlns:r="http://schemas.openxmlformats.org/officeDocument/2006/relationships" xmlns:p="http://schemas.openxmlformats.org/presentationml/2006/main">
   <p:cSld>
     <p:spTree>
@@ -5206,7 +5451,7 @@
 </p:sld>
 </file>
 
-<file path=ppt/slides/slide16.xml><?xml version="1.0" encoding="utf-8"?>
+<file path=ppt/slides/slide17.xml><?xml version="1.0" encoding="utf-8"?>
 <p:sld xmlns:a="http://schemas.openxmlformats.org/drawingml/2006/main" xmlns:r="http://schemas.openxmlformats.org/officeDocument/2006/relationships" xmlns:p="http://schemas.openxmlformats.org/presentationml/2006/main">
   <p:cSld>
     <p:spTree>
@@ -6344,15 +6589,7 @@
           <a:p>
             <a:r>
               <a:rPr lang="de-DE" dirty="0"/>
-              <a:t>Master </a:t>
-            </a:r>
-            <a:r>
-              <a:rPr lang="de-DE" dirty="0" err="1"/>
-              <a:t>Node</a:t>
-            </a:r>
-            <a:r>
-              <a:rPr lang="de-DE" dirty="0"/>
-              <a:t> einrichten</a:t>
+              <a:t>Virtuelle Maschinen mit multipass</a:t>
             </a:r>
           </a:p>
         </p:txBody>
@@ -6375,465 +6612,77 @@
         </p:nvSpPr>
         <p:spPr/>
         <p:txBody>
-          <a:bodyPr>
-            <a:normAutofit/>
-          </a:bodyPr>
-          <a:lstStyle/>
-          <a:p>
-            <a:r>
-              <a:rPr lang="de-DE" dirty="0" err="1"/>
-              <a:t>Kubernetes</a:t>
-            </a:r>
-            <a:r>
-              <a:rPr lang="de-DE" dirty="0"/>
-              <a:t> installieren (1):</a:t>
-            </a:r>
-          </a:p>
-          <a:p>
-            <a:pPr marL="0" indent="0">
+          <a:bodyPr/>
+          <a:lstStyle/>
+          <a:p>
+            <a:pPr lvl="1"/>
+            <a:endParaRPr lang="de-DE" dirty="0"/>
+          </a:p>
+          <a:p>
+            <a:r>
+              <a:rPr lang="de-DE" dirty="0"/>
+              <a:t>IP-Adresse der virtuellen von </a:t>
+            </a:r>
+            <a:r>
+              <a:rPr lang="de-DE" dirty="0" err="1">
+                <a:latin typeface="Courier New" panose="02070309020205020404" pitchFamily="49" charset="0"/>
+                <a:cs typeface="Courier New" panose="02070309020205020404" pitchFamily="49" charset="0"/>
+              </a:rPr>
+              <a:t>master</a:t>
+            </a:r>
+            <a:r>
+              <a:rPr lang="de-DE" dirty="0"/>
+              <a:t> bestimmen</a:t>
+            </a:r>
+          </a:p>
+          <a:p>
+            <a:pPr marL="457200" lvl="1" indent="0">
               <a:buNone/>
             </a:pPr>
             <a:r>
-              <a:rPr lang="de-DE" sz="2400" dirty="0">
-                <a:latin typeface="Courier New" panose="02070309020205020404" pitchFamily="49" charset="0"/>
-                <a:cs typeface="Courier New" panose="02070309020205020404" pitchFamily="49" charset="0"/>
-              </a:rPr>
-              <a:t>	multipass </a:t>
-            </a:r>
-            <a:r>
-              <a:rPr lang="de-DE" sz="2400" dirty="0" err="1">
-                <a:latin typeface="Courier New" panose="02070309020205020404" pitchFamily="49" charset="0"/>
-                <a:cs typeface="Courier New" panose="02070309020205020404" pitchFamily="49" charset="0"/>
-              </a:rPr>
-              <a:t>shell</a:t>
-            </a:r>
-            <a:r>
-              <a:rPr lang="de-DE" sz="2400" dirty="0">
-                <a:latin typeface="Courier New" panose="02070309020205020404" pitchFamily="49" charset="0"/>
-                <a:cs typeface="Courier New" panose="02070309020205020404" pitchFamily="49" charset="0"/>
-              </a:rPr>
-              <a:t> </a:t>
-            </a:r>
-            <a:r>
-              <a:rPr lang="de-DE" sz="2400" dirty="0" err="1">
-                <a:latin typeface="Courier New" panose="02070309020205020404" pitchFamily="49" charset="0"/>
-                <a:cs typeface="Courier New" panose="02070309020205020404" pitchFamily="49" charset="0"/>
-              </a:rPr>
-              <a:t>master</a:t>
-            </a:r>
-            <a:endParaRPr lang="de-DE" sz="2400" dirty="0">
+              <a:rPr lang="de-DE" dirty="0">
+                <a:latin typeface="Courier New" panose="02070309020205020404" pitchFamily="49" charset="0"/>
+                <a:cs typeface="Courier New" panose="02070309020205020404" pitchFamily="49" charset="0"/>
+              </a:rPr>
+              <a:t>multipass </a:t>
+            </a:r>
+            <a:r>
+              <a:rPr lang="de-DE" dirty="0" err="1">
+                <a:latin typeface="Courier New" panose="02070309020205020404" pitchFamily="49" charset="0"/>
+                <a:cs typeface="Courier New" panose="02070309020205020404" pitchFamily="49" charset="0"/>
+              </a:rPr>
+              <a:t>list</a:t>
+            </a:r>
+            <a:endParaRPr lang="de-DE" dirty="0">
               <a:latin typeface="Courier New" panose="02070309020205020404" pitchFamily="49" charset="0"/>
               <a:cs typeface="Courier New" panose="02070309020205020404" pitchFamily="49" charset="0"/>
             </a:endParaRPr>
           </a:p>
           <a:p>
-            <a:pPr marL="0" indent="0">
+            <a:pPr marL="457200" lvl="1" indent="0">
               <a:buNone/>
             </a:pPr>
-            <a:r>
-              <a:rPr lang="de-DE" sz="2400" dirty="0">
-                <a:latin typeface="Courier New" panose="02070309020205020404" pitchFamily="49" charset="0"/>
-                <a:cs typeface="Courier New" panose="02070309020205020404" pitchFamily="49" charset="0"/>
-              </a:rPr>
-              <a:t>	</a:t>
-            </a:r>
-            <a:r>
-              <a:rPr lang="de-DE" sz="2400" dirty="0" err="1">
-                <a:latin typeface="Courier New" panose="02070309020205020404" pitchFamily="49" charset="0"/>
-                <a:cs typeface="Courier New" panose="02070309020205020404" pitchFamily="49" charset="0"/>
-              </a:rPr>
-              <a:t>sudo</a:t>
-            </a:r>
-            <a:r>
-              <a:rPr lang="de-DE" sz="2400" dirty="0">
-                <a:latin typeface="Courier New" panose="02070309020205020404" pitchFamily="49" charset="0"/>
-                <a:cs typeface="Courier New" panose="02070309020205020404" pitchFamily="49" charset="0"/>
-              </a:rPr>
-              <a:t> </a:t>
-            </a:r>
-            <a:r>
-              <a:rPr lang="de-DE" sz="2400" dirty="0" err="1">
-                <a:latin typeface="Courier New" panose="02070309020205020404" pitchFamily="49" charset="0"/>
-                <a:cs typeface="Courier New" panose="02070309020205020404" pitchFamily="49" charset="0"/>
-              </a:rPr>
-              <a:t>snap</a:t>
-            </a:r>
-            <a:r>
-              <a:rPr lang="de-DE" sz="2400" dirty="0">
-                <a:latin typeface="Courier New" panose="02070309020205020404" pitchFamily="49" charset="0"/>
-                <a:cs typeface="Courier New" panose="02070309020205020404" pitchFamily="49" charset="0"/>
-              </a:rPr>
-              <a:t> </a:t>
-            </a:r>
-            <a:r>
-              <a:rPr lang="de-DE" sz="2400" dirty="0" err="1">
-                <a:latin typeface="Courier New" panose="02070309020205020404" pitchFamily="49" charset="0"/>
-                <a:cs typeface="Courier New" panose="02070309020205020404" pitchFamily="49" charset="0"/>
-              </a:rPr>
-              <a:t>install</a:t>
-            </a:r>
-            <a:r>
-              <a:rPr lang="de-DE" sz="2400" dirty="0">
-                <a:latin typeface="Courier New" panose="02070309020205020404" pitchFamily="49" charset="0"/>
-                <a:cs typeface="Courier New" panose="02070309020205020404" pitchFamily="49" charset="0"/>
-              </a:rPr>
-              <a:t> microk8s --classic</a:t>
-            </a:r>
-          </a:p>
-          <a:p>
-            <a:pPr marL="0" indent="0">
-              <a:buNone/>
-            </a:pPr>
-            <a:r>
-              <a:rPr lang="de-DE" sz="2400" dirty="0">
-                <a:latin typeface="Courier New" panose="02070309020205020404" pitchFamily="49" charset="0"/>
-                <a:cs typeface="Courier New" panose="02070309020205020404" pitchFamily="49" charset="0"/>
-              </a:rPr>
-              <a:t>	</a:t>
-            </a:r>
-            <a:r>
-              <a:rPr lang="de-DE" sz="2400" dirty="0" err="1">
-                <a:latin typeface="Courier New" panose="02070309020205020404" pitchFamily="49" charset="0"/>
-                <a:cs typeface="Courier New" panose="02070309020205020404" pitchFamily="49" charset="0"/>
-              </a:rPr>
-              <a:t>sudo</a:t>
-            </a:r>
-            <a:r>
-              <a:rPr lang="de-DE" sz="2400" dirty="0">
-                <a:latin typeface="Courier New" panose="02070309020205020404" pitchFamily="49" charset="0"/>
-                <a:cs typeface="Courier New" panose="02070309020205020404" pitchFamily="49" charset="0"/>
-              </a:rPr>
-              <a:t> </a:t>
-            </a:r>
-            <a:r>
-              <a:rPr lang="de-DE" sz="2400" dirty="0" err="1">
-                <a:latin typeface="Courier New" panose="02070309020205020404" pitchFamily="49" charset="0"/>
-                <a:cs typeface="Courier New" panose="02070309020205020404" pitchFamily="49" charset="0"/>
-              </a:rPr>
-              <a:t>usermod</a:t>
-            </a:r>
-            <a:r>
-              <a:rPr lang="de-DE" sz="2400" dirty="0">
-                <a:latin typeface="Courier New" panose="02070309020205020404" pitchFamily="49" charset="0"/>
-                <a:cs typeface="Courier New" panose="02070309020205020404" pitchFamily="49" charset="0"/>
-              </a:rPr>
-              <a:t> -a -G microk8s $USER</a:t>
-            </a:r>
-          </a:p>
-          <a:p>
-            <a:pPr marL="0" indent="0">
-              <a:buNone/>
-            </a:pPr>
-            <a:r>
-              <a:rPr lang="de-DE" sz="2400" dirty="0">
-                <a:latin typeface="Courier New" panose="02070309020205020404" pitchFamily="49" charset="0"/>
-                <a:cs typeface="Courier New" panose="02070309020205020404" pitchFamily="49" charset="0"/>
-              </a:rPr>
-              <a:t>	</a:t>
-            </a:r>
-            <a:r>
-              <a:rPr lang="de-DE" sz="2400" dirty="0" err="1">
-                <a:latin typeface="Courier New" panose="02070309020205020404" pitchFamily="49" charset="0"/>
-                <a:cs typeface="Courier New" panose="02070309020205020404" pitchFamily="49" charset="0"/>
-              </a:rPr>
-              <a:t>sudo</a:t>
-            </a:r>
-            <a:r>
-              <a:rPr lang="de-DE" sz="2400" dirty="0">
-                <a:latin typeface="Courier New" panose="02070309020205020404" pitchFamily="49" charset="0"/>
-                <a:cs typeface="Courier New" panose="02070309020205020404" pitchFamily="49" charset="0"/>
-              </a:rPr>
-              <a:t> </a:t>
-            </a:r>
-            <a:r>
-              <a:rPr lang="de-DE" sz="2400" dirty="0" err="1">
-                <a:latin typeface="Courier New" panose="02070309020205020404" pitchFamily="49" charset="0"/>
-                <a:cs typeface="Courier New" panose="02070309020205020404" pitchFamily="49" charset="0"/>
-              </a:rPr>
-              <a:t>shutdown</a:t>
-            </a:r>
-            <a:r>
-              <a:rPr lang="de-DE" sz="2400" dirty="0">
-                <a:latin typeface="Courier New" panose="02070309020205020404" pitchFamily="49" charset="0"/>
-                <a:cs typeface="Courier New" panose="02070309020205020404" pitchFamily="49" charset="0"/>
-              </a:rPr>
-              <a:t> -</a:t>
-            </a:r>
-            <a:r>
-              <a:rPr lang="de-DE" sz="2400" dirty="0" err="1">
-                <a:latin typeface="Courier New" panose="02070309020205020404" pitchFamily="49" charset="0"/>
-                <a:cs typeface="Courier New" panose="02070309020205020404" pitchFamily="49" charset="0"/>
-              </a:rPr>
-              <a:t>r</a:t>
-            </a:r>
-            <a:r>
-              <a:rPr lang="de-DE" sz="2400" dirty="0">
-                <a:latin typeface="Courier New" panose="02070309020205020404" pitchFamily="49" charset="0"/>
-                <a:cs typeface="Courier New" panose="02070309020205020404" pitchFamily="49" charset="0"/>
-              </a:rPr>
-              <a:t> </a:t>
-            </a:r>
-            <a:r>
-              <a:rPr lang="de-DE" sz="2400" dirty="0" err="1">
-                <a:latin typeface="Courier New" panose="02070309020205020404" pitchFamily="49" charset="0"/>
-                <a:cs typeface="Courier New" panose="02070309020205020404" pitchFamily="49" charset="0"/>
-              </a:rPr>
-              <a:t>now</a:t>
-            </a:r>
-            <a:endParaRPr lang="de-DE" sz="2400" dirty="0">
+            <a:endParaRPr lang="de-DE" dirty="0">
               <a:latin typeface="Courier New" panose="02070309020205020404" pitchFamily="49" charset="0"/>
               <a:cs typeface="Courier New" panose="02070309020205020404" pitchFamily="49" charset="0"/>
             </a:endParaRPr>
           </a:p>
           <a:p>
-            <a:pPr lvl="1"/>
-            <a:r>
-              <a:rPr lang="de-DE" dirty="0">
-                <a:cs typeface="Courier New" panose="02070309020205020404" pitchFamily="49" charset="0"/>
-              </a:rPr>
-              <a:t>Kurz warten: VM startet neu</a:t>
-            </a:r>
-          </a:p>
-        </p:txBody>
-      </p:sp>
-    </p:spTree>
-    <p:extLst>
-      <p:ext uri="{BB962C8B-B14F-4D97-AF65-F5344CB8AC3E}">
-        <p14:creationId xmlns:p14="http://schemas.microsoft.com/office/powerpoint/2010/main" val="1270310899"/>
-      </p:ext>
-    </p:extLst>
-  </p:cSld>
-  <p:clrMapOvr>
-    <a:masterClrMapping/>
-  </p:clrMapOvr>
-</p:sld>
-</file>
-
-<file path=ppt/slides/slide8.xml><?xml version="1.0" encoding="utf-8"?>
-<p:sld xmlns:a="http://schemas.openxmlformats.org/drawingml/2006/main" xmlns:r="http://schemas.openxmlformats.org/officeDocument/2006/relationships" xmlns:p="http://schemas.openxmlformats.org/presentationml/2006/main">
-  <p:cSld>
-    <p:spTree>
-      <p:nvGrpSpPr>
-        <p:cNvPr id="1" name=""/>
-        <p:cNvGrpSpPr/>
-        <p:nvPr/>
-      </p:nvGrpSpPr>
-      <p:grpSpPr>
-        <a:xfrm>
-          <a:off x="0" y="0"/>
-          <a:ext cx="0" cy="0"/>
-          <a:chOff x="0" y="0"/>
-          <a:chExt cx="0" cy="0"/>
-        </a:xfrm>
-      </p:grpSpPr>
-      <p:sp>
-        <p:nvSpPr>
-          <p:cNvPr id="2" name="Titel 1">
-            <a:extLst>
-              <a:ext uri="{FF2B5EF4-FFF2-40B4-BE49-F238E27FC236}">
-                <a16:creationId xmlns:a16="http://schemas.microsoft.com/office/drawing/2014/main" id="{54472761-F6BA-A4DF-6E97-094AE60B729E}"/>
-              </a:ext>
-            </a:extLst>
-          </p:cNvPr>
-          <p:cNvSpPr>
-            <a:spLocks noGrp="1"/>
-          </p:cNvSpPr>
-          <p:nvPr>
-            <p:ph type="title"/>
-          </p:nvPr>
-        </p:nvSpPr>
-        <p:spPr/>
-        <p:txBody>
-          <a:bodyPr/>
-          <a:lstStyle/>
-          <a:p>
-            <a:r>
-              <a:rPr lang="de-DE" dirty="0"/>
-              <a:t>Master </a:t>
-            </a:r>
-            <a:r>
-              <a:rPr lang="de-DE" dirty="0" err="1"/>
-              <a:t>Node</a:t>
-            </a:r>
-            <a:r>
-              <a:rPr lang="de-DE" dirty="0"/>
-              <a:t> einrichten</a:t>
-            </a:r>
-          </a:p>
-        </p:txBody>
-      </p:sp>
-      <p:sp>
-        <p:nvSpPr>
-          <p:cNvPr id="3" name="Inhaltsplatzhalter 2">
-            <a:extLst>
-              <a:ext uri="{FF2B5EF4-FFF2-40B4-BE49-F238E27FC236}">
-                <a16:creationId xmlns:a16="http://schemas.microsoft.com/office/drawing/2014/main" id="{A6C84D30-D395-411D-5201-F8BC8F103909}"/>
-              </a:ext>
-            </a:extLst>
-          </p:cNvPr>
-          <p:cNvSpPr>
-            <a:spLocks noGrp="1"/>
-          </p:cNvSpPr>
-          <p:nvPr>
-            <p:ph idx="1"/>
-          </p:nvPr>
-        </p:nvSpPr>
-        <p:spPr/>
-        <p:txBody>
-          <a:bodyPr>
-            <a:normAutofit/>
-          </a:bodyPr>
-          <a:lstStyle/>
-          <a:p>
-            <a:r>
-              <a:rPr lang="de-DE" dirty="0" err="1"/>
-              <a:t>Kubernetes</a:t>
-            </a:r>
-            <a:r>
-              <a:rPr lang="de-DE" dirty="0"/>
-              <a:t> installieren (2):</a:t>
-            </a:r>
-          </a:p>
-          <a:p>
-            <a:pPr marL="0" indent="0">
-              <a:buNone/>
-            </a:pPr>
-            <a:r>
-              <a:rPr lang="de-DE" sz="2400" dirty="0">
-                <a:latin typeface="Courier New" panose="02070309020205020404" pitchFamily="49" charset="0"/>
-                <a:cs typeface="Courier New" panose="02070309020205020404" pitchFamily="49" charset="0"/>
-              </a:rPr>
-              <a:t>	multipass </a:t>
-            </a:r>
-            <a:r>
-              <a:rPr lang="de-DE" sz="2400" dirty="0" err="1">
-                <a:latin typeface="Courier New" panose="02070309020205020404" pitchFamily="49" charset="0"/>
-                <a:cs typeface="Courier New" panose="02070309020205020404" pitchFamily="49" charset="0"/>
-              </a:rPr>
-              <a:t>shell</a:t>
-            </a:r>
-            <a:r>
-              <a:rPr lang="de-DE" sz="2400" dirty="0">
-                <a:latin typeface="Courier New" panose="02070309020205020404" pitchFamily="49" charset="0"/>
-                <a:cs typeface="Courier New" panose="02070309020205020404" pitchFamily="49" charset="0"/>
-              </a:rPr>
-              <a:t> </a:t>
-            </a:r>
-            <a:r>
-              <a:rPr lang="de-DE" sz="2400" dirty="0" err="1">
-                <a:latin typeface="Courier New" panose="02070309020205020404" pitchFamily="49" charset="0"/>
-                <a:cs typeface="Courier New" panose="02070309020205020404" pitchFamily="49" charset="0"/>
-              </a:rPr>
-              <a:t>master</a:t>
-            </a:r>
-            <a:endParaRPr lang="de-DE" sz="2400" dirty="0">
-              <a:latin typeface="Courier New" panose="02070309020205020404" pitchFamily="49" charset="0"/>
+            <a:endParaRPr lang="de-DE" dirty="0">
               <a:cs typeface="Courier New" panose="02070309020205020404" pitchFamily="49" charset="0"/>
             </a:endParaRPr>
           </a:p>
           <a:p>
-            <a:pPr marL="0" indent="0">
-              <a:buNone/>
-            </a:pPr>
-            <a:r>
-              <a:rPr lang="de-DE" sz="2400" dirty="0">
-                <a:latin typeface="Courier New" panose="02070309020205020404" pitchFamily="49" charset="0"/>
-                <a:cs typeface="Courier New" panose="02070309020205020404" pitchFamily="49" charset="0"/>
-              </a:rPr>
-              <a:t>	microk8s </a:t>
-            </a:r>
-            <a:r>
-              <a:rPr lang="de-DE" sz="2400" dirty="0" err="1">
-                <a:latin typeface="Courier New" panose="02070309020205020404" pitchFamily="49" charset="0"/>
-                <a:cs typeface="Courier New" panose="02070309020205020404" pitchFamily="49" charset="0"/>
-              </a:rPr>
-              <a:t>enable</a:t>
-            </a:r>
-            <a:r>
-              <a:rPr lang="de-DE" sz="2400" dirty="0">
-                <a:latin typeface="Courier New" panose="02070309020205020404" pitchFamily="49" charset="0"/>
-                <a:cs typeface="Courier New" panose="02070309020205020404" pitchFamily="49" charset="0"/>
-              </a:rPr>
-              <a:t> </a:t>
-            </a:r>
-            <a:r>
-              <a:rPr lang="de-DE" sz="2400" dirty="0" err="1">
-                <a:latin typeface="Courier New" panose="02070309020205020404" pitchFamily="49" charset="0"/>
-                <a:cs typeface="Courier New" panose="02070309020205020404" pitchFamily="49" charset="0"/>
-              </a:rPr>
-              <a:t>dns</a:t>
-            </a:r>
-            <a:r>
-              <a:rPr lang="de-DE" sz="2400" dirty="0">
-                <a:latin typeface="Courier New" panose="02070309020205020404" pitchFamily="49" charset="0"/>
-                <a:cs typeface="Courier New" panose="02070309020205020404" pitchFamily="49" charset="0"/>
-              </a:rPr>
-              <a:t> </a:t>
-            </a:r>
-            <a:r>
-              <a:rPr lang="de-DE" sz="2400" dirty="0" err="1">
-                <a:latin typeface="Courier New" panose="02070309020205020404" pitchFamily="49" charset="0"/>
-                <a:cs typeface="Courier New" panose="02070309020205020404" pitchFamily="49" charset="0"/>
-              </a:rPr>
-              <a:t>dashboard</a:t>
-            </a:r>
-            <a:r>
-              <a:rPr lang="de-DE" sz="2400" dirty="0">
-                <a:latin typeface="Courier New" panose="02070309020205020404" pitchFamily="49" charset="0"/>
-                <a:cs typeface="Courier New" panose="02070309020205020404" pitchFamily="49" charset="0"/>
-              </a:rPr>
-              <a:t> </a:t>
-            </a:r>
-            <a:r>
-              <a:rPr lang="de-DE" sz="2400" dirty="0" err="1">
-                <a:latin typeface="Courier New" panose="02070309020205020404" pitchFamily="49" charset="0"/>
-                <a:cs typeface="Courier New" panose="02070309020205020404" pitchFamily="49" charset="0"/>
-              </a:rPr>
-              <a:t>storage</a:t>
-            </a:r>
-            <a:r>
-              <a:rPr lang="de-DE" sz="2400" dirty="0">
-                <a:latin typeface="Courier New" panose="02070309020205020404" pitchFamily="49" charset="0"/>
-                <a:cs typeface="Courier New" panose="02070309020205020404" pitchFamily="49" charset="0"/>
-              </a:rPr>
-              <a:t> </a:t>
-            </a:r>
-            <a:r>
-              <a:rPr lang="de-DE" sz="2400" dirty="0" err="1">
-                <a:latin typeface="Courier New" panose="02070309020205020404" pitchFamily="49" charset="0"/>
-                <a:cs typeface="Courier New" panose="02070309020205020404" pitchFamily="49" charset="0"/>
-              </a:rPr>
-              <a:t>ingress</a:t>
-            </a:r>
-            <a:endParaRPr lang="de-DE" sz="2400" dirty="0">
-              <a:latin typeface="Courier New" panose="02070309020205020404" pitchFamily="49" charset="0"/>
+            <a:endParaRPr lang="de-DE" dirty="0">
               <a:cs typeface="Courier New" panose="02070309020205020404" pitchFamily="49" charset="0"/>
             </a:endParaRPr>
           </a:p>
           <a:p>
-            <a:pPr marL="0" indent="0">
-              <a:buNone/>
-            </a:pPr>
-            <a:r>
-              <a:rPr lang="de-DE" sz="2400" dirty="0">
-                <a:latin typeface="Courier New" panose="02070309020205020404" pitchFamily="49" charset="0"/>
-                <a:cs typeface="Courier New" panose="02070309020205020404" pitchFamily="49" charset="0"/>
-              </a:rPr>
-              <a:t>	microk8s </a:t>
-            </a:r>
-            <a:r>
-              <a:rPr lang="de-DE" sz="2400" dirty="0" err="1">
-                <a:latin typeface="Courier New" panose="02070309020205020404" pitchFamily="49" charset="0"/>
-                <a:cs typeface="Courier New" panose="02070309020205020404" pitchFamily="49" charset="0"/>
-              </a:rPr>
-              <a:t>dashboard</a:t>
-            </a:r>
-            <a:r>
-              <a:rPr lang="de-DE" sz="2400" dirty="0">
-                <a:latin typeface="Courier New" panose="02070309020205020404" pitchFamily="49" charset="0"/>
-                <a:cs typeface="Courier New" panose="02070309020205020404" pitchFamily="49" charset="0"/>
-              </a:rPr>
-              <a:t>-proxy</a:t>
+            <a:r>
+              <a:rPr lang="de-DE" dirty="0">
+                <a:cs typeface="Courier New" panose="02070309020205020404" pitchFamily="49" charset="0"/>
+              </a:rPr>
+              <a:t>Diese IP-Adresse merken!</a:t>
             </a:r>
           </a:p>
           <a:p>
@@ -6842,129 +6691,7 @@
               <a:rPr lang="de-DE" dirty="0">
                 <a:cs typeface="Courier New" panose="02070309020205020404" pitchFamily="49" charset="0"/>
               </a:rPr>
-              <a:t>Bitte warten, das kann ein paar Minuten dauern!</a:t>
-            </a:r>
-          </a:p>
-          <a:p>
-            <a:pPr marL="0" indent="0">
-              <a:buNone/>
-            </a:pPr>
-            <a:r>
-              <a:rPr lang="de-DE" dirty="0">
-                <a:latin typeface="Courier New" panose="02070309020205020404" pitchFamily="49" charset="0"/>
-                <a:cs typeface="Courier New" panose="02070309020205020404" pitchFamily="49" charset="0"/>
-              </a:rPr>
-              <a:t>	</a:t>
-            </a:r>
-          </a:p>
-        </p:txBody>
-      </p:sp>
-    </p:spTree>
-    <p:extLst>
-      <p:ext uri="{BB962C8B-B14F-4D97-AF65-F5344CB8AC3E}">
-        <p14:creationId xmlns:p14="http://schemas.microsoft.com/office/powerpoint/2010/main" val="614538028"/>
-      </p:ext>
-    </p:extLst>
-  </p:cSld>
-  <p:clrMapOvr>
-    <a:masterClrMapping/>
-  </p:clrMapOvr>
-</p:sld>
-</file>
-
-<file path=ppt/slides/slide9.xml><?xml version="1.0" encoding="utf-8"?>
-<p:sld xmlns:a="http://schemas.openxmlformats.org/drawingml/2006/main" xmlns:r="http://schemas.openxmlformats.org/officeDocument/2006/relationships" xmlns:p="http://schemas.openxmlformats.org/presentationml/2006/main">
-  <p:cSld>
-    <p:spTree>
-      <p:nvGrpSpPr>
-        <p:cNvPr id="1" name=""/>
-        <p:cNvGrpSpPr/>
-        <p:nvPr/>
-      </p:nvGrpSpPr>
-      <p:grpSpPr>
-        <a:xfrm>
-          <a:off x="0" y="0"/>
-          <a:ext cx="0" cy="0"/>
-          <a:chOff x="0" y="0"/>
-          <a:chExt cx="0" cy="0"/>
-        </a:xfrm>
-      </p:grpSpPr>
-      <p:sp>
-        <p:nvSpPr>
-          <p:cNvPr id="2" name="Titel 1">
-            <a:extLst>
-              <a:ext uri="{FF2B5EF4-FFF2-40B4-BE49-F238E27FC236}">
-                <a16:creationId xmlns:a16="http://schemas.microsoft.com/office/drawing/2014/main" id="{54472761-F6BA-A4DF-6E97-094AE60B729E}"/>
-              </a:ext>
-            </a:extLst>
-          </p:cNvPr>
-          <p:cNvSpPr>
-            <a:spLocks noGrp="1"/>
-          </p:cNvSpPr>
-          <p:nvPr>
-            <p:ph type="title"/>
-          </p:nvPr>
-        </p:nvSpPr>
-        <p:spPr/>
-        <p:txBody>
-          <a:bodyPr/>
-          <a:lstStyle/>
-          <a:p>
-            <a:r>
-              <a:rPr lang="de-DE" dirty="0"/>
-              <a:t>Master </a:t>
-            </a:r>
-            <a:r>
-              <a:rPr lang="de-DE" dirty="0" err="1"/>
-              <a:t>Node</a:t>
-            </a:r>
-            <a:r>
-              <a:rPr lang="de-DE" dirty="0"/>
-              <a:t> einrichten</a:t>
-            </a:r>
-          </a:p>
-        </p:txBody>
-      </p:sp>
-      <p:sp>
-        <p:nvSpPr>
-          <p:cNvPr id="3" name="Inhaltsplatzhalter 2">
-            <a:extLst>
-              <a:ext uri="{FF2B5EF4-FFF2-40B4-BE49-F238E27FC236}">
-                <a16:creationId xmlns:a16="http://schemas.microsoft.com/office/drawing/2014/main" id="{A6C84D30-D395-411D-5201-F8BC8F103909}"/>
-              </a:ext>
-            </a:extLst>
-          </p:cNvPr>
-          <p:cNvSpPr>
-            <a:spLocks noGrp="1"/>
-          </p:cNvSpPr>
-          <p:nvPr>
-            <p:ph idx="1"/>
-          </p:nvPr>
-        </p:nvSpPr>
-        <p:spPr/>
-        <p:txBody>
-          <a:bodyPr>
-            <a:normAutofit/>
-          </a:bodyPr>
-          <a:lstStyle/>
-          <a:p>
-            <a:r>
-              <a:rPr lang="de-DE" dirty="0">
-                <a:cs typeface="Courier New" panose="02070309020205020404" pitchFamily="49" charset="0"/>
-              </a:rPr>
-              <a:t>Bitte das Token kopieren!</a:t>
-            </a:r>
-          </a:p>
-          <a:p>
-            <a:pPr marL="0" indent="0">
-              <a:buNone/>
-            </a:pPr>
-            <a:r>
-              <a:rPr lang="de-DE" dirty="0">
-                <a:latin typeface="Courier New" panose="02070309020205020404" pitchFamily="49" charset="0"/>
-                <a:cs typeface="Courier New" panose="02070309020205020404" pitchFamily="49" charset="0"/>
-              </a:rPr>
-              <a:t>	</a:t>
+              <a:t>Wir brauchen die Adresse später</a:t>
             </a:r>
           </a:p>
         </p:txBody>
@@ -6974,7 +6701,7 @@
           <p:cNvPr id="4" name="Grafik 3">
             <a:extLst>
               <a:ext uri="{FF2B5EF4-FFF2-40B4-BE49-F238E27FC236}">
-                <a16:creationId xmlns:a16="http://schemas.microsoft.com/office/drawing/2014/main" id="{2D007CEF-3EC6-BDB3-7DE3-A93C924F6D36}"/>
+                <a16:creationId xmlns:a16="http://schemas.microsoft.com/office/drawing/2014/main" id="{9970DE89-6AFA-4274-CEDB-BE1FB97D8532}"/>
               </a:ext>
             </a:extLst>
           </p:cNvPr>
@@ -6991,8 +6718,8 @@
         </p:blipFill>
         <p:spPr>
           <a:xfrm>
-            <a:off x="20587" y="2548572"/>
-            <a:ext cx="12150825" cy="1760855"/>
+            <a:off x="1423072" y="3429000"/>
+            <a:ext cx="9345855" cy="800576"/>
           </a:xfrm>
           <a:prstGeom prst="rect">
             <a:avLst/>
@@ -7004,7 +6731,7 @@
           <p:cNvPr id="5" name="Oval 4">
             <a:extLst>
               <a:ext uri="{FF2B5EF4-FFF2-40B4-BE49-F238E27FC236}">
-                <a16:creationId xmlns:a16="http://schemas.microsoft.com/office/drawing/2014/main" id="{A98F5722-1B8D-908E-9B20-4508E1C8C87C}"/>
+                <a16:creationId xmlns:a16="http://schemas.microsoft.com/office/drawing/2014/main" id="{E6AEEE8E-7792-64F8-C8B9-B4BBD549ED4D}"/>
               </a:ext>
             </a:extLst>
           </p:cNvPr>
@@ -7013,8 +6740,8 @@
         </p:nvSpPr>
         <p:spPr>
           <a:xfrm>
-            <a:off x="112394" y="3392804"/>
-            <a:ext cx="11967210" cy="1051560"/>
+            <a:off x="6332220" y="3817620"/>
+            <a:ext cx="1897380" cy="411956"/>
           </a:xfrm>
           <a:prstGeom prst="ellipse">
             <a:avLst/>
@@ -7054,7 +6781,575 @@
     </p:spTree>
     <p:extLst>
       <p:ext uri="{BB962C8B-B14F-4D97-AF65-F5344CB8AC3E}">
-        <p14:creationId xmlns:p14="http://schemas.microsoft.com/office/powerpoint/2010/main" val="1791239617"/>
+        <p14:creationId xmlns:p14="http://schemas.microsoft.com/office/powerpoint/2010/main" val="3401149698"/>
+      </p:ext>
+    </p:extLst>
+  </p:cSld>
+  <p:clrMapOvr>
+    <a:masterClrMapping/>
+  </p:clrMapOvr>
+</p:sld>
+</file>
+
+<file path=ppt/slides/slide8.xml><?xml version="1.0" encoding="utf-8"?>
+<p:sld xmlns:a="http://schemas.openxmlformats.org/drawingml/2006/main" xmlns:r="http://schemas.openxmlformats.org/officeDocument/2006/relationships" xmlns:p="http://schemas.openxmlformats.org/presentationml/2006/main">
+  <p:cSld>
+    <p:spTree>
+      <p:nvGrpSpPr>
+        <p:cNvPr id="1" name=""/>
+        <p:cNvGrpSpPr/>
+        <p:nvPr/>
+      </p:nvGrpSpPr>
+      <p:grpSpPr>
+        <a:xfrm>
+          <a:off x="0" y="0"/>
+          <a:ext cx="0" cy="0"/>
+          <a:chOff x="0" y="0"/>
+          <a:chExt cx="0" cy="0"/>
+        </a:xfrm>
+      </p:grpSpPr>
+      <p:sp>
+        <p:nvSpPr>
+          <p:cNvPr id="2" name="Titel 1">
+            <a:extLst>
+              <a:ext uri="{FF2B5EF4-FFF2-40B4-BE49-F238E27FC236}">
+                <a16:creationId xmlns:a16="http://schemas.microsoft.com/office/drawing/2014/main" id="{54472761-F6BA-A4DF-6E97-094AE60B729E}"/>
+              </a:ext>
+            </a:extLst>
+          </p:cNvPr>
+          <p:cNvSpPr>
+            <a:spLocks noGrp="1"/>
+          </p:cNvSpPr>
+          <p:nvPr>
+            <p:ph type="title"/>
+          </p:nvPr>
+        </p:nvSpPr>
+        <p:spPr/>
+        <p:txBody>
+          <a:bodyPr/>
+          <a:lstStyle/>
+          <a:p>
+            <a:r>
+              <a:rPr lang="de-DE" dirty="0"/>
+              <a:t>Master </a:t>
+            </a:r>
+            <a:r>
+              <a:rPr lang="de-DE" dirty="0" err="1"/>
+              <a:t>Node</a:t>
+            </a:r>
+            <a:r>
+              <a:rPr lang="de-DE" dirty="0"/>
+              <a:t> einrichten</a:t>
+            </a:r>
+          </a:p>
+        </p:txBody>
+      </p:sp>
+      <p:sp>
+        <p:nvSpPr>
+          <p:cNvPr id="3" name="Inhaltsplatzhalter 2">
+            <a:extLst>
+              <a:ext uri="{FF2B5EF4-FFF2-40B4-BE49-F238E27FC236}">
+                <a16:creationId xmlns:a16="http://schemas.microsoft.com/office/drawing/2014/main" id="{A6C84D30-D395-411D-5201-F8BC8F103909}"/>
+              </a:ext>
+            </a:extLst>
+          </p:cNvPr>
+          <p:cNvSpPr>
+            <a:spLocks noGrp="1"/>
+          </p:cNvSpPr>
+          <p:nvPr>
+            <p:ph idx="1"/>
+          </p:nvPr>
+        </p:nvSpPr>
+        <p:spPr/>
+        <p:txBody>
+          <a:bodyPr>
+            <a:normAutofit/>
+          </a:bodyPr>
+          <a:lstStyle/>
+          <a:p>
+            <a:r>
+              <a:rPr lang="de-DE" dirty="0" err="1"/>
+              <a:t>Kubernetes</a:t>
+            </a:r>
+            <a:r>
+              <a:rPr lang="de-DE" dirty="0"/>
+              <a:t> installieren (1):</a:t>
+            </a:r>
+          </a:p>
+          <a:p>
+            <a:pPr marL="0" indent="0">
+              <a:buNone/>
+            </a:pPr>
+            <a:r>
+              <a:rPr lang="de-DE" sz="2400" dirty="0">
+                <a:latin typeface="Courier New" panose="02070309020205020404" pitchFamily="49" charset="0"/>
+                <a:cs typeface="Courier New" panose="02070309020205020404" pitchFamily="49" charset="0"/>
+              </a:rPr>
+              <a:t>	multipass </a:t>
+            </a:r>
+            <a:r>
+              <a:rPr lang="de-DE" sz="2400" dirty="0" err="1">
+                <a:latin typeface="Courier New" panose="02070309020205020404" pitchFamily="49" charset="0"/>
+                <a:cs typeface="Courier New" panose="02070309020205020404" pitchFamily="49" charset="0"/>
+              </a:rPr>
+              <a:t>shell</a:t>
+            </a:r>
+            <a:r>
+              <a:rPr lang="de-DE" sz="2400" dirty="0">
+                <a:latin typeface="Courier New" panose="02070309020205020404" pitchFamily="49" charset="0"/>
+                <a:cs typeface="Courier New" panose="02070309020205020404" pitchFamily="49" charset="0"/>
+              </a:rPr>
+              <a:t> </a:t>
+            </a:r>
+            <a:r>
+              <a:rPr lang="de-DE" sz="2400" dirty="0" err="1">
+                <a:latin typeface="Courier New" panose="02070309020205020404" pitchFamily="49" charset="0"/>
+                <a:cs typeface="Courier New" panose="02070309020205020404" pitchFamily="49" charset="0"/>
+              </a:rPr>
+              <a:t>master</a:t>
+            </a:r>
+            <a:endParaRPr lang="de-DE" sz="2400" dirty="0">
+              <a:latin typeface="Courier New" panose="02070309020205020404" pitchFamily="49" charset="0"/>
+              <a:cs typeface="Courier New" panose="02070309020205020404" pitchFamily="49" charset="0"/>
+            </a:endParaRPr>
+          </a:p>
+          <a:p>
+            <a:pPr marL="0" indent="0">
+              <a:buNone/>
+            </a:pPr>
+            <a:r>
+              <a:rPr lang="de-DE" sz="2400" dirty="0">
+                <a:latin typeface="Courier New" panose="02070309020205020404" pitchFamily="49" charset="0"/>
+                <a:cs typeface="Courier New" panose="02070309020205020404" pitchFamily="49" charset="0"/>
+              </a:rPr>
+              <a:t>	</a:t>
+            </a:r>
+            <a:r>
+              <a:rPr lang="de-DE" sz="2400" dirty="0" err="1">
+                <a:latin typeface="Courier New" panose="02070309020205020404" pitchFamily="49" charset="0"/>
+                <a:cs typeface="Courier New" panose="02070309020205020404" pitchFamily="49" charset="0"/>
+              </a:rPr>
+              <a:t>sudo</a:t>
+            </a:r>
+            <a:r>
+              <a:rPr lang="de-DE" sz="2400" dirty="0">
+                <a:latin typeface="Courier New" panose="02070309020205020404" pitchFamily="49" charset="0"/>
+                <a:cs typeface="Courier New" panose="02070309020205020404" pitchFamily="49" charset="0"/>
+              </a:rPr>
+              <a:t> </a:t>
+            </a:r>
+            <a:r>
+              <a:rPr lang="de-DE" sz="2400" dirty="0" err="1">
+                <a:latin typeface="Courier New" panose="02070309020205020404" pitchFamily="49" charset="0"/>
+                <a:cs typeface="Courier New" panose="02070309020205020404" pitchFamily="49" charset="0"/>
+              </a:rPr>
+              <a:t>snap</a:t>
+            </a:r>
+            <a:r>
+              <a:rPr lang="de-DE" sz="2400" dirty="0">
+                <a:latin typeface="Courier New" panose="02070309020205020404" pitchFamily="49" charset="0"/>
+                <a:cs typeface="Courier New" panose="02070309020205020404" pitchFamily="49" charset="0"/>
+              </a:rPr>
+              <a:t> </a:t>
+            </a:r>
+            <a:r>
+              <a:rPr lang="de-DE" sz="2400" dirty="0" err="1">
+                <a:latin typeface="Courier New" panose="02070309020205020404" pitchFamily="49" charset="0"/>
+                <a:cs typeface="Courier New" panose="02070309020205020404" pitchFamily="49" charset="0"/>
+              </a:rPr>
+              <a:t>install</a:t>
+            </a:r>
+            <a:r>
+              <a:rPr lang="de-DE" sz="2400" dirty="0">
+                <a:latin typeface="Courier New" panose="02070309020205020404" pitchFamily="49" charset="0"/>
+                <a:cs typeface="Courier New" panose="02070309020205020404" pitchFamily="49" charset="0"/>
+              </a:rPr>
+              <a:t> microk8s --classic</a:t>
+            </a:r>
+          </a:p>
+          <a:p>
+            <a:pPr marL="0" indent="0">
+              <a:buNone/>
+            </a:pPr>
+            <a:r>
+              <a:rPr lang="de-DE" sz="2400" dirty="0">
+                <a:latin typeface="Courier New" panose="02070309020205020404" pitchFamily="49" charset="0"/>
+                <a:cs typeface="Courier New" panose="02070309020205020404" pitchFamily="49" charset="0"/>
+              </a:rPr>
+              <a:t>	</a:t>
+            </a:r>
+            <a:r>
+              <a:rPr lang="de-DE" sz="2400" dirty="0" err="1">
+                <a:latin typeface="Courier New" panose="02070309020205020404" pitchFamily="49" charset="0"/>
+                <a:cs typeface="Courier New" panose="02070309020205020404" pitchFamily="49" charset="0"/>
+              </a:rPr>
+              <a:t>sudo</a:t>
+            </a:r>
+            <a:r>
+              <a:rPr lang="de-DE" sz="2400" dirty="0">
+                <a:latin typeface="Courier New" panose="02070309020205020404" pitchFamily="49" charset="0"/>
+                <a:cs typeface="Courier New" panose="02070309020205020404" pitchFamily="49" charset="0"/>
+              </a:rPr>
+              <a:t> </a:t>
+            </a:r>
+            <a:r>
+              <a:rPr lang="de-DE" sz="2400" dirty="0" err="1">
+                <a:latin typeface="Courier New" panose="02070309020205020404" pitchFamily="49" charset="0"/>
+                <a:cs typeface="Courier New" panose="02070309020205020404" pitchFamily="49" charset="0"/>
+              </a:rPr>
+              <a:t>usermod</a:t>
+            </a:r>
+            <a:r>
+              <a:rPr lang="de-DE" sz="2400" dirty="0">
+                <a:latin typeface="Courier New" panose="02070309020205020404" pitchFamily="49" charset="0"/>
+                <a:cs typeface="Courier New" panose="02070309020205020404" pitchFamily="49" charset="0"/>
+              </a:rPr>
+              <a:t> -a -G microk8s $USER</a:t>
+            </a:r>
+          </a:p>
+          <a:p>
+            <a:pPr marL="0" indent="0">
+              <a:buNone/>
+            </a:pPr>
+            <a:r>
+              <a:rPr lang="de-DE" sz="2400" dirty="0">
+                <a:latin typeface="Courier New" panose="02070309020205020404" pitchFamily="49" charset="0"/>
+                <a:cs typeface="Courier New" panose="02070309020205020404" pitchFamily="49" charset="0"/>
+              </a:rPr>
+              <a:t>	</a:t>
+            </a:r>
+            <a:r>
+              <a:rPr lang="de-DE" sz="2400" dirty="0" err="1">
+                <a:latin typeface="Courier New" panose="02070309020205020404" pitchFamily="49" charset="0"/>
+                <a:cs typeface="Courier New" panose="02070309020205020404" pitchFamily="49" charset="0"/>
+              </a:rPr>
+              <a:t>sudo</a:t>
+            </a:r>
+            <a:r>
+              <a:rPr lang="de-DE" sz="2400" dirty="0">
+                <a:latin typeface="Courier New" panose="02070309020205020404" pitchFamily="49" charset="0"/>
+                <a:cs typeface="Courier New" panose="02070309020205020404" pitchFamily="49" charset="0"/>
+              </a:rPr>
+              <a:t> </a:t>
+            </a:r>
+            <a:r>
+              <a:rPr lang="de-DE" sz="2400" dirty="0" err="1">
+                <a:latin typeface="Courier New" panose="02070309020205020404" pitchFamily="49" charset="0"/>
+                <a:cs typeface="Courier New" panose="02070309020205020404" pitchFamily="49" charset="0"/>
+              </a:rPr>
+              <a:t>shutdown</a:t>
+            </a:r>
+            <a:r>
+              <a:rPr lang="de-DE" sz="2400" dirty="0">
+                <a:latin typeface="Courier New" panose="02070309020205020404" pitchFamily="49" charset="0"/>
+                <a:cs typeface="Courier New" panose="02070309020205020404" pitchFamily="49" charset="0"/>
+              </a:rPr>
+              <a:t> -</a:t>
+            </a:r>
+            <a:r>
+              <a:rPr lang="de-DE" sz="2400" dirty="0" err="1">
+                <a:latin typeface="Courier New" panose="02070309020205020404" pitchFamily="49" charset="0"/>
+                <a:cs typeface="Courier New" panose="02070309020205020404" pitchFamily="49" charset="0"/>
+              </a:rPr>
+              <a:t>r</a:t>
+            </a:r>
+            <a:r>
+              <a:rPr lang="de-DE" sz="2400" dirty="0">
+                <a:latin typeface="Courier New" panose="02070309020205020404" pitchFamily="49" charset="0"/>
+                <a:cs typeface="Courier New" panose="02070309020205020404" pitchFamily="49" charset="0"/>
+              </a:rPr>
+              <a:t> </a:t>
+            </a:r>
+            <a:r>
+              <a:rPr lang="de-DE" sz="2400" dirty="0" err="1">
+                <a:latin typeface="Courier New" panose="02070309020205020404" pitchFamily="49" charset="0"/>
+                <a:cs typeface="Courier New" panose="02070309020205020404" pitchFamily="49" charset="0"/>
+              </a:rPr>
+              <a:t>now</a:t>
+            </a:r>
+            <a:endParaRPr lang="de-DE" sz="2400" dirty="0">
+              <a:latin typeface="Courier New" panose="02070309020205020404" pitchFamily="49" charset="0"/>
+              <a:cs typeface="Courier New" panose="02070309020205020404" pitchFamily="49" charset="0"/>
+            </a:endParaRPr>
+          </a:p>
+          <a:p>
+            <a:pPr lvl="1"/>
+            <a:r>
+              <a:rPr lang="de-DE" dirty="0">
+                <a:cs typeface="Courier New" panose="02070309020205020404" pitchFamily="49" charset="0"/>
+              </a:rPr>
+              <a:t>Kurz warten: VM startet neu</a:t>
+            </a:r>
+          </a:p>
+        </p:txBody>
+      </p:sp>
+    </p:spTree>
+    <p:extLst>
+      <p:ext uri="{BB962C8B-B14F-4D97-AF65-F5344CB8AC3E}">
+        <p14:creationId xmlns:p14="http://schemas.microsoft.com/office/powerpoint/2010/main" val="1270310899"/>
+      </p:ext>
+    </p:extLst>
+  </p:cSld>
+  <p:clrMapOvr>
+    <a:masterClrMapping/>
+  </p:clrMapOvr>
+</p:sld>
+</file>
+
+<file path=ppt/slides/slide9.xml><?xml version="1.0" encoding="utf-8"?>
+<p:sld xmlns:a="http://schemas.openxmlformats.org/drawingml/2006/main" xmlns:r="http://schemas.openxmlformats.org/officeDocument/2006/relationships" xmlns:p="http://schemas.openxmlformats.org/presentationml/2006/main">
+  <p:cSld>
+    <p:spTree>
+      <p:nvGrpSpPr>
+        <p:cNvPr id="1" name=""/>
+        <p:cNvGrpSpPr/>
+        <p:nvPr/>
+      </p:nvGrpSpPr>
+      <p:grpSpPr>
+        <a:xfrm>
+          <a:off x="0" y="0"/>
+          <a:ext cx="0" cy="0"/>
+          <a:chOff x="0" y="0"/>
+          <a:chExt cx="0" cy="0"/>
+        </a:xfrm>
+      </p:grpSpPr>
+      <p:sp>
+        <p:nvSpPr>
+          <p:cNvPr id="2" name="Titel 1">
+            <a:extLst>
+              <a:ext uri="{FF2B5EF4-FFF2-40B4-BE49-F238E27FC236}">
+                <a16:creationId xmlns:a16="http://schemas.microsoft.com/office/drawing/2014/main" id="{54472761-F6BA-A4DF-6E97-094AE60B729E}"/>
+              </a:ext>
+            </a:extLst>
+          </p:cNvPr>
+          <p:cNvSpPr>
+            <a:spLocks noGrp="1"/>
+          </p:cNvSpPr>
+          <p:nvPr>
+            <p:ph type="title"/>
+          </p:nvPr>
+        </p:nvSpPr>
+        <p:spPr/>
+        <p:txBody>
+          <a:bodyPr/>
+          <a:lstStyle/>
+          <a:p>
+            <a:r>
+              <a:rPr lang="de-DE" dirty="0"/>
+              <a:t>Master </a:t>
+            </a:r>
+            <a:r>
+              <a:rPr lang="de-DE" dirty="0" err="1"/>
+              <a:t>Node</a:t>
+            </a:r>
+            <a:r>
+              <a:rPr lang="de-DE" dirty="0"/>
+              <a:t> einrichten</a:t>
+            </a:r>
+          </a:p>
+        </p:txBody>
+      </p:sp>
+      <p:sp>
+        <p:nvSpPr>
+          <p:cNvPr id="3" name="Inhaltsplatzhalter 2">
+            <a:extLst>
+              <a:ext uri="{FF2B5EF4-FFF2-40B4-BE49-F238E27FC236}">
+                <a16:creationId xmlns:a16="http://schemas.microsoft.com/office/drawing/2014/main" id="{A6C84D30-D395-411D-5201-F8BC8F103909}"/>
+              </a:ext>
+            </a:extLst>
+          </p:cNvPr>
+          <p:cNvSpPr>
+            <a:spLocks noGrp="1"/>
+          </p:cNvSpPr>
+          <p:nvPr>
+            <p:ph idx="1"/>
+          </p:nvPr>
+        </p:nvSpPr>
+        <p:spPr/>
+        <p:txBody>
+          <a:bodyPr>
+            <a:normAutofit/>
+          </a:bodyPr>
+          <a:lstStyle/>
+          <a:p>
+            <a:r>
+              <a:rPr lang="de-DE" dirty="0" err="1"/>
+              <a:t>Kubernetes</a:t>
+            </a:r>
+            <a:r>
+              <a:rPr lang="de-DE" dirty="0"/>
+              <a:t> installieren (2):</a:t>
+            </a:r>
+          </a:p>
+          <a:p>
+            <a:pPr marL="0" indent="0">
+              <a:buNone/>
+            </a:pPr>
+            <a:r>
+              <a:rPr lang="de-DE" sz="2400" dirty="0">
+                <a:latin typeface="Courier New" panose="02070309020205020404" pitchFamily="49" charset="0"/>
+                <a:cs typeface="Courier New" panose="02070309020205020404" pitchFamily="49" charset="0"/>
+              </a:rPr>
+              <a:t>	multipass </a:t>
+            </a:r>
+            <a:r>
+              <a:rPr lang="de-DE" sz="2400" dirty="0" err="1">
+                <a:latin typeface="Courier New" panose="02070309020205020404" pitchFamily="49" charset="0"/>
+                <a:cs typeface="Courier New" panose="02070309020205020404" pitchFamily="49" charset="0"/>
+              </a:rPr>
+              <a:t>shell</a:t>
+            </a:r>
+            <a:r>
+              <a:rPr lang="de-DE" sz="2400" dirty="0">
+                <a:latin typeface="Courier New" panose="02070309020205020404" pitchFamily="49" charset="0"/>
+                <a:cs typeface="Courier New" panose="02070309020205020404" pitchFamily="49" charset="0"/>
+              </a:rPr>
+              <a:t> </a:t>
+            </a:r>
+            <a:r>
+              <a:rPr lang="de-DE" sz="2400" dirty="0" err="1">
+                <a:latin typeface="Courier New" panose="02070309020205020404" pitchFamily="49" charset="0"/>
+                <a:cs typeface="Courier New" panose="02070309020205020404" pitchFamily="49" charset="0"/>
+              </a:rPr>
+              <a:t>master</a:t>
+            </a:r>
+            <a:endParaRPr lang="de-DE" sz="2400" dirty="0">
+              <a:latin typeface="Courier New" panose="02070309020205020404" pitchFamily="49" charset="0"/>
+              <a:cs typeface="Courier New" panose="02070309020205020404" pitchFamily="49" charset="0"/>
+            </a:endParaRPr>
+          </a:p>
+          <a:p>
+            <a:pPr marL="0" indent="0">
+              <a:buNone/>
+            </a:pPr>
+            <a:r>
+              <a:rPr lang="de-DE" sz="2400" dirty="0">
+                <a:latin typeface="Courier New" panose="02070309020205020404" pitchFamily="49" charset="0"/>
+                <a:cs typeface="Courier New" panose="02070309020205020404" pitchFamily="49" charset="0"/>
+              </a:rPr>
+              <a:t>	microk8s </a:t>
+            </a:r>
+            <a:r>
+              <a:rPr lang="de-DE" sz="2400" dirty="0" err="1">
+                <a:latin typeface="Courier New" panose="02070309020205020404" pitchFamily="49" charset="0"/>
+                <a:cs typeface="Courier New" panose="02070309020205020404" pitchFamily="49" charset="0"/>
+              </a:rPr>
+              <a:t>enable</a:t>
+            </a:r>
+            <a:r>
+              <a:rPr lang="de-DE" sz="2400" dirty="0">
+                <a:latin typeface="Courier New" panose="02070309020205020404" pitchFamily="49" charset="0"/>
+                <a:cs typeface="Courier New" panose="02070309020205020404" pitchFamily="49" charset="0"/>
+              </a:rPr>
+              <a:t> </a:t>
+            </a:r>
+            <a:r>
+              <a:rPr lang="de-DE" sz="2400" dirty="0" err="1">
+                <a:latin typeface="Courier New" panose="02070309020205020404" pitchFamily="49" charset="0"/>
+                <a:cs typeface="Courier New" panose="02070309020205020404" pitchFamily="49" charset="0"/>
+              </a:rPr>
+              <a:t>dns</a:t>
+            </a:r>
+            <a:r>
+              <a:rPr lang="de-DE" sz="2400" dirty="0">
+                <a:latin typeface="Courier New" panose="02070309020205020404" pitchFamily="49" charset="0"/>
+                <a:cs typeface="Courier New" panose="02070309020205020404" pitchFamily="49" charset="0"/>
+              </a:rPr>
+              <a:t> </a:t>
+            </a:r>
+            <a:r>
+              <a:rPr lang="de-DE" sz="2400" dirty="0" err="1">
+                <a:latin typeface="Courier New" panose="02070309020205020404" pitchFamily="49" charset="0"/>
+                <a:cs typeface="Courier New" panose="02070309020205020404" pitchFamily="49" charset="0"/>
+              </a:rPr>
+              <a:t>dashboard</a:t>
+            </a:r>
+            <a:r>
+              <a:rPr lang="de-DE" sz="2400" dirty="0">
+                <a:latin typeface="Courier New" panose="02070309020205020404" pitchFamily="49" charset="0"/>
+                <a:cs typeface="Courier New" panose="02070309020205020404" pitchFamily="49" charset="0"/>
+              </a:rPr>
+              <a:t> </a:t>
+            </a:r>
+            <a:r>
+              <a:rPr lang="de-DE" sz="2400" dirty="0" err="1">
+                <a:latin typeface="Courier New" panose="02070309020205020404" pitchFamily="49" charset="0"/>
+                <a:cs typeface="Courier New" panose="02070309020205020404" pitchFamily="49" charset="0"/>
+              </a:rPr>
+              <a:t>storage</a:t>
+            </a:r>
+            <a:r>
+              <a:rPr lang="de-DE" sz="2400" dirty="0">
+                <a:latin typeface="Courier New" panose="02070309020205020404" pitchFamily="49" charset="0"/>
+                <a:cs typeface="Courier New" panose="02070309020205020404" pitchFamily="49" charset="0"/>
+              </a:rPr>
+              <a:t> </a:t>
+            </a:r>
+            <a:r>
+              <a:rPr lang="de-DE" sz="2400" dirty="0" err="1">
+                <a:latin typeface="Courier New" panose="02070309020205020404" pitchFamily="49" charset="0"/>
+                <a:cs typeface="Courier New" panose="02070309020205020404" pitchFamily="49" charset="0"/>
+              </a:rPr>
+              <a:t>ingress</a:t>
+            </a:r>
+            <a:endParaRPr lang="de-DE" sz="2400" dirty="0">
+              <a:latin typeface="Courier New" panose="02070309020205020404" pitchFamily="49" charset="0"/>
+              <a:cs typeface="Courier New" panose="02070309020205020404" pitchFamily="49" charset="0"/>
+            </a:endParaRPr>
+          </a:p>
+          <a:p>
+            <a:pPr marL="0" indent="0">
+              <a:buNone/>
+            </a:pPr>
+            <a:r>
+              <a:rPr lang="de-DE" sz="2400" dirty="0">
+                <a:latin typeface="Courier New" panose="02070309020205020404" pitchFamily="49" charset="0"/>
+                <a:cs typeface="Courier New" panose="02070309020205020404" pitchFamily="49" charset="0"/>
+              </a:rPr>
+              <a:t>	microk8s </a:t>
+            </a:r>
+            <a:r>
+              <a:rPr lang="de-DE" sz="2400" dirty="0" err="1">
+                <a:latin typeface="Courier New" panose="02070309020205020404" pitchFamily="49" charset="0"/>
+                <a:cs typeface="Courier New" panose="02070309020205020404" pitchFamily="49" charset="0"/>
+              </a:rPr>
+              <a:t>dashboard</a:t>
+            </a:r>
+            <a:r>
+              <a:rPr lang="de-DE" sz="2400" dirty="0">
+                <a:latin typeface="Courier New" panose="02070309020205020404" pitchFamily="49" charset="0"/>
+                <a:cs typeface="Courier New" panose="02070309020205020404" pitchFamily="49" charset="0"/>
+              </a:rPr>
+              <a:t>-proxy</a:t>
+            </a:r>
+          </a:p>
+          <a:p>
+            <a:pPr lvl="1"/>
+            <a:r>
+              <a:rPr lang="de-DE" dirty="0">
+                <a:cs typeface="Courier New" panose="02070309020205020404" pitchFamily="49" charset="0"/>
+              </a:rPr>
+              <a:t>Bitte warten, das kann ein paar Minuten dauern!</a:t>
+            </a:r>
+          </a:p>
+          <a:p>
+            <a:pPr marL="0" indent="0">
+              <a:buNone/>
+            </a:pPr>
+            <a:r>
+              <a:rPr lang="de-DE" dirty="0">
+                <a:latin typeface="Courier New" panose="02070309020205020404" pitchFamily="49" charset="0"/>
+                <a:cs typeface="Courier New" panose="02070309020205020404" pitchFamily="49" charset="0"/>
+              </a:rPr>
+              <a:t>	</a:t>
+            </a:r>
+          </a:p>
+        </p:txBody>
+      </p:sp>
+    </p:spTree>
+    <p:extLst>
+      <p:ext uri="{BB962C8B-B14F-4D97-AF65-F5344CB8AC3E}">
+        <p14:creationId xmlns:p14="http://schemas.microsoft.com/office/powerpoint/2010/main" val="614538028"/>
       </p:ext>
     </p:extLst>
   </p:cSld>

--- a/sample/kubernetes/Bring your own device - Teil 1.pptx
+++ b/sample/kubernetes/Bring your own device - Teil 1.pptx
@@ -5,26 +5,27 @@
     <p:sldMasterId id="2147483648" r:id="rId1"/>
   </p:sldMasterIdLst>
   <p:notesMasterIdLst>
-    <p:notesMasterId r:id="rId19"/>
+    <p:notesMasterId r:id="rId20"/>
   </p:notesMasterIdLst>
   <p:sldIdLst>
     <p:sldId id="256" r:id="rId2"/>
-    <p:sldId id="257" r:id="rId3"/>
-    <p:sldId id="258" r:id="rId4"/>
-    <p:sldId id="259" r:id="rId5"/>
-    <p:sldId id="271" r:id="rId6"/>
-    <p:sldId id="260" r:id="rId7"/>
-    <p:sldId id="276" r:id="rId8"/>
-    <p:sldId id="265" r:id="rId9"/>
-    <p:sldId id="266" r:id="rId10"/>
-    <p:sldId id="272" r:id="rId11"/>
-    <p:sldId id="267" r:id="rId12"/>
-    <p:sldId id="268" r:id="rId13"/>
-    <p:sldId id="269" r:id="rId14"/>
-    <p:sldId id="274" r:id="rId15"/>
-    <p:sldId id="270" r:id="rId16"/>
-    <p:sldId id="273" r:id="rId17"/>
-    <p:sldId id="275" r:id="rId18"/>
+    <p:sldId id="279" r:id="rId3"/>
+    <p:sldId id="257" r:id="rId4"/>
+    <p:sldId id="258" r:id="rId5"/>
+    <p:sldId id="259" r:id="rId6"/>
+    <p:sldId id="271" r:id="rId7"/>
+    <p:sldId id="260" r:id="rId8"/>
+    <p:sldId id="278" r:id="rId9"/>
+    <p:sldId id="265" r:id="rId10"/>
+    <p:sldId id="266" r:id="rId11"/>
+    <p:sldId id="272" r:id="rId12"/>
+    <p:sldId id="267" r:id="rId13"/>
+    <p:sldId id="268" r:id="rId14"/>
+    <p:sldId id="269" r:id="rId15"/>
+    <p:sldId id="274" r:id="rId16"/>
+    <p:sldId id="270" r:id="rId17"/>
+    <p:sldId id="273" r:id="rId18"/>
+    <p:sldId id="277" r:id="rId19"/>
   </p:sldIdLst>
   <p:sldSz cx="12192000" cy="6858000"/>
   <p:notesSz cx="6858000" cy="9144000"/>
@@ -555,6 +556,174 @@
     <p:extLst>
       <p:ext uri="{BB962C8B-B14F-4D97-AF65-F5344CB8AC3E}">
         <p14:creationId xmlns:p14="http://schemas.microsoft.com/office/powerpoint/2010/main" val="2211466151"/>
+      </p:ext>
+    </p:extLst>
+  </p:cSld>
+  <p:clrMapOvr>
+    <a:masterClrMapping/>
+  </p:clrMapOvr>
+</p:notes>
+</file>
+
+<file path=ppt/notesSlides/notesSlide2.xml><?xml version="1.0" encoding="utf-8"?>
+<p:notes xmlns:a="http://schemas.openxmlformats.org/drawingml/2006/main" xmlns:r="http://schemas.openxmlformats.org/officeDocument/2006/relationships" xmlns:p="http://schemas.openxmlformats.org/presentationml/2006/main">
+  <p:cSld>
+    <p:spTree>
+      <p:nvGrpSpPr>
+        <p:cNvPr id="1" name=""/>
+        <p:cNvGrpSpPr/>
+        <p:nvPr/>
+      </p:nvGrpSpPr>
+      <p:grpSpPr>
+        <a:xfrm>
+          <a:off x="0" y="0"/>
+          <a:ext cx="0" cy="0"/>
+          <a:chOff x="0" y="0"/>
+          <a:chExt cx="0" cy="0"/>
+        </a:xfrm>
+      </p:grpSpPr>
+      <p:sp>
+        <p:nvSpPr>
+          <p:cNvPr id="2" name="Folienbildplatzhalter 1"/>
+          <p:cNvSpPr>
+            <a:spLocks noGrp="1" noRot="1" noChangeAspect="1"/>
+          </p:cNvSpPr>
+          <p:nvPr>
+            <p:ph type="sldImg"/>
+          </p:nvPr>
+        </p:nvSpPr>
+        <p:spPr/>
+      </p:sp>
+      <p:sp>
+        <p:nvSpPr>
+          <p:cNvPr id="3" name="Notizenplatzhalter 2"/>
+          <p:cNvSpPr>
+            <a:spLocks noGrp="1"/>
+          </p:cNvSpPr>
+          <p:nvPr>
+            <p:ph type="body" idx="1"/>
+          </p:nvPr>
+        </p:nvSpPr>
+        <p:spPr/>
+        <p:txBody>
+          <a:bodyPr/>
+          <a:lstStyle/>
+          <a:p>
+            <a:endParaRPr lang="de-DE" dirty="0"/>
+          </a:p>
+        </p:txBody>
+      </p:sp>
+      <p:sp>
+        <p:nvSpPr>
+          <p:cNvPr id="4" name="Foliennummernplatzhalter 3"/>
+          <p:cNvSpPr>
+            <a:spLocks noGrp="1"/>
+          </p:cNvSpPr>
+          <p:nvPr>
+            <p:ph type="sldNum" sz="quarter" idx="5"/>
+          </p:nvPr>
+        </p:nvSpPr>
+        <p:spPr/>
+        <p:txBody>
+          <a:bodyPr/>
+          <a:lstStyle/>
+          <a:p>
+            <a:fld id="{430D2433-C2A2-F54F-B5A8-3B6039D09A1B}" type="slidenum">
+              <a:rPr lang="de-DE" smtClean="0"/>
+              <a:t>2</a:t>
+            </a:fld>
+            <a:endParaRPr lang="de-DE"/>
+          </a:p>
+        </p:txBody>
+      </p:sp>
+    </p:spTree>
+    <p:extLst>
+      <p:ext uri="{BB962C8B-B14F-4D97-AF65-F5344CB8AC3E}">
+        <p14:creationId xmlns:p14="http://schemas.microsoft.com/office/powerpoint/2010/main" val="113594748"/>
+      </p:ext>
+    </p:extLst>
+  </p:cSld>
+  <p:clrMapOvr>
+    <a:masterClrMapping/>
+  </p:clrMapOvr>
+</p:notes>
+</file>
+
+<file path=ppt/notesSlides/notesSlide3.xml><?xml version="1.0" encoding="utf-8"?>
+<p:notes xmlns:a="http://schemas.openxmlformats.org/drawingml/2006/main" xmlns:r="http://schemas.openxmlformats.org/officeDocument/2006/relationships" xmlns:p="http://schemas.openxmlformats.org/presentationml/2006/main">
+  <p:cSld>
+    <p:spTree>
+      <p:nvGrpSpPr>
+        <p:cNvPr id="1" name=""/>
+        <p:cNvGrpSpPr/>
+        <p:nvPr/>
+      </p:nvGrpSpPr>
+      <p:grpSpPr>
+        <a:xfrm>
+          <a:off x="0" y="0"/>
+          <a:ext cx="0" cy="0"/>
+          <a:chOff x="0" y="0"/>
+          <a:chExt cx="0" cy="0"/>
+        </a:xfrm>
+      </p:grpSpPr>
+      <p:sp>
+        <p:nvSpPr>
+          <p:cNvPr id="2" name="Folienbildplatzhalter 1"/>
+          <p:cNvSpPr>
+            <a:spLocks noGrp="1" noRot="1" noChangeAspect="1"/>
+          </p:cNvSpPr>
+          <p:nvPr>
+            <p:ph type="sldImg"/>
+          </p:nvPr>
+        </p:nvSpPr>
+        <p:spPr/>
+      </p:sp>
+      <p:sp>
+        <p:nvSpPr>
+          <p:cNvPr id="3" name="Notizenplatzhalter 2"/>
+          <p:cNvSpPr>
+            <a:spLocks noGrp="1"/>
+          </p:cNvSpPr>
+          <p:nvPr>
+            <p:ph type="body" idx="1"/>
+          </p:nvPr>
+        </p:nvSpPr>
+        <p:spPr/>
+        <p:txBody>
+          <a:bodyPr/>
+          <a:lstStyle/>
+          <a:p>
+            <a:endParaRPr lang="de-DE" dirty="0"/>
+          </a:p>
+        </p:txBody>
+      </p:sp>
+      <p:sp>
+        <p:nvSpPr>
+          <p:cNvPr id="4" name="Foliennummernplatzhalter 3"/>
+          <p:cNvSpPr>
+            <a:spLocks noGrp="1"/>
+          </p:cNvSpPr>
+          <p:nvPr>
+            <p:ph type="sldNum" sz="quarter" idx="5"/>
+          </p:nvPr>
+        </p:nvSpPr>
+        <p:spPr/>
+        <p:txBody>
+          <a:bodyPr/>
+          <a:lstStyle/>
+          <a:p>
+            <a:fld id="{430D2433-C2A2-F54F-B5A8-3B6039D09A1B}" type="slidenum">
+              <a:rPr lang="de-DE" smtClean="0"/>
+              <a:t>8</a:t>
+            </a:fld>
+            <a:endParaRPr lang="de-DE"/>
+          </a:p>
+        </p:txBody>
+      </p:sp>
+    </p:spTree>
+    <p:extLst>
+      <p:ext uri="{BB962C8B-B14F-4D97-AF65-F5344CB8AC3E}">
+        <p14:creationId xmlns:p14="http://schemas.microsoft.com/office/powerpoint/2010/main" val="4171361410"/>
       </p:ext>
     </p:extLst>
   </p:cSld>
@@ -3817,10 +3986,6 @@
               <a:rPr lang="de-DE" dirty="0" err="1"/>
               <a:t>device</a:t>
             </a:r>
-            <a:r>
-              <a:rPr lang="de-DE" dirty="0"/>
-              <a:t> -</a:t>
-            </a:r>
             <a:br>
               <a:rPr lang="de-DE" dirty="0"/>
             </a:br>
@@ -3897,6 +4062,255 @@
 </file>
 
 <file path=ppt/slides/slide10.xml><?xml version="1.0" encoding="utf-8"?>
+<p:sld xmlns:a="http://schemas.openxmlformats.org/drawingml/2006/main" xmlns:r="http://schemas.openxmlformats.org/officeDocument/2006/relationships" xmlns:p="http://schemas.openxmlformats.org/presentationml/2006/main">
+  <p:cSld>
+    <p:spTree>
+      <p:nvGrpSpPr>
+        <p:cNvPr id="1" name=""/>
+        <p:cNvGrpSpPr/>
+        <p:nvPr/>
+      </p:nvGrpSpPr>
+      <p:grpSpPr>
+        <a:xfrm>
+          <a:off x="0" y="0"/>
+          <a:ext cx="0" cy="0"/>
+          <a:chOff x="0" y="0"/>
+          <a:chExt cx="0" cy="0"/>
+        </a:xfrm>
+      </p:grpSpPr>
+      <p:sp>
+        <p:nvSpPr>
+          <p:cNvPr id="2" name="Titel 1">
+            <a:extLst>
+              <a:ext uri="{FF2B5EF4-FFF2-40B4-BE49-F238E27FC236}">
+                <a16:creationId xmlns:a16="http://schemas.microsoft.com/office/drawing/2014/main" id="{54472761-F6BA-A4DF-6E97-094AE60B729E}"/>
+              </a:ext>
+            </a:extLst>
+          </p:cNvPr>
+          <p:cNvSpPr>
+            <a:spLocks noGrp="1"/>
+          </p:cNvSpPr>
+          <p:nvPr>
+            <p:ph type="title"/>
+          </p:nvPr>
+        </p:nvSpPr>
+        <p:spPr/>
+        <p:txBody>
+          <a:bodyPr/>
+          <a:lstStyle/>
+          <a:p>
+            <a:r>
+              <a:rPr lang="de-DE" dirty="0"/>
+              <a:t>Master </a:t>
+            </a:r>
+            <a:r>
+              <a:rPr lang="de-DE" dirty="0" err="1"/>
+              <a:t>Node</a:t>
+            </a:r>
+            <a:r>
+              <a:rPr lang="de-DE" dirty="0"/>
+              <a:t> einrichten</a:t>
+            </a:r>
+          </a:p>
+        </p:txBody>
+      </p:sp>
+      <p:sp>
+        <p:nvSpPr>
+          <p:cNvPr id="3" name="Inhaltsplatzhalter 2">
+            <a:extLst>
+              <a:ext uri="{FF2B5EF4-FFF2-40B4-BE49-F238E27FC236}">
+                <a16:creationId xmlns:a16="http://schemas.microsoft.com/office/drawing/2014/main" id="{A6C84D30-D395-411D-5201-F8BC8F103909}"/>
+              </a:ext>
+            </a:extLst>
+          </p:cNvPr>
+          <p:cNvSpPr>
+            <a:spLocks noGrp="1"/>
+          </p:cNvSpPr>
+          <p:nvPr>
+            <p:ph idx="1"/>
+          </p:nvPr>
+        </p:nvSpPr>
+        <p:spPr/>
+        <p:txBody>
+          <a:bodyPr>
+            <a:normAutofit/>
+          </a:bodyPr>
+          <a:lstStyle/>
+          <a:p>
+            <a:r>
+              <a:rPr lang="de-DE" dirty="0" err="1"/>
+              <a:t>Kubernetes</a:t>
+            </a:r>
+            <a:r>
+              <a:rPr lang="de-DE" dirty="0"/>
+              <a:t> installieren (2):</a:t>
+            </a:r>
+          </a:p>
+          <a:p>
+            <a:pPr marL="0" indent="0">
+              <a:buNone/>
+            </a:pPr>
+            <a:r>
+              <a:rPr lang="de-DE" sz="2400" dirty="0">
+                <a:latin typeface="Courier New" panose="02070309020205020404" pitchFamily="49" charset="0"/>
+                <a:cs typeface="Courier New" panose="02070309020205020404" pitchFamily="49" charset="0"/>
+              </a:rPr>
+              <a:t>	multipass </a:t>
+            </a:r>
+            <a:r>
+              <a:rPr lang="de-DE" sz="2400" dirty="0" err="1">
+                <a:latin typeface="Courier New" panose="02070309020205020404" pitchFamily="49" charset="0"/>
+                <a:cs typeface="Courier New" panose="02070309020205020404" pitchFamily="49" charset="0"/>
+              </a:rPr>
+              <a:t>shell</a:t>
+            </a:r>
+            <a:r>
+              <a:rPr lang="de-DE" sz="2400" dirty="0">
+                <a:latin typeface="Courier New" panose="02070309020205020404" pitchFamily="49" charset="0"/>
+                <a:cs typeface="Courier New" panose="02070309020205020404" pitchFamily="49" charset="0"/>
+              </a:rPr>
+              <a:t> </a:t>
+            </a:r>
+            <a:r>
+              <a:rPr lang="de-DE" sz="2400" dirty="0" err="1">
+                <a:latin typeface="Courier New" panose="02070309020205020404" pitchFamily="49" charset="0"/>
+                <a:cs typeface="Courier New" panose="02070309020205020404" pitchFamily="49" charset="0"/>
+              </a:rPr>
+              <a:t>master</a:t>
+            </a:r>
+            <a:endParaRPr lang="de-DE" sz="2400" dirty="0">
+              <a:latin typeface="Courier New" panose="02070309020205020404" pitchFamily="49" charset="0"/>
+              <a:cs typeface="Courier New" panose="02070309020205020404" pitchFamily="49" charset="0"/>
+            </a:endParaRPr>
+          </a:p>
+          <a:p>
+            <a:pPr marL="0" indent="0">
+              <a:buNone/>
+            </a:pPr>
+            <a:r>
+              <a:rPr lang="de-DE" sz="2400" dirty="0">
+                <a:latin typeface="Courier New" panose="02070309020205020404" pitchFamily="49" charset="0"/>
+                <a:cs typeface="Courier New" panose="02070309020205020404" pitchFamily="49" charset="0"/>
+              </a:rPr>
+              <a:t>	microk8s </a:t>
+            </a:r>
+            <a:r>
+              <a:rPr lang="de-DE" sz="2400" dirty="0" err="1">
+                <a:latin typeface="Courier New" panose="02070309020205020404" pitchFamily="49" charset="0"/>
+                <a:cs typeface="Courier New" panose="02070309020205020404" pitchFamily="49" charset="0"/>
+              </a:rPr>
+              <a:t>enable</a:t>
+            </a:r>
+            <a:r>
+              <a:rPr lang="de-DE" sz="2400" dirty="0">
+                <a:latin typeface="Courier New" panose="02070309020205020404" pitchFamily="49" charset="0"/>
+                <a:cs typeface="Courier New" panose="02070309020205020404" pitchFamily="49" charset="0"/>
+              </a:rPr>
+              <a:t> </a:t>
+            </a:r>
+            <a:r>
+              <a:rPr lang="de-DE" sz="2400" dirty="0" err="1">
+                <a:latin typeface="Courier New" panose="02070309020205020404" pitchFamily="49" charset="0"/>
+                <a:cs typeface="Courier New" panose="02070309020205020404" pitchFamily="49" charset="0"/>
+              </a:rPr>
+              <a:t>dns</a:t>
+            </a:r>
+            <a:r>
+              <a:rPr lang="de-DE" sz="2400" dirty="0">
+                <a:latin typeface="Courier New" panose="02070309020205020404" pitchFamily="49" charset="0"/>
+                <a:cs typeface="Courier New" panose="02070309020205020404" pitchFamily="49" charset="0"/>
+              </a:rPr>
+              <a:t> </a:t>
+            </a:r>
+            <a:r>
+              <a:rPr lang="de-DE" sz="2400" dirty="0" err="1">
+                <a:latin typeface="Courier New" panose="02070309020205020404" pitchFamily="49" charset="0"/>
+                <a:cs typeface="Courier New" panose="02070309020205020404" pitchFamily="49" charset="0"/>
+              </a:rPr>
+              <a:t>dashboard</a:t>
+            </a:r>
+            <a:r>
+              <a:rPr lang="de-DE" sz="2400" dirty="0">
+                <a:latin typeface="Courier New" panose="02070309020205020404" pitchFamily="49" charset="0"/>
+                <a:cs typeface="Courier New" panose="02070309020205020404" pitchFamily="49" charset="0"/>
+              </a:rPr>
+              <a:t> </a:t>
+            </a:r>
+            <a:r>
+              <a:rPr lang="de-DE" sz="2400" dirty="0" err="1">
+                <a:latin typeface="Courier New" panose="02070309020205020404" pitchFamily="49" charset="0"/>
+                <a:cs typeface="Courier New" panose="02070309020205020404" pitchFamily="49" charset="0"/>
+              </a:rPr>
+              <a:t>ingress</a:t>
+            </a:r>
+            <a:endParaRPr lang="de-DE" sz="2400" dirty="0">
+              <a:latin typeface="Courier New" panose="02070309020205020404" pitchFamily="49" charset="0"/>
+              <a:cs typeface="Courier New" panose="02070309020205020404" pitchFamily="49" charset="0"/>
+            </a:endParaRPr>
+          </a:p>
+          <a:p>
+            <a:pPr marL="0" indent="0">
+              <a:buNone/>
+            </a:pPr>
+            <a:r>
+              <a:rPr lang="de-DE" sz="2400" dirty="0">
+                <a:latin typeface="Courier New" panose="02070309020205020404" pitchFamily="49" charset="0"/>
+                <a:cs typeface="Courier New" panose="02070309020205020404" pitchFamily="49" charset="0"/>
+              </a:rPr>
+              <a:t>	microk8s </a:t>
+            </a:r>
+            <a:r>
+              <a:rPr lang="de-DE" sz="2400" dirty="0" err="1">
+                <a:latin typeface="Courier New" panose="02070309020205020404" pitchFamily="49" charset="0"/>
+                <a:cs typeface="Courier New" panose="02070309020205020404" pitchFamily="49" charset="0"/>
+              </a:rPr>
+              <a:t>dashboard</a:t>
+            </a:r>
+            <a:r>
+              <a:rPr lang="de-DE" sz="2400" dirty="0">
+                <a:latin typeface="Courier New" panose="02070309020205020404" pitchFamily="49" charset="0"/>
+                <a:cs typeface="Courier New" panose="02070309020205020404" pitchFamily="49" charset="0"/>
+              </a:rPr>
+              <a:t>-proxy</a:t>
+            </a:r>
+          </a:p>
+          <a:p>
+            <a:pPr lvl="1"/>
+            <a:r>
+              <a:rPr lang="de-DE" dirty="0">
+                <a:cs typeface="Courier New" panose="02070309020205020404" pitchFamily="49" charset="0"/>
+              </a:rPr>
+              <a:t>Bitte warten, das kann ein paar Minuten dauern!</a:t>
+            </a:r>
+          </a:p>
+          <a:p>
+            <a:pPr marL="0" indent="0">
+              <a:buNone/>
+            </a:pPr>
+            <a:r>
+              <a:rPr lang="de-DE" dirty="0">
+                <a:latin typeface="Courier New" panose="02070309020205020404" pitchFamily="49" charset="0"/>
+                <a:cs typeface="Courier New" panose="02070309020205020404" pitchFamily="49" charset="0"/>
+              </a:rPr>
+              <a:t>	</a:t>
+            </a:r>
+          </a:p>
+        </p:txBody>
+      </p:sp>
+    </p:spTree>
+    <p:extLst>
+      <p:ext uri="{BB962C8B-B14F-4D97-AF65-F5344CB8AC3E}">
+        <p14:creationId xmlns:p14="http://schemas.microsoft.com/office/powerpoint/2010/main" val="614538028"/>
+      </p:ext>
+    </p:extLst>
+  </p:cSld>
+  <p:clrMapOvr>
+    <a:masterClrMapping/>
+  </p:clrMapOvr>
+</p:sld>
+</file>
+
+<file path=ppt/slides/slide11.xml><?xml version="1.0" encoding="utf-8"?>
 <p:sld xmlns:a="http://schemas.openxmlformats.org/drawingml/2006/main" xmlns:r="http://schemas.openxmlformats.org/officeDocument/2006/relationships" xmlns:p="http://schemas.openxmlformats.org/presentationml/2006/main">
   <p:cSld>
     <p:spTree>
@@ -4088,7 +4502,7 @@
 </p:sld>
 </file>
 
-<file path=ppt/slides/slide11.xml><?xml version="1.0" encoding="utf-8"?>
+<file path=ppt/slides/slide12.xml><?xml version="1.0" encoding="utf-8"?>
 <p:sld xmlns:a="http://schemas.openxmlformats.org/drawingml/2006/main" xmlns:r="http://schemas.openxmlformats.org/officeDocument/2006/relationships" xmlns:p="http://schemas.openxmlformats.org/presentationml/2006/main">
   <p:cSld>
     <p:spTree>
@@ -4359,7 +4773,7 @@
 </p:sld>
 </file>
 
-<file path=ppt/slides/slide12.xml><?xml version="1.0" encoding="utf-8"?>
+<file path=ppt/slides/slide13.xml><?xml version="1.0" encoding="utf-8"?>
 <p:sld xmlns:a="http://schemas.openxmlformats.org/drawingml/2006/main" xmlns:r="http://schemas.openxmlformats.org/officeDocument/2006/relationships" xmlns:p="http://schemas.openxmlformats.org/presentationml/2006/main">
   <p:cSld>
     <p:spTree>
@@ -4460,44 +4874,7 @@
                 <a:latin typeface="Courier New" panose="02070309020205020404" pitchFamily="49" charset="0"/>
                 <a:cs typeface="Courier New" panose="02070309020205020404" pitchFamily="49" charset="0"/>
               </a:rPr>
-              <a:t>multipass launch --name worker1 --</a:t>
-            </a:r>
-            <a:r>
-              <a:rPr lang="de-DE" sz="2400" dirty="0" err="1">
-                <a:latin typeface="Courier New" panose="02070309020205020404" pitchFamily="49" charset="0"/>
-                <a:cs typeface="Courier New" panose="02070309020205020404" pitchFamily="49" charset="0"/>
-              </a:rPr>
-              <a:t>cpus</a:t>
-            </a:r>
-            <a:r>
-              <a:rPr lang="de-DE" sz="2400" dirty="0">
-                <a:latin typeface="Courier New" panose="02070309020205020404" pitchFamily="49" charset="0"/>
-                <a:cs typeface="Courier New" panose="02070309020205020404" pitchFamily="49" charset="0"/>
-              </a:rPr>
-              <a:t> 2 --memory 4G --disk 20G </a:t>
-            </a:r>
-            <a:r>
-              <a:rPr lang="de-DE" sz="2400" dirty="0" err="1">
-                <a:latin typeface="Courier New" panose="02070309020205020404" pitchFamily="49" charset="0"/>
-                <a:cs typeface="Courier New" panose="02070309020205020404" pitchFamily="49" charset="0"/>
-              </a:rPr>
-              <a:t>lts</a:t>
-            </a:r>
-            <a:endParaRPr lang="de-DE" sz="2400" dirty="0">
-              <a:latin typeface="Courier New" panose="02070309020205020404" pitchFamily="49" charset="0"/>
-              <a:cs typeface="Courier New" panose="02070309020205020404" pitchFamily="49" charset="0"/>
-            </a:endParaRPr>
-          </a:p>
-          <a:p>
-            <a:pPr marL="0" indent="0">
-              <a:buNone/>
-            </a:pPr>
-            <a:r>
-              <a:rPr lang="de-DE" sz="2400" dirty="0">
-                <a:latin typeface="Courier New" panose="02070309020205020404" pitchFamily="49" charset="0"/>
-                <a:cs typeface="Courier New" panose="02070309020205020404" pitchFamily="49" charset="0"/>
-              </a:rPr>
-              <a:t>	multipass </a:t>
+              <a:t>multipass </a:t>
             </a:r>
             <a:r>
               <a:rPr lang="de-DE" sz="2400" dirty="0" err="1">
@@ -4704,7 +5081,7 @@
 </p:sld>
 </file>
 
-<file path=ppt/slides/slide13.xml><?xml version="1.0" encoding="utf-8"?>
+<file path=ppt/slides/slide14.xml><?xml version="1.0" encoding="utf-8"?>
 <p:sld xmlns:a="http://schemas.openxmlformats.org/drawingml/2006/main" xmlns:r="http://schemas.openxmlformats.org/officeDocument/2006/relationships" xmlns:p="http://schemas.openxmlformats.org/presentationml/2006/main">
   <p:cSld>
     <p:spTree>
@@ -4994,179 +5371,6 @@
 </p:sld>
 </file>
 
-<file path=ppt/slides/slide14.xml><?xml version="1.0" encoding="utf-8"?>
-<p:sld xmlns:a="http://schemas.openxmlformats.org/drawingml/2006/main" xmlns:r="http://schemas.openxmlformats.org/officeDocument/2006/relationships" xmlns:p="http://schemas.openxmlformats.org/presentationml/2006/main">
-  <p:cSld>
-    <p:spTree>
-      <p:nvGrpSpPr>
-        <p:cNvPr id="1" name=""/>
-        <p:cNvGrpSpPr/>
-        <p:nvPr/>
-      </p:nvGrpSpPr>
-      <p:grpSpPr>
-        <a:xfrm>
-          <a:off x="0" y="0"/>
-          <a:ext cx="0" cy="0"/>
-          <a:chOff x="0" y="0"/>
-          <a:chExt cx="0" cy="0"/>
-        </a:xfrm>
-      </p:grpSpPr>
-      <p:sp>
-        <p:nvSpPr>
-          <p:cNvPr id="2" name="Titel 1">
-            <a:extLst>
-              <a:ext uri="{FF2B5EF4-FFF2-40B4-BE49-F238E27FC236}">
-                <a16:creationId xmlns:a16="http://schemas.microsoft.com/office/drawing/2014/main" id="{97B81511-FD40-5DFB-A11C-439D47FC7E4E}"/>
-              </a:ext>
-            </a:extLst>
-          </p:cNvPr>
-          <p:cNvSpPr>
-            <a:spLocks noGrp="1"/>
-          </p:cNvSpPr>
-          <p:nvPr>
-            <p:ph type="title"/>
-          </p:nvPr>
-        </p:nvSpPr>
-        <p:spPr/>
-        <p:txBody>
-          <a:bodyPr/>
-          <a:lstStyle/>
-          <a:p>
-            <a:r>
-              <a:rPr lang="de-DE" dirty="0"/>
-              <a:t>Zufügen eines </a:t>
-            </a:r>
-            <a:r>
-              <a:rPr lang="de-DE" dirty="0" err="1"/>
-              <a:t>Worker</a:t>
-            </a:r>
-            <a:r>
-              <a:rPr lang="de-DE" dirty="0"/>
-              <a:t> Nodes</a:t>
-            </a:r>
-          </a:p>
-        </p:txBody>
-      </p:sp>
-      <p:sp>
-        <p:nvSpPr>
-          <p:cNvPr id="3" name="Inhaltsplatzhalter 2">
-            <a:extLst>
-              <a:ext uri="{FF2B5EF4-FFF2-40B4-BE49-F238E27FC236}">
-                <a16:creationId xmlns:a16="http://schemas.microsoft.com/office/drawing/2014/main" id="{D60DEAA2-318F-E89B-9305-4E4F17176745}"/>
-              </a:ext>
-            </a:extLst>
-          </p:cNvPr>
-          <p:cNvSpPr>
-            <a:spLocks noGrp="1"/>
-          </p:cNvSpPr>
-          <p:nvPr>
-            <p:ph idx="1"/>
-          </p:nvPr>
-        </p:nvSpPr>
-        <p:spPr/>
-        <p:txBody>
-          <a:bodyPr>
-            <a:normAutofit/>
-          </a:bodyPr>
-          <a:lstStyle/>
-          <a:p>
-            <a:r>
-              <a:rPr lang="de-DE" dirty="0">
-                <a:latin typeface="Courier New" panose="02070309020205020404" pitchFamily="49" charset="0"/>
-                <a:cs typeface="Courier New" panose="02070309020205020404" pitchFamily="49" charset="0"/>
-              </a:rPr>
-              <a:t>worker1</a:t>
-            </a:r>
-            <a:r>
-              <a:rPr lang="de-DE" dirty="0"/>
-              <a:t> einrichten (3):</a:t>
-            </a:r>
-          </a:p>
-          <a:p>
-            <a:pPr marL="0" indent="0">
-              <a:buNone/>
-            </a:pPr>
-            <a:r>
-              <a:rPr lang="de-DE" sz="2400" dirty="0"/>
-              <a:t>	</a:t>
-            </a:r>
-            <a:r>
-              <a:rPr lang="de-DE" sz="2400" dirty="0">
-                <a:latin typeface="Courier New" panose="02070309020205020404" pitchFamily="49" charset="0"/>
-                <a:cs typeface="Courier New" panose="02070309020205020404" pitchFamily="49" charset="0"/>
-              </a:rPr>
-              <a:t>multipass </a:t>
-            </a:r>
-            <a:r>
-              <a:rPr lang="de-DE" sz="2400" dirty="0" err="1">
-                <a:latin typeface="Courier New" panose="02070309020205020404" pitchFamily="49" charset="0"/>
-                <a:cs typeface="Courier New" panose="02070309020205020404" pitchFamily="49" charset="0"/>
-              </a:rPr>
-              <a:t>shell</a:t>
-            </a:r>
-            <a:r>
-              <a:rPr lang="de-DE" sz="2400" dirty="0">
-                <a:latin typeface="Courier New" panose="02070309020205020404" pitchFamily="49" charset="0"/>
-                <a:cs typeface="Courier New" panose="02070309020205020404" pitchFamily="49" charset="0"/>
-              </a:rPr>
-              <a:t> worker1</a:t>
-            </a:r>
-          </a:p>
-          <a:p>
-            <a:pPr marL="0" indent="0">
-              <a:buNone/>
-            </a:pPr>
-            <a:r>
-              <a:rPr lang="de-DE" sz="2400" dirty="0">
-                <a:latin typeface="Courier New" panose="02070309020205020404" pitchFamily="49" charset="0"/>
-                <a:cs typeface="Courier New" panose="02070309020205020404" pitchFamily="49" charset="0"/>
-              </a:rPr>
-              <a:t>	microk8s </a:t>
-            </a:r>
-            <a:r>
-              <a:rPr lang="de-DE" sz="2400" dirty="0" err="1">
-                <a:latin typeface="Courier New" panose="02070309020205020404" pitchFamily="49" charset="0"/>
-                <a:cs typeface="Courier New" panose="02070309020205020404" pitchFamily="49" charset="0"/>
-              </a:rPr>
-              <a:t>join</a:t>
-            </a:r>
-            <a:r>
-              <a:rPr lang="de-DE" sz="2400" dirty="0">
-                <a:latin typeface="Courier New" panose="02070309020205020404" pitchFamily="49" charset="0"/>
-                <a:cs typeface="Courier New" panose="02070309020205020404" pitchFamily="49" charset="0"/>
-              </a:rPr>
-              <a:t> 10.165.29.118:25000/b472c565140265866448027bde23cd3d/02e550107dbb --</a:t>
-            </a:r>
-            <a:r>
-              <a:rPr lang="de-DE" sz="2400" dirty="0" err="1">
-                <a:latin typeface="Courier New" panose="02070309020205020404" pitchFamily="49" charset="0"/>
-                <a:cs typeface="Courier New" panose="02070309020205020404" pitchFamily="49" charset="0"/>
-              </a:rPr>
-              <a:t>worker</a:t>
-            </a:r>
-            <a:r>
-              <a:rPr lang="de-DE" sz="2400" dirty="0">
-                <a:latin typeface="Courier New" panose="02070309020205020404" pitchFamily="49" charset="0"/>
-                <a:cs typeface="Courier New" panose="02070309020205020404" pitchFamily="49" charset="0"/>
-              </a:rPr>
-              <a:t>		</a:t>
-            </a:r>
-          </a:p>
-        </p:txBody>
-      </p:sp>
-    </p:spTree>
-    <p:extLst>
-      <p:ext uri="{BB962C8B-B14F-4D97-AF65-F5344CB8AC3E}">
-        <p14:creationId xmlns:p14="http://schemas.microsoft.com/office/powerpoint/2010/main" val="2577374115"/>
-      </p:ext>
-    </p:extLst>
-  </p:cSld>
-  <p:clrMapOvr>
-    <a:masterClrMapping/>
-  </p:clrMapOvr>
-</p:sld>
-</file>
-
 <file path=ppt/slides/slide15.xml><?xml version="1.0" encoding="utf-8"?>
 <p:sld xmlns:a="http://schemas.openxmlformats.org/drawingml/2006/main" xmlns:r="http://schemas.openxmlformats.org/officeDocument/2006/relationships" xmlns:p="http://schemas.openxmlformats.org/presentationml/2006/main">
   <p:cSld>
@@ -5244,8 +5448,173 @@
           <a:lstStyle/>
           <a:p>
             <a:r>
-              <a:rPr lang="de-DE" dirty="0"/>
-              <a:t>worker1 einrichten (3):</a:t>
+              <a:rPr lang="de-DE" dirty="0">
+                <a:latin typeface="Courier New" panose="02070309020205020404" pitchFamily="49" charset="0"/>
+                <a:cs typeface="Courier New" panose="02070309020205020404" pitchFamily="49" charset="0"/>
+              </a:rPr>
+              <a:t>worker1</a:t>
+            </a:r>
+            <a:r>
+              <a:rPr lang="de-DE" dirty="0"/>
+              <a:t> einrichten (3):</a:t>
+            </a:r>
+          </a:p>
+          <a:p>
+            <a:pPr lvl="1"/>
+            <a:r>
+              <a:rPr lang="de-DE" dirty="0"/>
+              <a:t>Bitte auf </a:t>
+            </a:r>
+            <a:r>
+              <a:rPr lang="de-DE" dirty="0">
+                <a:latin typeface="Courier New" panose="02070309020205020404" pitchFamily="49" charset="0"/>
+                <a:cs typeface="Courier New" panose="02070309020205020404" pitchFamily="49" charset="0"/>
+              </a:rPr>
+              <a:t>worker1</a:t>
+            </a:r>
+            <a:r>
+              <a:rPr lang="de-DE" dirty="0"/>
+              <a:t> ausführen:</a:t>
+            </a:r>
+          </a:p>
+          <a:p>
+            <a:pPr marL="0" indent="0">
+              <a:buNone/>
+            </a:pPr>
+            <a:r>
+              <a:rPr lang="de-DE" sz="2400" dirty="0"/>
+              <a:t>	</a:t>
+            </a:r>
+            <a:r>
+              <a:rPr lang="de-DE" sz="2400" dirty="0">
+                <a:latin typeface="Courier New" panose="02070309020205020404" pitchFamily="49" charset="0"/>
+                <a:cs typeface="Courier New" panose="02070309020205020404" pitchFamily="49" charset="0"/>
+              </a:rPr>
+              <a:t>microk8s </a:t>
+            </a:r>
+            <a:r>
+              <a:rPr lang="de-DE" sz="2400" dirty="0" err="1">
+                <a:latin typeface="Courier New" panose="02070309020205020404" pitchFamily="49" charset="0"/>
+                <a:cs typeface="Courier New" panose="02070309020205020404" pitchFamily="49" charset="0"/>
+              </a:rPr>
+              <a:t>join</a:t>
+            </a:r>
+            <a:r>
+              <a:rPr lang="de-DE" sz="2400" dirty="0">
+                <a:latin typeface="Courier New" panose="02070309020205020404" pitchFamily="49" charset="0"/>
+                <a:cs typeface="Courier New" panose="02070309020205020404" pitchFamily="49" charset="0"/>
+              </a:rPr>
+              <a:t> 10.165.29.118:25000/b472c565140265866448027bde23cd3d/02e550107dbb --</a:t>
+            </a:r>
+            <a:r>
+              <a:rPr lang="de-DE" sz="2400" dirty="0" err="1">
+                <a:latin typeface="Courier New" panose="02070309020205020404" pitchFamily="49" charset="0"/>
+                <a:cs typeface="Courier New" panose="02070309020205020404" pitchFamily="49" charset="0"/>
+              </a:rPr>
+              <a:t>worker</a:t>
+            </a:r>
+            <a:r>
+              <a:rPr lang="de-DE" sz="2400" dirty="0">
+                <a:latin typeface="Courier New" panose="02070309020205020404" pitchFamily="49" charset="0"/>
+                <a:cs typeface="Courier New" panose="02070309020205020404" pitchFamily="49" charset="0"/>
+              </a:rPr>
+              <a:t>		</a:t>
+            </a:r>
+          </a:p>
+        </p:txBody>
+      </p:sp>
+    </p:spTree>
+    <p:extLst>
+      <p:ext uri="{BB962C8B-B14F-4D97-AF65-F5344CB8AC3E}">
+        <p14:creationId xmlns:p14="http://schemas.microsoft.com/office/powerpoint/2010/main" val="2577374115"/>
+      </p:ext>
+    </p:extLst>
+  </p:cSld>
+  <p:clrMapOvr>
+    <a:masterClrMapping/>
+  </p:clrMapOvr>
+</p:sld>
+</file>
+
+<file path=ppt/slides/slide16.xml><?xml version="1.0" encoding="utf-8"?>
+<p:sld xmlns:a="http://schemas.openxmlformats.org/drawingml/2006/main" xmlns:r="http://schemas.openxmlformats.org/officeDocument/2006/relationships" xmlns:p="http://schemas.openxmlformats.org/presentationml/2006/main">
+  <p:cSld>
+    <p:spTree>
+      <p:nvGrpSpPr>
+        <p:cNvPr id="1" name=""/>
+        <p:cNvGrpSpPr/>
+        <p:nvPr/>
+      </p:nvGrpSpPr>
+      <p:grpSpPr>
+        <a:xfrm>
+          <a:off x="0" y="0"/>
+          <a:ext cx="0" cy="0"/>
+          <a:chOff x="0" y="0"/>
+          <a:chExt cx="0" cy="0"/>
+        </a:xfrm>
+      </p:grpSpPr>
+      <p:sp>
+        <p:nvSpPr>
+          <p:cNvPr id="2" name="Titel 1">
+            <a:extLst>
+              <a:ext uri="{FF2B5EF4-FFF2-40B4-BE49-F238E27FC236}">
+                <a16:creationId xmlns:a16="http://schemas.microsoft.com/office/drawing/2014/main" id="{97B81511-FD40-5DFB-A11C-439D47FC7E4E}"/>
+              </a:ext>
+            </a:extLst>
+          </p:cNvPr>
+          <p:cNvSpPr>
+            <a:spLocks noGrp="1"/>
+          </p:cNvSpPr>
+          <p:nvPr>
+            <p:ph type="title"/>
+          </p:nvPr>
+        </p:nvSpPr>
+        <p:spPr/>
+        <p:txBody>
+          <a:bodyPr/>
+          <a:lstStyle/>
+          <a:p>
+            <a:r>
+              <a:rPr lang="de-DE" dirty="0"/>
+              <a:t>Zufügen eines </a:t>
+            </a:r>
+            <a:r>
+              <a:rPr lang="de-DE" dirty="0" err="1"/>
+              <a:t>Worker</a:t>
+            </a:r>
+            <a:r>
+              <a:rPr lang="de-DE" dirty="0"/>
+              <a:t> Nodes</a:t>
+            </a:r>
+          </a:p>
+        </p:txBody>
+      </p:sp>
+      <p:sp>
+        <p:nvSpPr>
+          <p:cNvPr id="3" name="Inhaltsplatzhalter 2">
+            <a:extLst>
+              <a:ext uri="{FF2B5EF4-FFF2-40B4-BE49-F238E27FC236}">
+                <a16:creationId xmlns:a16="http://schemas.microsoft.com/office/drawing/2014/main" id="{D60DEAA2-318F-E89B-9305-4E4F17176745}"/>
+              </a:ext>
+            </a:extLst>
+          </p:cNvPr>
+          <p:cNvSpPr>
+            <a:spLocks noGrp="1"/>
+          </p:cNvSpPr>
+          <p:nvPr>
+            <p:ph idx="1"/>
+          </p:nvPr>
+        </p:nvSpPr>
+        <p:spPr/>
+        <p:txBody>
+          <a:bodyPr>
+            <a:normAutofit/>
+          </a:bodyPr>
+          <a:lstStyle/>
+          <a:p>
+            <a:r>
+              <a:rPr lang="de-DE" dirty="0"/>
+              <a:t>worker1 einrichten (4):</a:t>
             </a:r>
           </a:p>
           <a:p>
@@ -5307,7 +5676,7 @@
 </p:sld>
 </file>
 
-<file path=ppt/slides/slide16.xml><?xml version="1.0" encoding="utf-8"?>
+<file path=ppt/slides/slide17.xml><?xml version="1.0" encoding="utf-8"?>
 <p:sld xmlns:a="http://schemas.openxmlformats.org/drawingml/2006/main" xmlns:r="http://schemas.openxmlformats.org/officeDocument/2006/relationships" xmlns:p="http://schemas.openxmlformats.org/presentationml/2006/main">
   <p:cSld>
     <p:spTree>
@@ -5451,7 +5820,7 @@
 </p:sld>
 </file>
 
-<file path=ppt/slides/slide17.xml><?xml version="1.0" encoding="utf-8"?>
+<file path=ppt/slides/slide18.xml><?xml version="1.0" encoding="utf-8"?>
 <p:sld xmlns:a="http://schemas.openxmlformats.org/drawingml/2006/main" xmlns:r="http://schemas.openxmlformats.org/officeDocument/2006/relationships" xmlns:p="http://schemas.openxmlformats.org/presentationml/2006/main">
   <p:cSld>
     <p:spTree>
@@ -5491,7 +5860,7 @@
           <a:p>
             <a:r>
               <a:rPr lang="de-DE" dirty="0"/>
-              <a:t>Stoppen der VMs</a:t>
+              <a:t>Zufügen des Datenbank-Servers</a:t>
             </a:r>
           </a:p>
         </p:txBody>
@@ -5520,30 +5889,38 @@
           <a:lstStyle/>
           <a:p>
             <a:r>
-              <a:rPr lang="de-DE" dirty="0"/>
-              <a:t>Entweder: in der VM</a:t>
-            </a:r>
-            <a:endParaRPr lang="de-DE" dirty="0">
-              <a:cs typeface="Courier New" panose="02070309020205020404" pitchFamily="49" charset="0"/>
-            </a:endParaRPr>
+              <a:rPr lang="de-DE" dirty="0" err="1">
+                <a:latin typeface="Courier New" panose="02070309020205020404" pitchFamily="49" charset="0"/>
+                <a:cs typeface="Courier New" panose="02070309020205020404" pitchFamily="49" charset="0"/>
+              </a:rPr>
+              <a:t>db</a:t>
+            </a:r>
+            <a:r>
+              <a:rPr lang="de-DE" dirty="0"/>
+              <a:t> einrichten:</a:t>
+            </a:r>
           </a:p>
           <a:p>
             <a:pPr marL="0" indent="0">
               <a:buNone/>
             </a:pPr>
             <a:r>
+              <a:rPr lang="de-DE" dirty="0"/>
+              <a:t>	</a:t>
+            </a:r>
+            <a:r>
               <a:rPr lang="de-DE" sz="2400" dirty="0">
                 <a:latin typeface="Courier New" panose="02070309020205020404" pitchFamily="49" charset="0"/>
                 <a:cs typeface="Courier New" panose="02070309020205020404" pitchFamily="49" charset="0"/>
               </a:rPr>
-              <a:t>	</a:t>
+              <a:t>multipass </a:t>
             </a:r>
             <a:r>
               <a:rPr lang="de-DE" sz="2400" dirty="0" err="1">
                 <a:latin typeface="Courier New" panose="02070309020205020404" pitchFamily="49" charset="0"/>
                 <a:cs typeface="Courier New" panose="02070309020205020404" pitchFamily="49" charset="0"/>
               </a:rPr>
-              <a:t>sudo</a:t>
+              <a:t>shell</a:t>
             </a:r>
             <a:r>
               <a:rPr lang="de-DE" sz="2400" dirty="0">
@@ -5557,21 +5934,7 @@
                 <a:latin typeface="Courier New" panose="02070309020205020404" pitchFamily="49" charset="0"/>
                 <a:cs typeface="Courier New" panose="02070309020205020404" pitchFamily="49" charset="0"/>
               </a:rPr>
-              <a:t>shutdown</a:t>
-            </a:r>
-            <a:r>
-              <a:rPr lang="de-DE" sz="2400" dirty="0">
-                <a:latin typeface="Courier New" panose="02070309020205020404" pitchFamily="49" charset="0"/>
-                <a:cs typeface="Courier New" panose="02070309020205020404" pitchFamily="49" charset="0"/>
-              </a:rPr>
-              <a:t> –h </a:t>
-            </a:r>
-            <a:r>
-              <a:rPr lang="de-DE" sz="2400" dirty="0" err="1">
-                <a:latin typeface="Courier New" panose="02070309020205020404" pitchFamily="49" charset="0"/>
-                <a:cs typeface="Courier New" panose="02070309020205020404" pitchFamily="49" charset="0"/>
-              </a:rPr>
-              <a:t>now</a:t>
+              <a:t>db</a:t>
             </a:r>
             <a:endParaRPr lang="de-DE" sz="2400" dirty="0">
               <a:latin typeface="Courier New" panose="02070309020205020404" pitchFamily="49" charset="0"/>
@@ -5582,35 +5945,19 @@
             <a:pPr marL="0" indent="0">
               <a:buNone/>
             </a:pPr>
-            <a:endParaRPr lang="de-DE" dirty="0">
-              <a:cs typeface="Courier New" panose="02070309020205020404" pitchFamily="49" charset="0"/>
-            </a:endParaRPr>
-          </a:p>
-          <a:p>
-            <a:r>
-              <a:rPr lang="de-DE" dirty="0">
-                <a:cs typeface="Courier New" panose="02070309020205020404" pitchFamily="49" charset="0"/>
-              </a:rPr>
-              <a:t>Oder: im Terminal des Host-Rechners</a:t>
-            </a:r>
-          </a:p>
-          <a:p>
-            <a:pPr marL="0" indent="0">
-              <a:buNone/>
-            </a:pPr>
             <a:r>
               <a:rPr lang="de-DE" sz="2400" dirty="0">
                 <a:latin typeface="Courier New" panose="02070309020205020404" pitchFamily="49" charset="0"/>
                 <a:cs typeface="Courier New" panose="02070309020205020404" pitchFamily="49" charset="0"/>
               </a:rPr>
-              <a:t>	multipass </a:t>
+              <a:t>	</a:t>
             </a:r>
             <a:r>
               <a:rPr lang="de-DE" sz="2400" dirty="0" err="1">
                 <a:latin typeface="Courier New" panose="02070309020205020404" pitchFamily="49" charset="0"/>
                 <a:cs typeface="Courier New" panose="02070309020205020404" pitchFamily="49" charset="0"/>
               </a:rPr>
-              <a:t>stop</a:t>
+              <a:t>sudo</a:t>
             </a:r>
             <a:r>
               <a:rPr lang="de-DE" sz="2400" dirty="0">
@@ -5624,68 +5971,217 @@
                 <a:latin typeface="Courier New" panose="02070309020205020404" pitchFamily="49" charset="0"/>
                 <a:cs typeface="Courier New" panose="02070309020205020404" pitchFamily="49" charset="0"/>
               </a:rPr>
-              <a:t>master</a:t>
+              <a:t>snap</a:t>
             </a:r>
             <a:r>
               <a:rPr lang="de-DE" sz="2400" dirty="0">
                 <a:latin typeface="Courier New" panose="02070309020205020404" pitchFamily="49" charset="0"/>
                 <a:cs typeface="Courier New" panose="02070309020205020404" pitchFamily="49" charset="0"/>
               </a:rPr>
-              <a:t> worker1 worker2</a:t>
-            </a:r>
-          </a:p>
-          <a:p>
-            <a:pPr marL="0" indent="0">
-              <a:buNone/>
-            </a:pPr>
-            <a:endParaRPr lang="de-DE" dirty="0">
-              <a:latin typeface="Courier New" panose="02070309020205020404" pitchFamily="49" charset="0"/>
-              <a:cs typeface="Courier New" panose="02070309020205020404" pitchFamily="49" charset="0"/>
-            </a:endParaRPr>
-          </a:p>
-          <a:p>
-            <a:r>
-              <a:rPr lang="de-DE" dirty="0">
-                <a:cs typeface="Courier New" panose="02070309020205020404" pitchFamily="49" charset="0"/>
-              </a:rPr>
-              <a:t>Hinweis: Abfrage des Status der VMs</a:t>
-            </a:r>
-          </a:p>
-          <a:p>
-            <a:pPr marL="0" indent="0">
-              <a:buNone/>
-            </a:pPr>
+              <a:t> </a:t>
+            </a:r>
+            <a:r>
+              <a:rPr lang="de-DE" sz="2400" dirty="0" err="1">
+                <a:latin typeface="Courier New" panose="02070309020205020404" pitchFamily="49" charset="0"/>
+                <a:cs typeface="Courier New" panose="02070309020205020404" pitchFamily="49" charset="0"/>
+              </a:rPr>
+              <a:t>install</a:t>
+            </a:r>
             <a:r>
               <a:rPr lang="de-DE" sz="2400" dirty="0">
-                <a:cs typeface="Courier New" panose="02070309020205020404" pitchFamily="49" charset="0"/>
-              </a:rPr>
-              <a:t>	</a:t>
-            </a:r>
-            <a:r>
-              <a:rPr lang="de-DE" sz="2400" dirty="0">
-                <a:latin typeface="Courier New" panose="02070309020205020404" pitchFamily="49" charset="0"/>
-                <a:cs typeface="Courier New" panose="02070309020205020404" pitchFamily="49" charset="0"/>
-              </a:rPr>
-              <a:t>multipass </a:t>
+                <a:latin typeface="Courier New" panose="02070309020205020404" pitchFamily="49" charset="0"/>
+                <a:cs typeface="Courier New" panose="02070309020205020404" pitchFamily="49" charset="0"/>
+              </a:rPr>
+              <a:t> </a:t>
             </a:r>
             <a:r>
               <a:rPr lang="de-DE" sz="2400" dirty="0" err="1">
                 <a:latin typeface="Courier New" panose="02070309020205020404" pitchFamily="49" charset="0"/>
                 <a:cs typeface="Courier New" panose="02070309020205020404" pitchFamily="49" charset="0"/>
               </a:rPr>
-              <a:t>list</a:t>
+              <a:t>docker</a:t>
             </a:r>
             <a:endParaRPr lang="de-DE" sz="2400" dirty="0">
               <a:latin typeface="Courier New" panose="02070309020205020404" pitchFamily="49" charset="0"/>
               <a:cs typeface="Courier New" panose="02070309020205020404" pitchFamily="49" charset="0"/>
             </a:endParaRPr>
           </a:p>
+          <a:p>
+            <a:pPr marL="0" indent="0">
+              <a:buNone/>
+            </a:pPr>
+            <a:r>
+              <a:rPr lang="de-DE" sz="2400" dirty="0">
+                <a:latin typeface="Courier New" panose="02070309020205020404" pitchFamily="49" charset="0"/>
+                <a:cs typeface="Courier New" panose="02070309020205020404" pitchFamily="49" charset="0"/>
+              </a:rPr>
+              <a:t>	</a:t>
+            </a:r>
+            <a:r>
+              <a:rPr lang="de-DE" sz="2400" dirty="0" err="1">
+                <a:latin typeface="Courier New" panose="02070309020205020404" pitchFamily="49" charset="0"/>
+                <a:cs typeface="Courier New" panose="02070309020205020404" pitchFamily="49" charset="0"/>
+              </a:rPr>
+              <a:t>sudo</a:t>
+            </a:r>
+            <a:r>
+              <a:rPr lang="de-DE" sz="2400" dirty="0">
+                <a:latin typeface="Courier New" panose="02070309020205020404" pitchFamily="49" charset="0"/>
+                <a:cs typeface="Courier New" panose="02070309020205020404" pitchFamily="49" charset="0"/>
+              </a:rPr>
+              <a:t> </a:t>
+            </a:r>
+            <a:r>
+              <a:rPr lang="de-DE" sz="2400" dirty="0" err="1">
+                <a:latin typeface="Courier New" panose="02070309020205020404" pitchFamily="49" charset="0"/>
+                <a:cs typeface="Courier New" panose="02070309020205020404" pitchFamily="49" charset="0"/>
+              </a:rPr>
+              <a:t>addgroup</a:t>
+            </a:r>
+            <a:r>
+              <a:rPr lang="de-DE" sz="2400" dirty="0">
+                <a:latin typeface="Courier New" panose="02070309020205020404" pitchFamily="49" charset="0"/>
+                <a:cs typeface="Courier New" panose="02070309020205020404" pitchFamily="49" charset="0"/>
+              </a:rPr>
+              <a:t> --system </a:t>
+            </a:r>
+            <a:r>
+              <a:rPr lang="de-DE" sz="2400" dirty="0" err="1">
+                <a:latin typeface="Courier New" panose="02070309020205020404" pitchFamily="49" charset="0"/>
+                <a:cs typeface="Courier New" panose="02070309020205020404" pitchFamily="49" charset="0"/>
+              </a:rPr>
+              <a:t>docker</a:t>
+            </a:r>
+            <a:endParaRPr lang="de-DE" sz="2400" dirty="0">
+              <a:latin typeface="Courier New" panose="02070309020205020404" pitchFamily="49" charset="0"/>
+              <a:cs typeface="Courier New" panose="02070309020205020404" pitchFamily="49" charset="0"/>
+            </a:endParaRPr>
+          </a:p>
+          <a:p>
+            <a:pPr marL="0" indent="0">
+              <a:buNone/>
+            </a:pPr>
+            <a:r>
+              <a:rPr lang="de-DE" sz="2400" dirty="0">
+                <a:latin typeface="Courier New" panose="02070309020205020404" pitchFamily="49" charset="0"/>
+                <a:cs typeface="Courier New" panose="02070309020205020404" pitchFamily="49" charset="0"/>
+              </a:rPr>
+              <a:t>	</a:t>
+            </a:r>
+            <a:r>
+              <a:rPr lang="de-DE" sz="2400" dirty="0" err="1">
+                <a:latin typeface="Courier New" panose="02070309020205020404" pitchFamily="49" charset="0"/>
+                <a:cs typeface="Courier New" panose="02070309020205020404" pitchFamily="49" charset="0"/>
+              </a:rPr>
+              <a:t>sudo</a:t>
+            </a:r>
+            <a:r>
+              <a:rPr lang="de-DE" sz="2400" dirty="0">
+                <a:latin typeface="Courier New" panose="02070309020205020404" pitchFamily="49" charset="0"/>
+                <a:cs typeface="Courier New" panose="02070309020205020404" pitchFamily="49" charset="0"/>
+              </a:rPr>
+              <a:t> </a:t>
+            </a:r>
+            <a:r>
+              <a:rPr lang="de-DE" sz="2400" dirty="0" err="1">
+                <a:latin typeface="Courier New" panose="02070309020205020404" pitchFamily="49" charset="0"/>
+                <a:cs typeface="Courier New" panose="02070309020205020404" pitchFamily="49" charset="0"/>
+              </a:rPr>
+              <a:t>adduser</a:t>
+            </a:r>
+            <a:r>
+              <a:rPr lang="de-DE" sz="2400" dirty="0">
+                <a:latin typeface="Courier New" panose="02070309020205020404" pitchFamily="49" charset="0"/>
+                <a:cs typeface="Courier New" panose="02070309020205020404" pitchFamily="49" charset="0"/>
+              </a:rPr>
+              <a:t> $USER </a:t>
+            </a:r>
+            <a:r>
+              <a:rPr lang="de-DE" sz="2400" dirty="0" err="1">
+                <a:latin typeface="Courier New" panose="02070309020205020404" pitchFamily="49" charset="0"/>
+                <a:cs typeface="Courier New" panose="02070309020205020404" pitchFamily="49" charset="0"/>
+              </a:rPr>
+              <a:t>docker</a:t>
+            </a:r>
+            <a:endParaRPr lang="de-DE" sz="2400" dirty="0">
+              <a:latin typeface="Courier New" panose="02070309020205020404" pitchFamily="49" charset="0"/>
+              <a:cs typeface="Courier New" panose="02070309020205020404" pitchFamily="49" charset="0"/>
+            </a:endParaRPr>
+          </a:p>
+          <a:p>
+            <a:pPr marL="0" indent="0">
+              <a:buNone/>
+            </a:pPr>
+            <a:r>
+              <a:rPr lang="de-DE" sz="2400" dirty="0">
+                <a:latin typeface="Courier New" panose="02070309020205020404" pitchFamily="49" charset="0"/>
+                <a:cs typeface="Courier New" panose="02070309020205020404" pitchFamily="49" charset="0"/>
+              </a:rPr>
+              <a:t>	</a:t>
+            </a:r>
+            <a:r>
+              <a:rPr lang="de-DE" sz="2400" dirty="0" err="1">
+                <a:latin typeface="Courier New" panose="02070309020205020404" pitchFamily="49" charset="0"/>
+                <a:cs typeface="Courier New" panose="02070309020205020404" pitchFamily="49" charset="0"/>
+              </a:rPr>
+              <a:t>sudo</a:t>
+            </a:r>
+            <a:r>
+              <a:rPr lang="de-DE" sz="2400" dirty="0">
+                <a:latin typeface="Courier New" panose="02070309020205020404" pitchFamily="49" charset="0"/>
+                <a:cs typeface="Courier New" panose="02070309020205020404" pitchFamily="49" charset="0"/>
+              </a:rPr>
+              <a:t> </a:t>
+            </a:r>
+            <a:r>
+              <a:rPr lang="de-DE" sz="2400" dirty="0" err="1">
+                <a:latin typeface="Courier New" panose="02070309020205020404" pitchFamily="49" charset="0"/>
+                <a:cs typeface="Courier New" panose="02070309020205020404" pitchFamily="49" charset="0"/>
+              </a:rPr>
+              <a:t>shutdown</a:t>
+            </a:r>
+            <a:r>
+              <a:rPr lang="de-DE" sz="2400" dirty="0">
+                <a:latin typeface="Courier New" panose="02070309020205020404" pitchFamily="49" charset="0"/>
+                <a:cs typeface="Courier New" panose="02070309020205020404" pitchFamily="49" charset="0"/>
+              </a:rPr>
+              <a:t> -</a:t>
+            </a:r>
+            <a:r>
+              <a:rPr lang="de-DE" sz="2400" dirty="0" err="1">
+                <a:latin typeface="Courier New" panose="02070309020205020404" pitchFamily="49" charset="0"/>
+                <a:cs typeface="Courier New" panose="02070309020205020404" pitchFamily="49" charset="0"/>
+              </a:rPr>
+              <a:t>r</a:t>
+            </a:r>
+            <a:r>
+              <a:rPr lang="de-DE" sz="2400" dirty="0">
+                <a:latin typeface="Courier New" panose="02070309020205020404" pitchFamily="49" charset="0"/>
+                <a:cs typeface="Courier New" panose="02070309020205020404" pitchFamily="49" charset="0"/>
+              </a:rPr>
+              <a:t> </a:t>
+            </a:r>
+            <a:r>
+              <a:rPr lang="de-DE" sz="2400" dirty="0" err="1">
+                <a:latin typeface="Courier New" panose="02070309020205020404" pitchFamily="49" charset="0"/>
+                <a:cs typeface="Courier New" panose="02070309020205020404" pitchFamily="49" charset="0"/>
+              </a:rPr>
+              <a:t>now</a:t>
+            </a:r>
+            <a:r>
+              <a:rPr lang="de-DE" dirty="0">
+                <a:latin typeface="Courier New" panose="02070309020205020404" pitchFamily="49" charset="0"/>
+                <a:cs typeface="Courier New" panose="02070309020205020404" pitchFamily="49" charset="0"/>
+              </a:rPr>
+              <a:t>	</a:t>
+            </a:r>
+          </a:p>
         </p:txBody>
       </p:sp>
     </p:spTree>
     <p:extLst>
       <p:ext uri="{BB962C8B-B14F-4D97-AF65-F5344CB8AC3E}">
-        <p14:creationId xmlns:p14="http://schemas.microsoft.com/office/powerpoint/2010/main" val="1546802034"/>
+        <p14:creationId xmlns:p14="http://schemas.microsoft.com/office/powerpoint/2010/main" val="2505505920"/>
       </p:ext>
     </p:extLst>
   </p:cSld>
@@ -5717,141 +6213,82 @@
           <p:cNvPr id="2" name="Titel 1">
             <a:extLst>
               <a:ext uri="{FF2B5EF4-FFF2-40B4-BE49-F238E27FC236}">
-                <a16:creationId xmlns:a16="http://schemas.microsoft.com/office/drawing/2014/main" id="{6771848D-1E70-E48B-5C6D-951BC6041598}"/>
-              </a:ext>
-            </a:extLst>
-          </p:cNvPr>
-          <p:cNvSpPr>
-            <a:spLocks noGrp="1"/>
-          </p:cNvSpPr>
-          <p:nvPr>
-            <p:ph type="title"/>
+                <a16:creationId xmlns:a16="http://schemas.microsoft.com/office/drawing/2014/main" id="{61AC2841-EC8A-1BA6-D70A-7B843AF87BEF}"/>
+              </a:ext>
+            </a:extLst>
+          </p:cNvPr>
+          <p:cNvSpPr>
+            <a:spLocks noGrp="1"/>
+          </p:cNvSpPr>
+          <p:nvPr>
+            <p:ph type="ctrTitle"/>
           </p:nvPr>
         </p:nvSpPr>
         <p:spPr/>
         <p:txBody>
+          <a:bodyPr>
+            <a:normAutofit fontScale="90000"/>
+          </a:bodyPr>
+          <a:lstStyle/>
+          <a:p>
+            <a:r>
+              <a:rPr lang="de-DE" dirty="0"/>
+              <a:t>Teil 1</a:t>
+            </a:r>
+            <a:br>
+              <a:rPr lang="de-DE" dirty="0"/>
+            </a:br>
+            <a:r>
+              <a:rPr lang="de-DE" dirty="0"/>
+              <a:t>Installation der virtuellen Maschinen</a:t>
+            </a:r>
+          </a:p>
+        </p:txBody>
+      </p:sp>
+      <p:sp>
+        <p:nvSpPr>
+          <p:cNvPr id="3" name="Untertitel 2">
+            <a:extLst>
+              <a:ext uri="{FF2B5EF4-FFF2-40B4-BE49-F238E27FC236}">
+                <a16:creationId xmlns:a16="http://schemas.microsoft.com/office/drawing/2014/main" id="{FB2020CD-EBC6-748F-1AD6-DBF8E8960A6B}"/>
+              </a:ext>
+            </a:extLst>
+          </p:cNvPr>
+          <p:cNvSpPr>
+            <a:spLocks noGrp="1"/>
+          </p:cNvSpPr>
+          <p:nvPr>
+            <p:ph type="subTitle" idx="1"/>
+          </p:nvPr>
+        </p:nvSpPr>
+        <p:spPr/>
+        <p:txBody>
           <a:bodyPr/>
           <a:lstStyle/>
           <a:p>
             <a:r>
               <a:rPr lang="de-DE" dirty="0"/>
-              <a:t>Ziel</a:t>
-            </a:r>
-          </a:p>
-        </p:txBody>
-      </p:sp>
-      <p:sp>
-        <p:nvSpPr>
-          <p:cNvPr id="3" name="Inhaltsplatzhalter 2">
-            <a:extLst>
-              <a:ext uri="{FF2B5EF4-FFF2-40B4-BE49-F238E27FC236}">
-                <a16:creationId xmlns:a16="http://schemas.microsoft.com/office/drawing/2014/main" id="{C6B47590-B943-D19C-BC30-9C11A54E6BFE}"/>
-              </a:ext>
-            </a:extLst>
-          </p:cNvPr>
-          <p:cNvSpPr>
-            <a:spLocks noGrp="1"/>
-          </p:cNvSpPr>
-          <p:nvPr>
-            <p:ph idx="1"/>
-          </p:nvPr>
-        </p:nvSpPr>
-        <p:spPr/>
-        <p:txBody>
-          <a:bodyPr/>
-          <a:lstStyle/>
-          <a:p>
-            <a:r>
-              <a:rPr lang="de-DE" dirty="0"/>
-              <a:t>Installation eines </a:t>
+              <a:t>Dr. Georg Pietrek</a:t>
+            </a:r>
+          </a:p>
+          <a:p>
+            <a:r>
+              <a:rPr lang="de-DE" dirty="0"/>
+              <a:t>Timo Kästner, Can </a:t>
             </a:r>
             <a:r>
               <a:rPr lang="de-DE" dirty="0" err="1"/>
-              <a:t>Kubernetes</a:t>
-            </a:r>
-            <a:r>
-              <a:rPr lang="de-DE" dirty="0"/>
-              <a:t>-Clusters auf dem lokalen Rechner</a:t>
-            </a:r>
-          </a:p>
-          <a:p>
-            <a:pPr lvl="1"/>
-            <a:r>
-              <a:rPr lang="de-DE" dirty="0"/>
-              <a:t>Wichtig: Cluster = </a:t>
-            </a:r>
-            <a:r>
-              <a:rPr lang="de-DE" b="1" dirty="0"/>
-              <a:t>mehr als ein </a:t>
-            </a:r>
-            <a:r>
-              <a:rPr lang="de-DE" dirty="0" err="1"/>
-              <a:t>Node</a:t>
-            </a:r>
-            <a:r>
-              <a:rPr lang="de-DE" dirty="0"/>
-              <a:t>!</a:t>
-            </a:r>
-          </a:p>
-          <a:p>
-            <a:pPr lvl="1"/>
-            <a:endParaRPr lang="de-DE" dirty="0"/>
-          </a:p>
-          <a:p>
-            <a:r>
-              <a:rPr lang="de-DE" dirty="0"/>
-              <a:t>Warum?</a:t>
-            </a:r>
-          </a:p>
-          <a:p>
-            <a:pPr lvl="1"/>
-            <a:r>
-              <a:rPr lang="de-DE" dirty="0"/>
-              <a:t>Grundbegriffe/Prinzipien von </a:t>
-            </a:r>
-            <a:r>
-              <a:rPr lang="de-DE" dirty="0" err="1"/>
-              <a:t>Kubernetes</a:t>
-            </a:r>
-            <a:r>
-              <a:rPr lang="de-DE" dirty="0"/>
-              <a:t> kennenlernen</a:t>
-            </a:r>
-          </a:p>
-          <a:p>
-            <a:pPr lvl="1"/>
-            <a:r>
-              <a:rPr lang="de-DE" dirty="0"/>
-              <a:t>Experimentieren mit den Funktionen von </a:t>
-            </a:r>
-            <a:r>
-              <a:rPr lang="de-DE" dirty="0" err="1"/>
-              <a:t>Kubernetes</a:t>
-            </a:r>
-            <a:r>
-              <a:rPr lang="de-DE" dirty="0"/>
-              <a:t> ohne dafür externe Ressourcen (Cloud) zu benötigen</a:t>
-            </a:r>
-          </a:p>
-          <a:p>
-            <a:pPr lvl="2"/>
-            <a:r>
-              <a:rPr lang="de-DE" dirty="0"/>
-              <a:t>Autoskalierung</a:t>
-            </a:r>
-          </a:p>
-          <a:p>
-            <a:pPr lvl="2"/>
-            <a:r>
-              <a:rPr lang="de-DE" dirty="0"/>
-              <a:t>Ausfallsicherheit</a:t>
-            </a:r>
-          </a:p>
-          <a:p>
-            <a:pPr lvl="2"/>
-            <a:r>
-              <a:rPr lang="de-DE" dirty="0"/>
-              <a:t>…</a:t>
+              <a:t>Büyükburc</a:t>
+            </a:r>
+            <a:r>
+              <a:rPr lang="de-DE" dirty="0"/>
+              <a:t>, Yannick Poggel</a:t>
+            </a:r>
+          </a:p>
+          <a:p>
+            <a:r>
+              <a:rPr lang="de-DE" dirty="0"/>
+              <a:t>16.3.2023</a:t>
             </a:r>
           </a:p>
         </p:txBody>
@@ -5859,7 +6296,7 @@
     </p:spTree>
     <p:extLst>
       <p:ext uri="{BB962C8B-B14F-4D97-AF65-F5344CB8AC3E}">
-        <p14:creationId xmlns:p14="http://schemas.microsoft.com/office/powerpoint/2010/main" val="2632417734"/>
+        <p14:creationId xmlns:p14="http://schemas.microsoft.com/office/powerpoint/2010/main" val="3079428281"/>
       </p:ext>
     </p:extLst>
   </p:cSld>
@@ -5909,7 +6346,7 @@
           <a:p>
             <a:r>
               <a:rPr lang="de-DE" dirty="0"/>
-              <a:t>Wie machen wir das?</a:t>
+              <a:t>Ziel</a:t>
             </a:r>
           </a:p>
         </p:txBody>
@@ -5937,14 +6374,26 @@
           <a:p>
             <a:r>
               <a:rPr lang="de-DE" dirty="0"/>
-              <a:t>Virtuelle Maschinen</a:t>
+              <a:t>Installation eines </a:t>
+            </a:r>
+            <a:r>
+              <a:rPr lang="de-DE" dirty="0" err="1"/>
+              <a:t>Kubernetes</a:t>
+            </a:r>
+            <a:r>
+              <a:rPr lang="de-DE" dirty="0"/>
+              <a:t>-Clusters auf dem lokalen Rechner</a:t>
             </a:r>
           </a:p>
           <a:p>
             <a:pPr lvl="1"/>
             <a:r>
               <a:rPr lang="de-DE" dirty="0"/>
-              <a:t>Master </a:t>
+              <a:t>Wichtig: Cluster = </a:t>
+            </a:r>
+            <a:r>
+              <a:rPr lang="de-DE" b="1" dirty="0"/>
+              <a:t>mehr als ein </a:t>
             </a:r>
             <a:r>
               <a:rPr lang="de-DE" dirty="0" err="1"/>
@@ -5952,141 +6401,76 @@
             </a:r>
             <a:r>
               <a:rPr lang="de-DE" dirty="0"/>
-              <a:t> (</a:t>
-            </a:r>
-            <a:r>
-              <a:rPr lang="de-DE" dirty="0" err="1">
-                <a:latin typeface="Courier New" panose="02070309020205020404" pitchFamily="49" charset="0"/>
-                <a:cs typeface="Courier New" panose="02070309020205020404" pitchFamily="49" charset="0"/>
-              </a:rPr>
-              <a:t>master</a:t>
-            </a:r>
-            <a:r>
-              <a:rPr lang="de-DE" dirty="0"/>
-              <a:t>)</a:t>
+              <a:t>!</a:t>
+            </a:r>
+          </a:p>
+          <a:p>
+            <a:pPr lvl="1"/>
+            <a:endParaRPr lang="de-DE" dirty="0"/>
+          </a:p>
+          <a:p>
+            <a:r>
+              <a:rPr lang="de-DE" dirty="0"/>
+              <a:t>Warum?</a:t>
+            </a:r>
+          </a:p>
+          <a:p>
+            <a:pPr lvl="1"/>
+            <a:r>
+              <a:rPr lang="de-DE" dirty="0"/>
+              <a:t>Grundbegriffe/Prinzipien von </a:t>
+            </a:r>
+            <a:r>
+              <a:rPr lang="de-DE" dirty="0" err="1"/>
+              <a:t>Kubernetes</a:t>
+            </a:r>
+            <a:r>
+              <a:rPr lang="de-DE" dirty="0"/>
+              <a:t> kennenlernen</a:t>
+            </a:r>
+          </a:p>
+          <a:p>
+            <a:pPr lvl="1"/>
+            <a:r>
+              <a:rPr lang="de-DE" dirty="0"/>
+              <a:t>Experimentieren mit den Funktionen von </a:t>
+            </a:r>
+            <a:r>
+              <a:rPr lang="de-DE" dirty="0" err="1"/>
+              <a:t>Kubernetes</a:t>
+            </a:r>
+            <a:r>
+              <a:rPr lang="de-DE" dirty="0"/>
+              <a:t> ohne dafür externe Ressourcen (Cloud) zu benötigen</a:t>
             </a:r>
           </a:p>
           <a:p>
             <a:pPr lvl="2"/>
             <a:r>
               <a:rPr lang="de-DE" dirty="0"/>
-              <a:t>Hier läuft die Control Plane</a:t>
+              <a:t>Autoskalierung</a:t>
             </a:r>
           </a:p>
           <a:p>
             <a:pPr lvl="2"/>
             <a:r>
               <a:rPr lang="de-DE" dirty="0"/>
-              <a:t>Gleichzeitig auch </a:t>
-            </a:r>
-            <a:r>
-              <a:rPr lang="de-DE" dirty="0" err="1"/>
-              <a:t>Worker</a:t>
-            </a:r>
-            <a:r>
-              <a:rPr lang="de-DE" dirty="0"/>
-              <a:t> (würde man in Produktion nicht machen)</a:t>
+              <a:t>Ausfallsicherheit</a:t>
             </a:r>
           </a:p>
           <a:p>
             <a:pPr lvl="2"/>
-            <a:endParaRPr lang="de-DE" dirty="0"/>
-          </a:p>
-          <a:p>
-            <a:pPr lvl="1"/>
-            <a:r>
-              <a:rPr lang="de-DE" dirty="0"/>
-              <a:t>1-n </a:t>
-            </a:r>
-            <a:r>
-              <a:rPr lang="de-DE" dirty="0" err="1"/>
-              <a:t>Worker</a:t>
-            </a:r>
-            <a:r>
-              <a:rPr lang="de-DE" dirty="0"/>
-              <a:t> Nodes (</a:t>
-            </a:r>
-            <a:r>
-              <a:rPr lang="de-DE" dirty="0">
-                <a:latin typeface="Courier New" panose="02070309020205020404" pitchFamily="49" charset="0"/>
-                <a:cs typeface="Courier New" panose="02070309020205020404" pitchFamily="49" charset="0"/>
-              </a:rPr>
-              <a:t>worker1</a:t>
-            </a:r>
-            <a:r>
-              <a:rPr lang="de-DE" dirty="0"/>
-              <a:t>, </a:t>
-            </a:r>
-            <a:r>
-              <a:rPr lang="de-DE" dirty="0">
-                <a:latin typeface="Courier New" panose="02070309020205020404" pitchFamily="49" charset="0"/>
-                <a:cs typeface="Courier New" panose="02070309020205020404" pitchFamily="49" charset="0"/>
-              </a:rPr>
-              <a:t>worker2</a:t>
-            </a:r>
-            <a:r>
-              <a:rPr lang="de-DE" dirty="0"/>
-              <a:t>)</a:t>
-            </a:r>
-          </a:p>
-          <a:p>
-            <a:pPr lvl="2"/>
-            <a:r>
-              <a:rPr lang="de-DE" dirty="0"/>
-              <a:t>Weitere Nodes, um Pods verteilen zu können</a:t>
-            </a:r>
-          </a:p>
-          <a:p>
-            <a:pPr lvl="2"/>
-            <a:endParaRPr lang="de-DE" dirty="0"/>
-          </a:p>
-          <a:p>
-            <a:pPr lvl="1"/>
-            <a:r>
-              <a:rPr lang="de-DE" dirty="0"/>
-              <a:t>Datenbank-Server (</a:t>
-            </a:r>
-            <a:r>
-              <a:rPr lang="de-DE" dirty="0" err="1">
-                <a:latin typeface="Courier New" panose="02070309020205020404" pitchFamily="49" charset="0"/>
-                <a:cs typeface="Courier New" panose="02070309020205020404" pitchFamily="49" charset="0"/>
-              </a:rPr>
-              <a:t>db</a:t>
-            </a:r>
-            <a:r>
-              <a:rPr lang="de-DE" dirty="0"/>
-              <a:t>)</a:t>
-            </a:r>
-          </a:p>
-          <a:p>
-            <a:pPr lvl="2"/>
-            <a:r>
-              <a:rPr lang="de-DE" dirty="0"/>
-              <a:t>PostgreSQL</a:t>
-            </a:r>
-          </a:p>
-          <a:p>
-            <a:pPr lvl="2"/>
-            <a:r>
-              <a:rPr lang="de-DE" dirty="0" err="1"/>
-              <a:t>Keycloak</a:t>
-            </a:r>
-            <a:endParaRPr lang="de-DE" dirty="0"/>
-          </a:p>
-          <a:p>
-            <a:pPr lvl="2"/>
-            <a:endParaRPr lang="de-DE" dirty="0"/>
-          </a:p>
-          <a:p>
-            <a:pPr lvl="3"/>
-            <a:endParaRPr lang="de-DE" dirty="0"/>
+            <a:r>
+              <a:rPr lang="de-DE" dirty="0"/>
+              <a:t>…</a:t>
+            </a:r>
           </a:p>
         </p:txBody>
       </p:sp>
     </p:spTree>
     <p:extLst>
       <p:ext uri="{BB962C8B-B14F-4D97-AF65-F5344CB8AC3E}">
-        <p14:creationId xmlns:p14="http://schemas.microsoft.com/office/powerpoint/2010/main" val="1247536268"/>
+        <p14:creationId xmlns:p14="http://schemas.microsoft.com/office/powerpoint/2010/main" val="2632417734"/>
       </p:ext>
     </p:extLst>
   </p:cSld>
@@ -6118,7 +6502,7 @@
           <p:cNvPr id="2" name="Titel 1">
             <a:extLst>
               <a:ext uri="{FF2B5EF4-FFF2-40B4-BE49-F238E27FC236}">
-                <a16:creationId xmlns:a16="http://schemas.microsoft.com/office/drawing/2014/main" id="{29EBF5F8-FABC-4343-1F06-2225742EAB41}"/>
+                <a16:creationId xmlns:a16="http://schemas.microsoft.com/office/drawing/2014/main" id="{6771848D-1E70-E48B-5C6D-951BC6041598}"/>
               </a:ext>
             </a:extLst>
           </p:cNvPr>
@@ -6136,7 +6520,7 @@
           <a:p>
             <a:r>
               <a:rPr lang="de-DE" dirty="0"/>
-              <a:t>Was nehmen wir dafür?</a:t>
+              <a:t>Wie machen wir das?</a:t>
             </a:r>
           </a:p>
         </p:txBody>
@@ -6146,7 +6530,7 @@
           <p:cNvPr id="3" name="Inhaltsplatzhalter 2">
             <a:extLst>
               <a:ext uri="{FF2B5EF4-FFF2-40B4-BE49-F238E27FC236}">
-                <a16:creationId xmlns:a16="http://schemas.microsoft.com/office/drawing/2014/main" id="{7BB03110-E053-8252-FC21-2F6729858E1F}"/>
+                <a16:creationId xmlns:a16="http://schemas.microsoft.com/office/drawing/2014/main" id="{C6B47590-B943-D19C-BC30-9C11A54E6BFE}"/>
               </a:ext>
             </a:extLst>
           </p:cNvPr>
@@ -6171,11 +6555,22 @@
             <a:pPr lvl="1"/>
             <a:r>
               <a:rPr lang="de-DE" dirty="0"/>
-              <a:t>Multipass (von </a:t>
+              <a:t>Master </a:t>
             </a:r>
             <a:r>
               <a:rPr lang="de-DE" dirty="0" err="1"/>
-              <a:t>Canonical</a:t>
+              <a:t>Node</a:t>
+            </a:r>
+            <a:r>
+              <a:rPr lang="de-DE" dirty="0"/>
+              <a:t> (</a:t>
+            </a:r>
+            <a:r>
+              <a:rPr lang="de-DE" dirty="0" err="1">
+                <a:latin typeface="Courier New" panose="02070309020205020404" pitchFamily="49" charset="0"/>
+                <a:cs typeface="Courier New" panose="02070309020205020404" pitchFamily="49" charset="0"/>
+              </a:rPr>
+              <a:t>master</a:t>
             </a:r>
             <a:r>
               <a:rPr lang="de-DE" dirty="0"/>
@@ -6183,74 +6578,118 @@
             </a:r>
           </a:p>
           <a:p>
+            <a:pPr lvl="2"/>
+            <a:r>
+              <a:rPr lang="de-DE" dirty="0"/>
+              <a:t>Hier läuft die Control Plane</a:t>
+            </a:r>
+          </a:p>
+          <a:p>
+            <a:pPr lvl="2"/>
+            <a:r>
+              <a:rPr lang="de-DE" dirty="0"/>
+              <a:t>Gleichzeitig auch </a:t>
+            </a:r>
+            <a:r>
+              <a:rPr lang="de-DE" dirty="0" err="1"/>
+              <a:t>Worker</a:t>
+            </a:r>
+            <a:r>
+              <a:rPr lang="de-DE" dirty="0"/>
+              <a:t> (würde man in Produktion nicht machen)</a:t>
+            </a:r>
+          </a:p>
+          <a:p>
+            <a:pPr lvl="2"/>
+            <a:endParaRPr lang="de-DE" dirty="0"/>
+          </a:p>
+          <a:p>
             <a:pPr lvl="1"/>
             <a:r>
               <a:rPr lang="de-DE" dirty="0"/>
-              <a:t>Ubuntu VMs (Server)</a:t>
-            </a:r>
+              <a:t>1-n </a:t>
+            </a:r>
+            <a:r>
+              <a:rPr lang="de-DE" dirty="0" err="1"/>
+              <a:t>Worker</a:t>
+            </a:r>
+            <a:r>
+              <a:rPr lang="de-DE" dirty="0"/>
+              <a:t> Nodes (</a:t>
+            </a:r>
+            <a:r>
+              <a:rPr lang="de-DE" dirty="0">
+                <a:latin typeface="Courier New" panose="02070309020205020404" pitchFamily="49" charset="0"/>
+                <a:cs typeface="Courier New" panose="02070309020205020404" pitchFamily="49" charset="0"/>
+              </a:rPr>
+              <a:t>worker1</a:t>
+            </a:r>
+            <a:r>
+              <a:rPr lang="de-DE" dirty="0"/>
+              <a:t>, </a:t>
+            </a:r>
+            <a:r>
+              <a:rPr lang="de-DE" dirty="0">
+                <a:latin typeface="Courier New" panose="02070309020205020404" pitchFamily="49" charset="0"/>
+                <a:cs typeface="Courier New" panose="02070309020205020404" pitchFamily="49" charset="0"/>
+              </a:rPr>
+              <a:t>worker2</a:t>
+            </a:r>
+            <a:r>
+              <a:rPr lang="de-DE" dirty="0"/>
+              <a:t>)</a:t>
+            </a:r>
+          </a:p>
+          <a:p>
+            <a:pPr lvl="2"/>
+            <a:r>
+              <a:rPr lang="de-DE" dirty="0"/>
+              <a:t>Weitere Nodes, um Pods verteilen zu können</a:t>
+            </a:r>
+          </a:p>
+          <a:p>
+            <a:pPr lvl="2"/>
+            <a:endParaRPr lang="de-DE" dirty="0"/>
           </a:p>
           <a:p>
             <a:pPr lvl="1"/>
+            <a:r>
+              <a:rPr lang="de-DE" dirty="0"/>
+              <a:t>Datenbank-Server (</a:t>
+            </a:r>
+            <a:r>
+              <a:rPr lang="de-DE" dirty="0" err="1">
+                <a:latin typeface="Courier New" panose="02070309020205020404" pitchFamily="49" charset="0"/>
+                <a:cs typeface="Courier New" panose="02070309020205020404" pitchFamily="49" charset="0"/>
+              </a:rPr>
+              <a:t>db</a:t>
+            </a:r>
+            <a:r>
+              <a:rPr lang="de-DE" dirty="0"/>
+              <a:t>)</a:t>
+            </a:r>
+          </a:p>
+          <a:p>
+            <a:pPr lvl="2"/>
+            <a:r>
+              <a:rPr lang="de-DE" dirty="0"/>
+              <a:t>PostgreSQL</a:t>
+            </a:r>
+          </a:p>
+          <a:p>
+            <a:pPr lvl="2"/>
+            <a:r>
+              <a:rPr lang="de-DE" dirty="0" err="1"/>
+              <a:t>Keycloak</a:t>
+            </a:r>
             <a:endParaRPr lang="de-DE" dirty="0"/>
           </a:p>
           <a:p>
-            <a:r>
-              <a:rPr lang="de-DE" dirty="0" err="1"/>
-              <a:t>Kubernetes</a:t>
-            </a:r>
+            <a:pPr lvl="2"/>
             <a:endParaRPr lang="de-DE" dirty="0"/>
           </a:p>
           <a:p>
-            <a:pPr lvl="1"/>
-            <a:r>
-              <a:rPr lang="de-DE" dirty="0"/>
-              <a:t>MicroK8S (auch von </a:t>
-            </a:r>
-            <a:r>
-              <a:rPr lang="de-DE" dirty="0" err="1"/>
-              <a:t>Canonical</a:t>
-            </a:r>
-            <a:r>
-              <a:rPr lang="de-DE" dirty="0"/>
-              <a:t>)</a:t>
-            </a:r>
-          </a:p>
-          <a:p>
-            <a:pPr lvl="1"/>
-            <a:endParaRPr lang="de-DE" dirty="0"/>
-          </a:p>
-          <a:p>
-            <a:r>
-              <a:rPr lang="de-DE" dirty="0"/>
-              <a:t>Container Images</a:t>
-            </a:r>
-          </a:p>
-          <a:p>
-            <a:pPr lvl="1"/>
-            <a:r>
-              <a:rPr lang="de-DE" dirty="0"/>
-              <a:t>Microservices aus dem Java-Starter: </a:t>
-            </a:r>
-            <a:r>
-              <a:rPr lang="de-DE" dirty="0" err="1"/>
-              <a:t>shop</a:t>
-            </a:r>
-            <a:r>
-              <a:rPr lang="de-DE" dirty="0"/>
-              <a:t>, </a:t>
-            </a:r>
-            <a:r>
-              <a:rPr lang="de-DE" dirty="0" err="1"/>
-              <a:t>person</a:t>
-            </a:r>
-            <a:r>
-              <a:rPr lang="de-DE" dirty="0"/>
-              <a:t>, </a:t>
-            </a:r>
-            <a:r>
-              <a:rPr lang="de-DE" dirty="0" err="1"/>
-              <a:t>auftrag</a:t>
-            </a:r>
+            <a:pPr lvl="3"/>
             <a:endParaRPr lang="de-DE" dirty="0"/>
           </a:p>
         </p:txBody>
@@ -6258,7 +6697,7 @@
     </p:spTree>
     <p:extLst>
       <p:ext uri="{BB962C8B-B14F-4D97-AF65-F5344CB8AC3E}">
-        <p14:creationId xmlns:p14="http://schemas.microsoft.com/office/powerpoint/2010/main" val="59066083"/>
+        <p14:creationId xmlns:p14="http://schemas.microsoft.com/office/powerpoint/2010/main" val="1247536268"/>
       </p:ext>
     </p:extLst>
   </p:cSld>
@@ -6290,7 +6729,7 @@
           <p:cNvPr id="2" name="Titel 1">
             <a:extLst>
               <a:ext uri="{FF2B5EF4-FFF2-40B4-BE49-F238E27FC236}">
-                <a16:creationId xmlns:a16="http://schemas.microsoft.com/office/drawing/2014/main" id="{54472761-F6BA-A4DF-6E97-094AE60B729E}"/>
+                <a16:creationId xmlns:a16="http://schemas.microsoft.com/office/drawing/2014/main" id="{29EBF5F8-FABC-4343-1F06-2225742EAB41}"/>
               </a:ext>
             </a:extLst>
           </p:cNvPr>
@@ -6308,7 +6747,7 @@
           <a:p>
             <a:r>
               <a:rPr lang="de-DE" dirty="0"/>
-              <a:t>Virtuelle Maschinen mit multipass</a:t>
+              <a:t>Was nehmen wir dafür?</a:t>
             </a:r>
           </a:p>
         </p:txBody>
@@ -6318,7 +6757,7 @@
           <p:cNvPr id="3" name="Inhaltsplatzhalter 2">
             <a:extLst>
               <a:ext uri="{FF2B5EF4-FFF2-40B4-BE49-F238E27FC236}">
-                <a16:creationId xmlns:a16="http://schemas.microsoft.com/office/drawing/2014/main" id="{A6C84D30-D395-411D-5201-F8BC8F103909}"/>
+                <a16:creationId xmlns:a16="http://schemas.microsoft.com/office/drawing/2014/main" id="{7BB03110-E053-8252-FC21-2F6729858E1F}"/>
               </a:ext>
             </a:extLst>
           </p:cNvPr>
@@ -6336,21 +6775,29 @@
           <a:p>
             <a:r>
               <a:rPr lang="de-DE" dirty="0"/>
-              <a:t>Download: </a:t>
-            </a:r>
-            <a:r>
-              <a:rPr lang="de-DE" dirty="0">
-                <a:hlinkClick r:id="rId2"/>
-              </a:rPr>
-              <a:t>https://multipass.run/install</a:t>
-            </a:r>
-            <a:endParaRPr lang="de-DE" dirty="0"/>
+              <a:t>Virtuelle Maschinen</a:t>
+            </a:r>
           </a:p>
           <a:p>
             <a:pPr lvl="1"/>
             <a:r>
               <a:rPr lang="de-DE" dirty="0"/>
-              <a:t>Bitte runterladen und installieren!</a:t>
+              <a:t>Multipass (von </a:t>
+            </a:r>
+            <a:r>
+              <a:rPr lang="de-DE" dirty="0" err="1"/>
+              <a:t>Canonical</a:t>
+            </a:r>
+            <a:r>
+              <a:rPr lang="de-DE" dirty="0"/>
+              <a:t>)</a:t>
+            </a:r>
+          </a:p>
+          <a:p>
+            <a:pPr lvl="1"/>
+            <a:r>
+              <a:rPr lang="de-DE" dirty="0"/>
+              <a:t>Ubuntu VMs (Server)</a:t>
             </a:r>
           </a:p>
           <a:p>
@@ -6359,20 +6806,70 @@
           </a:p>
           <a:p>
             <a:r>
-              <a:rPr lang="de-DE" dirty="0"/>
-              <a:t>Ab hier gilt: alle gezeigten Kommandos werden in einem Terminal eingegeben!</a:t>
-            </a:r>
-            <a:endParaRPr lang="de-DE" dirty="0">
-              <a:latin typeface="Courier New" panose="02070309020205020404" pitchFamily="49" charset="0"/>
-              <a:cs typeface="Courier New" panose="02070309020205020404" pitchFamily="49" charset="0"/>
-            </a:endParaRPr>
+              <a:rPr lang="de-DE" dirty="0" err="1"/>
+              <a:t>Kubernetes</a:t>
+            </a:r>
+            <a:endParaRPr lang="de-DE" dirty="0"/>
+          </a:p>
+          <a:p>
+            <a:pPr lvl="1"/>
+            <a:r>
+              <a:rPr lang="de-DE" dirty="0"/>
+              <a:t>MicroK8S (auch von </a:t>
+            </a:r>
+            <a:r>
+              <a:rPr lang="de-DE" dirty="0" err="1"/>
+              <a:t>Canonical</a:t>
+            </a:r>
+            <a:r>
+              <a:rPr lang="de-DE" dirty="0"/>
+              <a:t>)</a:t>
+            </a:r>
+          </a:p>
+          <a:p>
+            <a:pPr lvl="1"/>
+            <a:endParaRPr lang="de-DE" dirty="0"/>
+          </a:p>
+          <a:p>
+            <a:r>
+              <a:rPr lang="de-DE" dirty="0"/>
+              <a:t>Container Images</a:t>
+            </a:r>
+          </a:p>
+          <a:p>
+            <a:pPr lvl="1"/>
+            <a:r>
+              <a:rPr lang="de-DE" dirty="0"/>
+              <a:t>Microservices aus dem Java-Starter: </a:t>
+            </a:r>
+            <a:r>
+              <a:rPr lang="de-DE" dirty="0" err="1"/>
+              <a:t>shop</a:t>
+            </a:r>
+            <a:r>
+              <a:rPr lang="de-DE" dirty="0"/>
+              <a:t>, </a:t>
+            </a:r>
+            <a:r>
+              <a:rPr lang="de-DE" dirty="0" err="1"/>
+              <a:t>person</a:t>
+            </a:r>
+            <a:r>
+              <a:rPr lang="de-DE" dirty="0"/>
+              <a:t>, </a:t>
+            </a:r>
+            <a:r>
+              <a:rPr lang="de-DE" dirty="0" err="1"/>
+              <a:t>auftrag</a:t>
+            </a:r>
+            <a:endParaRPr lang="de-DE" dirty="0"/>
           </a:p>
         </p:txBody>
       </p:sp>
     </p:spTree>
     <p:extLst>
       <p:ext uri="{BB962C8B-B14F-4D97-AF65-F5344CB8AC3E}">
-        <p14:creationId xmlns:p14="http://schemas.microsoft.com/office/powerpoint/2010/main" val="2715330188"/>
+        <p14:creationId xmlns:p14="http://schemas.microsoft.com/office/powerpoint/2010/main" val="59066083"/>
       </p:ext>
     </p:extLst>
   </p:cSld>
@@ -6448,98 +6945,45 @@
           <a:bodyPr/>
           <a:lstStyle/>
           <a:p>
+            <a:r>
+              <a:rPr lang="de-DE" dirty="0"/>
+              <a:t>Download: </a:t>
+            </a:r>
+            <a:r>
+              <a:rPr lang="de-DE" dirty="0">
+                <a:hlinkClick r:id="rId2"/>
+              </a:rPr>
+              <a:t>https://multipass.run/install</a:t>
+            </a:r>
+            <a:endParaRPr lang="de-DE" dirty="0"/>
+          </a:p>
+          <a:p>
+            <a:pPr lvl="1"/>
+            <a:r>
+              <a:rPr lang="de-DE" dirty="0"/>
+              <a:t>Bitte runterladen und installieren!</a:t>
+            </a:r>
+          </a:p>
+          <a:p>
             <a:pPr lvl="1"/>
             <a:endParaRPr lang="de-DE" dirty="0"/>
           </a:p>
           <a:p>
             <a:r>
               <a:rPr lang="de-DE" dirty="0"/>
-              <a:t>Virtuelle Maschine erstellen und starten</a:t>
-            </a:r>
-          </a:p>
-          <a:p>
-            <a:pPr marL="457200" lvl="1" indent="0">
-              <a:buNone/>
-            </a:pPr>
-            <a:r>
-              <a:rPr lang="de-DE" dirty="0">
-                <a:latin typeface="Courier New" panose="02070309020205020404" pitchFamily="49" charset="0"/>
-                <a:cs typeface="Courier New" panose="02070309020205020404" pitchFamily="49" charset="0"/>
-              </a:rPr>
-              <a:t>multipass launch --name </a:t>
-            </a:r>
-            <a:r>
-              <a:rPr lang="de-DE" dirty="0" err="1">
-                <a:latin typeface="Courier New" panose="02070309020205020404" pitchFamily="49" charset="0"/>
-                <a:cs typeface="Courier New" panose="02070309020205020404" pitchFamily="49" charset="0"/>
-              </a:rPr>
-              <a:t>master</a:t>
-            </a:r>
-            <a:r>
-              <a:rPr lang="de-DE" dirty="0">
-                <a:latin typeface="Courier New" panose="02070309020205020404" pitchFamily="49" charset="0"/>
-                <a:cs typeface="Courier New" panose="02070309020205020404" pitchFamily="49" charset="0"/>
-              </a:rPr>
-              <a:t> --</a:t>
-            </a:r>
-            <a:r>
-              <a:rPr lang="de-DE" dirty="0" err="1">
-                <a:latin typeface="Courier New" panose="02070309020205020404" pitchFamily="49" charset="0"/>
-                <a:cs typeface="Courier New" panose="02070309020205020404" pitchFamily="49" charset="0"/>
-              </a:rPr>
-              <a:t>cpus</a:t>
-            </a:r>
-            <a:r>
-              <a:rPr lang="de-DE" dirty="0">
-                <a:latin typeface="Courier New" panose="02070309020205020404" pitchFamily="49" charset="0"/>
-                <a:cs typeface="Courier New" panose="02070309020205020404" pitchFamily="49" charset="0"/>
-              </a:rPr>
-              <a:t> 2 --memory 4G --disk 20G </a:t>
-            </a:r>
-            <a:r>
-              <a:rPr lang="de-DE" dirty="0" err="1">
-                <a:latin typeface="Courier New" panose="02070309020205020404" pitchFamily="49" charset="0"/>
-                <a:cs typeface="Courier New" panose="02070309020205020404" pitchFamily="49" charset="0"/>
-              </a:rPr>
-              <a:t>lts</a:t>
+              <a:t>Ab hier gilt: alle gezeigten Kommandos werden in einem Terminal eingegeben!</a:t>
             </a:r>
             <a:endParaRPr lang="de-DE" dirty="0">
               <a:latin typeface="Courier New" panose="02070309020205020404" pitchFamily="49" charset="0"/>
               <a:cs typeface="Courier New" panose="02070309020205020404" pitchFamily="49" charset="0"/>
             </a:endParaRPr>
           </a:p>
-          <a:p>
-            <a:pPr marL="457200" lvl="1" indent="0">
-              <a:buNone/>
-            </a:pPr>
-            <a:endParaRPr lang="de-DE" dirty="0">
-              <a:latin typeface="Courier New" panose="02070309020205020404" pitchFamily="49" charset="0"/>
-              <a:cs typeface="Courier New" panose="02070309020205020404" pitchFamily="49" charset="0"/>
-            </a:endParaRPr>
-          </a:p>
-          <a:p>
-            <a:r>
-              <a:rPr lang="de-DE" dirty="0">
-                <a:cs typeface="Courier New" panose="02070309020205020404" pitchFamily="49" charset="0"/>
-              </a:rPr>
-              <a:t>Wenn der Host stark genug ist, kann man auch mehr Memory oder mehr CPUs spendieren</a:t>
-            </a:r>
-          </a:p>
-          <a:p>
-            <a:pPr lvl="1"/>
-            <a:r>
-              <a:rPr lang="de-DE" dirty="0">
-                <a:cs typeface="Courier New" panose="02070309020205020404" pitchFamily="49" charset="0"/>
-              </a:rPr>
-              <a:t>Die hier benutzten Werte sind für einen Host mit 16 GB RAM und 8 Kernen ausgelegt</a:t>
-            </a:r>
-          </a:p>
         </p:txBody>
       </p:sp>
     </p:spTree>
     <p:extLst>
       <p:ext uri="{BB962C8B-B14F-4D97-AF65-F5344CB8AC3E}">
-        <p14:creationId xmlns:p14="http://schemas.microsoft.com/office/powerpoint/2010/main" val="972499456"/>
+        <p14:creationId xmlns:p14="http://schemas.microsoft.com/office/powerpoint/2010/main" val="2715330188"/>
       </p:ext>
     </p:extLst>
   </p:cSld>
@@ -6612,77 +7056,236 @@
         </p:nvSpPr>
         <p:spPr/>
         <p:txBody>
-          <a:bodyPr/>
-          <a:lstStyle/>
-          <a:p>
-            <a:pPr lvl="1"/>
-            <a:endParaRPr lang="de-DE" dirty="0"/>
-          </a:p>
-          <a:p>
-            <a:r>
-              <a:rPr lang="de-DE" dirty="0"/>
-              <a:t>IP-Adresse der virtuellen von </a:t>
-            </a:r>
-            <a:r>
-              <a:rPr lang="de-DE" dirty="0" err="1">
+          <a:bodyPr>
+            <a:normAutofit/>
+          </a:bodyPr>
+          <a:lstStyle/>
+          <a:p>
+            <a:r>
+              <a:rPr lang="de-DE" dirty="0"/>
+              <a:t>Virtuelle Maschinen erstellen und starten</a:t>
+            </a:r>
+          </a:p>
+          <a:p>
+            <a:pPr marL="0" indent="0">
+              <a:buNone/>
+            </a:pPr>
+            <a:r>
+              <a:rPr lang="de-DE" sz="2000" dirty="0">
+                <a:latin typeface="Courier New" panose="02070309020205020404" pitchFamily="49" charset="0"/>
+                <a:cs typeface="Courier New" panose="02070309020205020404" pitchFamily="49" charset="0"/>
+              </a:rPr>
+              <a:t>   </a:t>
+            </a:r>
+            <a:r>
+              <a:rPr lang="de-DE" sz="1800" dirty="0">
+                <a:latin typeface="Courier New" panose="02070309020205020404" pitchFamily="49" charset="0"/>
+                <a:cs typeface="Courier New" panose="02070309020205020404" pitchFamily="49" charset="0"/>
+              </a:rPr>
+              <a:t>multipass launch --name </a:t>
+            </a:r>
+            <a:r>
+              <a:rPr lang="de-DE" sz="1800" dirty="0" err="1">
                 <a:latin typeface="Courier New" panose="02070309020205020404" pitchFamily="49" charset="0"/>
                 <a:cs typeface="Courier New" panose="02070309020205020404" pitchFamily="49" charset="0"/>
               </a:rPr>
               <a:t>master</a:t>
             </a:r>
             <a:r>
-              <a:rPr lang="de-DE" dirty="0"/>
-              <a:t> bestimmen</a:t>
-            </a:r>
-          </a:p>
-          <a:p>
-            <a:pPr marL="457200" lvl="1" indent="0">
-              <a:buNone/>
-            </a:pPr>
-            <a:r>
-              <a:rPr lang="de-DE" dirty="0">
-                <a:latin typeface="Courier New" panose="02070309020205020404" pitchFamily="49" charset="0"/>
-                <a:cs typeface="Courier New" panose="02070309020205020404" pitchFamily="49" charset="0"/>
-              </a:rPr>
-              <a:t>multipass </a:t>
-            </a:r>
-            <a:r>
-              <a:rPr lang="de-DE" dirty="0" err="1">
-                <a:latin typeface="Courier New" panose="02070309020205020404" pitchFamily="49" charset="0"/>
-                <a:cs typeface="Courier New" panose="02070309020205020404" pitchFamily="49" charset="0"/>
-              </a:rPr>
-              <a:t>list</a:t>
-            </a:r>
-            <a:endParaRPr lang="de-DE" dirty="0">
+              <a:rPr lang="de-DE" sz="1800" dirty="0">
+                <a:latin typeface="Courier New" panose="02070309020205020404" pitchFamily="49" charset="0"/>
+                <a:cs typeface="Courier New" panose="02070309020205020404" pitchFamily="49" charset="0"/>
+              </a:rPr>
+              <a:t> --</a:t>
+            </a:r>
+            <a:r>
+              <a:rPr lang="de-DE" sz="1800" dirty="0" err="1">
+                <a:latin typeface="Courier New" panose="02070309020205020404" pitchFamily="49" charset="0"/>
+                <a:cs typeface="Courier New" panose="02070309020205020404" pitchFamily="49" charset="0"/>
+              </a:rPr>
+              <a:t>cpus</a:t>
+            </a:r>
+            <a:r>
+              <a:rPr lang="de-DE" sz="1800" dirty="0">
+                <a:latin typeface="Courier New" panose="02070309020205020404" pitchFamily="49" charset="0"/>
+                <a:cs typeface="Courier New" panose="02070309020205020404" pitchFamily="49" charset="0"/>
+              </a:rPr>
+              <a:t> 2 --memory 4G --disk 20G </a:t>
+            </a:r>
+            <a:r>
+              <a:rPr lang="de-DE" sz="1800" dirty="0" err="1">
+                <a:latin typeface="Courier New" panose="02070309020205020404" pitchFamily="49" charset="0"/>
+                <a:cs typeface="Courier New" panose="02070309020205020404" pitchFamily="49" charset="0"/>
+              </a:rPr>
+              <a:t>lts</a:t>
+            </a:r>
+            <a:endParaRPr lang="de-DE" sz="1800" dirty="0">
               <a:latin typeface="Courier New" panose="02070309020205020404" pitchFamily="49" charset="0"/>
               <a:cs typeface="Courier New" panose="02070309020205020404" pitchFamily="49" charset="0"/>
             </a:endParaRPr>
           </a:p>
           <a:p>
-            <a:pPr marL="457200" lvl="1" indent="0">
+            <a:pPr marL="0" indent="0">
               <a:buNone/>
             </a:pPr>
-            <a:endParaRPr lang="de-DE" dirty="0">
+            <a:r>
+              <a:rPr lang="de-DE" sz="2000" dirty="0">
+                <a:latin typeface="Courier New" panose="02070309020205020404" pitchFamily="49" charset="0"/>
+                <a:cs typeface="Courier New" panose="02070309020205020404" pitchFamily="49" charset="0"/>
+              </a:rPr>
+              <a:t>   </a:t>
+            </a:r>
+            <a:r>
+              <a:rPr lang="de-DE" sz="1800" dirty="0">
+                <a:latin typeface="Courier New" panose="02070309020205020404" pitchFamily="49" charset="0"/>
+                <a:cs typeface="Courier New" panose="02070309020205020404" pitchFamily="49" charset="0"/>
+              </a:rPr>
+              <a:t>multipass launch --name worker1 --</a:t>
+            </a:r>
+            <a:r>
+              <a:rPr lang="de-DE" sz="1800" dirty="0" err="1">
+                <a:latin typeface="Courier New" panose="02070309020205020404" pitchFamily="49" charset="0"/>
+                <a:cs typeface="Courier New" panose="02070309020205020404" pitchFamily="49" charset="0"/>
+              </a:rPr>
+              <a:t>cpus</a:t>
+            </a:r>
+            <a:r>
+              <a:rPr lang="de-DE" sz="1800" dirty="0">
+                <a:latin typeface="Courier New" panose="02070309020205020404" pitchFamily="49" charset="0"/>
+                <a:cs typeface="Courier New" panose="02070309020205020404" pitchFamily="49" charset="0"/>
+              </a:rPr>
+              <a:t> 2 --memory 4G --disk 20G </a:t>
+            </a:r>
+            <a:r>
+              <a:rPr lang="de-DE" sz="1800" dirty="0" err="1">
+                <a:latin typeface="Courier New" panose="02070309020205020404" pitchFamily="49" charset="0"/>
+                <a:cs typeface="Courier New" panose="02070309020205020404" pitchFamily="49" charset="0"/>
+              </a:rPr>
+              <a:t>lts</a:t>
+            </a:r>
+            <a:endParaRPr lang="de-DE" sz="1800" dirty="0">
               <a:latin typeface="Courier New" panose="02070309020205020404" pitchFamily="49" charset="0"/>
               <a:cs typeface="Courier New" panose="02070309020205020404" pitchFamily="49" charset="0"/>
             </a:endParaRPr>
           </a:p>
           <a:p>
-            <a:endParaRPr lang="de-DE" dirty="0">
+            <a:pPr marL="0" indent="0">
+              <a:buNone/>
+            </a:pPr>
+            <a:r>
+              <a:rPr lang="de-DE" sz="2000" dirty="0">
+                <a:latin typeface="Courier New" panose="02070309020205020404" pitchFamily="49" charset="0"/>
+                <a:cs typeface="Courier New" panose="02070309020205020404" pitchFamily="49" charset="0"/>
+              </a:rPr>
+              <a:t>   </a:t>
+            </a:r>
+            <a:r>
+              <a:rPr lang="de-DE" sz="1800" dirty="0">
+                <a:latin typeface="Courier New" panose="02070309020205020404" pitchFamily="49" charset="0"/>
+                <a:cs typeface="Courier New" panose="02070309020205020404" pitchFamily="49" charset="0"/>
+              </a:rPr>
+              <a:t>multipass launch --name worker2 --</a:t>
+            </a:r>
+            <a:r>
+              <a:rPr lang="de-DE" sz="1800" dirty="0" err="1">
+                <a:latin typeface="Courier New" panose="02070309020205020404" pitchFamily="49" charset="0"/>
+                <a:cs typeface="Courier New" panose="02070309020205020404" pitchFamily="49" charset="0"/>
+              </a:rPr>
+              <a:t>cpus</a:t>
+            </a:r>
+            <a:r>
+              <a:rPr lang="de-DE" sz="1800" dirty="0">
+                <a:latin typeface="Courier New" panose="02070309020205020404" pitchFamily="49" charset="0"/>
+                <a:cs typeface="Courier New" panose="02070309020205020404" pitchFamily="49" charset="0"/>
+              </a:rPr>
+              <a:t> 2 --memory 4G --disk 20G </a:t>
+            </a:r>
+            <a:r>
+              <a:rPr lang="de-DE" sz="1800" dirty="0" err="1">
+                <a:latin typeface="Courier New" panose="02070309020205020404" pitchFamily="49" charset="0"/>
+                <a:cs typeface="Courier New" panose="02070309020205020404" pitchFamily="49" charset="0"/>
+              </a:rPr>
+              <a:t>lts</a:t>
+            </a:r>
+            <a:endParaRPr lang="de-DE" sz="1800" dirty="0">
+              <a:latin typeface="Courier New" panose="02070309020205020404" pitchFamily="49" charset="0"/>
               <a:cs typeface="Courier New" panose="02070309020205020404" pitchFamily="49" charset="0"/>
             </a:endParaRPr>
           </a:p>
           <a:p>
-            <a:endParaRPr lang="de-DE" dirty="0">
+            <a:pPr marL="0" indent="0">
+              <a:buNone/>
+            </a:pPr>
+            <a:r>
+              <a:rPr lang="de-DE" sz="2000" dirty="0">
+                <a:latin typeface="Courier New" panose="02070309020205020404" pitchFamily="49" charset="0"/>
+                <a:cs typeface="Courier New" panose="02070309020205020404" pitchFamily="49" charset="0"/>
+              </a:rPr>
+              <a:t>   </a:t>
+            </a:r>
+            <a:r>
+              <a:rPr lang="de-DE" sz="1800" dirty="0">
+                <a:latin typeface="Courier New" panose="02070309020205020404" pitchFamily="49" charset="0"/>
+                <a:cs typeface="Courier New" panose="02070309020205020404" pitchFamily="49" charset="0"/>
+              </a:rPr>
+              <a:t>multipass launch --name </a:t>
+            </a:r>
+            <a:r>
+              <a:rPr lang="de-DE" sz="1800" dirty="0" err="1">
+                <a:latin typeface="Courier New" panose="02070309020205020404" pitchFamily="49" charset="0"/>
+                <a:cs typeface="Courier New" panose="02070309020205020404" pitchFamily="49" charset="0"/>
+              </a:rPr>
+              <a:t>db</a:t>
+            </a:r>
+            <a:r>
+              <a:rPr lang="de-DE" sz="1800" dirty="0">
+                <a:latin typeface="Courier New" panose="02070309020205020404" pitchFamily="49" charset="0"/>
+                <a:cs typeface="Courier New" panose="02070309020205020404" pitchFamily="49" charset="0"/>
+              </a:rPr>
+              <a:t> --</a:t>
+            </a:r>
+            <a:r>
+              <a:rPr lang="de-DE" sz="1800" dirty="0" err="1">
+                <a:latin typeface="Courier New" panose="02070309020205020404" pitchFamily="49" charset="0"/>
+                <a:cs typeface="Courier New" panose="02070309020205020404" pitchFamily="49" charset="0"/>
+              </a:rPr>
+              <a:t>cpus</a:t>
+            </a:r>
+            <a:r>
+              <a:rPr lang="de-DE" sz="1800" dirty="0">
+                <a:latin typeface="Courier New" panose="02070309020205020404" pitchFamily="49" charset="0"/>
+                <a:cs typeface="Courier New" panose="02070309020205020404" pitchFamily="49" charset="0"/>
+              </a:rPr>
+              <a:t> 2 --memory 2G --disk 20G </a:t>
+            </a:r>
+            <a:r>
+              <a:rPr lang="de-DE" sz="1800" dirty="0" err="1">
+                <a:latin typeface="Courier New" panose="02070309020205020404" pitchFamily="49" charset="0"/>
+                <a:cs typeface="Courier New" panose="02070309020205020404" pitchFamily="49" charset="0"/>
+              </a:rPr>
+              <a:t>lts</a:t>
+            </a:r>
+            <a:endParaRPr lang="de-DE" sz="1800" dirty="0">
+              <a:latin typeface="Courier New" panose="02070309020205020404" pitchFamily="49" charset="0"/>
               <a:cs typeface="Courier New" panose="02070309020205020404" pitchFamily="49" charset="0"/>
             </a:endParaRPr>
           </a:p>
           <a:p>
+            <a:pPr marL="0" indent="0">
+              <a:buNone/>
+            </a:pPr>
+            <a:endParaRPr lang="de-DE" sz="1800" dirty="0">
+              <a:latin typeface="Courier New" panose="02070309020205020404" pitchFamily="49" charset="0"/>
+              <a:cs typeface="Courier New" panose="02070309020205020404" pitchFamily="49" charset="0"/>
+            </a:endParaRPr>
+          </a:p>
+          <a:p>
+            <a:pPr lvl="1"/>
             <a:r>
               <a:rPr lang="de-DE" dirty="0">
                 <a:cs typeface="Courier New" panose="02070309020205020404" pitchFamily="49" charset="0"/>
               </a:rPr>
-              <a:t>Diese IP-Adresse merken!</a:t>
+              <a:t>Wenn der Host stark genug ist, kann man auch mehr Memory oder mehr CPUs spendieren</a:t>
             </a:r>
           </a:p>
           <a:p>
@@ -6691,97 +7294,15 @@
               <a:rPr lang="de-DE" dirty="0">
                 <a:cs typeface="Courier New" panose="02070309020205020404" pitchFamily="49" charset="0"/>
               </a:rPr>
-              <a:t>Wir brauchen die Adresse später</a:t>
-            </a:r>
-          </a:p>
-        </p:txBody>
-      </p:sp>
-      <p:pic>
-        <p:nvPicPr>
-          <p:cNvPr id="4" name="Grafik 3">
-            <a:extLst>
-              <a:ext uri="{FF2B5EF4-FFF2-40B4-BE49-F238E27FC236}">
-                <a16:creationId xmlns:a16="http://schemas.microsoft.com/office/drawing/2014/main" id="{9970DE89-6AFA-4274-CEDB-BE1FB97D8532}"/>
-              </a:ext>
-            </a:extLst>
-          </p:cNvPr>
-          <p:cNvPicPr>
-            <a:picLocks noChangeAspect="1"/>
-          </p:cNvPicPr>
-          <p:nvPr/>
-        </p:nvPicPr>
-        <p:blipFill>
-          <a:blip r:embed="rId2"/>
-          <a:stretch>
-            <a:fillRect/>
-          </a:stretch>
-        </p:blipFill>
-        <p:spPr>
-          <a:xfrm>
-            <a:off x="1423072" y="3429000"/>
-            <a:ext cx="9345855" cy="800576"/>
-          </a:xfrm>
-          <a:prstGeom prst="rect">
-            <a:avLst/>
-          </a:prstGeom>
-        </p:spPr>
-      </p:pic>
-      <p:sp>
-        <p:nvSpPr>
-          <p:cNvPr id="5" name="Oval 4">
-            <a:extLst>
-              <a:ext uri="{FF2B5EF4-FFF2-40B4-BE49-F238E27FC236}">
-                <a16:creationId xmlns:a16="http://schemas.microsoft.com/office/drawing/2014/main" id="{E6AEEE8E-7792-64F8-C8B9-B4BBD549ED4D}"/>
-              </a:ext>
-            </a:extLst>
-          </p:cNvPr>
-          <p:cNvSpPr/>
-          <p:nvPr/>
-        </p:nvSpPr>
-        <p:spPr>
-          <a:xfrm>
-            <a:off x="6332220" y="3817620"/>
-            <a:ext cx="1897380" cy="411956"/>
-          </a:xfrm>
-          <a:prstGeom prst="ellipse">
-            <a:avLst/>
-          </a:prstGeom>
-          <a:noFill/>
-          <a:ln w="38100">
-            <a:solidFill>
-              <a:srgbClr val="FF0000"/>
-            </a:solidFill>
-          </a:ln>
-        </p:spPr>
-        <p:style>
-          <a:lnRef idx="2">
-            <a:schemeClr val="accent1">
-              <a:shade val="50000"/>
-            </a:schemeClr>
-          </a:lnRef>
-          <a:fillRef idx="1">
-            <a:schemeClr val="accent1"/>
-          </a:fillRef>
-          <a:effectRef idx="0">
-            <a:schemeClr val="accent1"/>
-          </a:effectRef>
-          <a:fontRef idx="minor">
-            <a:schemeClr val="lt1"/>
-          </a:fontRef>
-        </p:style>
-        <p:txBody>
-          <a:bodyPr rtlCol="0" anchor="ctr"/>
-          <a:lstStyle/>
-          <a:p>
-            <a:pPr algn="ctr"/>
-            <a:endParaRPr lang="de-DE"/>
+              <a:t>Die hier benutzten Werte sind für einen Host mit 16 GB RAM und 8 Kernen ausgelegt</a:t>
+            </a:r>
           </a:p>
         </p:txBody>
       </p:sp>
     </p:spTree>
     <p:extLst>
       <p:ext uri="{BB962C8B-B14F-4D97-AF65-F5344CB8AC3E}">
-        <p14:creationId xmlns:p14="http://schemas.microsoft.com/office/powerpoint/2010/main" val="3401149698"/>
+        <p14:creationId xmlns:p14="http://schemas.microsoft.com/office/powerpoint/2010/main" val="972499456"/>
       </p:ext>
     </p:extLst>
   </p:cSld>
@@ -6813,7 +7334,7 @@
           <p:cNvPr id="2" name="Titel 1">
             <a:extLst>
               <a:ext uri="{FF2B5EF4-FFF2-40B4-BE49-F238E27FC236}">
-                <a16:creationId xmlns:a16="http://schemas.microsoft.com/office/drawing/2014/main" id="{54472761-F6BA-A4DF-6E97-094AE60B729E}"/>
+                <a16:creationId xmlns:a16="http://schemas.microsoft.com/office/drawing/2014/main" id="{97B81511-FD40-5DFB-A11C-439D47FC7E4E}"/>
               </a:ext>
             </a:extLst>
           </p:cNvPr>
@@ -6849,7 +7370,7 @@
           <p:cNvPr id="3" name="Inhaltsplatzhalter 2">
             <a:extLst>
               <a:ext uri="{FF2B5EF4-FFF2-40B4-BE49-F238E27FC236}">
-                <a16:creationId xmlns:a16="http://schemas.microsoft.com/office/drawing/2014/main" id="{A6C84D30-D395-411D-5201-F8BC8F103909}"/>
+                <a16:creationId xmlns:a16="http://schemas.microsoft.com/office/drawing/2014/main" id="{D60DEAA2-318F-E89B-9305-4E4F17176745}"/>
               </a:ext>
             </a:extLst>
           </p:cNvPr>
@@ -6868,12 +7389,8 @@
           <a:lstStyle/>
           <a:p>
             <a:r>
-              <a:rPr lang="de-DE" dirty="0" err="1"/>
-              <a:t>Kubernetes</a:t>
-            </a:r>
-            <a:r>
-              <a:rPr lang="de-DE" dirty="0"/>
-              <a:t> installieren (1):</a:t>
+              <a:rPr lang="de-DE" dirty="0"/>
+              <a:t>IP-Adressen in Hosts-Datei eintragen	</a:t>
             </a:r>
           </a:p>
           <a:p>
@@ -6892,21 +7409,7 @@
                 <a:latin typeface="Courier New" panose="02070309020205020404" pitchFamily="49" charset="0"/>
                 <a:cs typeface="Courier New" panose="02070309020205020404" pitchFamily="49" charset="0"/>
               </a:rPr>
-              <a:t>shell</a:t>
-            </a:r>
-            <a:r>
-              <a:rPr lang="de-DE" sz="2400" dirty="0">
-                <a:latin typeface="Courier New" panose="02070309020205020404" pitchFamily="49" charset="0"/>
-                <a:cs typeface="Courier New" panose="02070309020205020404" pitchFamily="49" charset="0"/>
-              </a:rPr>
-              <a:t> </a:t>
-            </a:r>
-            <a:r>
-              <a:rPr lang="de-DE" sz="2400" dirty="0" err="1">
-                <a:latin typeface="Courier New" panose="02070309020205020404" pitchFamily="49" charset="0"/>
-                <a:cs typeface="Courier New" panose="02070309020205020404" pitchFamily="49" charset="0"/>
-              </a:rPr>
-              <a:t>master</a:t>
+              <a:t>list</a:t>
             </a:r>
             <a:endParaRPr lang="de-DE" sz="2400" dirty="0">
               <a:latin typeface="Courier New" panose="02070309020205020404" pitchFamily="49" charset="0"/>
@@ -6917,176 +7420,223 @@
             <a:pPr marL="0" indent="0">
               <a:buNone/>
             </a:pPr>
-            <a:r>
-              <a:rPr lang="de-DE" sz="2400" dirty="0">
-                <a:latin typeface="Courier New" panose="02070309020205020404" pitchFamily="49" charset="0"/>
-                <a:cs typeface="Courier New" panose="02070309020205020404" pitchFamily="49" charset="0"/>
-              </a:rPr>
-              <a:t>	</a:t>
-            </a:r>
-            <a:r>
-              <a:rPr lang="de-DE" sz="2400" dirty="0" err="1">
-                <a:latin typeface="Courier New" panose="02070309020205020404" pitchFamily="49" charset="0"/>
-                <a:cs typeface="Courier New" panose="02070309020205020404" pitchFamily="49" charset="0"/>
-              </a:rPr>
-              <a:t>sudo</a:t>
-            </a:r>
-            <a:r>
-              <a:rPr lang="de-DE" sz="2400" dirty="0">
-                <a:latin typeface="Courier New" panose="02070309020205020404" pitchFamily="49" charset="0"/>
-                <a:cs typeface="Courier New" panose="02070309020205020404" pitchFamily="49" charset="0"/>
-              </a:rPr>
-              <a:t> </a:t>
-            </a:r>
-            <a:r>
-              <a:rPr lang="de-DE" sz="2400" dirty="0" err="1">
-                <a:latin typeface="Courier New" panose="02070309020205020404" pitchFamily="49" charset="0"/>
-                <a:cs typeface="Courier New" panose="02070309020205020404" pitchFamily="49" charset="0"/>
-              </a:rPr>
-              <a:t>snap</a:t>
-            </a:r>
-            <a:r>
-              <a:rPr lang="de-DE" sz="2400" dirty="0">
-                <a:latin typeface="Courier New" panose="02070309020205020404" pitchFamily="49" charset="0"/>
-                <a:cs typeface="Courier New" panose="02070309020205020404" pitchFamily="49" charset="0"/>
-              </a:rPr>
-              <a:t> </a:t>
-            </a:r>
-            <a:r>
-              <a:rPr lang="de-DE" sz="2400" dirty="0" err="1">
-                <a:latin typeface="Courier New" panose="02070309020205020404" pitchFamily="49" charset="0"/>
-                <a:cs typeface="Courier New" panose="02070309020205020404" pitchFamily="49" charset="0"/>
-              </a:rPr>
-              <a:t>install</a:t>
-            </a:r>
-            <a:r>
-              <a:rPr lang="de-DE" sz="2400" dirty="0">
-                <a:latin typeface="Courier New" panose="02070309020205020404" pitchFamily="49" charset="0"/>
-                <a:cs typeface="Courier New" panose="02070309020205020404" pitchFamily="49" charset="0"/>
-              </a:rPr>
-              <a:t> microk8s --classic</a:t>
-            </a:r>
-          </a:p>
-          <a:p>
-            <a:pPr marL="0" indent="0">
-              <a:buNone/>
-            </a:pPr>
-            <a:r>
-              <a:rPr lang="de-DE" sz="2400" dirty="0">
-                <a:latin typeface="Courier New" panose="02070309020205020404" pitchFamily="49" charset="0"/>
-                <a:cs typeface="Courier New" panose="02070309020205020404" pitchFamily="49" charset="0"/>
-              </a:rPr>
-              <a:t>	</a:t>
-            </a:r>
-            <a:r>
-              <a:rPr lang="de-DE" sz="2400" dirty="0" err="1">
-                <a:latin typeface="Courier New" panose="02070309020205020404" pitchFamily="49" charset="0"/>
-                <a:cs typeface="Courier New" panose="02070309020205020404" pitchFamily="49" charset="0"/>
-              </a:rPr>
-              <a:t>sudo</a:t>
-            </a:r>
-            <a:r>
-              <a:rPr lang="de-DE" sz="2400" dirty="0">
-                <a:latin typeface="Courier New" panose="02070309020205020404" pitchFamily="49" charset="0"/>
-                <a:cs typeface="Courier New" panose="02070309020205020404" pitchFamily="49" charset="0"/>
-              </a:rPr>
-              <a:t> </a:t>
-            </a:r>
-            <a:r>
-              <a:rPr lang="de-DE" sz="2400" dirty="0" err="1">
-                <a:latin typeface="Courier New" panose="02070309020205020404" pitchFamily="49" charset="0"/>
-                <a:cs typeface="Courier New" panose="02070309020205020404" pitchFamily="49" charset="0"/>
-              </a:rPr>
-              <a:t>usermod</a:t>
-            </a:r>
-            <a:r>
-              <a:rPr lang="de-DE" sz="2400" dirty="0">
-                <a:latin typeface="Courier New" panose="02070309020205020404" pitchFamily="49" charset="0"/>
-                <a:cs typeface="Courier New" panose="02070309020205020404" pitchFamily="49" charset="0"/>
-              </a:rPr>
-              <a:t> -a -G microk8s $USER</a:t>
-            </a:r>
-          </a:p>
-          <a:p>
-            <a:pPr marL="0" indent="0">
-              <a:buNone/>
-            </a:pPr>
-            <a:r>
-              <a:rPr lang="de-DE" sz="2400" dirty="0">
-                <a:latin typeface="Courier New" panose="02070309020205020404" pitchFamily="49" charset="0"/>
-                <a:cs typeface="Courier New" panose="02070309020205020404" pitchFamily="49" charset="0"/>
-              </a:rPr>
-              <a:t>	</a:t>
-            </a:r>
-            <a:r>
-              <a:rPr lang="de-DE" sz="2400" dirty="0" err="1">
-                <a:latin typeface="Courier New" panose="02070309020205020404" pitchFamily="49" charset="0"/>
-                <a:cs typeface="Courier New" panose="02070309020205020404" pitchFamily="49" charset="0"/>
-              </a:rPr>
-              <a:t>sudo</a:t>
-            </a:r>
-            <a:r>
-              <a:rPr lang="de-DE" sz="2400" dirty="0">
-                <a:latin typeface="Courier New" panose="02070309020205020404" pitchFamily="49" charset="0"/>
-                <a:cs typeface="Courier New" panose="02070309020205020404" pitchFamily="49" charset="0"/>
-              </a:rPr>
-              <a:t> </a:t>
-            </a:r>
-            <a:r>
-              <a:rPr lang="de-DE" sz="2400" dirty="0" err="1">
-                <a:latin typeface="Courier New" panose="02070309020205020404" pitchFamily="49" charset="0"/>
-                <a:cs typeface="Courier New" panose="02070309020205020404" pitchFamily="49" charset="0"/>
-              </a:rPr>
-              <a:t>shutdown</a:t>
-            </a:r>
-            <a:r>
-              <a:rPr lang="de-DE" sz="2400" dirty="0">
-                <a:latin typeface="Courier New" panose="02070309020205020404" pitchFamily="49" charset="0"/>
-                <a:cs typeface="Courier New" panose="02070309020205020404" pitchFamily="49" charset="0"/>
-              </a:rPr>
-              <a:t> -</a:t>
-            </a:r>
-            <a:r>
-              <a:rPr lang="de-DE" sz="2400" dirty="0" err="1">
-                <a:latin typeface="Courier New" panose="02070309020205020404" pitchFamily="49" charset="0"/>
-                <a:cs typeface="Courier New" panose="02070309020205020404" pitchFamily="49" charset="0"/>
-              </a:rPr>
-              <a:t>r</a:t>
-            </a:r>
-            <a:r>
-              <a:rPr lang="de-DE" sz="2400" dirty="0">
-                <a:latin typeface="Courier New" panose="02070309020205020404" pitchFamily="49" charset="0"/>
-                <a:cs typeface="Courier New" panose="02070309020205020404" pitchFamily="49" charset="0"/>
-              </a:rPr>
-              <a:t> </a:t>
-            </a:r>
-            <a:r>
-              <a:rPr lang="de-DE" sz="2400" dirty="0" err="1">
-                <a:latin typeface="Courier New" panose="02070309020205020404" pitchFamily="49" charset="0"/>
-                <a:cs typeface="Courier New" panose="02070309020205020404" pitchFamily="49" charset="0"/>
-              </a:rPr>
-              <a:t>now</a:t>
-            </a:r>
             <a:endParaRPr lang="de-DE" sz="2400" dirty="0">
               <a:latin typeface="Courier New" panose="02070309020205020404" pitchFamily="49" charset="0"/>
               <a:cs typeface="Courier New" panose="02070309020205020404" pitchFamily="49" charset="0"/>
             </a:endParaRPr>
           </a:p>
           <a:p>
-            <a:pPr lvl="1"/>
-            <a:r>
-              <a:rPr lang="de-DE" dirty="0">
-                <a:cs typeface="Courier New" panose="02070309020205020404" pitchFamily="49" charset="0"/>
-              </a:rPr>
-              <a:t>Kurz warten: VM startet neu</a:t>
-            </a:r>
-          </a:p>
-        </p:txBody>
-      </p:sp>
+            <a:pPr marL="0" indent="0">
+              <a:buNone/>
+            </a:pPr>
+            <a:endParaRPr lang="de-DE" sz="2400" dirty="0">
+              <a:latin typeface="Courier New" panose="02070309020205020404" pitchFamily="49" charset="0"/>
+              <a:cs typeface="Courier New" panose="02070309020205020404" pitchFamily="49" charset="0"/>
+            </a:endParaRPr>
+          </a:p>
+          <a:p>
+            <a:pPr marL="0" indent="0">
+              <a:buNone/>
+            </a:pPr>
+            <a:endParaRPr lang="de-DE" sz="2400" dirty="0">
+              <a:latin typeface="Courier New" panose="02070309020205020404" pitchFamily="49" charset="0"/>
+              <a:cs typeface="Courier New" panose="02070309020205020404" pitchFamily="49" charset="0"/>
+            </a:endParaRPr>
+          </a:p>
+          <a:p>
+            <a:pPr marL="0" indent="0">
+              <a:buNone/>
+            </a:pPr>
+            <a:r>
+              <a:rPr lang="de-DE" sz="2400" dirty="0">
+                <a:latin typeface="Courier New" panose="02070309020205020404" pitchFamily="49" charset="0"/>
+                <a:cs typeface="Courier New" panose="02070309020205020404" pitchFamily="49" charset="0"/>
+              </a:rPr>
+              <a:t>	</a:t>
+            </a:r>
+          </a:p>
+          <a:p>
+            <a:pPr marL="0" indent="0">
+              <a:buNone/>
+            </a:pPr>
+            <a:r>
+              <a:rPr lang="de-DE" sz="2400" dirty="0">
+                <a:latin typeface="Courier New" panose="02070309020205020404" pitchFamily="49" charset="0"/>
+                <a:cs typeface="Courier New" panose="02070309020205020404" pitchFamily="49" charset="0"/>
+              </a:rPr>
+              <a:t>	multipass </a:t>
+            </a:r>
+            <a:r>
+              <a:rPr lang="de-DE" sz="2400" dirty="0" err="1">
+                <a:latin typeface="Courier New" panose="02070309020205020404" pitchFamily="49" charset="0"/>
+                <a:cs typeface="Courier New" panose="02070309020205020404" pitchFamily="49" charset="0"/>
+              </a:rPr>
+              <a:t>shell</a:t>
+            </a:r>
+            <a:r>
+              <a:rPr lang="de-DE" sz="2400" dirty="0">
+                <a:latin typeface="Courier New" panose="02070309020205020404" pitchFamily="49" charset="0"/>
+                <a:cs typeface="Courier New" panose="02070309020205020404" pitchFamily="49" charset="0"/>
+              </a:rPr>
+              <a:t> </a:t>
+            </a:r>
+            <a:r>
+              <a:rPr lang="de-DE" sz="2400" dirty="0" err="1">
+                <a:latin typeface="Courier New" panose="02070309020205020404" pitchFamily="49" charset="0"/>
+                <a:cs typeface="Courier New" panose="02070309020205020404" pitchFamily="49" charset="0"/>
+              </a:rPr>
+              <a:t>master</a:t>
+            </a:r>
+            <a:endParaRPr lang="de-DE" sz="2400" dirty="0">
+              <a:latin typeface="Courier New" panose="02070309020205020404" pitchFamily="49" charset="0"/>
+              <a:cs typeface="Courier New" panose="02070309020205020404" pitchFamily="49" charset="0"/>
+            </a:endParaRPr>
+          </a:p>
+          <a:p>
+            <a:pPr marL="0" indent="0">
+              <a:buNone/>
+            </a:pPr>
+            <a:r>
+              <a:rPr lang="de-DE" sz="2400" dirty="0">
+                <a:latin typeface="Courier New" panose="02070309020205020404" pitchFamily="49" charset="0"/>
+                <a:cs typeface="Courier New" panose="02070309020205020404" pitchFamily="49" charset="0"/>
+              </a:rPr>
+              <a:t>	</a:t>
+            </a:r>
+            <a:r>
+              <a:rPr lang="de-DE" sz="2400" dirty="0" err="1">
+                <a:latin typeface="Courier New" panose="02070309020205020404" pitchFamily="49" charset="0"/>
+                <a:cs typeface="Courier New" panose="02070309020205020404" pitchFamily="49" charset="0"/>
+              </a:rPr>
+              <a:t>sudo</a:t>
+            </a:r>
+            <a:r>
+              <a:rPr lang="de-DE" sz="2400" dirty="0">
+                <a:latin typeface="Courier New" panose="02070309020205020404" pitchFamily="49" charset="0"/>
+                <a:cs typeface="Courier New" panose="02070309020205020404" pitchFamily="49" charset="0"/>
+              </a:rPr>
+              <a:t> vi /</a:t>
+            </a:r>
+            <a:r>
+              <a:rPr lang="de-DE" sz="2400" dirty="0" err="1">
+                <a:latin typeface="Courier New" panose="02070309020205020404" pitchFamily="49" charset="0"/>
+                <a:cs typeface="Courier New" panose="02070309020205020404" pitchFamily="49" charset="0"/>
+              </a:rPr>
+              <a:t>etc</a:t>
+            </a:r>
+            <a:r>
+              <a:rPr lang="de-DE" sz="2400" dirty="0">
+                <a:latin typeface="Courier New" panose="02070309020205020404" pitchFamily="49" charset="0"/>
+                <a:cs typeface="Courier New" panose="02070309020205020404" pitchFamily="49" charset="0"/>
+              </a:rPr>
+              <a:t>/</a:t>
+            </a:r>
+            <a:r>
+              <a:rPr lang="de-DE" sz="2400" dirty="0" err="1">
+                <a:latin typeface="Courier New" panose="02070309020205020404" pitchFamily="49" charset="0"/>
+                <a:cs typeface="Courier New" panose="02070309020205020404" pitchFamily="49" charset="0"/>
+              </a:rPr>
+              <a:t>cloud</a:t>
+            </a:r>
+            <a:r>
+              <a:rPr lang="de-DE" sz="2400" dirty="0">
+                <a:latin typeface="Courier New" panose="02070309020205020404" pitchFamily="49" charset="0"/>
+                <a:cs typeface="Courier New" panose="02070309020205020404" pitchFamily="49" charset="0"/>
+              </a:rPr>
+              <a:t>/</a:t>
+            </a:r>
+            <a:r>
+              <a:rPr lang="de-DE" sz="2400" dirty="0" err="1">
+                <a:latin typeface="Courier New" panose="02070309020205020404" pitchFamily="49" charset="0"/>
+                <a:cs typeface="Courier New" panose="02070309020205020404" pitchFamily="49" charset="0"/>
+              </a:rPr>
+              <a:t>templates</a:t>
+            </a:r>
+            <a:r>
+              <a:rPr lang="de-DE" sz="2400" dirty="0">
+                <a:latin typeface="Courier New" panose="02070309020205020404" pitchFamily="49" charset="0"/>
+                <a:cs typeface="Courier New" panose="02070309020205020404" pitchFamily="49" charset="0"/>
+              </a:rPr>
+              <a:t>/</a:t>
+            </a:r>
+            <a:r>
+              <a:rPr lang="de-DE" sz="2400" dirty="0" err="1">
+                <a:latin typeface="Courier New" panose="02070309020205020404" pitchFamily="49" charset="0"/>
+                <a:cs typeface="Courier New" panose="02070309020205020404" pitchFamily="49" charset="0"/>
+              </a:rPr>
+              <a:t>hosts.debian.tmpl</a:t>
+            </a:r>
+            <a:endParaRPr lang="de-DE" sz="2400" dirty="0">
+              <a:latin typeface="Courier New" panose="02070309020205020404" pitchFamily="49" charset="0"/>
+              <a:cs typeface="Courier New" panose="02070309020205020404" pitchFamily="49" charset="0"/>
+            </a:endParaRPr>
+          </a:p>
+        </p:txBody>
+      </p:sp>
+      <p:pic>
+        <p:nvPicPr>
+          <p:cNvPr id="7" name="Grafik 6">
+            <a:extLst>
+              <a:ext uri="{FF2B5EF4-FFF2-40B4-BE49-F238E27FC236}">
+                <a16:creationId xmlns:a16="http://schemas.microsoft.com/office/drawing/2014/main" id="{C4C2B3E5-3DB5-B1F5-1E08-21EA9EB81FF0}"/>
+              </a:ext>
+            </a:extLst>
+          </p:cNvPr>
+          <p:cNvPicPr>
+            <a:picLocks noChangeAspect="1"/>
+          </p:cNvPicPr>
+          <p:nvPr/>
+        </p:nvPicPr>
+        <p:blipFill>
+          <a:blip r:embed="rId3"/>
+          <a:stretch>
+            <a:fillRect/>
+          </a:stretch>
+        </p:blipFill>
+        <p:spPr>
+          <a:xfrm>
+            <a:off x="4445000" y="5567112"/>
+            <a:ext cx="2901950" cy="962226"/>
+          </a:xfrm>
+          <a:prstGeom prst="rect">
+            <a:avLst/>
+          </a:prstGeom>
+        </p:spPr>
+      </p:pic>
+      <p:pic>
+        <p:nvPicPr>
+          <p:cNvPr id="6" name="Grafik 5">
+            <a:extLst>
+              <a:ext uri="{FF2B5EF4-FFF2-40B4-BE49-F238E27FC236}">
+                <a16:creationId xmlns:a16="http://schemas.microsoft.com/office/drawing/2014/main" id="{90CB199C-3DF3-D431-995A-55C20BBA7296}"/>
+              </a:ext>
+            </a:extLst>
+          </p:cNvPr>
+          <p:cNvPicPr>
+            <a:picLocks noChangeAspect="1"/>
+          </p:cNvPicPr>
+          <p:nvPr/>
+        </p:nvPicPr>
+        <p:blipFill>
+          <a:blip r:embed="rId4"/>
+          <a:stretch>
+            <a:fillRect/>
+          </a:stretch>
+        </p:blipFill>
+        <p:spPr>
+          <a:xfrm>
+            <a:off x="4521200" y="3124869"/>
+            <a:ext cx="6832600" cy="1143000"/>
+          </a:xfrm>
+          <a:prstGeom prst="rect">
+            <a:avLst/>
+          </a:prstGeom>
+        </p:spPr>
+      </p:pic>
     </p:spTree>
     <p:extLst>
       <p:ext uri="{BB962C8B-B14F-4D97-AF65-F5344CB8AC3E}">
-        <p14:creationId xmlns:p14="http://schemas.microsoft.com/office/powerpoint/2010/main" val="1270310899"/>
+        <p14:creationId xmlns:p14="http://schemas.microsoft.com/office/powerpoint/2010/main" val="2489378187"/>
       </p:ext>
     </p:extLst>
   </p:cSld>
@@ -7178,7 +7728,7 @@
             </a:r>
             <a:r>
               <a:rPr lang="de-DE" dirty="0"/>
-              <a:t> installieren (2):</a:t>
+              <a:t> installieren (1):</a:t>
             </a:r>
           </a:p>
           <a:p>
@@ -7190,14 +7740,14 @@
                 <a:latin typeface="Courier New" panose="02070309020205020404" pitchFamily="49" charset="0"/>
                 <a:cs typeface="Courier New" panose="02070309020205020404" pitchFamily="49" charset="0"/>
               </a:rPr>
-              <a:t>	multipass </a:t>
+              <a:t>	</a:t>
             </a:r>
             <a:r>
               <a:rPr lang="de-DE" sz="2400" dirty="0" err="1">
                 <a:latin typeface="Courier New" panose="02070309020205020404" pitchFamily="49" charset="0"/>
                 <a:cs typeface="Courier New" panose="02070309020205020404" pitchFamily="49" charset="0"/>
               </a:rPr>
-              <a:t>shell</a:t>
+              <a:t>sudo</a:t>
             </a:r>
             <a:r>
               <a:rPr lang="de-DE" sz="2400" dirty="0">
@@ -7211,7 +7761,129 @@
                 <a:latin typeface="Courier New" panose="02070309020205020404" pitchFamily="49" charset="0"/>
                 <a:cs typeface="Courier New" panose="02070309020205020404" pitchFamily="49" charset="0"/>
               </a:rPr>
-              <a:t>master</a:t>
+              <a:t>snap</a:t>
+            </a:r>
+            <a:r>
+              <a:rPr lang="de-DE" sz="2400" dirty="0">
+                <a:latin typeface="Courier New" panose="02070309020205020404" pitchFamily="49" charset="0"/>
+                <a:cs typeface="Courier New" panose="02070309020205020404" pitchFamily="49" charset="0"/>
+              </a:rPr>
+              <a:t> </a:t>
+            </a:r>
+            <a:r>
+              <a:rPr lang="de-DE" sz="2400" dirty="0" err="1">
+                <a:latin typeface="Courier New" panose="02070309020205020404" pitchFamily="49" charset="0"/>
+                <a:cs typeface="Courier New" panose="02070309020205020404" pitchFamily="49" charset="0"/>
+              </a:rPr>
+              <a:t>install</a:t>
+            </a:r>
+            <a:r>
+              <a:rPr lang="de-DE" sz="2400" dirty="0">
+                <a:latin typeface="Courier New" panose="02070309020205020404" pitchFamily="49" charset="0"/>
+                <a:cs typeface="Courier New" panose="02070309020205020404" pitchFamily="49" charset="0"/>
+              </a:rPr>
+              <a:t> microk8s --classic</a:t>
+            </a:r>
+          </a:p>
+          <a:p>
+            <a:pPr marL="0" indent="0">
+              <a:buNone/>
+            </a:pPr>
+            <a:r>
+              <a:rPr lang="de-DE" sz="2400" dirty="0">
+                <a:latin typeface="Courier New" panose="02070309020205020404" pitchFamily="49" charset="0"/>
+                <a:cs typeface="Courier New" panose="02070309020205020404" pitchFamily="49" charset="0"/>
+              </a:rPr>
+              <a:t>	</a:t>
+            </a:r>
+            <a:r>
+              <a:rPr lang="de-DE" sz="2400" dirty="0" err="1">
+                <a:latin typeface="Courier New" panose="02070309020205020404" pitchFamily="49" charset="0"/>
+                <a:cs typeface="Courier New" panose="02070309020205020404" pitchFamily="49" charset="0"/>
+              </a:rPr>
+              <a:t>sudo</a:t>
+            </a:r>
+            <a:r>
+              <a:rPr lang="de-DE" sz="2400" dirty="0">
+                <a:latin typeface="Courier New" panose="02070309020205020404" pitchFamily="49" charset="0"/>
+                <a:cs typeface="Courier New" panose="02070309020205020404" pitchFamily="49" charset="0"/>
+              </a:rPr>
+              <a:t> </a:t>
+            </a:r>
+            <a:r>
+              <a:rPr lang="de-DE" sz="2400" dirty="0" err="1">
+                <a:latin typeface="Courier New" panose="02070309020205020404" pitchFamily="49" charset="0"/>
+                <a:cs typeface="Courier New" panose="02070309020205020404" pitchFamily="49" charset="0"/>
+              </a:rPr>
+              <a:t>usermod</a:t>
+            </a:r>
+            <a:r>
+              <a:rPr lang="de-DE" sz="2400" dirty="0">
+                <a:latin typeface="Courier New" panose="02070309020205020404" pitchFamily="49" charset="0"/>
+                <a:cs typeface="Courier New" panose="02070309020205020404" pitchFamily="49" charset="0"/>
+              </a:rPr>
+              <a:t> -a -G microk8s $USER</a:t>
+            </a:r>
+          </a:p>
+          <a:p>
+            <a:pPr marL="0" indent="0">
+              <a:buNone/>
+            </a:pPr>
+            <a:r>
+              <a:rPr lang="de-DE" sz="2400" dirty="0">
+                <a:latin typeface="Courier New" panose="02070309020205020404" pitchFamily="49" charset="0"/>
+                <a:cs typeface="Courier New" panose="02070309020205020404" pitchFamily="49" charset="0"/>
+              </a:rPr>
+              <a:t>	</a:t>
+            </a:r>
+            <a:r>
+              <a:rPr lang="de-DE" sz="2400" dirty="0" err="1">
+                <a:latin typeface="Courier New" panose="02070309020205020404" pitchFamily="49" charset="0"/>
+                <a:cs typeface="Courier New" panose="02070309020205020404" pitchFamily="49" charset="0"/>
+              </a:rPr>
+              <a:t>sudo</a:t>
+            </a:r>
+            <a:r>
+              <a:rPr lang="de-DE" sz="2400" dirty="0">
+                <a:latin typeface="Courier New" panose="02070309020205020404" pitchFamily="49" charset="0"/>
+                <a:cs typeface="Courier New" panose="02070309020205020404" pitchFamily="49" charset="0"/>
+              </a:rPr>
+              <a:t> </a:t>
+            </a:r>
+            <a:r>
+              <a:rPr lang="de-DE" sz="2400" dirty="0" err="1">
+                <a:latin typeface="Courier New" panose="02070309020205020404" pitchFamily="49" charset="0"/>
+                <a:cs typeface="Courier New" panose="02070309020205020404" pitchFamily="49" charset="0"/>
+              </a:rPr>
+              <a:t>shutdown</a:t>
+            </a:r>
+            <a:r>
+              <a:rPr lang="de-DE" sz="2400" dirty="0">
+                <a:latin typeface="Courier New" panose="02070309020205020404" pitchFamily="49" charset="0"/>
+                <a:cs typeface="Courier New" panose="02070309020205020404" pitchFamily="49" charset="0"/>
+              </a:rPr>
+              <a:t> -</a:t>
+            </a:r>
+            <a:r>
+              <a:rPr lang="de-DE" sz="2400" dirty="0" err="1">
+                <a:latin typeface="Courier New" panose="02070309020205020404" pitchFamily="49" charset="0"/>
+                <a:cs typeface="Courier New" panose="02070309020205020404" pitchFamily="49" charset="0"/>
+              </a:rPr>
+              <a:t>r</a:t>
+            </a:r>
+            <a:r>
+              <a:rPr lang="de-DE" sz="2400" dirty="0">
+                <a:latin typeface="Courier New" panose="02070309020205020404" pitchFamily="49" charset="0"/>
+                <a:cs typeface="Courier New" panose="02070309020205020404" pitchFamily="49" charset="0"/>
+              </a:rPr>
+              <a:t> </a:t>
+            </a:r>
+            <a:r>
+              <a:rPr lang="de-DE" sz="2400" dirty="0" err="1">
+                <a:latin typeface="Courier New" panose="02070309020205020404" pitchFamily="49" charset="0"/>
+                <a:cs typeface="Courier New" panose="02070309020205020404" pitchFamily="49" charset="0"/>
+              </a:rPr>
+              <a:t>now</a:t>
             </a:r>
             <a:endParaRPr lang="de-DE" sz="2400" dirty="0">
               <a:latin typeface="Courier New" panose="02070309020205020404" pitchFamily="49" charset="0"/>
@@ -7219,129 +7891,12 @@
             </a:endParaRPr>
           </a:p>
           <a:p>
-            <a:pPr marL="0" indent="0">
-              <a:buNone/>
-            </a:pPr>
-            <a:r>
-              <a:rPr lang="de-DE" sz="2400" dirty="0">
-                <a:latin typeface="Courier New" panose="02070309020205020404" pitchFamily="49" charset="0"/>
-                <a:cs typeface="Courier New" panose="02070309020205020404" pitchFamily="49" charset="0"/>
-              </a:rPr>
-              <a:t>	microk8s </a:t>
-            </a:r>
-            <a:r>
-              <a:rPr lang="de-DE" sz="2400" dirty="0" err="1">
-                <a:latin typeface="Courier New" panose="02070309020205020404" pitchFamily="49" charset="0"/>
-                <a:cs typeface="Courier New" panose="02070309020205020404" pitchFamily="49" charset="0"/>
-              </a:rPr>
-              <a:t>enable</a:t>
-            </a:r>
-            <a:r>
-              <a:rPr lang="de-DE" sz="2400" dirty="0">
-                <a:latin typeface="Courier New" panose="02070309020205020404" pitchFamily="49" charset="0"/>
-                <a:cs typeface="Courier New" panose="02070309020205020404" pitchFamily="49" charset="0"/>
-              </a:rPr>
-              <a:t> </a:t>
-            </a:r>
-            <a:r>
-              <a:rPr lang="de-DE" sz="2400" dirty="0" err="1">
-                <a:latin typeface="Courier New" panose="02070309020205020404" pitchFamily="49" charset="0"/>
-                <a:cs typeface="Courier New" panose="02070309020205020404" pitchFamily="49" charset="0"/>
-              </a:rPr>
-              <a:t>dns</a:t>
-            </a:r>
-            <a:r>
-              <a:rPr lang="de-DE" sz="2400" dirty="0">
-                <a:latin typeface="Courier New" panose="02070309020205020404" pitchFamily="49" charset="0"/>
-                <a:cs typeface="Courier New" panose="02070309020205020404" pitchFamily="49" charset="0"/>
-              </a:rPr>
-              <a:t> </a:t>
-            </a:r>
-            <a:r>
-              <a:rPr lang="de-DE" sz="2400" dirty="0" err="1">
-                <a:latin typeface="Courier New" panose="02070309020205020404" pitchFamily="49" charset="0"/>
-                <a:cs typeface="Courier New" panose="02070309020205020404" pitchFamily="49" charset="0"/>
-              </a:rPr>
-              <a:t>dashboard</a:t>
-            </a:r>
-            <a:r>
-              <a:rPr lang="de-DE" sz="2400" dirty="0">
-                <a:latin typeface="Courier New" panose="02070309020205020404" pitchFamily="49" charset="0"/>
-                <a:cs typeface="Courier New" panose="02070309020205020404" pitchFamily="49" charset="0"/>
-              </a:rPr>
-              <a:t> </a:t>
-            </a:r>
-            <a:r>
-              <a:rPr lang="de-DE" sz="2400" dirty="0" err="1">
-                <a:latin typeface="Courier New" panose="02070309020205020404" pitchFamily="49" charset="0"/>
-                <a:cs typeface="Courier New" panose="02070309020205020404" pitchFamily="49" charset="0"/>
-              </a:rPr>
-              <a:t>storage</a:t>
-            </a:r>
-            <a:r>
-              <a:rPr lang="de-DE" sz="2400" dirty="0">
-                <a:latin typeface="Courier New" panose="02070309020205020404" pitchFamily="49" charset="0"/>
-                <a:cs typeface="Courier New" panose="02070309020205020404" pitchFamily="49" charset="0"/>
-              </a:rPr>
-              <a:t> </a:t>
-            </a:r>
-            <a:r>
-              <a:rPr lang="de-DE" sz="2400" dirty="0" err="1">
-                <a:latin typeface="Courier New" panose="02070309020205020404" pitchFamily="49" charset="0"/>
-                <a:cs typeface="Courier New" panose="02070309020205020404" pitchFamily="49" charset="0"/>
-              </a:rPr>
-              <a:t>ingress</a:t>
-            </a:r>
-            <a:endParaRPr lang="de-DE" sz="2400" dirty="0">
-              <a:latin typeface="Courier New" panose="02070309020205020404" pitchFamily="49" charset="0"/>
-              <a:cs typeface="Courier New" panose="02070309020205020404" pitchFamily="49" charset="0"/>
-            </a:endParaRPr>
-          </a:p>
-          <a:p>
-            <a:pPr marL="0" indent="0">
-              <a:buNone/>
-            </a:pPr>
-            <a:r>
-              <a:rPr lang="de-DE" sz="2400" dirty="0">
-                <a:latin typeface="Courier New" panose="02070309020205020404" pitchFamily="49" charset="0"/>
-                <a:cs typeface="Courier New" panose="02070309020205020404" pitchFamily="49" charset="0"/>
-              </a:rPr>
-              <a:t>	microk8s </a:t>
-            </a:r>
-            <a:r>
-              <a:rPr lang="de-DE" sz="2400" dirty="0" err="1">
-                <a:latin typeface="Courier New" panose="02070309020205020404" pitchFamily="49" charset="0"/>
-                <a:cs typeface="Courier New" panose="02070309020205020404" pitchFamily="49" charset="0"/>
-              </a:rPr>
-              <a:t>dashboard</a:t>
-            </a:r>
-            <a:r>
-              <a:rPr lang="de-DE" sz="2400" dirty="0">
-                <a:latin typeface="Courier New" panose="02070309020205020404" pitchFamily="49" charset="0"/>
-                <a:cs typeface="Courier New" panose="02070309020205020404" pitchFamily="49" charset="0"/>
-              </a:rPr>
-              <a:t>-proxy</a:t>
-            </a:r>
-          </a:p>
-          <a:p>
             <a:pPr lvl="1"/>
             <a:r>
               <a:rPr lang="de-DE" dirty="0">
                 <a:cs typeface="Courier New" panose="02070309020205020404" pitchFamily="49" charset="0"/>
               </a:rPr>
-              <a:t>Bitte warten, das kann ein paar Minuten dauern!</a:t>
-            </a:r>
-          </a:p>
-          <a:p>
-            <a:pPr marL="0" indent="0">
-              <a:buNone/>
-            </a:pPr>
-            <a:r>
-              <a:rPr lang="de-DE" dirty="0">
-                <a:latin typeface="Courier New" panose="02070309020205020404" pitchFamily="49" charset="0"/>
-                <a:cs typeface="Courier New" panose="02070309020205020404" pitchFamily="49" charset="0"/>
-              </a:rPr>
-              <a:t>	</a:t>
+              <a:t>Kurz warten: VM startet neu</a:t>
             </a:r>
           </a:p>
         </p:txBody>
@@ -7349,7 +7904,7 @@
     </p:spTree>
     <p:extLst>
       <p:ext uri="{BB962C8B-B14F-4D97-AF65-F5344CB8AC3E}">
-        <p14:creationId xmlns:p14="http://schemas.microsoft.com/office/powerpoint/2010/main" val="614538028"/>
+        <p14:creationId xmlns:p14="http://schemas.microsoft.com/office/powerpoint/2010/main" val="1270310899"/>
       </p:ext>
     </p:extLst>
   </p:cSld>

--- a/sample/kubernetes/Bring your own device - Teil 1.pptx
+++ b/sample/kubernetes/Bring your own device - Teil 1.pptx
@@ -214,7 +214,7 @@
           <a:p>
             <a:fld id="{5CCD219F-F703-C14B-A05B-DA5DAB0DC4D2}" type="datetimeFigureOut">
               <a:rPr lang="de-DE" smtClean="0"/>
-              <a:t>28.02.23</a:t>
+              <a:t>05.03.23</a:t>
             </a:fld>
             <a:endParaRPr lang="de-DE"/>
           </a:p>
@@ -880,7 +880,7 @@
           <a:p>
             <a:fld id="{6B40B35D-B481-DF4E-B1B0-2B6288A3F72B}" type="datetimeFigureOut">
               <a:rPr lang="de-DE" smtClean="0"/>
-              <a:t>28.02.23</a:t>
+              <a:t>05.03.23</a:t>
             </a:fld>
             <a:endParaRPr lang="de-DE"/>
           </a:p>
@@ -1078,7 +1078,7 @@
           <a:p>
             <a:fld id="{6B40B35D-B481-DF4E-B1B0-2B6288A3F72B}" type="datetimeFigureOut">
               <a:rPr lang="de-DE" smtClean="0"/>
-              <a:t>28.02.23</a:t>
+              <a:t>05.03.23</a:t>
             </a:fld>
             <a:endParaRPr lang="de-DE"/>
           </a:p>
@@ -1286,7 +1286,7 @@
           <a:p>
             <a:fld id="{6B40B35D-B481-DF4E-B1B0-2B6288A3F72B}" type="datetimeFigureOut">
               <a:rPr lang="de-DE" smtClean="0"/>
-              <a:t>28.02.23</a:t>
+              <a:t>05.03.23</a:t>
             </a:fld>
             <a:endParaRPr lang="de-DE"/>
           </a:p>
@@ -1484,7 +1484,7 @@
           <a:p>
             <a:fld id="{6B40B35D-B481-DF4E-B1B0-2B6288A3F72B}" type="datetimeFigureOut">
               <a:rPr lang="de-DE" smtClean="0"/>
-              <a:t>28.02.23</a:t>
+              <a:t>05.03.23</a:t>
             </a:fld>
             <a:endParaRPr lang="de-DE"/>
           </a:p>
@@ -1759,7 +1759,7 @@
           <a:p>
             <a:fld id="{6B40B35D-B481-DF4E-B1B0-2B6288A3F72B}" type="datetimeFigureOut">
               <a:rPr lang="de-DE" smtClean="0"/>
-              <a:t>28.02.23</a:t>
+              <a:t>05.03.23</a:t>
             </a:fld>
             <a:endParaRPr lang="de-DE"/>
           </a:p>
@@ -2024,7 +2024,7 @@
           <a:p>
             <a:fld id="{6B40B35D-B481-DF4E-B1B0-2B6288A3F72B}" type="datetimeFigureOut">
               <a:rPr lang="de-DE" smtClean="0"/>
-              <a:t>28.02.23</a:t>
+              <a:t>05.03.23</a:t>
             </a:fld>
             <a:endParaRPr lang="de-DE"/>
           </a:p>
@@ -2436,7 +2436,7 @@
           <a:p>
             <a:fld id="{6B40B35D-B481-DF4E-B1B0-2B6288A3F72B}" type="datetimeFigureOut">
               <a:rPr lang="de-DE" smtClean="0"/>
-              <a:t>28.02.23</a:t>
+              <a:t>05.03.23</a:t>
             </a:fld>
             <a:endParaRPr lang="de-DE"/>
           </a:p>
@@ -2577,7 +2577,7 @@
           <a:p>
             <a:fld id="{6B40B35D-B481-DF4E-B1B0-2B6288A3F72B}" type="datetimeFigureOut">
               <a:rPr lang="de-DE" smtClean="0"/>
-              <a:t>28.02.23</a:t>
+              <a:t>05.03.23</a:t>
             </a:fld>
             <a:endParaRPr lang="de-DE"/>
           </a:p>
@@ -2690,7 +2690,7 @@
           <a:p>
             <a:fld id="{6B40B35D-B481-DF4E-B1B0-2B6288A3F72B}" type="datetimeFigureOut">
               <a:rPr lang="de-DE" smtClean="0"/>
-              <a:t>28.02.23</a:t>
+              <a:t>05.03.23</a:t>
             </a:fld>
             <a:endParaRPr lang="de-DE"/>
           </a:p>
@@ -3001,7 +3001,7 @@
           <a:p>
             <a:fld id="{6B40B35D-B481-DF4E-B1B0-2B6288A3F72B}" type="datetimeFigureOut">
               <a:rPr lang="de-DE" smtClean="0"/>
-              <a:t>28.02.23</a:t>
+              <a:t>05.03.23</a:t>
             </a:fld>
             <a:endParaRPr lang="de-DE"/>
           </a:p>
@@ -3289,7 +3289,7 @@
           <a:p>
             <a:fld id="{6B40B35D-B481-DF4E-B1B0-2B6288A3F72B}" type="datetimeFigureOut">
               <a:rPr lang="de-DE" smtClean="0"/>
-              <a:t>28.02.23</a:t>
+              <a:t>05.03.23</a:t>
             </a:fld>
             <a:endParaRPr lang="de-DE"/>
           </a:p>
@@ -3530,7 +3530,7 @@
           <a:p>
             <a:fld id="{6B40B35D-B481-DF4E-B1B0-2B6288A3F72B}" type="datetimeFigureOut">
               <a:rPr lang="de-DE" smtClean="0"/>
-              <a:t>28.02.23</a:t>
+              <a:t>05.03.23</a:t>
             </a:fld>
             <a:endParaRPr lang="de-DE"/>
           </a:p>
@@ -5504,7 +5504,7 @@
                 <a:latin typeface="Courier New" panose="02070309020205020404" pitchFamily="49" charset="0"/>
                 <a:cs typeface="Courier New" panose="02070309020205020404" pitchFamily="49" charset="0"/>
               </a:rPr>
-              <a:t> 10.165.29.118:25000/b472c565140265866448027bde23cd3d/02e550107dbb --</a:t>
+              <a:t> 0.165.29.118:25000/b472c565140265866448027bde23cd3d/02e550107dbb --</a:t>
             </a:r>
             <a:r>
               <a:rPr lang="de-DE" sz="2400" dirty="0" err="1">
@@ -5513,13 +5513,10 @@
               </a:rPr>
               <a:t>worker</a:t>
             </a:r>
-            <a:r>
-              <a:rPr lang="de-DE" sz="2400" dirty="0">
-                <a:latin typeface="Courier New" panose="02070309020205020404" pitchFamily="49" charset="0"/>
-                <a:cs typeface="Courier New" panose="02070309020205020404" pitchFamily="49" charset="0"/>
-              </a:rPr>
-              <a:t>		</a:t>
-            </a:r>
+            <a:endParaRPr lang="de-DE" sz="2400" dirty="0">
+              <a:latin typeface="Courier New" panose="02070309020205020404" pitchFamily="49" charset="0"/>
+              <a:cs typeface="Courier New" panose="02070309020205020404" pitchFamily="49" charset="0"/>
+            </a:endParaRPr>
           </a:p>
         </p:txBody>
       </p:sp>

--- a/sample/kubernetes/Bring your own device - Teil 1.pptx
+++ b/sample/kubernetes/Bring your own device - Teil 1.pptx
@@ -5,7 +5,7 @@
     <p:sldMasterId id="2147483648" r:id="rId1"/>
   </p:sldMasterIdLst>
   <p:notesMasterIdLst>
-    <p:notesMasterId r:id="rId20"/>
+    <p:notesMasterId r:id="rId26"/>
   </p:notesMasterIdLst>
   <p:sldIdLst>
     <p:sldId id="256" r:id="rId2"/>
@@ -15,17 +15,23 @@
     <p:sldId id="259" r:id="rId6"/>
     <p:sldId id="271" r:id="rId7"/>
     <p:sldId id="260" r:id="rId8"/>
-    <p:sldId id="278" r:id="rId9"/>
-    <p:sldId id="265" r:id="rId10"/>
-    <p:sldId id="266" r:id="rId11"/>
-    <p:sldId id="272" r:id="rId12"/>
-    <p:sldId id="267" r:id="rId13"/>
-    <p:sldId id="268" r:id="rId14"/>
-    <p:sldId id="269" r:id="rId15"/>
-    <p:sldId id="274" r:id="rId16"/>
-    <p:sldId id="270" r:id="rId17"/>
-    <p:sldId id="273" r:id="rId18"/>
-    <p:sldId id="277" r:id="rId19"/>
+    <p:sldId id="280" r:id="rId9"/>
+    <p:sldId id="278" r:id="rId10"/>
+    <p:sldId id="284" r:id="rId11"/>
+    <p:sldId id="265" r:id="rId12"/>
+    <p:sldId id="281" r:id="rId13"/>
+    <p:sldId id="285" r:id="rId14"/>
+    <p:sldId id="282" r:id="rId15"/>
+    <p:sldId id="283" r:id="rId16"/>
+    <p:sldId id="272" r:id="rId17"/>
+    <p:sldId id="267" r:id="rId18"/>
+    <p:sldId id="268" r:id="rId19"/>
+    <p:sldId id="286" r:id="rId20"/>
+    <p:sldId id="269" r:id="rId21"/>
+    <p:sldId id="274" r:id="rId22"/>
+    <p:sldId id="270" r:id="rId23"/>
+    <p:sldId id="273" r:id="rId24"/>
+    <p:sldId id="277" r:id="rId25"/>
   </p:sldIdLst>
   <p:sldSz cx="12192000" cy="6858000"/>
   <p:notesSz cx="6858000" cy="9144000"/>
@@ -214,7 +220,7 @@
           <a:p>
             <a:fld id="{5CCD219F-F703-C14B-A05B-DA5DAB0DC4D2}" type="datetimeFigureOut">
               <a:rPr lang="de-DE" smtClean="0"/>
-              <a:t>05.03.23</a:t>
+              <a:t>19.03.23</a:t>
             </a:fld>
             <a:endParaRPr lang="de-DE"/>
           </a:p>
@@ -714,7 +720,7 @@
           <a:p>
             <a:fld id="{430D2433-C2A2-F54F-B5A8-3B6039D09A1B}" type="slidenum">
               <a:rPr lang="de-DE" smtClean="0"/>
-              <a:t>8</a:t>
+              <a:t>9</a:t>
             </a:fld>
             <a:endParaRPr lang="de-DE"/>
           </a:p>
@@ -724,6 +730,90 @@
     <p:extLst>
       <p:ext uri="{BB962C8B-B14F-4D97-AF65-F5344CB8AC3E}">
         <p14:creationId xmlns:p14="http://schemas.microsoft.com/office/powerpoint/2010/main" val="4171361410"/>
+      </p:ext>
+    </p:extLst>
+  </p:cSld>
+  <p:clrMapOvr>
+    <a:masterClrMapping/>
+  </p:clrMapOvr>
+</p:notes>
+</file>
+
+<file path=ppt/notesSlides/notesSlide4.xml><?xml version="1.0" encoding="utf-8"?>
+<p:notes xmlns:a="http://schemas.openxmlformats.org/drawingml/2006/main" xmlns:r="http://schemas.openxmlformats.org/officeDocument/2006/relationships" xmlns:p="http://schemas.openxmlformats.org/presentationml/2006/main">
+  <p:cSld>
+    <p:spTree>
+      <p:nvGrpSpPr>
+        <p:cNvPr id="1" name=""/>
+        <p:cNvGrpSpPr/>
+        <p:nvPr/>
+      </p:nvGrpSpPr>
+      <p:grpSpPr>
+        <a:xfrm>
+          <a:off x="0" y="0"/>
+          <a:ext cx="0" cy="0"/>
+          <a:chOff x="0" y="0"/>
+          <a:chExt cx="0" cy="0"/>
+        </a:xfrm>
+      </p:grpSpPr>
+      <p:sp>
+        <p:nvSpPr>
+          <p:cNvPr id="2" name="Folienbildplatzhalter 1"/>
+          <p:cNvSpPr>
+            <a:spLocks noGrp="1" noRot="1" noChangeAspect="1"/>
+          </p:cNvSpPr>
+          <p:nvPr>
+            <p:ph type="sldImg"/>
+          </p:nvPr>
+        </p:nvSpPr>
+        <p:spPr/>
+      </p:sp>
+      <p:sp>
+        <p:nvSpPr>
+          <p:cNvPr id="3" name="Notizenplatzhalter 2"/>
+          <p:cNvSpPr>
+            <a:spLocks noGrp="1"/>
+          </p:cNvSpPr>
+          <p:nvPr>
+            <p:ph type="body" idx="1"/>
+          </p:nvPr>
+        </p:nvSpPr>
+        <p:spPr/>
+        <p:txBody>
+          <a:bodyPr/>
+          <a:lstStyle/>
+          <a:p>
+            <a:endParaRPr lang="de-DE" dirty="0"/>
+          </a:p>
+        </p:txBody>
+      </p:sp>
+      <p:sp>
+        <p:nvSpPr>
+          <p:cNvPr id="4" name="Foliennummernplatzhalter 3"/>
+          <p:cNvSpPr>
+            <a:spLocks noGrp="1"/>
+          </p:cNvSpPr>
+          <p:nvPr>
+            <p:ph type="sldNum" sz="quarter" idx="5"/>
+          </p:nvPr>
+        </p:nvSpPr>
+        <p:spPr/>
+        <p:txBody>
+          <a:bodyPr/>
+          <a:lstStyle/>
+          <a:p>
+            <a:fld id="{430D2433-C2A2-F54F-B5A8-3B6039D09A1B}" type="slidenum">
+              <a:rPr lang="de-DE" smtClean="0"/>
+              <a:t>10</a:t>
+            </a:fld>
+            <a:endParaRPr lang="de-DE"/>
+          </a:p>
+        </p:txBody>
+      </p:sp>
+    </p:spTree>
+    <p:extLst>
+      <p:ext uri="{BB962C8B-B14F-4D97-AF65-F5344CB8AC3E}">
+        <p14:creationId xmlns:p14="http://schemas.microsoft.com/office/powerpoint/2010/main" val="3311304083"/>
       </p:ext>
     </p:extLst>
   </p:cSld>
@@ -880,7 +970,7 @@
           <a:p>
             <a:fld id="{6B40B35D-B481-DF4E-B1B0-2B6288A3F72B}" type="datetimeFigureOut">
               <a:rPr lang="de-DE" smtClean="0"/>
-              <a:t>05.03.23</a:t>
+              <a:t>19.03.23</a:t>
             </a:fld>
             <a:endParaRPr lang="de-DE"/>
           </a:p>
@@ -1078,7 +1168,7 @@
           <a:p>
             <a:fld id="{6B40B35D-B481-DF4E-B1B0-2B6288A3F72B}" type="datetimeFigureOut">
               <a:rPr lang="de-DE" smtClean="0"/>
-              <a:t>05.03.23</a:t>
+              <a:t>19.03.23</a:t>
             </a:fld>
             <a:endParaRPr lang="de-DE"/>
           </a:p>
@@ -1286,7 +1376,7 @@
           <a:p>
             <a:fld id="{6B40B35D-B481-DF4E-B1B0-2B6288A3F72B}" type="datetimeFigureOut">
               <a:rPr lang="de-DE" smtClean="0"/>
-              <a:t>05.03.23</a:t>
+              <a:t>19.03.23</a:t>
             </a:fld>
             <a:endParaRPr lang="de-DE"/>
           </a:p>
@@ -1484,7 +1574,7 @@
           <a:p>
             <a:fld id="{6B40B35D-B481-DF4E-B1B0-2B6288A3F72B}" type="datetimeFigureOut">
               <a:rPr lang="de-DE" smtClean="0"/>
-              <a:t>05.03.23</a:t>
+              <a:t>19.03.23</a:t>
             </a:fld>
             <a:endParaRPr lang="de-DE"/>
           </a:p>
@@ -1759,7 +1849,7 @@
           <a:p>
             <a:fld id="{6B40B35D-B481-DF4E-B1B0-2B6288A3F72B}" type="datetimeFigureOut">
               <a:rPr lang="de-DE" smtClean="0"/>
-              <a:t>05.03.23</a:t>
+              <a:t>19.03.23</a:t>
             </a:fld>
             <a:endParaRPr lang="de-DE"/>
           </a:p>
@@ -2024,7 +2114,7 @@
           <a:p>
             <a:fld id="{6B40B35D-B481-DF4E-B1B0-2B6288A3F72B}" type="datetimeFigureOut">
               <a:rPr lang="de-DE" smtClean="0"/>
-              <a:t>05.03.23</a:t>
+              <a:t>19.03.23</a:t>
             </a:fld>
             <a:endParaRPr lang="de-DE"/>
           </a:p>
@@ -2436,7 +2526,7 @@
           <a:p>
             <a:fld id="{6B40B35D-B481-DF4E-B1B0-2B6288A3F72B}" type="datetimeFigureOut">
               <a:rPr lang="de-DE" smtClean="0"/>
-              <a:t>05.03.23</a:t>
+              <a:t>19.03.23</a:t>
             </a:fld>
             <a:endParaRPr lang="de-DE"/>
           </a:p>
@@ -2577,7 +2667,7 @@
           <a:p>
             <a:fld id="{6B40B35D-B481-DF4E-B1B0-2B6288A3F72B}" type="datetimeFigureOut">
               <a:rPr lang="de-DE" smtClean="0"/>
-              <a:t>05.03.23</a:t>
+              <a:t>19.03.23</a:t>
             </a:fld>
             <a:endParaRPr lang="de-DE"/>
           </a:p>
@@ -2690,7 +2780,7 @@
           <a:p>
             <a:fld id="{6B40B35D-B481-DF4E-B1B0-2B6288A3F72B}" type="datetimeFigureOut">
               <a:rPr lang="de-DE" smtClean="0"/>
-              <a:t>05.03.23</a:t>
+              <a:t>19.03.23</a:t>
             </a:fld>
             <a:endParaRPr lang="de-DE"/>
           </a:p>
@@ -3001,7 +3091,7 @@
           <a:p>
             <a:fld id="{6B40B35D-B481-DF4E-B1B0-2B6288A3F72B}" type="datetimeFigureOut">
               <a:rPr lang="de-DE" smtClean="0"/>
-              <a:t>05.03.23</a:t>
+              <a:t>19.03.23</a:t>
             </a:fld>
             <a:endParaRPr lang="de-DE"/>
           </a:p>
@@ -3289,7 +3379,7 @@
           <a:p>
             <a:fld id="{6B40B35D-B481-DF4E-B1B0-2B6288A3F72B}" type="datetimeFigureOut">
               <a:rPr lang="de-DE" smtClean="0"/>
-              <a:t>05.03.23</a:t>
+              <a:t>19.03.23</a:t>
             </a:fld>
             <a:endParaRPr lang="de-DE"/>
           </a:p>
@@ -3530,7 +3620,7 @@
           <a:p>
             <a:fld id="{6B40B35D-B481-DF4E-B1B0-2B6288A3F72B}" type="datetimeFigureOut">
               <a:rPr lang="de-DE" smtClean="0"/>
-              <a:t>05.03.23</a:t>
+              <a:t>19.03.23</a:t>
             </a:fld>
             <a:endParaRPr lang="de-DE"/>
           </a:p>
@@ -4083,7 +4173,7 @@
           <p:cNvPr id="2" name="Titel 1">
             <a:extLst>
               <a:ext uri="{FF2B5EF4-FFF2-40B4-BE49-F238E27FC236}">
-                <a16:creationId xmlns:a16="http://schemas.microsoft.com/office/drawing/2014/main" id="{54472761-F6BA-A4DF-6E97-094AE60B729E}"/>
+                <a16:creationId xmlns:a16="http://schemas.microsoft.com/office/drawing/2014/main" id="{97B81511-FD40-5DFB-A11C-439D47FC7E4E}"/>
               </a:ext>
             </a:extLst>
           </p:cNvPr>
@@ -4119,7 +4209,7 @@
           <p:cNvPr id="3" name="Inhaltsplatzhalter 2">
             <a:extLst>
               <a:ext uri="{FF2B5EF4-FFF2-40B4-BE49-F238E27FC236}">
-                <a16:creationId xmlns:a16="http://schemas.microsoft.com/office/drawing/2014/main" id="{A6C84D30-D395-411D-5201-F8BC8F103909}"/>
+                <a16:creationId xmlns:a16="http://schemas.microsoft.com/office/drawing/2014/main" id="{D60DEAA2-318F-E89B-9305-4E4F17176745}"/>
               </a:ext>
             </a:extLst>
           </p:cNvPr>
@@ -4138,45 +4228,76 @@
           <a:lstStyle/>
           <a:p>
             <a:r>
-              <a:rPr lang="de-DE" dirty="0" err="1"/>
-              <a:t>Kubernetes</a:t>
-            </a:r>
-            <a:r>
-              <a:rPr lang="de-DE" dirty="0"/>
-              <a:t> installieren (2):</a:t>
-            </a:r>
-          </a:p>
-          <a:p>
-            <a:pPr marL="0" indent="0">
+              <a:rPr lang="de-DE" dirty="0"/>
+              <a:t>IP-Adresse in Hosts-Datei eintragen - Prüfen</a:t>
+            </a:r>
+          </a:p>
+          <a:p>
+            <a:pPr marL="457200" lvl="1" indent="0">
               <a:buNone/>
             </a:pPr>
             <a:r>
+              <a:rPr lang="de-DE" sz="2400" dirty="0" err="1">
+                <a:latin typeface="Courier New" panose="02070309020205020404" pitchFamily="49" charset="0"/>
+                <a:cs typeface="Courier New" panose="02070309020205020404" pitchFamily="49" charset="0"/>
+              </a:rPr>
+              <a:t>cat</a:t>
+            </a:r>
+            <a:r>
               <a:rPr lang="de-DE" sz="2400" dirty="0">
                 <a:latin typeface="Courier New" panose="02070309020205020404" pitchFamily="49" charset="0"/>
                 <a:cs typeface="Courier New" panose="02070309020205020404" pitchFamily="49" charset="0"/>
               </a:rPr>
-              <a:t>	multipass </a:t>
+              <a:t> /</a:t>
             </a:r>
             <a:r>
               <a:rPr lang="de-DE" sz="2400" dirty="0" err="1">
                 <a:latin typeface="Courier New" panose="02070309020205020404" pitchFamily="49" charset="0"/>
                 <a:cs typeface="Courier New" panose="02070309020205020404" pitchFamily="49" charset="0"/>
               </a:rPr>
-              <a:t>shell</a:t>
+              <a:t>etc</a:t>
             </a:r>
             <a:r>
               <a:rPr lang="de-DE" sz="2400" dirty="0">
                 <a:latin typeface="Courier New" panose="02070309020205020404" pitchFamily="49" charset="0"/>
                 <a:cs typeface="Courier New" panose="02070309020205020404" pitchFamily="49" charset="0"/>
               </a:rPr>
-              <a:t> </a:t>
+              <a:t>/</a:t>
             </a:r>
             <a:r>
               <a:rPr lang="de-DE" sz="2400" dirty="0" err="1">
                 <a:latin typeface="Courier New" panose="02070309020205020404" pitchFamily="49" charset="0"/>
                 <a:cs typeface="Courier New" panose="02070309020205020404" pitchFamily="49" charset="0"/>
               </a:rPr>
-              <a:t>master</a:t>
+              <a:t>cloud</a:t>
+            </a:r>
+            <a:r>
+              <a:rPr lang="de-DE" sz="2400" dirty="0">
+                <a:latin typeface="Courier New" panose="02070309020205020404" pitchFamily="49" charset="0"/>
+                <a:cs typeface="Courier New" panose="02070309020205020404" pitchFamily="49" charset="0"/>
+              </a:rPr>
+              <a:t>/</a:t>
+            </a:r>
+            <a:r>
+              <a:rPr lang="de-DE" sz="2400" dirty="0" err="1">
+                <a:latin typeface="Courier New" panose="02070309020205020404" pitchFamily="49" charset="0"/>
+                <a:cs typeface="Courier New" panose="02070309020205020404" pitchFamily="49" charset="0"/>
+              </a:rPr>
+              <a:t>templates</a:t>
+            </a:r>
+            <a:r>
+              <a:rPr lang="de-DE" sz="2400" dirty="0">
+                <a:latin typeface="Courier New" panose="02070309020205020404" pitchFamily="49" charset="0"/>
+                <a:cs typeface="Courier New" panose="02070309020205020404" pitchFamily="49" charset="0"/>
+              </a:rPr>
+              <a:t>/</a:t>
+            </a:r>
+            <a:r>
+              <a:rPr lang="de-DE" sz="2400" dirty="0" err="1">
+                <a:latin typeface="Courier New" panose="02070309020205020404" pitchFamily="49" charset="0"/>
+                <a:cs typeface="Courier New" panose="02070309020205020404" pitchFamily="49" charset="0"/>
+              </a:rPr>
+              <a:t>hosts.debian.tmpl</a:t>
             </a:r>
             <a:endParaRPr lang="de-DE" sz="2400" dirty="0">
               <a:latin typeface="Courier New" panose="02070309020205020404" pitchFamily="49" charset="0"/>
@@ -4187,62 +4308,6 @@
             <a:pPr marL="0" indent="0">
               <a:buNone/>
             </a:pPr>
-            <a:r>
-              <a:rPr lang="de-DE" sz="2400" dirty="0">
-                <a:latin typeface="Courier New" panose="02070309020205020404" pitchFamily="49" charset="0"/>
-                <a:cs typeface="Courier New" panose="02070309020205020404" pitchFamily="49" charset="0"/>
-              </a:rPr>
-              <a:t>	microk8s </a:t>
-            </a:r>
-            <a:r>
-              <a:rPr lang="de-DE" sz="2400" dirty="0" err="1">
-                <a:latin typeface="Courier New" panose="02070309020205020404" pitchFamily="49" charset="0"/>
-                <a:cs typeface="Courier New" panose="02070309020205020404" pitchFamily="49" charset="0"/>
-              </a:rPr>
-              <a:t>enable</a:t>
-            </a:r>
-            <a:r>
-              <a:rPr lang="de-DE" sz="2400" dirty="0">
-                <a:latin typeface="Courier New" panose="02070309020205020404" pitchFamily="49" charset="0"/>
-                <a:cs typeface="Courier New" panose="02070309020205020404" pitchFamily="49" charset="0"/>
-              </a:rPr>
-              <a:t> </a:t>
-            </a:r>
-            <a:r>
-              <a:rPr lang="de-DE" sz="2400" dirty="0" err="1">
-                <a:latin typeface="Courier New" panose="02070309020205020404" pitchFamily="49" charset="0"/>
-                <a:cs typeface="Courier New" panose="02070309020205020404" pitchFamily="49" charset="0"/>
-              </a:rPr>
-              <a:t>dns</a:t>
-            </a:r>
-            <a:r>
-              <a:rPr lang="de-DE" sz="2400" dirty="0">
-                <a:latin typeface="Courier New" panose="02070309020205020404" pitchFamily="49" charset="0"/>
-                <a:cs typeface="Courier New" panose="02070309020205020404" pitchFamily="49" charset="0"/>
-              </a:rPr>
-              <a:t> </a:t>
-            </a:r>
-            <a:r>
-              <a:rPr lang="de-DE" sz="2400" dirty="0" err="1">
-                <a:latin typeface="Courier New" panose="02070309020205020404" pitchFamily="49" charset="0"/>
-                <a:cs typeface="Courier New" panose="02070309020205020404" pitchFamily="49" charset="0"/>
-              </a:rPr>
-              <a:t>dashboard</a:t>
-            </a:r>
-            <a:r>
-              <a:rPr lang="de-DE" sz="2400" dirty="0">
-                <a:latin typeface="Courier New" panose="02070309020205020404" pitchFamily="49" charset="0"/>
-                <a:cs typeface="Courier New" panose="02070309020205020404" pitchFamily="49" charset="0"/>
-              </a:rPr>
-              <a:t> </a:t>
-            </a:r>
-            <a:r>
-              <a:rPr lang="de-DE" sz="2400" dirty="0" err="1">
-                <a:latin typeface="Courier New" panose="02070309020205020404" pitchFamily="49" charset="0"/>
-                <a:cs typeface="Courier New" panose="02070309020205020404" pitchFamily="49" charset="0"/>
-              </a:rPr>
-              <a:t>ingress</a:t>
-            </a:r>
             <a:endParaRPr lang="de-DE" sz="2400" dirty="0">
               <a:latin typeface="Courier New" panose="02070309020205020404" pitchFamily="49" charset="0"/>
               <a:cs typeface="Courier New" panose="02070309020205020404" pitchFamily="49" charset="0"/>
@@ -4252,55 +4317,161 @@
             <a:pPr marL="0" indent="0">
               <a:buNone/>
             </a:pPr>
-            <a:r>
-              <a:rPr lang="de-DE" sz="2400" dirty="0">
-                <a:latin typeface="Courier New" panose="02070309020205020404" pitchFamily="49" charset="0"/>
-                <a:cs typeface="Courier New" panose="02070309020205020404" pitchFamily="49" charset="0"/>
-              </a:rPr>
-              <a:t>	microk8s </a:t>
-            </a:r>
-            <a:r>
-              <a:rPr lang="de-DE" sz="2400" dirty="0" err="1">
-                <a:latin typeface="Courier New" panose="02070309020205020404" pitchFamily="49" charset="0"/>
-                <a:cs typeface="Courier New" panose="02070309020205020404" pitchFamily="49" charset="0"/>
-              </a:rPr>
-              <a:t>dashboard</a:t>
-            </a:r>
-            <a:r>
-              <a:rPr lang="de-DE" sz="2400" dirty="0">
-                <a:latin typeface="Courier New" panose="02070309020205020404" pitchFamily="49" charset="0"/>
-                <a:cs typeface="Courier New" panose="02070309020205020404" pitchFamily="49" charset="0"/>
-              </a:rPr>
-              <a:t>-proxy</a:t>
-            </a:r>
-          </a:p>
-          <a:p>
-            <a:pPr lvl="1"/>
-            <a:r>
-              <a:rPr lang="de-DE" dirty="0">
-                <a:cs typeface="Courier New" panose="02070309020205020404" pitchFamily="49" charset="0"/>
-              </a:rPr>
-              <a:t>Bitte warten, das kann ein paar Minuten dauern!</a:t>
-            </a:r>
-          </a:p>
-          <a:p>
-            <a:pPr marL="0" indent="0">
-              <a:buNone/>
-            </a:pPr>
-            <a:r>
-              <a:rPr lang="de-DE" dirty="0">
-                <a:latin typeface="Courier New" panose="02070309020205020404" pitchFamily="49" charset="0"/>
-                <a:cs typeface="Courier New" panose="02070309020205020404" pitchFamily="49" charset="0"/>
-              </a:rPr>
-              <a:t>	</a:t>
-            </a:r>
-          </a:p>
-        </p:txBody>
-      </p:sp>
+            <a:endParaRPr lang="de-DE" sz="2400" dirty="0">
+              <a:latin typeface="Courier New" panose="02070309020205020404" pitchFamily="49" charset="0"/>
+              <a:cs typeface="Courier New" panose="02070309020205020404" pitchFamily="49" charset="0"/>
+            </a:endParaRPr>
+          </a:p>
+        </p:txBody>
+      </p:sp>
+      <p:grpSp>
+        <p:nvGrpSpPr>
+          <p:cNvPr id="5" name="Gruppieren 4">
+            <a:extLst>
+              <a:ext uri="{FF2B5EF4-FFF2-40B4-BE49-F238E27FC236}">
+                <a16:creationId xmlns:a16="http://schemas.microsoft.com/office/drawing/2014/main" id="{CDB8AD59-C805-BA14-F36D-0A40674460D3}"/>
+              </a:ext>
+            </a:extLst>
+          </p:cNvPr>
+          <p:cNvGrpSpPr/>
+          <p:nvPr/>
+        </p:nvGrpSpPr>
+        <p:grpSpPr>
+          <a:xfrm>
+            <a:off x="2746513" y="2855780"/>
+            <a:ext cx="6158948" cy="3753742"/>
+            <a:chOff x="6095999" y="3312428"/>
+            <a:chExt cx="5797000" cy="3456120"/>
+          </a:xfrm>
+        </p:grpSpPr>
+        <p:pic>
+          <p:nvPicPr>
+            <p:cNvPr id="4" name="Grafik 3">
+              <a:extLst>
+                <a:ext uri="{FF2B5EF4-FFF2-40B4-BE49-F238E27FC236}">
+                  <a16:creationId xmlns:a16="http://schemas.microsoft.com/office/drawing/2014/main" id="{9FE6EA54-B469-A634-F4A1-A88A905A3AAF}"/>
+                </a:ext>
+              </a:extLst>
+            </p:cNvPr>
+            <p:cNvPicPr>
+              <a:picLocks noChangeAspect="1"/>
+            </p:cNvPicPr>
+            <p:nvPr/>
+          </p:nvPicPr>
+          <p:blipFill>
+            <a:blip r:embed="rId3"/>
+            <a:stretch>
+              <a:fillRect/>
+            </a:stretch>
+          </p:blipFill>
+          <p:spPr>
+            <a:xfrm>
+              <a:off x="6274905" y="3312428"/>
+              <a:ext cx="5618094" cy="3368875"/>
+            </a:xfrm>
+            <a:prstGeom prst="rect">
+              <a:avLst/>
+            </a:prstGeom>
+          </p:spPr>
+        </p:pic>
+        <p:cxnSp>
+          <p:nvCxnSpPr>
+            <p:cNvPr id="8" name="Gerade Verbindung 7">
+              <a:extLst>
+                <a:ext uri="{FF2B5EF4-FFF2-40B4-BE49-F238E27FC236}">
+                  <a16:creationId xmlns:a16="http://schemas.microsoft.com/office/drawing/2014/main" id="{E63C2712-82E1-129E-83EF-33F78DDA1E16}"/>
+                </a:ext>
+              </a:extLst>
+            </p:cNvPr>
+            <p:cNvCxnSpPr/>
+            <p:nvPr/>
+          </p:nvCxnSpPr>
+          <p:spPr>
+            <a:xfrm>
+              <a:off x="6274905" y="5476461"/>
+              <a:ext cx="2213112" cy="0"/>
+            </a:xfrm>
+            <a:prstGeom prst="line">
+              <a:avLst/>
+            </a:prstGeom>
+            <a:ln w="38100">
+              <a:solidFill>
+                <a:srgbClr val="FF0000"/>
+              </a:solidFill>
+            </a:ln>
+          </p:spPr>
+          <p:style>
+            <a:lnRef idx="1">
+              <a:schemeClr val="accent1"/>
+            </a:lnRef>
+            <a:fillRef idx="0">
+              <a:schemeClr val="accent1"/>
+            </a:fillRef>
+            <a:effectRef idx="0">
+              <a:schemeClr val="accent1"/>
+            </a:effectRef>
+            <a:fontRef idx="minor">
+              <a:schemeClr val="tx1"/>
+            </a:fontRef>
+          </p:style>
+        </p:cxnSp>
+        <p:sp>
+          <p:nvSpPr>
+            <p:cNvPr id="9" name="Oval 8">
+              <a:extLst>
+                <a:ext uri="{FF2B5EF4-FFF2-40B4-BE49-F238E27FC236}">
+                  <a16:creationId xmlns:a16="http://schemas.microsoft.com/office/drawing/2014/main" id="{49204773-070E-8DCA-D228-A0388B250054}"/>
+                </a:ext>
+              </a:extLst>
+            </p:cNvPr>
+            <p:cNvSpPr/>
+            <p:nvPr/>
+          </p:nvSpPr>
+          <p:spPr>
+            <a:xfrm>
+              <a:off x="6095999" y="6390862"/>
+              <a:ext cx="2004391" cy="377686"/>
+            </a:xfrm>
+            <a:prstGeom prst="ellipse">
+              <a:avLst/>
+            </a:prstGeom>
+            <a:noFill/>
+            <a:ln w="38100">
+              <a:solidFill>
+                <a:srgbClr val="FF0000"/>
+              </a:solidFill>
+            </a:ln>
+          </p:spPr>
+          <p:style>
+            <a:lnRef idx="2">
+              <a:schemeClr val="accent1">
+                <a:shade val="50000"/>
+              </a:schemeClr>
+            </a:lnRef>
+            <a:fillRef idx="1">
+              <a:schemeClr val="accent1"/>
+            </a:fillRef>
+            <a:effectRef idx="0">
+              <a:schemeClr val="accent1"/>
+            </a:effectRef>
+            <a:fontRef idx="minor">
+              <a:schemeClr val="lt1"/>
+            </a:fontRef>
+          </p:style>
+          <p:txBody>
+            <a:bodyPr rtlCol="0" anchor="ctr"/>
+            <a:lstStyle/>
+            <a:p>
+              <a:pPr algn="ctr"/>
+              <a:endParaRPr lang="de-DE"/>
+            </a:p>
+          </p:txBody>
+        </p:sp>
+      </p:grpSp>
     </p:spTree>
     <p:extLst>
       <p:ext uri="{BB962C8B-B14F-4D97-AF65-F5344CB8AC3E}">
-        <p14:creationId xmlns:p14="http://schemas.microsoft.com/office/powerpoint/2010/main" val="614538028"/>
+        <p14:creationId xmlns:p14="http://schemas.microsoft.com/office/powerpoint/2010/main" val="1180762902"/>
       </p:ext>
     </p:extLst>
   </p:cSld>
@@ -4387,112 +4558,193 @@
           <a:lstStyle/>
           <a:p>
             <a:r>
+              <a:rPr lang="de-DE" dirty="0" err="1"/>
+              <a:t>Kubernetes</a:t>
+            </a:r>
+            <a:r>
+              <a:rPr lang="de-DE" dirty="0"/>
+              <a:t> installieren (1): Softwarepaket </a:t>
+            </a:r>
+            <a:r>
+              <a:rPr lang="de-DE" dirty="0" err="1"/>
+              <a:t>instalieren</a:t>
+            </a:r>
+            <a:endParaRPr lang="de-DE" dirty="0"/>
+          </a:p>
+          <a:p>
+            <a:pPr marL="0" indent="0">
+              <a:buNone/>
+            </a:pPr>
+            <a:r>
+              <a:rPr lang="de-DE" sz="2400" dirty="0">
+                <a:latin typeface="Courier New" panose="02070309020205020404" pitchFamily="49" charset="0"/>
+                <a:cs typeface="Courier New" panose="02070309020205020404" pitchFamily="49" charset="0"/>
+              </a:rPr>
+              <a:t>  </a:t>
+            </a:r>
+            <a:r>
+              <a:rPr lang="de-DE" sz="2400" dirty="0" err="1">
+                <a:latin typeface="Courier New" panose="02070309020205020404" pitchFamily="49" charset="0"/>
+                <a:cs typeface="Courier New" panose="02070309020205020404" pitchFamily="49" charset="0"/>
+              </a:rPr>
+              <a:t>sudo</a:t>
+            </a:r>
+            <a:r>
+              <a:rPr lang="de-DE" sz="2400" dirty="0">
+                <a:latin typeface="Courier New" panose="02070309020205020404" pitchFamily="49" charset="0"/>
+                <a:cs typeface="Courier New" panose="02070309020205020404" pitchFamily="49" charset="0"/>
+              </a:rPr>
+              <a:t> </a:t>
+            </a:r>
+            <a:r>
+              <a:rPr lang="de-DE" sz="2400" dirty="0" err="1">
+                <a:latin typeface="Courier New" panose="02070309020205020404" pitchFamily="49" charset="0"/>
+                <a:cs typeface="Courier New" panose="02070309020205020404" pitchFamily="49" charset="0"/>
+              </a:rPr>
+              <a:t>snap</a:t>
+            </a:r>
+            <a:r>
+              <a:rPr lang="de-DE" sz="2400" dirty="0">
+                <a:latin typeface="Courier New" panose="02070309020205020404" pitchFamily="49" charset="0"/>
+                <a:cs typeface="Courier New" panose="02070309020205020404" pitchFamily="49" charset="0"/>
+              </a:rPr>
+              <a:t> </a:t>
+            </a:r>
+            <a:r>
+              <a:rPr lang="de-DE" sz="2400" dirty="0" err="1">
+                <a:latin typeface="Courier New" panose="02070309020205020404" pitchFamily="49" charset="0"/>
+                <a:cs typeface="Courier New" panose="02070309020205020404" pitchFamily="49" charset="0"/>
+              </a:rPr>
+              <a:t>install</a:t>
+            </a:r>
+            <a:r>
+              <a:rPr lang="de-DE" sz="2400" dirty="0">
+                <a:latin typeface="Courier New" panose="02070309020205020404" pitchFamily="49" charset="0"/>
+                <a:cs typeface="Courier New" panose="02070309020205020404" pitchFamily="49" charset="0"/>
+              </a:rPr>
+              <a:t> microk8s --classic</a:t>
+            </a:r>
+          </a:p>
+          <a:p>
+            <a:pPr marL="0" indent="0">
+              <a:buNone/>
+            </a:pPr>
+            <a:r>
+              <a:rPr lang="de-DE" sz="2400" dirty="0">
+                <a:latin typeface="Courier New" panose="02070309020205020404" pitchFamily="49" charset="0"/>
+                <a:cs typeface="Courier New" panose="02070309020205020404" pitchFamily="49" charset="0"/>
+              </a:rPr>
+              <a:t>  </a:t>
+            </a:r>
+            <a:r>
+              <a:rPr lang="de-DE" sz="2400" dirty="0" err="1">
+                <a:latin typeface="Courier New" panose="02070309020205020404" pitchFamily="49" charset="0"/>
+                <a:cs typeface="Courier New" panose="02070309020205020404" pitchFamily="49" charset="0"/>
+              </a:rPr>
+              <a:t>sudo</a:t>
+            </a:r>
+            <a:r>
+              <a:rPr lang="de-DE" sz="2400" dirty="0">
+                <a:latin typeface="Courier New" panose="02070309020205020404" pitchFamily="49" charset="0"/>
+                <a:cs typeface="Courier New" panose="02070309020205020404" pitchFamily="49" charset="0"/>
+              </a:rPr>
+              <a:t> </a:t>
+            </a:r>
+            <a:r>
+              <a:rPr lang="de-DE" sz="2400" dirty="0" err="1">
+                <a:latin typeface="Courier New" panose="02070309020205020404" pitchFamily="49" charset="0"/>
+                <a:cs typeface="Courier New" panose="02070309020205020404" pitchFamily="49" charset="0"/>
+              </a:rPr>
+              <a:t>usermod</a:t>
+            </a:r>
+            <a:r>
+              <a:rPr lang="de-DE" sz="2400" dirty="0">
+                <a:latin typeface="Courier New" panose="02070309020205020404" pitchFamily="49" charset="0"/>
+                <a:cs typeface="Courier New" panose="02070309020205020404" pitchFamily="49" charset="0"/>
+              </a:rPr>
+              <a:t> -a -G microk8s $USER</a:t>
+            </a:r>
+          </a:p>
+          <a:p>
+            <a:pPr marL="0" indent="0">
+              <a:buNone/>
+            </a:pPr>
+            <a:r>
+              <a:rPr lang="de-DE" sz="2400" dirty="0">
+                <a:latin typeface="Courier New" panose="02070309020205020404" pitchFamily="49" charset="0"/>
+                <a:cs typeface="Courier New" panose="02070309020205020404" pitchFamily="49" charset="0"/>
+              </a:rPr>
+              <a:t>  </a:t>
+            </a:r>
+            <a:r>
+              <a:rPr lang="de-DE" sz="2400" dirty="0" err="1">
+                <a:latin typeface="Courier New" panose="02070309020205020404" pitchFamily="49" charset="0"/>
+                <a:cs typeface="Courier New" panose="02070309020205020404" pitchFamily="49" charset="0"/>
+              </a:rPr>
+              <a:t>sudo</a:t>
+            </a:r>
+            <a:r>
+              <a:rPr lang="de-DE" sz="2400" dirty="0">
+                <a:latin typeface="Courier New" panose="02070309020205020404" pitchFamily="49" charset="0"/>
+                <a:cs typeface="Courier New" panose="02070309020205020404" pitchFamily="49" charset="0"/>
+              </a:rPr>
+              <a:t> </a:t>
+            </a:r>
+            <a:r>
+              <a:rPr lang="de-DE" sz="2400" dirty="0" err="1">
+                <a:latin typeface="Courier New" panose="02070309020205020404" pitchFamily="49" charset="0"/>
+                <a:cs typeface="Courier New" panose="02070309020205020404" pitchFamily="49" charset="0"/>
+              </a:rPr>
+              <a:t>shutdown</a:t>
+            </a:r>
+            <a:r>
+              <a:rPr lang="de-DE" sz="2400" dirty="0">
+                <a:latin typeface="Courier New" panose="02070309020205020404" pitchFamily="49" charset="0"/>
+                <a:cs typeface="Courier New" panose="02070309020205020404" pitchFamily="49" charset="0"/>
+              </a:rPr>
+              <a:t> -</a:t>
+            </a:r>
+            <a:r>
+              <a:rPr lang="de-DE" sz="2400" dirty="0" err="1">
+                <a:latin typeface="Courier New" panose="02070309020205020404" pitchFamily="49" charset="0"/>
+                <a:cs typeface="Courier New" panose="02070309020205020404" pitchFamily="49" charset="0"/>
+              </a:rPr>
+              <a:t>r</a:t>
+            </a:r>
+            <a:r>
+              <a:rPr lang="de-DE" sz="2400" dirty="0">
+                <a:latin typeface="Courier New" panose="02070309020205020404" pitchFamily="49" charset="0"/>
+                <a:cs typeface="Courier New" panose="02070309020205020404" pitchFamily="49" charset="0"/>
+              </a:rPr>
+              <a:t> </a:t>
+            </a:r>
+            <a:r>
+              <a:rPr lang="de-DE" sz="2400" dirty="0" err="1">
+                <a:latin typeface="Courier New" panose="02070309020205020404" pitchFamily="49" charset="0"/>
+                <a:cs typeface="Courier New" panose="02070309020205020404" pitchFamily="49" charset="0"/>
+              </a:rPr>
+              <a:t>now</a:t>
+            </a:r>
+            <a:endParaRPr lang="de-DE" sz="2400" dirty="0">
+              <a:latin typeface="Courier New" panose="02070309020205020404" pitchFamily="49" charset="0"/>
+              <a:cs typeface="Courier New" panose="02070309020205020404" pitchFamily="49" charset="0"/>
+            </a:endParaRPr>
+          </a:p>
+          <a:p>
+            <a:pPr lvl="1"/>
+            <a:r>
               <a:rPr lang="de-DE" dirty="0">
                 <a:cs typeface="Courier New" panose="02070309020205020404" pitchFamily="49" charset="0"/>
               </a:rPr>
-              <a:t>Bitte das Token kopieren!</a:t>
-            </a:r>
-          </a:p>
-          <a:p>
-            <a:pPr marL="0" indent="0">
-              <a:buNone/>
-            </a:pPr>
-            <a:r>
-              <a:rPr lang="de-DE" dirty="0">
-                <a:latin typeface="Courier New" panose="02070309020205020404" pitchFamily="49" charset="0"/>
-                <a:cs typeface="Courier New" panose="02070309020205020404" pitchFamily="49" charset="0"/>
-              </a:rPr>
-              <a:t>	</a:t>
-            </a:r>
-          </a:p>
-        </p:txBody>
-      </p:sp>
-      <p:pic>
-        <p:nvPicPr>
-          <p:cNvPr id="4" name="Grafik 3">
-            <a:extLst>
-              <a:ext uri="{FF2B5EF4-FFF2-40B4-BE49-F238E27FC236}">
-                <a16:creationId xmlns:a16="http://schemas.microsoft.com/office/drawing/2014/main" id="{2D007CEF-3EC6-BDB3-7DE3-A93C924F6D36}"/>
-              </a:ext>
-            </a:extLst>
-          </p:cNvPr>
-          <p:cNvPicPr>
-            <a:picLocks noChangeAspect="1"/>
-          </p:cNvPicPr>
-          <p:nvPr/>
-        </p:nvPicPr>
-        <p:blipFill>
-          <a:blip r:embed="rId2"/>
-          <a:stretch>
-            <a:fillRect/>
-          </a:stretch>
-        </p:blipFill>
-        <p:spPr>
-          <a:xfrm>
-            <a:off x="20587" y="2548572"/>
-            <a:ext cx="12150825" cy="1760855"/>
-          </a:xfrm>
-          <a:prstGeom prst="rect">
-            <a:avLst/>
-          </a:prstGeom>
-        </p:spPr>
-      </p:pic>
-      <p:sp>
-        <p:nvSpPr>
-          <p:cNvPr id="5" name="Oval 4">
-            <a:extLst>
-              <a:ext uri="{FF2B5EF4-FFF2-40B4-BE49-F238E27FC236}">
-                <a16:creationId xmlns:a16="http://schemas.microsoft.com/office/drawing/2014/main" id="{A98F5722-1B8D-908E-9B20-4508E1C8C87C}"/>
-              </a:ext>
-            </a:extLst>
-          </p:cNvPr>
-          <p:cNvSpPr/>
-          <p:nvPr/>
-        </p:nvSpPr>
-        <p:spPr>
-          <a:xfrm>
-            <a:off x="112394" y="3392804"/>
-            <a:ext cx="11967210" cy="1051560"/>
-          </a:xfrm>
-          <a:prstGeom prst="ellipse">
-            <a:avLst/>
-          </a:prstGeom>
-          <a:noFill/>
-          <a:ln w="38100">
-            <a:solidFill>
-              <a:srgbClr val="FF0000"/>
-            </a:solidFill>
-          </a:ln>
-        </p:spPr>
-        <p:style>
-          <a:lnRef idx="2">
-            <a:schemeClr val="accent1">
-              <a:shade val="50000"/>
-            </a:schemeClr>
-          </a:lnRef>
-          <a:fillRef idx="1">
-            <a:schemeClr val="accent1"/>
-          </a:fillRef>
-          <a:effectRef idx="0">
-            <a:schemeClr val="accent1"/>
-          </a:effectRef>
-          <a:fontRef idx="minor">
-            <a:schemeClr val="lt1"/>
-          </a:fontRef>
-        </p:style>
-        <p:txBody>
-          <a:bodyPr rtlCol="0" anchor="ctr"/>
-          <a:lstStyle/>
-          <a:p>
-            <a:pPr algn="ctr"/>
-            <a:endParaRPr lang="de-DE"/>
+              <a:t>Kurz warten: VM startet neu</a:t>
+            </a:r>
           </a:p>
         </p:txBody>
       </p:sp>
     </p:spTree>
     <p:extLst>
       <p:ext uri="{BB962C8B-B14F-4D97-AF65-F5344CB8AC3E}">
-        <p14:creationId xmlns:p14="http://schemas.microsoft.com/office/powerpoint/2010/main" val="1791239617"/>
+        <p14:creationId xmlns:p14="http://schemas.microsoft.com/office/powerpoint/2010/main" val="1270310899"/>
       </p:ext>
     </p:extLst>
   </p:cSld>
@@ -4584,186 +4836,357 @@
             </a:r>
             <a:r>
               <a:rPr lang="de-DE" dirty="0"/>
-              <a:t> installieren (3):</a:t>
-            </a:r>
-            <a:endParaRPr lang="de-DE" dirty="0">
+              <a:t> installieren (2): Registry-Zugriff freigeben</a:t>
+            </a:r>
+          </a:p>
+          <a:p>
+            <a:pPr marL="0" indent="0">
+              <a:buNone/>
+            </a:pPr>
+            <a:r>
+              <a:rPr lang="de-DE" sz="1600" dirty="0">
+                <a:latin typeface="Courier New" panose="02070309020205020404" pitchFamily="49" charset="0"/>
+                <a:cs typeface="Courier New" panose="02070309020205020404" pitchFamily="49" charset="0"/>
+              </a:rPr>
+              <a:t>multipass </a:t>
+            </a:r>
+            <a:r>
+              <a:rPr lang="de-DE" sz="1600" dirty="0" err="1">
+                <a:latin typeface="Courier New" panose="02070309020205020404" pitchFamily="49" charset="0"/>
+                <a:cs typeface="Courier New" panose="02070309020205020404" pitchFamily="49" charset="0"/>
+              </a:rPr>
+              <a:t>shell</a:t>
+            </a:r>
+            <a:r>
+              <a:rPr lang="de-DE" sz="1600" dirty="0">
+                <a:latin typeface="Courier New" panose="02070309020205020404" pitchFamily="49" charset="0"/>
+                <a:cs typeface="Courier New" panose="02070309020205020404" pitchFamily="49" charset="0"/>
+              </a:rPr>
+              <a:t> </a:t>
+            </a:r>
+            <a:r>
+              <a:rPr lang="de-DE" sz="1600" dirty="0" err="1">
+                <a:latin typeface="Courier New" panose="02070309020205020404" pitchFamily="49" charset="0"/>
+                <a:cs typeface="Courier New" panose="02070309020205020404" pitchFamily="49" charset="0"/>
+              </a:rPr>
+              <a:t>master</a:t>
+            </a:r>
+            <a:r>
+              <a:rPr lang="de-DE" sz="1600" dirty="0">
+                <a:latin typeface="Courier New" panose="02070309020205020404" pitchFamily="49" charset="0"/>
+                <a:cs typeface="Courier New" panose="02070309020205020404" pitchFamily="49" charset="0"/>
+              </a:rPr>
+              <a:t>  </a:t>
+            </a:r>
+          </a:p>
+          <a:p>
+            <a:pPr marL="0" indent="0">
+              <a:buNone/>
+            </a:pPr>
+            <a:r>
+              <a:rPr lang="de-DE" sz="1600" dirty="0" err="1">
+                <a:latin typeface="Courier New" panose="02070309020205020404" pitchFamily="49" charset="0"/>
+                <a:cs typeface="Courier New" panose="02070309020205020404" pitchFamily="49" charset="0"/>
+              </a:rPr>
+              <a:t>sudo</a:t>
+            </a:r>
+            <a:r>
+              <a:rPr lang="de-DE" sz="1600" dirty="0">
+                <a:latin typeface="Courier New" panose="02070309020205020404" pitchFamily="49" charset="0"/>
+                <a:cs typeface="Courier New" panose="02070309020205020404" pitchFamily="49" charset="0"/>
+              </a:rPr>
+              <a:t> </a:t>
+            </a:r>
+            <a:r>
+              <a:rPr lang="de-DE" sz="1600" dirty="0" err="1">
+                <a:latin typeface="Courier New" panose="02070309020205020404" pitchFamily="49" charset="0"/>
+                <a:cs typeface="Courier New" panose="02070309020205020404" pitchFamily="49" charset="0"/>
+              </a:rPr>
+              <a:t>mkdir</a:t>
+            </a:r>
+            <a:r>
+              <a:rPr lang="de-DE" sz="1600" dirty="0">
+                <a:latin typeface="Courier New" panose="02070309020205020404" pitchFamily="49" charset="0"/>
+                <a:cs typeface="Courier New" panose="02070309020205020404" pitchFamily="49" charset="0"/>
+              </a:rPr>
+              <a:t> -p /</a:t>
+            </a:r>
+            <a:r>
+              <a:rPr lang="de-DE" sz="1600" dirty="0" err="1">
+                <a:latin typeface="Courier New" panose="02070309020205020404" pitchFamily="49" charset="0"/>
+                <a:cs typeface="Courier New" panose="02070309020205020404" pitchFamily="49" charset="0"/>
+              </a:rPr>
+              <a:t>var</a:t>
+            </a:r>
+            <a:r>
+              <a:rPr lang="de-DE" sz="1600" dirty="0">
+                <a:latin typeface="Courier New" panose="02070309020205020404" pitchFamily="49" charset="0"/>
+                <a:cs typeface="Courier New" panose="02070309020205020404" pitchFamily="49" charset="0"/>
+              </a:rPr>
+              <a:t>/</a:t>
+            </a:r>
+            <a:r>
+              <a:rPr lang="de-DE" sz="1600" dirty="0" err="1">
+                <a:latin typeface="Courier New" panose="02070309020205020404" pitchFamily="49" charset="0"/>
+                <a:cs typeface="Courier New" panose="02070309020205020404" pitchFamily="49" charset="0"/>
+              </a:rPr>
+              <a:t>snap</a:t>
+            </a:r>
+            <a:r>
+              <a:rPr lang="de-DE" sz="1600" dirty="0">
+                <a:latin typeface="Courier New" panose="02070309020205020404" pitchFamily="49" charset="0"/>
+                <a:cs typeface="Courier New" panose="02070309020205020404" pitchFamily="49" charset="0"/>
+              </a:rPr>
+              <a:t>/microk8s/</a:t>
+            </a:r>
+            <a:r>
+              <a:rPr lang="de-DE" sz="1600" dirty="0" err="1">
+                <a:latin typeface="Courier New" panose="02070309020205020404" pitchFamily="49" charset="0"/>
+                <a:cs typeface="Courier New" panose="02070309020205020404" pitchFamily="49" charset="0"/>
+              </a:rPr>
+              <a:t>current</a:t>
+            </a:r>
+            <a:r>
+              <a:rPr lang="de-DE" sz="1600" dirty="0">
+                <a:latin typeface="Courier New" panose="02070309020205020404" pitchFamily="49" charset="0"/>
+                <a:cs typeface="Courier New" panose="02070309020205020404" pitchFamily="49" charset="0"/>
+              </a:rPr>
+              <a:t>/</a:t>
+            </a:r>
+            <a:r>
+              <a:rPr lang="de-DE" sz="1600" dirty="0" err="1">
+                <a:latin typeface="Courier New" panose="02070309020205020404" pitchFamily="49" charset="0"/>
+                <a:cs typeface="Courier New" panose="02070309020205020404" pitchFamily="49" charset="0"/>
+              </a:rPr>
+              <a:t>args</a:t>
+            </a:r>
+            <a:r>
+              <a:rPr lang="de-DE" sz="1600" dirty="0">
+                <a:latin typeface="Courier New" panose="02070309020205020404" pitchFamily="49" charset="0"/>
+                <a:cs typeface="Courier New" panose="02070309020205020404" pitchFamily="49" charset="0"/>
+              </a:rPr>
+              <a:t>/</a:t>
+            </a:r>
+            <a:r>
+              <a:rPr lang="de-DE" sz="1600" dirty="0" err="1">
+                <a:latin typeface="Courier New" panose="02070309020205020404" pitchFamily="49" charset="0"/>
+                <a:cs typeface="Courier New" panose="02070309020205020404" pitchFamily="49" charset="0"/>
+              </a:rPr>
+              <a:t>certs.d</a:t>
+            </a:r>
+            <a:r>
+              <a:rPr lang="de-DE" sz="1600" dirty="0">
+                <a:latin typeface="Courier New" panose="02070309020205020404" pitchFamily="49" charset="0"/>
+                <a:cs typeface="Courier New" panose="02070309020205020404" pitchFamily="49" charset="0"/>
+              </a:rPr>
+              <a:t>/master:32000</a:t>
+            </a:r>
+          </a:p>
+          <a:p>
+            <a:pPr marL="0" indent="0">
+              <a:buNone/>
+            </a:pPr>
+            <a:r>
+              <a:rPr lang="de-DE" sz="1600" dirty="0" err="1">
+                <a:latin typeface="Courier New" panose="02070309020205020404" pitchFamily="49" charset="0"/>
+                <a:cs typeface="Courier New" panose="02070309020205020404" pitchFamily="49" charset="0"/>
+              </a:rPr>
+              <a:t>export</a:t>
+            </a:r>
+            <a:r>
+              <a:rPr lang="de-DE" sz="1600" dirty="0">
+                <a:latin typeface="Courier New" panose="02070309020205020404" pitchFamily="49" charset="0"/>
+                <a:cs typeface="Courier New" panose="02070309020205020404" pitchFamily="49" charset="0"/>
+              </a:rPr>
+              <a:t> FILE=/</a:t>
+            </a:r>
+            <a:r>
+              <a:rPr lang="de-DE" sz="1600" dirty="0" err="1">
+                <a:latin typeface="Courier New" panose="02070309020205020404" pitchFamily="49" charset="0"/>
+                <a:cs typeface="Courier New" panose="02070309020205020404" pitchFamily="49" charset="0"/>
+              </a:rPr>
+              <a:t>var</a:t>
+            </a:r>
+            <a:r>
+              <a:rPr lang="de-DE" sz="1600" dirty="0">
+                <a:latin typeface="Courier New" panose="02070309020205020404" pitchFamily="49" charset="0"/>
+                <a:cs typeface="Courier New" panose="02070309020205020404" pitchFamily="49" charset="0"/>
+              </a:rPr>
+              <a:t>/</a:t>
+            </a:r>
+            <a:r>
+              <a:rPr lang="de-DE" sz="1600" dirty="0" err="1">
+                <a:latin typeface="Courier New" panose="02070309020205020404" pitchFamily="49" charset="0"/>
+                <a:cs typeface="Courier New" panose="02070309020205020404" pitchFamily="49" charset="0"/>
+              </a:rPr>
+              <a:t>snap</a:t>
+            </a:r>
+            <a:r>
+              <a:rPr lang="de-DE" sz="1600" dirty="0">
+                <a:latin typeface="Courier New" panose="02070309020205020404" pitchFamily="49" charset="0"/>
+                <a:cs typeface="Courier New" panose="02070309020205020404" pitchFamily="49" charset="0"/>
+              </a:rPr>
+              <a:t>/microk8s/</a:t>
+            </a:r>
+            <a:r>
+              <a:rPr lang="de-DE" sz="1600" dirty="0" err="1">
+                <a:latin typeface="Courier New" panose="02070309020205020404" pitchFamily="49" charset="0"/>
+                <a:cs typeface="Courier New" panose="02070309020205020404" pitchFamily="49" charset="0"/>
+              </a:rPr>
+              <a:t>current</a:t>
+            </a:r>
+            <a:r>
+              <a:rPr lang="de-DE" sz="1600" dirty="0">
+                <a:latin typeface="Courier New" panose="02070309020205020404" pitchFamily="49" charset="0"/>
+                <a:cs typeface="Courier New" panose="02070309020205020404" pitchFamily="49" charset="0"/>
+              </a:rPr>
+              <a:t>/</a:t>
+            </a:r>
+            <a:r>
+              <a:rPr lang="de-DE" sz="1600" dirty="0" err="1">
+                <a:latin typeface="Courier New" panose="02070309020205020404" pitchFamily="49" charset="0"/>
+                <a:cs typeface="Courier New" panose="02070309020205020404" pitchFamily="49" charset="0"/>
+              </a:rPr>
+              <a:t>args</a:t>
+            </a:r>
+            <a:r>
+              <a:rPr lang="de-DE" sz="1600" dirty="0">
+                <a:latin typeface="Courier New" panose="02070309020205020404" pitchFamily="49" charset="0"/>
+                <a:cs typeface="Courier New" panose="02070309020205020404" pitchFamily="49" charset="0"/>
+              </a:rPr>
+              <a:t>/</a:t>
+            </a:r>
+            <a:r>
+              <a:rPr lang="de-DE" sz="1600" dirty="0" err="1">
+                <a:latin typeface="Courier New" panose="02070309020205020404" pitchFamily="49" charset="0"/>
+                <a:cs typeface="Courier New" panose="02070309020205020404" pitchFamily="49" charset="0"/>
+              </a:rPr>
+              <a:t>certs.d</a:t>
+            </a:r>
+            <a:r>
+              <a:rPr lang="de-DE" sz="1600" dirty="0">
+                <a:latin typeface="Courier New" panose="02070309020205020404" pitchFamily="49" charset="0"/>
+                <a:cs typeface="Courier New" panose="02070309020205020404" pitchFamily="49" charset="0"/>
+              </a:rPr>
+              <a:t>/master:32000/</a:t>
+            </a:r>
+            <a:r>
+              <a:rPr lang="de-DE" sz="1600" dirty="0" err="1">
+                <a:latin typeface="Courier New" panose="02070309020205020404" pitchFamily="49" charset="0"/>
+                <a:cs typeface="Courier New" panose="02070309020205020404" pitchFamily="49" charset="0"/>
+              </a:rPr>
+              <a:t>hosts.toml</a:t>
+            </a:r>
+            <a:endParaRPr lang="de-DE" sz="1600" dirty="0">
               <a:latin typeface="Courier New" panose="02070309020205020404" pitchFamily="49" charset="0"/>
               <a:cs typeface="Courier New" panose="02070309020205020404" pitchFamily="49" charset="0"/>
             </a:endParaRPr>
           </a:p>
           <a:p>
-            <a:pPr lvl="1"/>
-            <a:r>
-              <a:rPr lang="de-DE" dirty="0">
-                <a:cs typeface="Courier New" panose="02070309020205020404" pitchFamily="49" charset="0"/>
-              </a:rPr>
-              <a:t>Browser aufrufen </a:t>
-            </a:r>
-            <a:r>
-              <a:rPr lang="de-DE" dirty="0">
-                <a:cs typeface="Courier New" panose="02070309020205020404" pitchFamily="49" charset="0"/>
-                <a:hlinkClick r:id="rId2"/>
-              </a:rPr>
-              <a:t>https://192.168.22.2:10443</a:t>
-            </a:r>
-            <a:endParaRPr lang="de-DE" dirty="0">
-              <a:cs typeface="Courier New" panose="02070309020205020404" pitchFamily="49" charset="0"/>
-            </a:endParaRPr>
-          </a:p>
-          <a:p>
-            <a:pPr lvl="1"/>
-            <a:r>
-              <a:rPr lang="de-DE" dirty="0">
-                <a:cs typeface="Courier New" panose="02070309020205020404" pitchFamily="49" charset="0"/>
-              </a:rPr>
-              <a:t>Token eingeben</a:t>
-            </a:r>
-          </a:p>
-          <a:p>
-            <a:pPr lvl="1"/>
-            <a:r>
-              <a:rPr lang="de-DE" dirty="0">
-                <a:cs typeface="Courier New" panose="02070309020205020404" pitchFamily="49" charset="0"/>
-              </a:rPr>
-              <a:t>Erscheint das Dashboard?</a:t>
-            </a:r>
-          </a:p>
-          <a:p>
-            <a:pPr lvl="1"/>
-            <a:r>
-              <a:rPr lang="de-DE" dirty="0">
-                <a:cs typeface="Courier New" panose="02070309020205020404" pitchFamily="49" charset="0"/>
-              </a:rPr>
-              <a:t>Sieht man den </a:t>
-            </a:r>
-            <a:r>
-              <a:rPr lang="de-DE" dirty="0" err="1">
-                <a:latin typeface="Courier New" panose="02070309020205020404" pitchFamily="49" charset="0"/>
-                <a:cs typeface="Courier New" panose="02070309020205020404" pitchFamily="49" charset="0"/>
-              </a:rPr>
-              <a:t>master</a:t>
-            </a:r>
-            <a:r>
-              <a:rPr lang="de-DE" dirty="0">
-                <a:cs typeface="Courier New" panose="02070309020205020404" pitchFamily="49" charset="0"/>
-              </a:rPr>
-              <a:t> </a:t>
-            </a:r>
-            <a:r>
-              <a:rPr lang="de-DE" dirty="0" err="1">
-                <a:cs typeface="Courier New" panose="02070309020205020404" pitchFamily="49" charset="0"/>
-              </a:rPr>
-              <a:t>node</a:t>
-            </a:r>
-            <a:r>
-              <a:rPr lang="de-DE" dirty="0">
-                <a:cs typeface="Courier New" panose="02070309020205020404" pitchFamily="49" charset="0"/>
-              </a:rPr>
-              <a:t>? (unter Cluster </a:t>
-            </a:r>
-            <a:r>
-              <a:rPr lang="de-DE" dirty="0">
-                <a:cs typeface="Courier New" panose="02070309020205020404" pitchFamily="49" charset="0"/>
-                <a:sym typeface="Wingdings" pitchFamily="2" charset="2"/>
-              </a:rPr>
-              <a:t> Nodes)</a:t>
-            </a:r>
-            <a:endParaRPr lang="de-DE" dirty="0">
-              <a:cs typeface="Courier New" panose="02070309020205020404" pitchFamily="49" charset="0"/>
-            </a:endParaRPr>
-          </a:p>
-          <a:p>
-            <a:pPr lvl="1"/>
-            <a:endParaRPr lang="de-DE" dirty="0"/>
-          </a:p>
-        </p:txBody>
-      </p:sp>
-      <p:pic>
-        <p:nvPicPr>
-          <p:cNvPr id="4" name="Grafik 3">
-            <a:extLst>
-              <a:ext uri="{FF2B5EF4-FFF2-40B4-BE49-F238E27FC236}">
-                <a16:creationId xmlns:a16="http://schemas.microsoft.com/office/drawing/2014/main" id="{C51C0820-64B7-8820-F22B-FC0F71A67B1A}"/>
-              </a:ext>
-            </a:extLst>
-          </p:cNvPr>
-          <p:cNvPicPr>
-            <a:picLocks noChangeAspect="1"/>
-          </p:cNvPicPr>
-          <p:nvPr/>
-        </p:nvPicPr>
-        <p:blipFill>
-          <a:blip r:embed="rId3"/>
-          <a:stretch>
-            <a:fillRect/>
-          </a:stretch>
-        </p:blipFill>
-        <p:spPr>
-          <a:xfrm>
-            <a:off x="5326380" y="3841289"/>
-            <a:ext cx="6865620" cy="3016711"/>
-          </a:xfrm>
-          <a:prstGeom prst="rect">
-            <a:avLst/>
-          </a:prstGeom>
-        </p:spPr>
-      </p:pic>
-      <p:sp>
-        <p:nvSpPr>
-          <p:cNvPr id="7" name="Oval 6">
-            <a:extLst>
-              <a:ext uri="{FF2B5EF4-FFF2-40B4-BE49-F238E27FC236}">
-                <a16:creationId xmlns:a16="http://schemas.microsoft.com/office/drawing/2014/main" id="{DCAB8E92-A52B-131E-DFF2-2222213BCB7B}"/>
-              </a:ext>
-            </a:extLst>
-          </p:cNvPr>
-          <p:cNvSpPr/>
-          <p:nvPr/>
-        </p:nvSpPr>
-        <p:spPr>
-          <a:xfrm>
-            <a:off x="4591404" y="2216258"/>
-            <a:ext cx="1964379" cy="495945"/>
-          </a:xfrm>
-          <a:prstGeom prst="ellipse">
-            <a:avLst/>
-          </a:prstGeom>
-          <a:noFill/>
-          <a:ln w="38100">
-            <a:solidFill>
-              <a:srgbClr val="FF0000"/>
-            </a:solidFill>
-          </a:ln>
-        </p:spPr>
-        <p:style>
-          <a:lnRef idx="2">
-            <a:schemeClr val="accent1">
-              <a:shade val="50000"/>
-            </a:schemeClr>
-          </a:lnRef>
-          <a:fillRef idx="1">
-            <a:schemeClr val="accent1"/>
-          </a:fillRef>
-          <a:effectRef idx="0">
-            <a:schemeClr val="accent1"/>
-          </a:effectRef>
-          <a:fontRef idx="minor">
-            <a:schemeClr val="lt1"/>
-          </a:fontRef>
-        </p:style>
-        <p:txBody>
-          <a:bodyPr rtlCol="0" anchor="ctr"/>
-          <a:lstStyle/>
-          <a:p>
-            <a:pPr algn="ctr"/>
-            <a:endParaRPr lang="de-DE"/>
+            <a:pPr marL="0" indent="0">
+              <a:buNone/>
+            </a:pPr>
+            <a:r>
+              <a:rPr lang="de-DE" sz="1600" dirty="0" err="1">
+                <a:latin typeface="Courier New" panose="02070309020205020404" pitchFamily="49" charset="0"/>
+                <a:cs typeface="Courier New" panose="02070309020205020404" pitchFamily="49" charset="0"/>
+              </a:rPr>
+              <a:t>sudo</a:t>
+            </a:r>
+            <a:r>
+              <a:rPr lang="de-DE" sz="1600" dirty="0">
+                <a:latin typeface="Courier New" panose="02070309020205020404" pitchFamily="49" charset="0"/>
+                <a:cs typeface="Courier New" panose="02070309020205020404" pitchFamily="49" charset="0"/>
+              </a:rPr>
+              <a:t> bash -c "echo $'</a:t>
+            </a:r>
+            <a:r>
+              <a:rPr lang="de-DE" sz="1600" dirty="0" err="1">
+                <a:latin typeface="Courier New" panose="02070309020205020404" pitchFamily="49" charset="0"/>
+                <a:cs typeface="Courier New" panose="02070309020205020404" pitchFamily="49" charset="0"/>
+              </a:rPr>
+              <a:t>server</a:t>
+            </a:r>
+            <a:r>
+              <a:rPr lang="de-DE" sz="1600" dirty="0">
+                <a:latin typeface="Courier New" panose="02070309020205020404" pitchFamily="49" charset="0"/>
+                <a:cs typeface="Courier New" panose="02070309020205020404" pitchFamily="49" charset="0"/>
+              </a:rPr>
+              <a:t> = \"http://master:32000\"' &gt; $FILE"</a:t>
+            </a:r>
+          </a:p>
+          <a:p>
+            <a:pPr marL="0" indent="0">
+              <a:buNone/>
+            </a:pPr>
+            <a:r>
+              <a:rPr lang="de-DE" sz="1600" dirty="0" err="1">
+                <a:latin typeface="Courier New" panose="02070309020205020404" pitchFamily="49" charset="0"/>
+                <a:cs typeface="Courier New" panose="02070309020205020404" pitchFamily="49" charset="0"/>
+              </a:rPr>
+              <a:t>sudo</a:t>
+            </a:r>
+            <a:r>
+              <a:rPr lang="de-DE" sz="1600" dirty="0">
+                <a:latin typeface="Courier New" panose="02070309020205020404" pitchFamily="49" charset="0"/>
+                <a:cs typeface="Courier New" panose="02070309020205020404" pitchFamily="49" charset="0"/>
+              </a:rPr>
+              <a:t> bash -c "echo $'[host.\"http://master:32000\"]' &gt;&gt; $FILE"</a:t>
+            </a:r>
+          </a:p>
+          <a:p>
+            <a:pPr marL="0" indent="0">
+              <a:buNone/>
+            </a:pPr>
+            <a:r>
+              <a:rPr lang="de-DE" sz="1600" dirty="0" err="1">
+                <a:latin typeface="Courier New" panose="02070309020205020404" pitchFamily="49" charset="0"/>
+                <a:cs typeface="Courier New" panose="02070309020205020404" pitchFamily="49" charset="0"/>
+              </a:rPr>
+              <a:t>sudo</a:t>
+            </a:r>
+            <a:r>
+              <a:rPr lang="de-DE" sz="1600" dirty="0">
+                <a:latin typeface="Courier New" panose="02070309020205020404" pitchFamily="49" charset="0"/>
+                <a:cs typeface="Courier New" panose="02070309020205020404" pitchFamily="49" charset="0"/>
+              </a:rPr>
+              <a:t> bash -c "echo $'</a:t>
+            </a:r>
+            <a:r>
+              <a:rPr lang="de-DE" sz="1600" dirty="0" err="1">
+                <a:latin typeface="Courier New" panose="02070309020205020404" pitchFamily="49" charset="0"/>
+                <a:cs typeface="Courier New" panose="02070309020205020404" pitchFamily="49" charset="0"/>
+              </a:rPr>
+              <a:t>capabilities</a:t>
+            </a:r>
+            <a:r>
+              <a:rPr lang="de-DE" sz="1600" dirty="0">
+                <a:latin typeface="Courier New" panose="02070309020205020404" pitchFamily="49" charset="0"/>
+                <a:cs typeface="Courier New" panose="02070309020205020404" pitchFamily="49" charset="0"/>
+              </a:rPr>
+              <a:t> = [\"pull\", \"</a:t>
+            </a:r>
+            <a:r>
+              <a:rPr lang="de-DE" sz="1600" dirty="0" err="1">
+                <a:latin typeface="Courier New" panose="02070309020205020404" pitchFamily="49" charset="0"/>
+                <a:cs typeface="Courier New" panose="02070309020205020404" pitchFamily="49" charset="0"/>
+              </a:rPr>
+              <a:t>resolve</a:t>
+            </a:r>
+            <a:r>
+              <a:rPr lang="de-DE" sz="1600" dirty="0">
+                <a:latin typeface="Courier New" panose="02070309020205020404" pitchFamily="49" charset="0"/>
+                <a:cs typeface="Courier New" panose="02070309020205020404" pitchFamily="49" charset="0"/>
+              </a:rPr>
+              <a:t>\"] ' &gt;&gt; $FILE"</a:t>
+            </a:r>
           </a:p>
         </p:txBody>
       </p:sp>
     </p:spTree>
     <p:extLst>
       <p:ext uri="{BB962C8B-B14F-4D97-AF65-F5344CB8AC3E}">
-        <p14:creationId xmlns:p14="http://schemas.microsoft.com/office/powerpoint/2010/main" val="366161749"/>
+        <p14:creationId xmlns:p14="http://schemas.microsoft.com/office/powerpoint/2010/main" val="2990968569"/>
       </p:ext>
     </p:extLst>
   </p:cSld>
@@ -4795,7 +5218,7 @@
           <p:cNvPr id="2" name="Titel 1">
             <a:extLst>
               <a:ext uri="{FF2B5EF4-FFF2-40B4-BE49-F238E27FC236}">
-                <a16:creationId xmlns:a16="http://schemas.microsoft.com/office/drawing/2014/main" id="{97B81511-FD40-5DFB-A11C-439D47FC7E4E}"/>
+                <a16:creationId xmlns:a16="http://schemas.microsoft.com/office/drawing/2014/main" id="{54472761-F6BA-A4DF-6E97-094AE60B729E}"/>
               </a:ext>
             </a:extLst>
           </p:cNvPr>
@@ -4813,15 +5236,15 @@
           <a:p>
             <a:r>
               <a:rPr lang="de-DE" dirty="0"/>
-              <a:t>Zufügen eines </a:t>
+              <a:t>Master </a:t>
             </a:r>
             <a:r>
               <a:rPr lang="de-DE" dirty="0" err="1"/>
-              <a:t>Worker</a:t>
-            </a:r>
-            <a:r>
-              <a:rPr lang="de-DE" dirty="0"/>
-              <a:t> Nodes</a:t>
+              <a:t>Node</a:t>
+            </a:r>
+            <a:r>
+              <a:rPr lang="de-DE" dirty="0"/>
+              <a:t> einrichten</a:t>
             </a:r>
           </a:p>
         </p:txBody>
@@ -4831,7 +5254,7 @@
           <p:cNvPr id="3" name="Inhaltsplatzhalter 2">
             <a:extLst>
               <a:ext uri="{FF2B5EF4-FFF2-40B4-BE49-F238E27FC236}">
-                <a16:creationId xmlns:a16="http://schemas.microsoft.com/office/drawing/2014/main" id="{D60DEAA2-318F-E89B-9305-4E4F17176745}"/>
+                <a16:creationId xmlns:a16="http://schemas.microsoft.com/office/drawing/2014/main" id="{A6C84D30-D395-411D-5201-F8BC8F103909}"/>
               </a:ext>
             </a:extLst>
           </p:cNvPr>
@@ -4850,15 +5273,12 @@
           <a:lstStyle/>
           <a:p>
             <a:r>
-              <a:rPr lang="de-DE" dirty="0">
-                <a:latin typeface="Courier New" panose="02070309020205020404" pitchFamily="49" charset="0"/>
-                <a:cs typeface="Courier New" panose="02070309020205020404" pitchFamily="49" charset="0"/>
-              </a:rPr>
-              <a:t>worker1</a:t>
-            </a:r>
-            <a:r>
-              <a:rPr lang="de-DE" dirty="0"/>
-              <a:t> einrichten (1):</a:t>
+              <a:rPr lang="de-DE" dirty="0" err="1"/>
+              <a:t>Kubernetes</a:t>
+            </a:r>
+            <a:r>
+              <a:rPr lang="de-DE" dirty="0"/>
+              <a:t> installieren (2): Registry-Zugriff freigeben - Prüfen</a:t>
             </a:r>
           </a:p>
           <a:p>
@@ -4866,185 +5286,45 @@
               <a:buNone/>
             </a:pPr>
             <a:r>
-              <a:rPr lang="de-DE" dirty="0"/>
-              <a:t>	</a:t>
-            </a:r>
-            <a:r>
               <a:rPr lang="de-DE" sz="2400" dirty="0">
                 <a:latin typeface="Courier New" panose="02070309020205020404" pitchFamily="49" charset="0"/>
                 <a:cs typeface="Courier New" panose="02070309020205020404" pitchFamily="49" charset="0"/>
               </a:rPr>
-              <a:t>multipass </a:t>
+              <a:t>  </a:t>
             </a:r>
             <a:r>
               <a:rPr lang="de-DE" sz="2400" dirty="0" err="1">
                 <a:latin typeface="Courier New" panose="02070309020205020404" pitchFamily="49" charset="0"/>
                 <a:cs typeface="Courier New" panose="02070309020205020404" pitchFamily="49" charset="0"/>
               </a:rPr>
-              <a:t>shell</a:t>
+              <a:t>sudo</a:t>
             </a:r>
             <a:r>
               <a:rPr lang="de-DE" sz="2400" dirty="0">
                 <a:latin typeface="Courier New" panose="02070309020205020404" pitchFamily="49" charset="0"/>
                 <a:cs typeface="Courier New" panose="02070309020205020404" pitchFamily="49" charset="0"/>
               </a:rPr>
-              <a:t> worker1</a:t>
+              <a:t> </a:t>
+            </a:r>
+            <a:r>
+              <a:rPr lang="de-DE" sz="2400" dirty="0" err="1">
+                <a:latin typeface="Courier New" panose="02070309020205020404" pitchFamily="49" charset="0"/>
+                <a:cs typeface="Courier New" panose="02070309020205020404" pitchFamily="49" charset="0"/>
+              </a:rPr>
+              <a:t>cat</a:t>
+            </a:r>
+            <a:r>
+              <a:rPr lang="de-DE" sz="2400" dirty="0">
+                <a:latin typeface="Courier New" panose="02070309020205020404" pitchFamily="49" charset="0"/>
+                <a:cs typeface="Courier New" panose="02070309020205020404" pitchFamily="49" charset="0"/>
+              </a:rPr>
+              <a:t> $FILE</a:t>
             </a:r>
           </a:p>
           <a:p>
             <a:pPr marL="0" indent="0">
               <a:buNone/>
             </a:pPr>
-            <a:r>
-              <a:rPr lang="de-DE" sz="2400" dirty="0">
-                <a:latin typeface="Courier New" panose="02070309020205020404" pitchFamily="49" charset="0"/>
-                <a:cs typeface="Courier New" panose="02070309020205020404" pitchFamily="49" charset="0"/>
-              </a:rPr>
-              <a:t>	</a:t>
-            </a:r>
-            <a:r>
-              <a:rPr lang="de-DE" sz="2400" dirty="0" err="1">
-                <a:latin typeface="Courier New" panose="02070309020205020404" pitchFamily="49" charset="0"/>
-                <a:cs typeface="Courier New" panose="02070309020205020404" pitchFamily="49" charset="0"/>
-              </a:rPr>
-              <a:t>sudo</a:t>
-            </a:r>
-            <a:r>
-              <a:rPr lang="de-DE" sz="2400" dirty="0">
-                <a:latin typeface="Courier New" panose="02070309020205020404" pitchFamily="49" charset="0"/>
-                <a:cs typeface="Courier New" panose="02070309020205020404" pitchFamily="49" charset="0"/>
-              </a:rPr>
-              <a:t> </a:t>
-            </a:r>
-            <a:r>
-              <a:rPr lang="de-DE" sz="2400" dirty="0" err="1">
-                <a:latin typeface="Courier New" panose="02070309020205020404" pitchFamily="49" charset="0"/>
-                <a:cs typeface="Courier New" panose="02070309020205020404" pitchFamily="49" charset="0"/>
-              </a:rPr>
-              <a:t>snap</a:t>
-            </a:r>
-            <a:r>
-              <a:rPr lang="de-DE" sz="2400" dirty="0">
-                <a:latin typeface="Courier New" panose="02070309020205020404" pitchFamily="49" charset="0"/>
-                <a:cs typeface="Courier New" panose="02070309020205020404" pitchFamily="49" charset="0"/>
-              </a:rPr>
-              <a:t> </a:t>
-            </a:r>
-            <a:r>
-              <a:rPr lang="de-DE" sz="2400" dirty="0" err="1">
-                <a:latin typeface="Courier New" panose="02070309020205020404" pitchFamily="49" charset="0"/>
-                <a:cs typeface="Courier New" panose="02070309020205020404" pitchFamily="49" charset="0"/>
-              </a:rPr>
-              <a:t>install</a:t>
-            </a:r>
-            <a:r>
-              <a:rPr lang="de-DE" sz="2400" dirty="0">
-                <a:latin typeface="Courier New" panose="02070309020205020404" pitchFamily="49" charset="0"/>
-                <a:cs typeface="Courier New" panose="02070309020205020404" pitchFamily="49" charset="0"/>
-              </a:rPr>
-              <a:t> microk8s --classic</a:t>
-            </a:r>
-          </a:p>
-          <a:p>
-            <a:pPr marL="0" indent="0">
-              <a:buNone/>
-            </a:pPr>
-            <a:r>
-              <a:rPr lang="de-DE" sz="2400" dirty="0">
-                <a:latin typeface="Courier New" panose="02070309020205020404" pitchFamily="49" charset="0"/>
-                <a:cs typeface="Courier New" panose="02070309020205020404" pitchFamily="49" charset="0"/>
-              </a:rPr>
-              <a:t>	</a:t>
-            </a:r>
-            <a:r>
-              <a:rPr lang="de-DE" sz="2400" dirty="0" err="1">
-                <a:latin typeface="Courier New" panose="02070309020205020404" pitchFamily="49" charset="0"/>
-                <a:cs typeface="Courier New" panose="02070309020205020404" pitchFamily="49" charset="0"/>
-              </a:rPr>
-              <a:t>sudo</a:t>
-            </a:r>
-            <a:r>
-              <a:rPr lang="de-DE" sz="2400" dirty="0">
-                <a:latin typeface="Courier New" panose="02070309020205020404" pitchFamily="49" charset="0"/>
-                <a:cs typeface="Courier New" panose="02070309020205020404" pitchFamily="49" charset="0"/>
-              </a:rPr>
-              <a:t> </a:t>
-            </a:r>
-            <a:r>
-              <a:rPr lang="de-DE" sz="2400" dirty="0" err="1">
-                <a:latin typeface="Courier New" panose="02070309020205020404" pitchFamily="49" charset="0"/>
-                <a:cs typeface="Courier New" panose="02070309020205020404" pitchFamily="49" charset="0"/>
-              </a:rPr>
-              <a:t>usermod</a:t>
-            </a:r>
-            <a:r>
-              <a:rPr lang="de-DE" sz="2400" dirty="0">
-                <a:latin typeface="Courier New" panose="02070309020205020404" pitchFamily="49" charset="0"/>
-                <a:cs typeface="Courier New" panose="02070309020205020404" pitchFamily="49" charset="0"/>
-              </a:rPr>
-              <a:t> -a -G microk8s $USER</a:t>
-            </a:r>
-          </a:p>
-          <a:p>
-            <a:pPr marL="0" indent="0">
-              <a:buNone/>
-            </a:pPr>
-            <a:r>
-              <a:rPr lang="de-DE" sz="2400" dirty="0">
-                <a:latin typeface="Courier New" panose="02070309020205020404" pitchFamily="49" charset="0"/>
-                <a:cs typeface="Courier New" panose="02070309020205020404" pitchFamily="49" charset="0"/>
-              </a:rPr>
-              <a:t>	</a:t>
-            </a:r>
-            <a:r>
-              <a:rPr lang="de-DE" sz="2400" dirty="0" err="1">
-                <a:latin typeface="Courier New" panose="02070309020205020404" pitchFamily="49" charset="0"/>
-                <a:cs typeface="Courier New" panose="02070309020205020404" pitchFamily="49" charset="0"/>
-              </a:rPr>
-              <a:t>sudo</a:t>
-            </a:r>
-            <a:r>
-              <a:rPr lang="de-DE" sz="2400" dirty="0">
-                <a:latin typeface="Courier New" panose="02070309020205020404" pitchFamily="49" charset="0"/>
-                <a:cs typeface="Courier New" panose="02070309020205020404" pitchFamily="49" charset="0"/>
-              </a:rPr>
-              <a:t> </a:t>
-            </a:r>
-            <a:r>
-              <a:rPr lang="de-DE" sz="2400" dirty="0" err="1">
-                <a:latin typeface="Courier New" panose="02070309020205020404" pitchFamily="49" charset="0"/>
-                <a:cs typeface="Courier New" panose="02070309020205020404" pitchFamily="49" charset="0"/>
-              </a:rPr>
-              <a:t>shutdown</a:t>
-            </a:r>
-            <a:r>
-              <a:rPr lang="de-DE" sz="2400" dirty="0">
-                <a:latin typeface="Courier New" panose="02070309020205020404" pitchFamily="49" charset="0"/>
-                <a:cs typeface="Courier New" panose="02070309020205020404" pitchFamily="49" charset="0"/>
-              </a:rPr>
-              <a:t> -</a:t>
-            </a:r>
-            <a:r>
-              <a:rPr lang="de-DE" sz="2400" dirty="0" err="1">
-                <a:latin typeface="Courier New" panose="02070309020205020404" pitchFamily="49" charset="0"/>
-                <a:cs typeface="Courier New" panose="02070309020205020404" pitchFamily="49" charset="0"/>
-              </a:rPr>
-              <a:t>r</a:t>
-            </a:r>
-            <a:r>
-              <a:rPr lang="de-DE" sz="2400" dirty="0">
-                <a:latin typeface="Courier New" panose="02070309020205020404" pitchFamily="49" charset="0"/>
-                <a:cs typeface="Courier New" panose="02070309020205020404" pitchFamily="49" charset="0"/>
-              </a:rPr>
-              <a:t> </a:t>
-            </a:r>
-            <a:r>
-              <a:rPr lang="de-DE" sz="2400" dirty="0" err="1">
-                <a:latin typeface="Courier New" panose="02070309020205020404" pitchFamily="49" charset="0"/>
-                <a:cs typeface="Courier New" panose="02070309020205020404" pitchFamily="49" charset="0"/>
-              </a:rPr>
-              <a:t>now</a:t>
-            </a:r>
             <a:endParaRPr lang="de-DE" sz="2400" dirty="0">
               <a:latin typeface="Courier New" panose="02070309020205020404" pitchFamily="49" charset="0"/>
               <a:cs typeface="Courier New" panose="02070309020205020404" pitchFamily="49" charset="0"/>
@@ -5056,14 +5336,99 @@
               <a:rPr lang="de-DE" dirty="0">
                 <a:cs typeface="Courier New" panose="02070309020205020404" pitchFamily="49" charset="0"/>
               </a:rPr>
-              <a:t>Kurz warten: VM startet neu</a:t>
-            </a:r>
-            <a:r>
-              <a:rPr lang="de-DE" dirty="0">
-                <a:latin typeface="Courier New" panose="02070309020205020404" pitchFamily="49" charset="0"/>
-                <a:cs typeface="Courier New" panose="02070309020205020404" pitchFamily="49" charset="0"/>
-              </a:rPr>
-              <a:t>		</a:t>
+              <a:t>Folgender Inhalt sollte dort sein:</a:t>
+            </a:r>
+          </a:p>
+          <a:p>
+            <a:pPr marL="0" indent="0">
+              <a:buNone/>
+            </a:pPr>
+            <a:r>
+              <a:rPr lang="de-DE" sz="2400" dirty="0">
+                <a:latin typeface="Courier New" panose="02070309020205020404" pitchFamily="49" charset="0"/>
+                <a:cs typeface="Courier New" panose="02070309020205020404" pitchFamily="49" charset="0"/>
+              </a:rPr>
+              <a:t>	</a:t>
+            </a:r>
+            <a:r>
+              <a:rPr lang="de-DE" sz="2400" dirty="0" err="1">
+                <a:latin typeface="Courier New" panose="02070309020205020404" pitchFamily="49" charset="0"/>
+                <a:cs typeface="Courier New" panose="02070309020205020404" pitchFamily="49" charset="0"/>
+              </a:rPr>
+              <a:t>server</a:t>
+            </a:r>
+            <a:r>
+              <a:rPr lang="de-DE" sz="2400" dirty="0">
+                <a:latin typeface="Courier New" panose="02070309020205020404" pitchFamily="49" charset="0"/>
+                <a:cs typeface="Courier New" panose="02070309020205020404" pitchFamily="49" charset="0"/>
+              </a:rPr>
+              <a:t> = "http://master:32000"</a:t>
+            </a:r>
+          </a:p>
+          <a:p>
+            <a:pPr marL="0" indent="0">
+              <a:buNone/>
+            </a:pPr>
+            <a:r>
+              <a:rPr lang="de-DE" sz="2400" dirty="0">
+                <a:latin typeface="Courier New" panose="02070309020205020404" pitchFamily="49" charset="0"/>
+                <a:cs typeface="Courier New" panose="02070309020205020404" pitchFamily="49" charset="0"/>
+              </a:rPr>
+              <a:t>	[</a:t>
+            </a:r>
+            <a:r>
+              <a:rPr lang="de-DE" sz="2400" dirty="0" err="1">
+                <a:latin typeface="Courier New" panose="02070309020205020404" pitchFamily="49" charset="0"/>
+                <a:cs typeface="Courier New" panose="02070309020205020404" pitchFamily="49" charset="0"/>
+              </a:rPr>
+              <a:t>host."http</a:t>
+            </a:r>
+            <a:r>
+              <a:rPr lang="de-DE" sz="2400" dirty="0">
+                <a:latin typeface="Courier New" panose="02070309020205020404" pitchFamily="49" charset="0"/>
+                <a:cs typeface="Courier New" panose="02070309020205020404" pitchFamily="49" charset="0"/>
+              </a:rPr>
+              <a:t>://master:32000"]</a:t>
+            </a:r>
+          </a:p>
+          <a:p>
+            <a:pPr marL="0" indent="0">
+              <a:buNone/>
+            </a:pPr>
+            <a:r>
+              <a:rPr lang="de-DE" sz="2400" dirty="0">
+                <a:latin typeface="Courier New" panose="02070309020205020404" pitchFamily="49" charset="0"/>
+                <a:cs typeface="Courier New" panose="02070309020205020404" pitchFamily="49" charset="0"/>
+              </a:rPr>
+              <a:t>	</a:t>
+            </a:r>
+            <a:r>
+              <a:rPr lang="de-DE" sz="2400" dirty="0" err="1">
+                <a:latin typeface="Courier New" panose="02070309020205020404" pitchFamily="49" charset="0"/>
+                <a:cs typeface="Courier New" panose="02070309020205020404" pitchFamily="49" charset="0"/>
+              </a:rPr>
+              <a:t>capabilities</a:t>
+            </a:r>
+            <a:r>
+              <a:rPr lang="de-DE" sz="2400" dirty="0">
+                <a:latin typeface="Courier New" panose="02070309020205020404" pitchFamily="49" charset="0"/>
+                <a:cs typeface="Courier New" panose="02070309020205020404" pitchFamily="49" charset="0"/>
+              </a:rPr>
+              <a:t> = ["pull", "</a:t>
+            </a:r>
+            <a:r>
+              <a:rPr lang="de-DE" sz="2400" dirty="0" err="1">
+                <a:latin typeface="Courier New" panose="02070309020205020404" pitchFamily="49" charset="0"/>
+                <a:cs typeface="Courier New" panose="02070309020205020404" pitchFamily="49" charset="0"/>
+              </a:rPr>
+              <a:t>resolve</a:t>
+            </a:r>
+            <a:r>
+              <a:rPr lang="de-DE" sz="2400" dirty="0">
+                <a:latin typeface="Courier New" panose="02070309020205020404" pitchFamily="49" charset="0"/>
+                <a:cs typeface="Courier New" panose="02070309020205020404" pitchFamily="49" charset="0"/>
+              </a:rPr>
+              <a:t>"]</a:t>
             </a:r>
           </a:p>
         </p:txBody>
@@ -5071,7 +5436,7 @@
     </p:spTree>
     <p:extLst>
       <p:ext uri="{BB962C8B-B14F-4D97-AF65-F5344CB8AC3E}">
-        <p14:creationId xmlns:p14="http://schemas.microsoft.com/office/powerpoint/2010/main" val="306250584"/>
+        <p14:creationId xmlns:p14="http://schemas.microsoft.com/office/powerpoint/2010/main" val="2898941660"/>
       </p:ext>
     </p:extLst>
   </p:cSld>
@@ -5103,7 +5468,7 @@
           <p:cNvPr id="2" name="Titel 1">
             <a:extLst>
               <a:ext uri="{FF2B5EF4-FFF2-40B4-BE49-F238E27FC236}">
-                <a16:creationId xmlns:a16="http://schemas.microsoft.com/office/drawing/2014/main" id="{97B81511-FD40-5DFB-A11C-439D47FC7E4E}"/>
+                <a16:creationId xmlns:a16="http://schemas.microsoft.com/office/drawing/2014/main" id="{54472761-F6BA-A4DF-6E97-094AE60B729E}"/>
               </a:ext>
             </a:extLst>
           </p:cNvPr>
@@ -5121,15 +5486,15 @@
           <a:p>
             <a:r>
               <a:rPr lang="de-DE" dirty="0"/>
-              <a:t>Zufügen eines </a:t>
+              <a:t>Master </a:t>
             </a:r>
             <a:r>
               <a:rPr lang="de-DE" dirty="0" err="1"/>
-              <a:t>Worker</a:t>
-            </a:r>
-            <a:r>
-              <a:rPr lang="de-DE" dirty="0"/>
-              <a:t> Nodes</a:t>
+              <a:t>Node</a:t>
+            </a:r>
+            <a:r>
+              <a:rPr lang="de-DE" dirty="0"/>
+              <a:t> einrichten</a:t>
             </a:r>
           </a:p>
         </p:txBody>
@@ -5139,7 +5504,7 @@
           <p:cNvPr id="3" name="Inhaltsplatzhalter 2">
             <a:extLst>
               <a:ext uri="{FF2B5EF4-FFF2-40B4-BE49-F238E27FC236}">
-                <a16:creationId xmlns:a16="http://schemas.microsoft.com/office/drawing/2014/main" id="{D60DEAA2-318F-E89B-9305-4E4F17176745}"/>
+                <a16:creationId xmlns:a16="http://schemas.microsoft.com/office/drawing/2014/main" id="{A6C84D30-D395-411D-5201-F8BC8F103909}"/>
               </a:ext>
             </a:extLst>
           </p:cNvPr>
@@ -5158,7 +5523,1099 @@
           <a:lstStyle/>
           <a:p>
             <a:r>
+              <a:rPr lang="de-DE" dirty="0" err="1"/>
+              <a:t>Kubernetes</a:t>
+            </a:r>
+            <a:r>
+              <a:rPr lang="de-DE" dirty="0"/>
+              <a:t> installieren (3): DNS konfigurieren</a:t>
+            </a:r>
+          </a:p>
+          <a:p>
+            <a:pPr marL="0" indent="0">
+              <a:buNone/>
+            </a:pPr>
+            <a:r>
+              <a:rPr lang="de-DE" sz="2400" dirty="0">
+                <a:latin typeface="Courier New" panose="02070309020205020404" pitchFamily="49" charset="0"/>
+                <a:cs typeface="Courier New" panose="02070309020205020404" pitchFamily="49" charset="0"/>
+              </a:rPr>
+              <a:t>  microk8s </a:t>
+            </a:r>
+            <a:r>
+              <a:rPr lang="de-DE" sz="2400" dirty="0" err="1">
+                <a:latin typeface="Courier New" panose="02070309020205020404" pitchFamily="49" charset="0"/>
+                <a:cs typeface="Courier New" panose="02070309020205020404" pitchFamily="49" charset="0"/>
+              </a:rPr>
+              <a:t>enable</a:t>
+            </a:r>
+            <a:r>
+              <a:rPr lang="de-DE" sz="2400" dirty="0">
+                <a:latin typeface="Courier New" panose="02070309020205020404" pitchFamily="49" charset="0"/>
+                <a:cs typeface="Courier New" panose="02070309020205020404" pitchFamily="49" charset="0"/>
+              </a:rPr>
+              <a:t> </a:t>
+            </a:r>
+            <a:r>
+              <a:rPr lang="de-DE" sz="2400" dirty="0" err="1">
+                <a:latin typeface="Courier New" panose="02070309020205020404" pitchFamily="49" charset="0"/>
+                <a:cs typeface="Courier New" panose="02070309020205020404" pitchFamily="49" charset="0"/>
+              </a:rPr>
+              <a:t>dashboard</a:t>
+            </a:r>
+            <a:r>
+              <a:rPr lang="de-DE" sz="2400" dirty="0">
+                <a:latin typeface="Courier New" panose="02070309020205020404" pitchFamily="49" charset="0"/>
+                <a:cs typeface="Courier New" panose="02070309020205020404" pitchFamily="49" charset="0"/>
+              </a:rPr>
+              <a:t> </a:t>
+            </a:r>
+            <a:r>
+              <a:rPr lang="de-DE" sz="2400" dirty="0" err="1">
+                <a:latin typeface="Courier New" panose="02070309020205020404" pitchFamily="49" charset="0"/>
+                <a:cs typeface="Courier New" panose="02070309020205020404" pitchFamily="49" charset="0"/>
+              </a:rPr>
+              <a:t>dns</a:t>
+            </a:r>
+            <a:r>
+              <a:rPr lang="de-DE" sz="2400" dirty="0">
+                <a:latin typeface="Courier New" panose="02070309020205020404" pitchFamily="49" charset="0"/>
+                <a:cs typeface="Courier New" panose="02070309020205020404" pitchFamily="49" charset="0"/>
+              </a:rPr>
+              <a:t> </a:t>
+            </a:r>
+            <a:r>
+              <a:rPr lang="de-DE" sz="2400" dirty="0" err="1">
+                <a:latin typeface="Courier New" panose="02070309020205020404" pitchFamily="49" charset="0"/>
+                <a:cs typeface="Courier New" panose="02070309020205020404" pitchFamily="49" charset="0"/>
+              </a:rPr>
+              <a:t>ingress</a:t>
+            </a:r>
+            <a:r>
+              <a:rPr lang="de-DE" sz="2400" dirty="0">
+                <a:latin typeface="Courier New" panose="02070309020205020404" pitchFamily="49" charset="0"/>
+                <a:cs typeface="Courier New" panose="02070309020205020404" pitchFamily="49" charset="0"/>
+              </a:rPr>
+              <a:t> </a:t>
+            </a:r>
+            <a:r>
+              <a:rPr lang="de-DE" sz="2400" dirty="0" err="1">
+                <a:latin typeface="Courier New" panose="02070309020205020404" pitchFamily="49" charset="0"/>
+                <a:cs typeface="Courier New" panose="02070309020205020404" pitchFamily="49" charset="0"/>
+              </a:rPr>
+              <a:t>registry</a:t>
+            </a:r>
+            <a:endParaRPr lang="de-DE" sz="2400" dirty="0">
+              <a:latin typeface="Courier New" panose="02070309020205020404" pitchFamily="49" charset="0"/>
+              <a:cs typeface="Courier New" panose="02070309020205020404" pitchFamily="49" charset="0"/>
+            </a:endParaRPr>
+          </a:p>
+          <a:p>
+            <a:pPr marL="0" indent="0">
+              <a:buNone/>
+            </a:pPr>
+            <a:r>
+              <a:rPr lang="de-DE" sz="2400" dirty="0">
+                <a:latin typeface="Courier New" panose="02070309020205020404" pitchFamily="49" charset="0"/>
+                <a:cs typeface="Courier New" panose="02070309020205020404" pitchFamily="49" charset="0"/>
+              </a:rPr>
+              <a:t>  microk8s </a:t>
+            </a:r>
+            <a:r>
+              <a:rPr lang="de-DE" sz="2400" dirty="0" err="1">
+                <a:latin typeface="Courier New" panose="02070309020205020404" pitchFamily="49" charset="0"/>
+                <a:cs typeface="Courier New" panose="02070309020205020404" pitchFamily="49" charset="0"/>
+              </a:rPr>
+              <a:t>kubectl</a:t>
+            </a:r>
+            <a:r>
+              <a:rPr lang="de-DE" sz="2400" dirty="0">
+                <a:latin typeface="Courier New" panose="02070309020205020404" pitchFamily="49" charset="0"/>
+                <a:cs typeface="Courier New" panose="02070309020205020404" pitchFamily="49" charset="0"/>
+              </a:rPr>
+              <a:t> </a:t>
+            </a:r>
+            <a:r>
+              <a:rPr lang="de-DE" sz="2400" dirty="0" err="1">
+                <a:latin typeface="Courier New" panose="02070309020205020404" pitchFamily="49" charset="0"/>
+                <a:cs typeface="Courier New" panose="02070309020205020404" pitchFamily="49" charset="0"/>
+              </a:rPr>
+              <a:t>edit</a:t>
+            </a:r>
+            <a:r>
+              <a:rPr lang="de-DE" sz="2400" dirty="0">
+                <a:latin typeface="Courier New" panose="02070309020205020404" pitchFamily="49" charset="0"/>
+                <a:cs typeface="Courier New" panose="02070309020205020404" pitchFamily="49" charset="0"/>
+              </a:rPr>
+              <a:t> cm </a:t>
+            </a:r>
+            <a:r>
+              <a:rPr lang="de-DE" sz="2400" dirty="0" err="1">
+                <a:latin typeface="Courier New" panose="02070309020205020404" pitchFamily="49" charset="0"/>
+                <a:cs typeface="Courier New" panose="02070309020205020404" pitchFamily="49" charset="0"/>
+              </a:rPr>
+              <a:t>coredns</a:t>
+            </a:r>
+            <a:r>
+              <a:rPr lang="de-DE" sz="2400" dirty="0">
+                <a:latin typeface="Courier New" panose="02070309020205020404" pitchFamily="49" charset="0"/>
+                <a:cs typeface="Courier New" panose="02070309020205020404" pitchFamily="49" charset="0"/>
+              </a:rPr>
+              <a:t> -</a:t>
+            </a:r>
+            <a:r>
+              <a:rPr lang="de-DE" sz="2400" dirty="0" err="1">
+                <a:latin typeface="Courier New" panose="02070309020205020404" pitchFamily="49" charset="0"/>
+                <a:cs typeface="Courier New" panose="02070309020205020404" pitchFamily="49" charset="0"/>
+              </a:rPr>
+              <a:t>n</a:t>
+            </a:r>
+            <a:r>
+              <a:rPr lang="de-DE" sz="2400" dirty="0">
+                <a:latin typeface="Courier New" panose="02070309020205020404" pitchFamily="49" charset="0"/>
+                <a:cs typeface="Courier New" panose="02070309020205020404" pitchFamily="49" charset="0"/>
+              </a:rPr>
+              <a:t> </a:t>
+            </a:r>
+            <a:r>
+              <a:rPr lang="de-DE" sz="2400" dirty="0" err="1">
+                <a:latin typeface="Courier New" panose="02070309020205020404" pitchFamily="49" charset="0"/>
+                <a:cs typeface="Courier New" panose="02070309020205020404" pitchFamily="49" charset="0"/>
+              </a:rPr>
+              <a:t>kube</a:t>
+            </a:r>
+            <a:r>
+              <a:rPr lang="de-DE" sz="2400" dirty="0">
+                <a:latin typeface="Courier New" panose="02070309020205020404" pitchFamily="49" charset="0"/>
+                <a:cs typeface="Courier New" panose="02070309020205020404" pitchFamily="49" charset="0"/>
+              </a:rPr>
+              <a:t>-system</a:t>
+            </a:r>
+          </a:p>
+          <a:p>
+            <a:pPr lvl="1"/>
+            <a:r>
               <a:rPr lang="de-DE" dirty="0">
+                <a:cs typeface="Courier New" panose="02070309020205020404" pitchFamily="49" charset="0"/>
+              </a:rPr>
+              <a:t>In diese Datei soll hinter </a:t>
+            </a:r>
+            <a:r>
+              <a:rPr lang="de-DE" dirty="0" err="1">
+                <a:latin typeface="Courier New" panose="02070309020205020404" pitchFamily="49" charset="0"/>
+                <a:cs typeface="Courier New" panose="02070309020205020404" pitchFamily="49" charset="0"/>
+              </a:rPr>
+              <a:t>health</a:t>
+            </a:r>
+            <a:r>
+              <a:rPr lang="de-DE" dirty="0">
+                <a:latin typeface="Courier New" panose="02070309020205020404" pitchFamily="49" charset="0"/>
+                <a:cs typeface="Courier New" panose="02070309020205020404" pitchFamily="49" charset="0"/>
+              </a:rPr>
+              <a:t> {…</a:t>
+            </a:r>
+            <a:r>
+              <a:rPr lang="de-DE" dirty="0">
+                <a:cs typeface="Courier New" panose="02070309020205020404" pitchFamily="49" charset="0"/>
+              </a:rPr>
+              <a:t>} und vor </a:t>
+            </a:r>
+            <a:r>
+              <a:rPr lang="de-DE" dirty="0" err="1">
+                <a:latin typeface="Courier New" panose="02070309020205020404" pitchFamily="49" charset="0"/>
+                <a:cs typeface="Courier New" panose="02070309020205020404" pitchFamily="49" charset="0"/>
+              </a:rPr>
+              <a:t>ready</a:t>
+            </a:r>
+            <a:r>
+              <a:rPr lang="de-DE" dirty="0">
+                <a:cs typeface="Courier New" panose="02070309020205020404" pitchFamily="49" charset="0"/>
+              </a:rPr>
+              <a:t> folgender Inhalt eingefügt werden:</a:t>
+            </a:r>
+          </a:p>
+          <a:p>
+            <a:pPr marL="0" indent="0">
+              <a:buNone/>
+            </a:pPr>
+            <a:r>
+              <a:rPr lang="de-DE" sz="1800" dirty="0">
+                <a:latin typeface="Courier New" panose="02070309020205020404" pitchFamily="49" charset="0"/>
+                <a:cs typeface="Courier New" panose="02070309020205020404" pitchFamily="49" charset="0"/>
+              </a:rPr>
+              <a:t>	</a:t>
+            </a:r>
+            <a:r>
+              <a:rPr lang="de-DE" sz="1800" dirty="0" err="1">
+                <a:latin typeface="Courier New" panose="02070309020205020404" pitchFamily="49" charset="0"/>
+                <a:cs typeface="Courier New" panose="02070309020205020404" pitchFamily="49" charset="0"/>
+              </a:rPr>
+              <a:t>hosts</a:t>
+            </a:r>
+            <a:r>
+              <a:rPr lang="de-DE" sz="1800" dirty="0">
+                <a:latin typeface="Courier New" panose="02070309020205020404" pitchFamily="49" charset="0"/>
+                <a:cs typeface="Courier New" panose="02070309020205020404" pitchFamily="49" charset="0"/>
+              </a:rPr>
+              <a:t> {</a:t>
+            </a:r>
+          </a:p>
+          <a:p>
+            <a:pPr marL="0" indent="0">
+              <a:buNone/>
+            </a:pPr>
+            <a:r>
+              <a:rPr lang="de-DE" sz="1800" dirty="0">
+                <a:latin typeface="Courier New" panose="02070309020205020404" pitchFamily="49" charset="0"/>
+                <a:cs typeface="Courier New" panose="02070309020205020404" pitchFamily="49" charset="0"/>
+              </a:rPr>
+              <a:t>         10.238.196.249   </a:t>
+            </a:r>
+            <a:r>
+              <a:rPr lang="de-DE" sz="1800" dirty="0" err="1">
+                <a:latin typeface="Courier New" panose="02070309020205020404" pitchFamily="49" charset="0"/>
+                <a:cs typeface="Courier New" panose="02070309020205020404" pitchFamily="49" charset="0"/>
+              </a:rPr>
+              <a:t>db</a:t>
+            </a:r>
+            <a:r>
+              <a:rPr lang="de-DE" sz="1800" dirty="0">
+                <a:latin typeface="Courier New" panose="02070309020205020404" pitchFamily="49" charset="0"/>
+                <a:cs typeface="Courier New" panose="02070309020205020404" pitchFamily="49" charset="0"/>
+              </a:rPr>
+              <a:t> </a:t>
+            </a:r>
+            <a:r>
+              <a:rPr lang="de-DE" sz="1800" dirty="0" err="1">
+                <a:latin typeface="Courier New" panose="02070309020205020404" pitchFamily="49" charset="0"/>
+                <a:cs typeface="Courier New" panose="02070309020205020404" pitchFamily="49" charset="0"/>
+              </a:rPr>
+              <a:t>idm</a:t>
+            </a:r>
+            <a:endParaRPr lang="de-DE" sz="1800" dirty="0">
+              <a:latin typeface="Courier New" panose="02070309020205020404" pitchFamily="49" charset="0"/>
+              <a:cs typeface="Courier New" panose="02070309020205020404" pitchFamily="49" charset="0"/>
+            </a:endParaRPr>
+          </a:p>
+          <a:p>
+            <a:pPr marL="0" indent="0">
+              <a:buNone/>
+            </a:pPr>
+            <a:r>
+              <a:rPr lang="de-DE" sz="1800" dirty="0">
+                <a:latin typeface="Courier New" panose="02070309020205020404" pitchFamily="49" charset="0"/>
+                <a:cs typeface="Courier New" panose="02070309020205020404" pitchFamily="49" charset="0"/>
+              </a:rPr>
+              <a:t>         </a:t>
+            </a:r>
+            <a:r>
+              <a:rPr lang="de-DE" sz="1800" dirty="0" err="1">
+                <a:latin typeface="Courier New" panose="02070309020205020404" pitchFamily="49" charset="0"/>
+                <a:cs typeface="Courier New" panose="02070309020205020404" pitchFamily="49" charset="0"/>
+              </a:rPr>
+              <a:t>fallthrough</a:t>
+            </a:r>
+            <a:endParaRPr lang="de-DE" sz="1800" dirty="0">
+              <a:latin typeface="Courier New" panose="02070309020205020404" pitchFamily="49" charset="0"/>
+              <a:cs typeface="Courier New" panose="02070309020205020404" pitchFamily="49" charset="0"/>
+            </a:endParaRPr>
+          </a:p>
+          <a:p>
+            <a:pPr marL="0" indent="0">
+              <a:buNone/>
+            </a:pPr>
+            <a:r>
+              <a:rPr lang="de-DE" sz="1800" dirty="0">
+                <a:latin typeface="Courier New" panose="02070309020205020404" pitchFamily="49" charset="0"/>
+                <a:cs typeface="Courier New" panose="02070309020205020404" pitchFamily="49" charset="0"/>
+              </a:rPr>
+              <a:t>      }</a:t>
+            </a:r>
+          </a:p>
+        </p:txBody>
+      </p:sp>
+    </p:spTree>
+    <p:extLst>
+      <p:ext uri="{BB962C8B-B14F-4D97-AF65-F5344CB8AC3E}">
+        <p14:creationId xmlns:p14="http://schemas.microsoft.com/office/powerpoint/2010/main" val="326255881"/>
+      </p:ext>
+    </p:extLst>
+  </p:cSld>
+  <p:clrMapOvr>
+    <a:masterClrMapping/>
+  </p:clrMapOvr>
+</p:sld>
+</file>
+
+<file path=ppt/slides/slide15.xml><?xml version="1.0" encoding="utf-8"?>
+<p:sld xmlns:a="http://schemas.openxmlformats.org/drawingml/2006/main" xmlns:r="http://schemas.openxmlformats.org/officeDocument/2006/relationships" xmlns:p="http://schemas.openxmlformats.org/presentationml/2006/main">
+  <p:cSld>
+    <p:spTree>
+      <p:nvGrpSpPr>
+        <p:cNvPr id="1" name=""/>
+        <p:cNvGrpSpPr/>
+        <p:nvPr/>
+      </p:nvGrpSpPr>
+      <p:grpSpPr>
+        <a:xfrm>
+          <a:off x="0" y="0"/>
+          <a:ext cx="0" cy="0"/>
+          <a:chOff x="0" y="0"/>
+          <a:chExt cx="0" cy="0"/>
+        </a:xfrm>
+      </p:grpSpPr>
+      <p:sp>
+        <p:nvSpPr>
+          <p:cNvPr id="2" name="Titel 1">
+            <a:extLst>
+              <a:ext uri="{FF2B5EF4-FFF2-40B4-BE49-F238E27FC236}">
+                <a16:creationId xmlns:a16="http://schemas.microsoft.com/office/drawing/2014/main" id="{54472761-F6BA-A4DF-6E97-094AE60B729E}"/>
+              </a:ext>
+            </a:extLst>
+          </p:cNvPr>
+          <p:cNvSpPr>
+            <a:spLocks noGrp="1"/>
+          </p:cNvSpPr>
+          <p:nvPr>
+            <p:ph type="title"/>
+          </p:nvPr>
+        </p:nvSpPr>
+        <p:spPr/>
+        <p:txBody>
+          <a:bodyPr/>
+          <a:lstStyle/>
+          <a:p>
+            <a:r>
+              <a:rPr lang="de-DE" dirty="0"/>
+              <a:t>Master </a:t>
+            </a:r>
+            <a:r>
+              <a:rPr lang="de-DE" dirty="0" err="1"/>
+              <a:t>Node</a:t>
+            </a:r>
+            <a:r>
+              <a:rPr lang="de-DE" dirty="0"/>
+              <a:t> einrichten</a:t>
+            </a:r>
+          </a:p>
+        </p:txBody>
+      </p:sp>
+      <p:sp>
+        <p:nvSpPr>
+          <p:cNvPr id="3" name="Inhaltsplatzhalter 2">
+            <a:extLst>
+              <a:ext uri="{FF2B5EF4-FFF2-40B4-BE49-F238E27FC236}">
+                <a16:creationId xmlns:a16="http://schemas.microsoft.com/office/drawing/2014/main" id="{A6C84D30-D395-411D-5201-F8BC8F103909}"/>
+              </a:ext>
+            </a:extLst>
+          </p:cNvPr>
+          <p:cNvSpPr>
+            <a:spLocks noGrp="1"/>
+          </p:cNvSpPr>
+          <p:nvPr>
+            <p:ph idx="1"/>
+          </p:nvPr>
+        </p:nvSpPr>
+        <p:spPr/>
+        <p:txBody>
+          <a:bodyPr>
+            <a:normAutofit/>
+          </a:bodyPr>
+          <a:lstStyle/>
+          <a:p>
+            <a:r>
+              <a:rPr lang="de-DE" dirty="0" err="1"/>
+              <a:t>Kubernetes</a:t>
+            </a:r>
+            <a:r>
+              <a:rPr lang="de-DE" dirty="0"/>
+              <a:t> installieren (3): DNS konfigurieren</a:t>
+            </a:r>
+          </a:p>
+          <a:p>
+            <a:pPr marL="0" indent="0">
+              <a:buNone/>
+            </a:pPr>
+            <a:r>
+              <a:rPr lang="de-DE" sz="1800" dirty="0">
+                <a:latin typeface="Courier New" panose="02070309020205020404" pitchFamily="49" charset="0"/>
+                <a:cs typeface="Courier New" panose="02070309020205020404" pitchFamily="49" charset="0"/>
+              </a:rPr>
+              <a:t>  microk8s </a:t>
+            </a:r>
+            <a:r>
+              <a:rPr lang="de-DE" sz="1800" dirty="0" err="1">
+                <a:latin typeface="Courier New" panose="02070309020205020404" pitchFamily="49" charset="0"/>
+                <a:cs typeface="Courier New" panose="02070309020205020404" pitchFamily="49" charset="0"/>
+              </a:rPr>
+              <a:t>kubectl</a:t>
+            </a:r>
+            <a:r>
+              <a:rPr lang="de-DE" sz="1800" dirty="0">
+                <a:latin typeface="Courier New" panose="02070309020205020404" pitchFamily="49" charset="0"/>
+                <a:cs typeface="Courier New" panose="02070309020205020404" pitchFamily="49" charset="0"/>
+              </a:rPr>
+              <a:t> </a:t>
+            </a:r>
+            <a:r>
+              <a:rPr lang="de-DE" sz="1800" dirty="0" err="1">
+                <a:latin typeface="Courier New" panose="02070309020205020404" pitchFamily="49" charset="0"/>
+                <a:cs typeface="Courier New" panose="02070309020205020404" pitchFamily="49" charset="0"/>
+              </a:rPr>
+              <a:t>rollout</a:t>
+            </a:r>
+            <a:r>
+              <a:rPr lang="de-DE" sz="1800" dirty="0">
+                <a:latin typeface="Courier New" panose="02070309020205020404" pitchFamily="49" charset="0"/>
+                <a:cs typeface="Courier New" panose="02070309020205020404" pitchFamily="49" charset="0"/>
+              </a:rPr>
+              <a:t> </a:t>
+            </a:r>
+            <a:r>
+              <a:rPr lang="de-DE" sz="1800" dirty="0" err="1">
+                <a:latin typeface="Courier New" panose="02070309020205020404" pitchFamily="49" charset="0"/>
+                <a:cs typeface="Courier New" panose="02070309020205020404" pitchFamily="49" charset="0"/>
+              </a:rPr>
+              <a:t>restart</a:t>
+            </a:r>
+            <a:r>
+              <a:rPr lang="de-DE" sz="1800" dirty="0">
+                <a:latin typeface="Courier New" panose="02070309020205020404" pitchFamily="49" charset="0"/>
+                <a:cs typeface="Courier New" panose="02070309020205020404" pitchFamily="49" charset="0"/>
+              </a:rPr>
+              <a:t> -</a:t>
+            </a:r>
+            <a:r>
+              <a:rPr lang="de-DE" sz="1800" dirty="0" err="1">
+                <a:latin typeface="Courier New" panose="02070309020205020404" pitchFamily="49" charset="0"/>
+                <a:cs typeface="Courier New" panose="02070309020205020404" pitchFamily="49" charset="0"/>
+              </a:rPr>
+              <a:t>n</a:t>
+            </a:r>
+            <a:r>
+              <a:rPr lang="de-DE" sz="1800" dirty="0">
+                <a:latin typeface="Courier New" panose="02070309020205020404" pitchFamily="49" charset="0"/>
+                <a:cs typeface="Courier New" panose="02070309020205020404" pitchFamily="49" charset="0"/>
+              </a:rPr>
+              <a:t> </a:t>
+            </a:r>
+            <a:r>
+              <a:rPr lang="de-DE" sz="1800" dirty="0" err="1">
+                <a:latin typeface="Courier New" panose="02070309020205020404" pitchFamily="49" charset="0"/>
+                <a:cs typeface="Courier New" panose="02070309020205020404" pitchFamily="49" charset="0"/>
+              </a:rPr>
+              <a:t>kube</a:t>
+            </a:r>
+            <a:r>
+              <a:rPr lang="de-DE" sz="1800" dirty="0">
+                <a:latin typeface="Courier New" panose="02070309020205020404" pitchFamily="49" charset="0"/>
+                <a:cs typeface="Courier New" panose="02070309020205020404" pitchFamily="49" charset="0"/>
+              </a:rPr>
+              <a:t>-system </a:t>
+            </a:r>
+            <a:r>
+              <a:rPr lang="de-DE" sz="1800" dirty="0" err="1">
+                <a:latin typeface="Courier New" panose="02070309020205020404" pitchFamily="49" charset="0"/>
+                <a:cs typeface="Courier New" panose="02070309020205020404" pitchFamily="49" charset="0"/>
+              </a:rPr>
+              <a:t>deployment</a:t>
+            </a:r>
+            <a:r>
+              <a:rPr lang="de-DE" sz="1800" dirty="0">
+                <a:latin typeface="Courier New" panose="02070309020205020404" pitchFamily="49" charset="0"/>
+                <a:cs typeface="Courier New" panose="02070309020205020404" pitchFamily="49" charset="0"/>
+              </a:rPr>
+              <a:t>/</a:t>
+            </a:r>
+            <a:r>
+              <a:rPr lang="de-DE" sz="1800" dirty="0" err="1">
+                <a:latin typeface="Courier New" panose="02070309020205020404" pitchFamily="49" charset="0"/>
+                <a:cs typeface="Courier New" panose="02070309020205020404" pitchFamily="49" charset="0"/>
+              </a:rPr>
+              <a:t>coredns</a:t>
+            </a:r>
+            <a:endParaRPr lang="de-DE" sz="1800" dirty="0">
+              <a:latin typeface="Courier New" panose="02070309020205020404" pitchFamily="49" charset="0"/>
+              <a:cs typeface="Courier New" panose="02070309020205020404" pitchFamily="49" charset="0"/>
+            </a:endParaRPr>
+          </a:p>
+        </p:txBody>
+      </p:sp>
+    </p:spTree>
+    <p:extLst>
+      <p:ext uri="{BB962C8B-B14F-4D97-AF65-F5344CB8AC3E}">
+        <p14:creationId xmlns:p14="http://schemas.microsoft.com/office/powerpoint/2010/main" val="2750991977"/>
+      </p:ext>
+    </p:extLst>
+  </p:cSld>
+  <p:clrMapOvr>
+    <a:masterClrMapping/>
+  </p:clrMapOvr>
+</p:sld>
+</file>
+
+<file path=ppt/slides/slide16.xml><?xml version="1.0" encoding="utf-8"?>
+<p:sld xmlns:a="http://schemas.openxmlformats.org/drawingml/2006/main" xmlns:r="http://schemas.openxmlformats.org/officeDocument/2006/relationships" xmlns:p="http://schemas.openxmlformats.org/presentationml/2006/main">
+  <p:cSld>
+    <p:spTree>
+      <p:nvGrpSpPr>
+        <p:cNvPr id="1" name=""/>
+        <p:cNvGrpSpPr/>
+        <p:nvPr/>
+      </p:nvGrpSpPr>
+      <p:grpSpPr>
+        <a:xfrm>
+          <a:off x="0" y="0"/>
+          <a:ext cx="0" cy="0"/>
+          <a:chOff x="0" y="0"/>
+          <a:chExt cx="0" cy="0"/>
+        </a:xfrm>
+      </p:grpSpPr>
+      <p:sp>
+        <p:nvSpPr>
+          <p:cNvPr id="2" name="Titel 1">
+            <a:extLst>
+              <a:ext uri="{FF2B5EF4-FFF2-40B4-BE49-F238E27FC236}">
+                <a16:creationId xmlns:a16="http://schemas.microsoft.com/office/drawing/2014/main" id="{54472761-F6BA-A4DF-6E97-094AE60B729E}"/>
+              </a:ext>
+            </a:extLst>
+          </p:cNvPr>
+          <p:cNvSpPr>
+            <a:spLocks noGrp="1"/>
+          </p:cNvSpPr>
+          <p:nvPr>
+            <p:ph type="title"/>
+          </p:nvPr>
+        </p:nvSpPr>
+        <p:spPr/>
+        <p:txBody>
+          <a:bodyPr/>
+          <a:lstStyle/>
+          <a:p>
+            <a:r>
+              <a:rPr lang="de-DE" dirty="0"/>
+              <a:t>Master </a:t>
+            </a:r>
+            <a:r>
+              <a:rPr lang="de-DE" dirty="0" err="1"/>
+              <a:t>Node</a:t>
+            </a:r>
+            <a:r>
+              <a:rPr lang="de-DE" dirty="0"/>
+              <a:t> einrichten</a:t>
+            </a:r>
+          </a:p>
+        </p:txBody>
+      </p:sp>
+      <p:sp>
+        <p:nvSpPr>
+          <p:cNvPr id="3" name="Inhaltsplatzhalter 2">
+            <a:extLst>
+              <a:ext uri="{FF2B5EF4-FFF2-40B4-BE49-F238E27FC236}">
+                <a16:creationId xmlns:a16="http://schemas.microsoft.com/office/drawing/2014/main" id="{A6C84D30-D395-411D-5201-F8BC8F103909}"/>
+              </a:ext>
+            </a:extLst>
+          </p:cNvPr>
+          <p:cNvSpPr>
+            <a:spLocks noGrp="1"/>
+          </p:cNvSpPr>
+          <p:nvPr>
+            <p:ph idx="1"/>
+          </p:nvPr>
+        </p:nvSpPr>
+        <p:spPr/>
+        <p:txBody>
+          <a:bodyPr>
+            <a:normAutofit/>
+          </a:bodyPr>
+          <a:lstStyle/>
+          <a:p>
+            <a:r>
+              <a:rPr lang="de-DE" dirty="0" err="1"/>
+              <a:t>Kubernetes</a:t>
+            </a:r>
+            <a:r>
+              <a:rPr lang="de-DE" dirty="0"/>
+              <a:t> installieren (4): </a:t>
+            </a:r>
+            <a:r>
+              <a:rPr lang="de-DE" dirty="0">
+                <a:cs typeface="Courier New" panose="02070309020205020404" pitchFamily="49" charset="0"/>
+              </a:rPr>
+              <a:t>Dashboard öffnen</a:t>
+            </a:r>
+          </a:p>
+          <a:p>
+            <a:pPr marL="0" indent="0">
+              <a:buNone/>
+            </a:pPr>
+            <a:r>
+              <a:rPr lang="de-DE" sz="2400" dirty="0">
+                <a:latin typeface="Courier New" panose="02070309020205020404" pitchFamily="49" charset="0"/>
+                <a:cs typeface="Courier New" panose="02070309020205020404" pitchFamily="49" charset="0"/>
+              </a:rPr>
+              <a:t>  microk8s </a:t>
+            </a:r>
+            <a:r>
+              <a:rPr lang="de-DE" sz="2400" dirty="0" err="1">
+                <a:latin typeface="Courier New" panose="02070309020205020404" pitchFamily="49" charset="0"/>
+                <a:cs typeface="Courier New" panose="02070309020205020404" pitchFamily="49" charset="0"/>
+              </a:rPr>
+              <a:t>dashboard</a:t>
+            </a:r>
+            <a:r>
+              <a:rPr lang="de-DE" sz="2400" dirty="0">
+                <a:latin typeface="Courier New" panose="02070309020205020404" pitchFamily="49" charset="0"/>
+                <a:cs typeface="Courier New" panose="02070309020205020404" pitchFamily="49" charset="0"/>
+              </a:rPr>
+              <a:t>-proxy</a:t>
+            </a:r>
+          </a:p>
+          <a:p>
+            <a:pPr lvl="1"/>
+            <a:r>
+              <a:rPr lang="de-DE" dirty="0">
+                <a:cs typeface="Courier New" panose="02070309020205020404" pitchFamily="49" charset="0"/>
+              </a:rPr>
+              <a:t>Das kann ein paar Minuten dauern…</a:t>
+            </a:r>
+          </a:p>
+          <a:p>
+            <a:pPr lvl="1"/>
+            <a:r>
+              <a:rPr lang="de-DE" dirty="0">
+                <a:cs typeface="Courier New" panose="02070309020205020404" pitchFamily="49" charset="0"/>
+              </a:rPr>
+              <a:t>Bitte das Token kopieren!</a:t>
+            </a:r>
+          </a:p>
+          <a:p>
+            <a:pPr marL="0" indent="0">
+              <a:buNone/>
+            </a:pPr>
+            <a:r>
+              <a:rPr lang="de-DE" dirty="0">
+                <a:latin typeface="Courier New" panose="02070309020205020404" pitchFamily="49" charset="0"/>
+                <a:cs typeface="Courier New" panose="02070309020205020404" pitchFamily="49" charset="0"/>
+              </a:rPr>
+              <a:t>	</a:t>
+            </a:r>
+          </a:p>
+        </p:txBody>
+      </p:sp>
+      <p:grpSp>
+        <p:nvGrpSpPr>
+          <p:cNvPr id="6" name="Gruppieren 5">
+            <a:extLst>
+              <a:ext uri="{FF2B5EF4-FFF2-40B4-BE49-F238E27FC236}">
+                <a16:creationId xmlns:a16="http://schemas.microsoft.com/office/drawing/2014/main" id="{1CFD2278-5A3E-2560-B4F8-A415CDEE872E}"/>
+              </a:ext>
+            </a:extLst>
+          </p:cNvPr>
+          <p:cNvGrpSpPr/>
+          <p:nvPr/>
+        </p:nvGrpSpPr>
+        <p:grpSpPr>
+          <a:xfrm>
+            <a:off x="20587" y="4281171"/>
+            <a:ext cx="12150825" cy="1895792"/>
+            <a:chOff x="20587" y="2548572"/>
+            <a:chExt cx="12150825" cy="1895792"/>
+          </a:xfrm>
+        </p:grpSpPr>
+        <p:pic>
+          <p:nvPicPr>
+            <p:cNvPr id="4" name="Grafik 3">
+              <a:extLst>
+                <a:ext uri="{FF2B5EF4-FFF2-40B4-BE49-F238E27FC236}">
+                  <a16:creationId xmlns:a16="http://schemas.microsoft.com/office/drawing/2014/main" id="{2D007CEF-3EC6-BDB3-7DE3-A93C924F6D36}"/>
+                </a:ext>
+              </a:extLst>
+            </p:cNvPr>
+            <p:cNvPicPr>
+              <a:picLocks noChangeAspect="1"/>
+            </p:cNvPicPr>
+            <p:nvPr/>
+          </p:nvPicPr>
+          <p:blipFill>
+            <a:blip r:embed="rId2"/>
+            <a:stretch>
+              <a:fillRect/>
+            </a:stretch>
+          </p:blipFill>
+          <p:spPr>
+            <a:xfrm>
+              <a:off x="20587" y="2548572"/>
+              <a:ext cx="12150825" cy="1760855"/>
+            </a:xfrm>
+            <a:prstGeom prst="rect">
+              <a:avLst/>
+            </a:prstGeom>
+          </p:spPr>
+        </p:pic>
+        <p:sp>
+          <p:nvSpPr>
+            <p:cNvPr id="5" name="Oval 4">
+              <a:extLst>
+                <a:ext uri="{FF2B5EF4-FFF2-40B4-BE49-F238E27FC236}">
+                  <a16:creationId xmlns:a16="http://schemas.microsoft.com/office/drawing/2014/main" id="{A98F5722-1B8D-908E-9B20-4508E1C8C87C}"/>
+                </a:ext>
+              </a:extLst>
+            </p:cNvPr>
+            <p:cNvSpPr/>
+            <p:nvPr/>
+          </p:nvSpPr>
+          <p:spPr>
+            <a:xfrm>
+              <a:off x="112394" y="3392804"/>
+              <a:ext cx="11967210" cy="1051560"/>
+            </a:xfrm>
+            <a:prstGeom prst="ellipse">
+              <a:avLst/>
+            </a:prstGeom>
+            <a:noFill/>
+            <a:ln w="38100">
+              <a:solidFill>
+                <a:srgbClr val="FF0000"/>
+              </a:solidFill>
+            </a:ln>
+          </p:spPr>
+          <p:style>
+            <a:lnRef idx="2">
+              <a:schemeClr val="accent1">
+                <a:shade val="50000"/>
+              </a:schemeClr>
+            </a:lnRef>
+            <a:fillRef idx="1">
+              <a:schemeClr val="accent1"/>
+            </a:fillRef>
+            <a:effectRef idx="0">
+              <a:schemeClr val="accent1"/>
+            </a:effectRef>
+            <a:fontRef idx="minor">
+              <a:schemeClr val="lt1"/>
+            </a:fontRef>
+          </p:style>
+          <p:txBody>
+            <a:bodyPr rtlCol="0" anchor="ctr"/>
+            <a:lstStyle/>
+            <a:p>
+              <a:pPr algn="ctr"/>
+              <a:endParaRPr lang="de-DE"/>
+            </a:p>
+          </p:txBody>
+        </p:sp>
+      </p:grpSp>
+    </p:spTree>
+    <p:extLst>
+      <p:ext uri="{BB962C8B-B14F-4D97-AF65-F5344CB8AC3E}">
+        <p14:creationId xmlns:p14="http://schemas.microsoft.com/office/powerpoint/2010/main" val="1791239617"/>
+      </p:ext>
+    </p:extLst>
+  </p:cSld>
+  <p:clrMapOvr>
+    <a:masterClrMapping/>
+  </p:clrMapOvr>
+</p:sld>
+</file>
+
+<file path=ppt/slides/slide17.xml><?xml version="1.0" encoding="utf-8"?>
+<p:sld xmlns:a="http://schemas.openxmlformats.org/drawingml/2006/main" xmlns:r="http://schemas.openxmlformats.org/officeDocument/2006/relationships" xmlns:p="http://schemas.openxmlformats.org/presentationml/2006/main">
+  <p:cSld>
+    <p:spTree>
+      <p:nvGrpSpPr>
+        <p:cNvPr id="1" name=""/>
+        <p:cNvGrpSpPr/>
+        <p:nvPr/>
+      </p:nvGrpSpPr>
+      <p:grpSpPr>
+        <a:xfrm>
+          <a:off x="0" y="0"/>
+          <a:ext cx="0" cy="0"/>
+          <a:chOff x="0" y="0"/>
+          <a:chExt cx="0" cy="0"/>
+        </a:xfrm>
+      </p:grpSpPr>
+      <p:sp>
+        <p:nvSpPr>
+          <p:cNvPr id="2" name="Titel 1">
+            <a:extLst>
+              <a:ext uri="{FF2B5EF4-FFF2-40B4-BE49-F238E27FC236}">
+                <a16:creationId xmlns:a16="http://schemas.microsoft.com/office/drawing/2014/main" id="{54472761-F6BA-A4DF-6E97-094AE60B729E}"/>
+              </a:ext>
+            </a:extLst>
+          </p:cNvPr>
+          <p:cNvSpPr>
+            <a:spLocks noGrp="1"/>
+          </p:cNvSpPr>
+          <p:nvPr>
+            <p:ph type="title"/>
+          </p:nvPr>
+        </p:nvSpPr>
+        <p:spPr/>
+        <p:txBody>
+          <a:bodyPr/>
+          <a:lstStyle/>
+          <a:p>
+            <a:r>
+              <a:rPr lang="de-DE" dirty="0"/>
+              <a:t>Master </a:t>
+            </a:r>
+            <a:r>
+              <a:rPr lang="de-DE" dirty="0" err="1"/>
+              <a:t>Node</a:t>
+            </a:r>
+            <a:r>
+              <a:rPr lang="de-DE" dirty="0"/>
+              <a:t> einrichten</a:t>
+            </a:r>
+          </a:p>
+        </p:txBody>
+      </p:sp>
+      <p:sp>
+        <p:nvSpPr>
+          <p:cNvPr id="3" name="Inhaltsplatzhalter 2">
+            <a:extLst>
+              <a:ext uri="{FF2B5EF4-FFF2-40B4-BE49-F238E27FC236}">
+                <a16:creationId xmlns:a16="http://schemas.microsoft.com/office/drawing/2014/main" id="{A6C84D30-D395-411D-5201-F8BC8F103909}"/>
+              </a:ext>
+            </a:extLst>
+          </p:cNvPr>
+          <p:cNvSpPr>
+            <a:spLocks noGrp="1"/>
+          </p:cNvSpPr>
+          <p:nvPr>
+            <p:ph idx="1"/>
+          </p:nvPr>
+        </p:nvSpPr>
+        <p:spPr/>
+        <p:txBody>
+          <a:bodyPr>
+            <a:normAutofit/>
+          </a:bodyPr>
+          <a:lstStyle/>
+          <a:p>
+            <a:r>
+              <a:rPr lang="de-DE" dirty="0" err="1"/>
+              <a:t>Kubernetes</a:t>
+            </a:r>
+            <a:r>
+              <a:rPr lang="de-DE" dirty="0"/>
+              <a:t> installieren (4): Dashboard öffnen</a:t>
+            </a:r>
+            <a:endParaRPr lang="de-DE" dirty="0">
+              <a:latin typeface="Courier New" panose="02070309020205020404" pitchFamily="49" charset="0"/>
+              <a:cs typeface="Courier New" panose="02070309020205020404" pitchFamily="49" charset="0"/>
+            </a:endParaRPr>
+          </a:p>
+          <a:p>
+            <a:pPr lvl="1"/>
+            <a:r>
+              <a:rPr lang="de-DE" dirty="0">
+                <a:cs typeface="Courier New" panose="02070309020205020404" pitchFamily="49" charset="0"/>
+              </a:rPr>
+              <a:t>Browser aufrufen </a:t>
+            </a:r>
+            <a:r>
+              <a:rPr lang="de-DE" dirty="0">
+                <a:cs typeface="Courier New" panose="02070309020205020404" pitchFamily="49" charset="0"/>
+                <a:hlinkClick r:id="rId2"/>
+              </a:rPr>
+              <a:t>https://master:10443</a:t>
+            </a:r>
+            <a:endParaRPr lang="de-DE" dirty="0">
+              <a:cs typeface="Courier New" panose="02070309020205020404" pitchFamily="49" charset="0"/>
+            </a:endParaRPr>
+          </a:p>
+          <a:p>
+            <a:pPr lvl="1"/>
+            <a:r>
+              <a:rPr lang="de-DE" dirty="0">
+                <a:cs typeface="Courier New" panose="02070309020205020404" pitchFamily="49" charset="0"/>
+              </a:rPr>
+              <a:t>Token eingeben</a:t>
+            </a:r>
+          </a:p>
+          <a:p>
+            <a:pPr lvl="1"/>
+            <a:r>
+              <a:rPr lang="de-DE" dirty="0">
+                <a:cs typeface="Courier New" panose="02070309020205020404" pitchFamily="49" charset="0"/>
+              </a:rPr>
+              <a:t>Erscheint das Dashboard?</a:t>
+            </a:r>
+          </a:p>
+          <a:p>
+            <a:pPr lvl="1"/>
+            <a:r>
+              <a:rPr lang="de-DE" dirty="0">
+                <a:cs typeface="Courier New" panose="02070309020205020404" pitchFamily="49" charset="0"/>
+              </a:rPr>
+              <a:t>Sieht man den </a:t>
+            </a:r>
+            <a:r>
+              <a:rPr lang="de-DE" dirty="0" err="1">
+                <a:latin typeface="Courier New" panose="02070309020205020404" pitchFamily="49" charset="0"/>
+                <a:cs typeface="Courier New" panose="02070309020205020404" pitchFamily="49" charset="0"/>
+              </a:rPr>
+              <a:t>master</a:t>
+            </a:r>
+            <a:r>
+              <a:rPr lang="de-DE" dirty="0">
+                <a:cs typeface="Courier New" panose="02070309020205020404" pitchFamily="49" charset="0"/>
+              </a:rPr>
+              <a:t> </a:t>
+            </a:r>
+            <a:r>
+              <a:rPr lang="de-DE" dirty="0" err="1">
+                <a:cs typeface="Courier New" panose="02070309020205020404" pitchFamily="49" charset="0"/>
+              </a:rPr>
+              <a:t>node</a:t>
+            </a:r>
+            <a:r>
+              <a:rPr lang="de-DE" dirty="0">
+                <a:cs typeface="Courier New" panose="02070309020205020404" pitchFamily="49" charset="0"/>
+              </a:rPr>
+              <a:t>? (unter Cluster </a:t>
+            </a:r>
+            <a:r>
+              <a:rPr lang="de-DE" dirty="0">
+                <a:cs typeface="Courier New" panose="02070309020205020404" pitchFamily="49" charset="0"/>
+                <a:sym typeface="Wingdings" pitchFamily="2" charset="2"/>
+              </a:rPr>
+              <a:t> Nodes)</a:t>
+            </a:r>
+            <a:endParaRPr lang="de-DE" dirty="0">
+              <a:cs typeface="Courier New" panose="02070309020205020404" pitchFamily="49" charset="0"/>
+            </a:endParaRPr>
+          </a:p>
+          <a:p>
+            <a:pPr lvl="1"/>
+            <a:endParaRPr lang="de-DE" dirty="0"/>
+          </a:p>
+        </p:txBody>
+      </p:sp>
+      <p:pic>
+        <p:nvPicPr>
+          <p:cNvPr id="4" name="Grafik 3">
+            <a:extLst>
+              <a:ext uri="{FF2B5EF4-FFF2-40B4-BE49-F238E27FC236}">
+                <a16:creationId xmlns:a16="http://schemas.microsoft.com/office/drawing/2014/main" id="{C51C0820-64B7-8820-F22B-FC0F71A67B1A}"/>
+              </a:ext>
+            </a:extLst>
+          </p:cNvPr>
+          <p:cNvPicPr>
+            <a:picLocks noChangeAspect="1"/>
+          </p:cNvPicPr>
+          <p:nvPr/>
+        </p:nvPicPr>
+        <p:blipFill>
+          <a:blip r:embed="rId3"/>
+          <a:stretch>
+            <a:fillRect/>
+          </a:stretch>
+        </p:blipFill>
+        <p:spPr>
+          <a:xfrm>
+            <a:off x="5326380" y="3841289"/>
+            <a:ext cx="6865620" cy="3016711"/>
+          </a:xfrm>
+          <a:prstGeom prst="rect">
+            <a:avLst/>
+          </a:prstGeom>
+        </p:spPr>
+      </p:pic>
+    </p:spTree>
+    <p:extLst>
+      <p:ext uri="{BB962C8B-B14F-4D97-AF65-F5344CB8AC3E}">
+        <p14:creationId xmlns:p14="http://schemas.microsoft.com/office/powerpoint/2010/main" val="366161749"/>
+      </p:ext>
+    </p:extLst>
+  </p:cSld>
+  <p:clrMapOvr>
+    <a:masterClrMapping/>
+  </p:clrMapOvr>
+</p:sld>
+</file>
+
+<file path=ppt/slides/slide18.xml><?xml version="1.0" encoding="utf-8"?>
+<p:sld xmlns:a="http://schemas.openxmlformats.org/drawingml/2006/main" xmlns:r="http://schemas.openxmlformats.org/officeDocument/2006/relationships" xmlns:p="http://schemas.openxmlformats.org/presentationml/2006/main">
+  <p:cSld>
+    <p:spTree>
+      <p:nvGrpSpPr>
+        <p:cNvPr id="1" name=""/>
+        <p:cNvGrpSpPr/>
+        <p:nvPr/>
+      </p:nvGrpSpPr>
+      <p:grpSpPr>
+        <a:xfrm>
+          <a:off x="0" y="0"/>
+          <a:ext cx="0" cy="0"/>
+          <a:chOff x="0" y="0"/>
+          <a:chExt cx="0" cy="0"/>
+        </a:xfrm>
+      </p:grpSpPr>
+      <p:sp>
+        <p:nvSpPr>
+          <p:cNvPr id="2" name="Titel 1">
+            <a:extLst>
+              <a:ext uri="{FF2B5EF4-FFF2-40B4-BE49-F238E27FC236}">
+                <a16:creationId xmlns:a16="http://schemas.microsoft.com/office/drawing/2014/main" id="{97B81511-FD40-5DFB-A11C-439D47FC7E4E}"/>
+              </a:ext>
+            </a:extLst>
+          </p:cNvPr>
+          <p:cNvSpPr>
+            <a:spLocks noGrp="1"/>
+          </p:cNvSpPr>
+          <p:nvPr>
+            <p:ph type="title"/>
+          </p:nvPr>
+        </p:nvSpPr>
+        <p:spPr/>
+        <p:txBody>
+          <a:bodyPr/>
+          <a:lstStyle/>
+          <a:p>
+            <a:r>
+              <a:rPr lang="de-DE" dirty="0"/>
+              <a:t>Zufügen eines </a:t>
+            </a:r>
+            <a:r>
+              <a:rPr lang="de-DE" dirty="0" err="1"/>
+              <a:t>Worker</a:t>
+            </a:r>
+            <a:r>
+              <a:rPr lang="de-DE" dirty="0"/>
+              <a:t> Nodes</a:t>
+            </a:r>
+          </a:p>
+        </p:txBody>
+      </p:sp>
+      <p:sp>
+        <p:nvSpPr>
+          <p:cNvPr id="3" name="Inhaltsplatzhalter 2">
+            <a:extLst>
+              <a:ext uri="{FF2B5EF4-FFF2-40B4-BE49-F238E27FC236}">
+                <a16:creationId xmlns:a16="http://schemas.microsoft.com/office/drawing/2014/main" id="{D60DEAA2-318F-E89B-9305-4E4F17176745}"/>
+              </a:ext>
+            </a:extLst>
+          </p:cNvPr>
+          <p:cNvSpPr>
+            <a:spLocks noGrp="1"/>
+          </p:cNvSpPr>
+          <p:nvPr>
+            <p:ph idx="1"/>
+          </p:nvPr>
+        </p:nvSpPr>
+        <p:spPr/>
+        <p:txBody>
+          <a:bodyPr>
+            <a:normAutofit/>
+          </a:bodyPr>
+          <a:lstStyle/>
+          <a:p>
+            <a:r>
+              <a:rPr lang="de-DE" dirty="0">
                 <a:latin typeface="Courier New" panose="02070309020205020404" pitchFamily="49" charset="0"/>
                 <a:cs typeface="Courier New" panose="02070309020205020404" pitchFamily="49" charset="0"/>
               </a:rPr>
@@ -5166,14 +6623,868 @@
             </a:r>
             <a:r>
               <a:rPr lang="de-DE" dirty="0"/>
-              <a:t> einrichten (2): </a:t>
-            </a:r>
+              <a:t> einrichten (1):</a:t>
+            </a:r>
+          </a:p>
+          <a:p>
+            <a:pPr marL="0" indent="0">
+              <a:buNone/>
+            </a:pPr>
+            <a:r>
+              <a:rPr lang="de-DE" dirty="0"/>
+              <a:t>	</a:t>
+            </a:r>
+            <a:r>
+              <a:rPr lang="de-DE" sz="2400" dirty="0">
+                <a:latin typeface="Courier New" panose="02070309020205020404" pitchFamily="49" charset="0"/>
+                <a:cs typeface="Courier New" panose="02070309020205020404" pitchFamily="49" charset="0"/>
+              </a:rPr>
+              <a:t>multipass </a:t>
+            </a:r>
+            <a:r>
+              <a:rPr lang="de-DE" sz="2400" dirty="0" err="1">
+                <a:latin typeface="Courier New" panose="02070309020205020404" pitchFamily="49" charset="0"/>
+                <a:cs typeface="Courier New" panose="02070309020205020404" pitchFamily="49" charset="0"/>
+              </a:rPr>
+              <a:t>shell</a:t>
+            </a:r>
+            <a:r>
+              <a:rPr lang="de-DE" sz="2400" dirty="0">
+                <a:latin typeface="Courier New" panose="02070309020205020404" pitchFamily="49" charset="0"/>
+                <a:cs typeface="Courier New" panose="02070309020205020404" pitchFamily="49" charset="0"/>
+              </a:rPr>
+              <a:t> worker1</a:t>
+            </a:r>
+          </a:p>
+          <a:p>
+            <a:pPr marL="0" indent="0">
+              <a:buNone/>
+            </a:pPr>
+            <a:r>
+              <a:rPr lang="de-DE" sz="2400" dirty="0">
+                <a:latin typeface="Courier New" panose="02070309020205020404" pitchFamily="49" charset="0"/>
+                <a:cs typeface="Courier New" panose="02070309020205020404" pitchFamily="49" charset="0"/>
+              </a:rPr>
+              <a:t>	</a:t>
+            </a:r>
+            <a:r>
+              <a:rPr lang="de-DE" sz="2400" dirty="0" err="1">
+                <a:latin typeface="Courier New" panose="02070309020205020404" pitchFamily="49" charset="0"/>
+                <a:cs typeface="Courier New" panose="02070309020205020404" pitchFamily="49" charset="0"/>
+              </a:rPr>
+              <a:t>sudo</a:t>
+            </a:r>
+            <a:r>
+              <a:rPr lang="de-DE" sz="2400" dirty="0">
+                <a:latin typeface="Courier New" panose="02070309020205020404" pitchFamily="49" charset="0"/>
+                <a:cs typeface="Courier New" panose="02070309020205020404" pitchFamily="49" charset="0"/>
+              </a:rPr>
+              <a:t> </a:t>
+            </a:r>
+            <a:r>
+              <a:rPr lang="de-DE" sz="2400" dirty="0" err="1">
+                <a:latin typeface="Courier New" panose="02070309020205020404" pitchFamily="49" charset="0"/>
+                <a:cs typeface="Courier New" panose="02070309020205020404" pitchFamily="49" charset="0"/>
+              </a:rPr>
+              <a:t>snap</a:t>
+            </a:r>
+            <a:r>
+              <a:rPr lang="de-DE" sz="2400" dirty="0">
+                <a:latin typeface="Courier New" panose="02070309020205020404" pitchFamily="49" charset="0"/>
+                <a:cs typeface="Courier New" panose="02070309020205020404" pitchFamily="49" charset="0"/>
+              </a:rPr>
+              <a:t> </a:t>
+            </a:r>
+            <a:r>
+              <a:rPr lang="de-DE" sz="2400" dirty="0" err="1">
+                <a:latin typeface="Courier New" panose="02070309020205020404" pitchFamily="49" charset="0"/>
+                <a:cs typeface="Courier New" panose="02070309020205020404" pitchFamily="49" charset="0"/>
+              </a:rPr>
+              <a:t>install</a:t>
+            </a:r>
+            <a:r>
+              <a:rPr lang="de-DE" sz="2400" dirty="0">
+                <a:latin typeface="Courier New" panose="02070309020205020404" pitchFamily="49" charset="0"/>
+                <a:cs typeface="Courier New" panose="02070309020205020404" pitchFamily="49" charset="0"/>
+              </a:rPr>
+              <a:t> microk8s --classic</a:t>
+            </a:r>
+          </a:p>
+          <a:p>
+            <a:pPr marL="0" indent="0">
+              <a:buNone/>
+            </a:pPr>
+            <a:r>
+              <a:rPr lang="de-DE" sz="2400" dirty="0">
+                <a:latin typeface="Courier New" panose="02070309020205020404" pitchFamily="49" charset="0"/>
+                <a:cs typeface="Courier New" panose="02070309020205020404" pitchFamily="49" charset="0"/>
+              </a:rPr>
+              <a:t>	</a:t>
+            </a:r>
+            <a:r>
+              <a:rPr lang="de-DE" sz="2400" dirty="0" err="1">
+                <a:latin typeface="Courier New" panose="02070309020205020404" pitchFamily="49" charset="0"/>
+                <a:cs typeface="Courier New" panose="02070309020205020404" pitchFamily="49" charset="0"/>
+              </a:rPr>
+              <a:t>sudo</a:t>
+            </a:r>
+            <a:r>
+              <a:rPr lang="de-DE" sz="2400" dirty="0">
+                <a:latin typeface="Courier New" panose="02070309020205020404" pitchFamily="49" charset="0"/>
+                <a:cs typeface="Courier New" panose="02070309020205020404" pitchFamily="49" charset="0"/>
+              </a:rPr>
+              <a:t> </a:t>
+            </a:r>
+            <a:r>
+              <a:rPr lang="de-DE" sz="2400" dirty="0" err="1">
+                <a:latin typeface="Courier New" panose="02070309020205020404" pitchFamily="49" charset="0"/>
+                <a:cs typeface="Courier New" panose="02070309020205020404" pitchFamily="49" charset="0"/>
+              </a:rPr>
+              <a:t>usermod</a:t>
+            </a:r>
+            <a:r>
+              <a:rPr lang="de-DE" sz="2400" dirty="0">
+                <a:latin typeface="Courier New" panose="02070309020205020404" pitchFamily="49" charset="0"/>
+                <a:cs typeface="Courier New" panose="02070309020205020404" pitchFamily="49" charset="0"/>
+              </a:rPr>
+              <a:t> -a -G microk8s $USER</a:t>
+            </a:r>
+          </a:p>
+          <a:p>
+            <a:pPr marL="0" indent="0">
+              <a:buNone/>
+            </a:pPr>
+            <a:r>
+              <a:rPr lang="de-DE" sz="2400" dirty="0">
+                <a:latin typeface="Courier New" panose="02070309020205020404" pitchFamily="49" charset="0"/>
+                <a:cs typeface="Courier New" panose="02070309020205020404" pitchFamily="49" charset="0"/>
+              </a:rPr>
+              <a:t>	</a:t>
+            </a:r>
+            <a:r>
+              <a:rPr lang="de-DE" sz="2400" dirty="0" err="1">
+                <a:latin typeface="Courier New" panose="02070309020205020404" pitchFamily="49" charset="0"/>
+                <a:cs typeface="Courier New" panose="02070309020205020404" pitchFamily="49" charset="0"/>
+              </a:rPr>
+              <a:t>sudo</a:t>
+            </a:r>
+            <a:r>
+              <a:rPr lang="de-DE" sz="2400" dirty="0">
+                <a:latin typeface="Courier New" panose="02070309020205020404" pitchFamily="49" charset="0"/>
+                <a:cs typeface="Courier New" panose="02070309020205020404" pitchFamily="49" charset="0"/>
+              </a:rPr>
+              <a:t> </a:t>
+            </a:r>
+            <a:r>
+              <a:rPr lang="de-DE" sz="2400" dirty="0" err="1">
+                <a:latin typeface="Courier New" panose="02070309020205020404" pitchFamily="49" charset="0"/>
+                <a:cs typeface="Courier New" panose="02070309020205020404" pitchFamily="49" charset="0"/>
+              </a:rPr>
+              <a:t>shutdown</a:t>
+            </a:r>
+            <a:r>
+              <a:rPr lang="de-DE" sz="2400" dirty="0">
+                <a:latin typeface="Courier New" panose="02070309020205020404" pitchFamily="49" charset="0"/>
+                <a:cs typeface="Courier New" panose="02070309020205020404" pitchFamily="49" charset="0"/>
+              </a:rPr>
+              <a:t> -</a:t>
+            </a:r>
+            <a:r>
+              <a:rPr lang="de-DE" sz="2400" dirty="0" err="1">
+                <a:latin typeface="Courier New" panose="02070309020205020404" pitchFamily="49" charset="0"/>
+                <a:cs typeface="Courier New" panose="02070309020205020404" pitchFamily="49" charset="0"/>
+              </a:rPr>
+              <a:t>r</a:t>
+            </a:r>
+            <a:r>
+              <a:rPr lang="de-DE" sz="2400" dirty="0">
+                <a:latin typeface="Courier New" panose="02070309020205020404" pitchFamily="49" charset="0"/>
+                <a:cs typeface="Courier New" panose="02070309020205020404" pitchFamily="49" charset="0"/>
+              </a:rPr>
+              <a:t> </a:t>
+            </a:r>
+            <a:r>
+              <a:rPr lang="de-DE" sz="2400" dirty="0" err="1">
+                <a:latin typeface="Courier New" panose="02070309020205020404" pitchFamily="49" charset="0"/>
+                <a:cs typeface="Courier New" panose="02070309020205020404" pitchFamily="49" charset="0"/>
+              </a:rPr>
+              <a:t>now</a:t>
+            </a:r>
+            <a:endParaRPr lang="de-DE" sz="2400" dirty="0">
+              <a:latin typeface="Courier New" panose="02070309020205020404" pitchFamily="49" charset="0"/>
+              <a:cs typeface="Courier New" panose="02070309020205020404" pitchFamily="49" charset="0"/>
+            </a:endParaRPr>
           </a:p>
           <a:p>
             <a:pPr lvl="1"/>
             <a:r>
-              <a:rPr lang="de-DE" dirty="0"/>
-              <a:t>bitte auf dem </a:t>
+              <a:rPr lang="de-DE" dirty="0">
+                <a:cs typeface="Courier New" panose="02070309020205020404" pitchFamily="49" charset="0"/>
+              </a:rPr>
+              <a:t>Kurz warten: VM startet neu</a:t>
+            </a:r>
+            <a:r>
+              <a:rPr lang="de-DE" dirty="0">
+                <a:latin typeface="Courier New" panose="02070309020205020404" pitchFamily="49" charset="0"/>
+                <a:cs typeface="Courier New" panose="02070309020205020404" pitchFamily="49" charset="0"/>
+              </a:rPr>
+              <a:t>		</a:t>
+            </a:r>
+          </a:p>
+        </p:txBody>
+      </p:sp>
+    </p:spTree>
+    <p:extLst>
+      <p:ext uri="{BB962C8B-B14F-4D97-AF65-F5344CB8AC3E}">
+        <p14:creationId xmlns:p14="http://schemas.microsoft.com/office/powerpoint/2010/main" val="306250584"/>
+      </p:ext>
+    </p:extLst>
+  </p:cSld>
+  <p:clrMapOvr>
+    <a:masterClrMapping/>
+  </p:clrMapOvr>
+</p:sld>
+</file>
+
+<file path=ppt/slides/slide19.xml><?xml version="1.0" encoding="utf-8"?>
+<p:sld xmlns:a="http://schemas.openxmlformats.org/drawingml/2006/main" xmlns:r="http://schemas.openxmlformats.org/officeDocument/2006/relationships" xmlns:p="http://schemas.openxmlformats.org/presentationml/2006/main">
+  <p:cSld>
+    <p:spTree>
+      <p:nvGrpSpPr>
+        <p:cNvPr id="1" name=""/>
+        <p:cNvGrpSpPr/>
+        <p:nvPr/>
+      </p:nvGrpSpPr>
+      <p:grpSpPr>
+        <a:xfrm>
+          <a:off x="0" y="0"/>
+          <a:ext cx="0" cy="0"/>
+          <a:chOff x="0" y="0"/>
+          <a:chExt cx="0" cy="0"/>
+        </a:xfrm>
+      </p:grpSpPr>
+      <p:sp>
+        <p:nvSpPr>
+          <p:cNvPr id="2" name="Titel 1">
+            <a:extLst>
+              <a:ext uri="{FF2B5EF4-FFF2-40B4-BE49-F238E27FC236}">
+                <a16:creationId xmlns:a16="http://schemas.microsoft.com/office/drawing/2014/main" id="{54472761-F6BA-A4DF-6E97-094AE60B729E}"/>
+              </a:ext>
+            </a:extLst>
+          </p:cNvPr>
+          <p:cNvSpPr>
+            <a:spLocks noGrp="1"/>
+          </p:cNvSpPr>
+          <p:nvPr>
+            <p:ph type="title"/>
+          </p:nvPr>
+        </p:nvSpPr>
+        <p:spPr/>
+        <p:txBody>
+          <a:bodyPr/>
+          <a:lstStyle/>
+          <a:p>
+            <a:r>
+              <a:rPr lang="de-DE" dirty="0"/>
+              <a:t>Master </a:t>
+            </a:r>
+            <a:r>
+              <a:rPr lang="de-DE" dirty="0" err="1"/>
+              <a:t>Node</a:t>
+            </a:r>
+            <a:r>
+              <a:rPr lang="de-DE" dirty="0"/>
+              <a:t> einrichten</a:t>
+            </a:r>
+          </a:p>
+        </p:txBody>
+      </p:sp>
+      <p:sp>
+        <p:nvSpPr>
+          <p:cNvPr id="3" name="Inhaltsplatzhalter 2">
+            <a:extLst>
+              <a:ext uri="{FF2B5EF4-FFF2-40B4-BE49-F238E27FC236}">
+                <a16:creationId xmlns:a16="http://schemas.microsoft.com/office/drawing/2014/main" id="{A6C84D30-D395-411D-5201-F8BC8F103909}"/>
+              </a:ext>
+            </a:extLst>
+          </p:cNvPr>
+          <p:cNvSpPr>
+            <a:spLocks noGrp="1"/>
+          </p:cNvSpPr>
+          <p:nvPr>
+            <p:ph idx="1"/>
+          </p:nvPr>
+        </p:nvSpPr>
+        <p:spPr/>
+        <p:txBody>
+          <a:bodyPr>
+            <a:normAutofit/>
+          </a:bodyPr>
+          <a:lstStyle/>
+          <a:p>
+            <a:r>
+              <a:rPr lang="de-DE" dirty="0">
+                <a:latin typeface="Courier New" panose="02070309020205020404" pitchFamily="49" charset="0"/>
+                <a:cs typeface="Courier New" panose="02070309020205020404" pitchFamily="49" charset="0"/>
+              </a:rPr>
+              <a:t>worker1</a:t>
+            </a:r>
+            <a:r>
+              <a:rPr lang="de-DE" dirty="0"/>
+              <a:t> einrichten (2): Registry-Zugriff freigeben</a:t>
+            </a:r>
+          </a:p>
+          <a:p>
+            <a:pPr marL="0" indent="0">
+              <a:buNone/>
+            </a:pPr>
+            <a:r>
+              <a:rPr lang="de-DE" sz="1600" dirty="0">
+                <a:latin typeface="Courier New" panose="02070309020205020404" pitchFamily="49" charset="0"/>
+                <a:cs typeface="Courier New" panose="02070309020205020404" pitchFamily="49" charset="0"/>
+              </a:rPr>
+              <a:t>multipass </a:t>
+            </a:r>
+            <a:r>
+              <a:rPr lang="de-DE" sz="1600" dirty="0" err="1">
+                <a:latin typeface="Courier New" panose="02070309020205020404" pitchFamily="49" charset="0"/>
+                <a:cs typeface="Courier New" panose="02070309020205020404" pitchFamily="49" charset="0"/>
+              </a:rPr>
+              <a:t>shell</a:t>
+            </a:r>
+            <a:r>
+              <a:rPr lang="de-DE" sz="1600" dirty="0">
+                <a:latin typeface="Courier New" panose="02070309020205020404" pitchFamily="49" charset="0"/>
+                <a:cs typeface="Courier New" panose="02070309020205020404" pitchFamily="49" charset="0"/>
+              </a:rPr>
+              <a:t> worker1  </a:t>
+            </a:r>
+          </a:p>
+          <a:p>
+            <a:pPr marL="0" indent="0">
+              <a:buNone/>
+            </a:pPr>
+            <a:r>
+              <a:rPr lang="de-DE" sz="1600" dirty="0" err="1">
+                <a:latin typeface="Courier New" panose="02070309020205020404" pitchFamily="49" charset="0"/>
+                <a:cs typeface="Courier New" panose="02070309020205020404" pitchFamily="49" charset="0"/>
+              </a:rPr>
+              <a:t>sudo</a:t>
+            </a:r>
+            <a:r>
+              <a:rPr lang="de-DE" sz="1600" dirty="0">
+                <a:latin typeface="Courier New" panose="02070309020205020404" pitchFamily="49" charset="0"/>
+                <a:cs typeface="Courier New" panose="02070309020205020404" pitchFamily="49" charset="0"/>
+              </a:rPr>
+              <a:t> </a:t>
+            </a:r>
+            <a:r>
+              <a:rPr lang="de-DE" sz="1600" dirty="0" err="1">
+                <a:latin typeface="Courier New" panose="02070309020205020404" pitchFamily="49" charset="0"/>
+                <a:cs typeface="Courier New" panose="02070309020205020404" pitchFamily="49" charset="0"/>
+              </a:rPr>
+              <a:t>mkdir</a:t>
+            </a:r>
+            <a:r>
+              <a:rPr lang="de-DE" sz="1600" dirty="0">
+                <a:latin typeface="Courier New" panose="02070309020205020404" pitchFamily="49" charset="0"/>
+                <a:cs typeface="Courier New" panose="02070309020205020404" pitchFamily="49" charset="0"/>
+              </a:rPr>
+              <a:t> -p /</a:t>
+            </a:r>
+            <a:r>
+              <a:rPr lang="de-DE" sz="1600" dirty="0" err="1">
+                <a:latin typeface="Courier New" panose="02070309020205020404" pitchFamily="49" charset="0"/>
+                <a:cs typeface="Courier New" panose="02070309020205020404" pitchFamily="49" charset="0"/>
+              </a:rPr>
+              <a:t>var</a:t>
+            </a:r>
+            <a:r>
+              <a:rPr lang="de-DE" sz="1600" dirty="0">
+                <a:latin typeface="Courier New" panose="02070309020205020404" pitchFamily="49" charset="0"/>
+                <a:cs typeface="Courier New" panose="02070309020205020404" pitchFamily="49" charset="0"/>
+              </a:rPr>
+              <a:t>/</a:t>
+            </a:r>
+            <a:r>
+              <a:rPr lang="de-DE" sz="1600" dirty="0" err="1">
+                <a:latin typeface="Courier New" panose="02070309020205020404" pitchFamily="49" charset="0"/>
+                <a:cs typeface="Courier New" panose="02070309020205020404" pitchFamily="49" charset="0"/>
+              </a:rPr>
+              <a:t>snap</a:t>
+            </a:r>
+            <a:r>
+              <a:rPr lang="de-DE" sz="1600" dirty="0">
+                <a:latin typeface="Courier New" panose="02070309020205020404" pitchFamily="49" charset="0"/>
+                <a:cs typeface="Courier New" panose="02070309020205020404" pitchFamily="49" charset="0"/>
+              </a:rPr>
+              <a:t>/microk8s/</a:t>
+            </a:r>
+            <a:r>
+              <a:rPr lang="de-DE" sz="1600" dirty="0" err="1">
+                <a:latin typeface="Courier New" panose="02070309020205020404" pitchFamily="49" charset="0"/>
+                <a:cs typeface="Courier New" panose="02070309020205020404" pitchFamily="49" charset="0"/>
+              </a:rPr>
+              <a:t>current</a:t>
+            </a:r>
+            <a:r>
+              <a:rPr lang="de-DE" sz="1600" dirty="0">
+                <a:latin typeface="Courier New" panose="02070309020205020404" pitchFamily="49" charset="0"/>
+                <a:cs typeface="Courier New" panose="02070309020205020404" pitchFamily="49" charset="0"/>
+              </a:rPr>
+              <a:t>/</a:t>
+            </a:r>
+            <a:r>
+              <a:rPr lang="de-DE" sz="1600" dirty="0" err="1">
+                <a:latin typeface="Courier New" panose="02070309020205020404" pitchFamily="49" charset="0"/>
+                <a:cs typeface="Courier New" panose="02070309020205020404" pitchFamily="49" charset="0"/>
+              </a:rPr>
+              <a:t>args</a:t>
+            </a:r>
+            <a:r>
+              <a:rPr lang="de-DE" sz="1600" dirty="0">
+                <a:latin typeface="Courier New" panose="02070309020205020404" pitchFamily="49" charset="0"/>
+                <a:cs typeface="Courier New" panose="02070309020205020404" pitchFamily="49" charset="0"/>
+              </a:rPr>
+              <a:t>/</a:t>
+            </a:r>
+            <a:r>
+              <a:rPr lang="de-DE" sz="1600" dirty="0" err="1">
+                <a:latin typeface="Courier New" panose="02070309020205020404" pitchFamily="49" charset="0"/>
+                <a:cs typeface="Courier New" panose="02070309020205020404" pitchFamily="49" charset="0"/>
+              </a:rPr>
+              <a:t>certs.d</a:t>
+            </a:r>
+            <a:r>
+              <a:rPr lang="de-DE" sz="1600" dirty="0">
+                <a:latin typeface="Courier New" panose="02070309020205020404" pitchFamily="49" charset="0"/>
+                <a:cs typeface="Courier New" panose="02070309020205020404" pitchFamily="49" charset="0"/>
+              </a:rPr>
+              <a:t>/master:32000</a:t>
+            </a:r>
+          </a:p>
+          <a:p>
+            <a:pPr marL="0" indent="0">
+              <a:buNone/>
+            </a:pPr>
+            <a:r>
+              <a:rPr lang="de-DE" sz="1600" dirty="0" err="1">
+                <a:latin typeface="Courier New" panose="02070309020205020404" pitchFamily="49" charset="0"/>
+                <a:cs typeface="Courier New" panose="02070309020205020404" pitchFamily="49" charset="0"/>
+              </a:rPr>
+              <a:t>export</a:t>
+            </a:r>
+            <a:r>
+              <a:rPr lang="de-DE" sz="1600" dirty="0">
+                <a:latin typeface="Courier New" panose="02070309020205020404" pitchFamily="49" charset="0"/>
+                <a:cs typeface="Courier New" panose="02070309020205020404" pitchFamily="49" charset="0"/>
+              </a:rPr>
+              <a:t> FILE=/</a:t>
+            </a:r>
+            <a:r>
+              <a:rPr lang="de-DE" sz="1600" dirty="0" err="1">
+                <a:latin typeface="Courier New" panose="02070309020205020404" pitchFamily="49" charset="0"/>
+                <a:cs typeface="Courier New" panose="02070309020205020404" pitchFamily="49" charset="0"/>
+              </a:rPr>
+              <a:t>var</a:t>
+            </a:r>
+            <a:r>
+              <a:rPr lang="de-DE" sz="1600" dirty="0">
+                <a:latin typeface="Courier New" panose="02070309020205020404" pitchFamily="49" charset="0"/>
+                <a:cs typeface="Courier New" panose="02070309020205020404" pitchFamily="49" charset="0"/>
+              </a:rPr>
+              <a:t>/</a:t>
+            </a:r>
+            <a:r>
+              <a:rPr lang="de-DE" sz="1600" dirty="0" err="1">
+                <a:latin typeface="Courier New" panose="02070309020205020404" pitchFamily="49" charset="0"/>
+                <a:cs typeface="Courier New" panose="02070309020205020404" pitchFamily="49" charset="0"/>
+              </a:rPr>
+              <a:t>snap</a:t>
+            </a:r>
+            <a:r>
+              <a:rPr lang="de-DE" sz="1600" dirty="0">
+                <a:latin typeface="Courier New" panose="02070309020205020404" pitchFamily="49" charset="0"/>
+                <a:cs typeface="Courier New" panose="02070309020205020404" pitchFamily="49" charset="0"/>
+              </a:rPr>
+              <a:t>/microk8s/</a:t>
+            </a:r>
+            <a:r>
+              <a:rPr lang="de-DE" sz="1600" dirty="0" err="1">
+                <a:latin typeface="Courier New" panose="02070309020205020404" pitchFamily="49" charset="0"/>
+                <a:cs typeface="Courier New" panose="02070309020205020404" pitchFamily="49" charset="0"/>
+              </a:rPr>
+              <a:t>current</a:t>
+            </a:r>
+            <a:r>
+              <a:rPr lang="de-DE" sz="1600" dirty="0">
+                <a:latin typeface="Courier New" panose="02070309020205020404" pitchFamily="49" charset="0"/>
+                <a:cs typeface="Courier New" panose="02070309020205020404" pitchFamily="49" charset="0"/>
+              </a:rPr>
+              <a:t>/</a:t>
+            </a:r>
+            <a:r>
+              <a:rPr lang="de-DE" sz="1600" dirty="0" err="1">
+                <a:latin typeface="Courier New" panose="02070309020205020404" pitchFamily="49" charset="0"/>
+                <a:cs typeface="Courier New" panose="02070309020205020404" pitchFamily="49" charset="0"/>
+              </a:rPr>
+              <a:t>args</a:t>
+            </a:r>
+            <a:r>
+              <a:rPr lang="de-DE" sz="1600" dirty="0">
+                <a:latin typeface="Courier New" panose="02070309020205020404" pitchFamily="49" charset="0"/>
+                <a:cs typeface="Courier New" panose="02070309020205020404" pitchFamily="49" charset="0"/>
+              </a:rPr>
+              <a:t>/</a:t>
+            </a:r>
+            <a:r>
+              <a:rPr lang="de-DE" sz="1600" dirty="0" err="1">
+                <a:latin typeface="Courier New" panose="02070309020205020404" pitchFamily="49" charset="0"/>
+                <a:cs typeface="Courier New" panose="02070309020205020404" pitchFamily="49" charset="0"/>
+              </a:rPr>
+              <a:t>certs.d</a:t>
+            </a:r>
+            <a:r>
+              <a:rPr lang="de-DE" sz="1600" dirty="0">
+                <a:latin typeface="Courier New" panose="02070309020205020404" pitchFamily="49" charset="0"/>
+                <a:cs typeface="Courier New" panose="02070309020205020404" pitchFamily="49" charset="0"/>
+              </a:rPr>
+              <a:t>/master:32000/</a:t>
+            </a:r>
+            <a:r>
+              <a:rPr lang="de-DE" sz="1600" dirty="0" err="1">
+                <a:latin typeface="Courier New" panose="02070309020205020404" pitchFamily="49" charset="0"/>
+                <a:cs typeface="Courier New" panose="02070309020205020404" pitchFamily="49" charset="0"/>
+              </a:rPr>
+              <a:t>hosts.toml</a:t>
+            </a:r>
+            <a:endParaRPr lang="de-DE" sz="1600" dirty="0">
+              <a:latin typeface="Courier New" panose="02070309020205020404" pitchFamily="49" charset="0"/>
+              <a:cs typeface="Courier New" panose="02070309020205020404" pitchFamily="49" charset="0"/>
+            </a:endParaRPr>
+          </a:p>
+          <a:p>
+            <a:pPr marL="0" indent="0">
+              <a:buNone/>
+            </a:pPr>
+            <a:r>
+              <a:rPr lang="de-DE" sz="1600" dirty="0" err="1">
+                <a:latin typeface="Courier New" panose="02070309020205020404" pitchFamily="49" charset="0"/>
+                <a:cs typeface="Courier New" panose="02070309020205020404" pitchFamily="49" charset="0"/>
+              </a:rPr>
+              <a:t>sudo</a:t>
+            </a:r>
+            <a:r>
+              <a:rPr lang="de-DE" sz="1600" dirty="0">
+                <a:latin typeface="Courier New" panose="02070309020205020404" pitchFamily="49" charset="0"/>
+                <a:cs typeface="Courier New" panose="02070309020205020404" pitchFamily="49" charset="0"/>
+              </a:rPr>
+              <a:t> bash -c "echo $'</a:t>
+            </a:r>
+            <a:r>
+              <a:rPr lang="de-DE" sz="1600" dirty="0" err="1">
+                <a:latin typeface="Courier New" panose="02070309020205020404" pitchFamily="49" charset="0"/>
+                <a:cs typeface="Courier New" panose="02070309020205020404" pitchFamily="49" charset="0"/>
+              </a:rPr>
+              <a:t>server</a:t>
+            </a:r>
+            <a:r>
+              <a:rPr lang="de-DE" sz="1600" dirty="0">
+                <a:latin typeface="Courier New" panose="02070309020205020404" pitchFamily="49" charset="0"/>
+                <a:cs typeface="Courier New" panose="02070309020205020404" pitchFamily="49" charset="0"/>
+              </a:rPr>
+              <a:t> = \"http://master:32000\"' &gt; $FILE"</a:t>
+            </a:r>
+          </a:p>
+          <a:p>
+            <a:pPr marL="0" indent="0">
+              <a:buNone/>
+            </a:pPr>
+            <a:r>
+              <a:rPr lang="de-DE" sz="1600" dirty="0" err="1">
+                <a:latin typeface="Courier New" panose="02070309020205020404" pitchFamily="49" charset="0"/>
+                <a:cs typeface="Courier New" panose="02070309020205020404" pitchFamily="49" charset="0"/>
+              </a:rPr>
+              <a:t>sudo</a:t>
+            </a:r>
+            <a:r>
+              <a:rPr lang="de-DE" sz="1600" dirty="0">
+                <a:latin typeface="Courier New" panose="02070309020205020404" pitchFamily="49" charset="0"/>
+                <a:cs typeface="Courier New" panose="02070309020205020404" pitchFamily="49" charset="0"/>
+              </a:rPr>
+              <a:t> bash -c "echo $'[host.\"http://master:32000\"]' &gt;&gt; $FILE"</a:t>
+            </a:r>
+          </a:p>
+          <a:p>
+            <a:pPr marL="0" indent="0">
+              <a:buNone/>
+            </a:pPr>
+            <a:r>
+              <a:rPr lang="de-DE" sz="1600" dirty="0" err="1">
+                <a:latin typeface="Courier New" panose="02070309020205020404" pitchFamily="49" charset="0"/>
+                <a:cs typeface="Courier New" panose="02070309020205020404" pitchFamily="49" charset="0"/>
+              </a:rPr>
+              <a:t>sudo</a:t>
+            </a:r>
+            <a:r>
+              <a:rPr lang="de-DE" sz="1600" dirty="0">
+                <a:latin typeface="Courier New" panose="02070309020205020404" pitchFamily="49" charset="0"/>
+                <a:cs typeface="Courier New" panose="02070309020205020404" pitchFamily="49" charset="0"/>
+              </a:rPr>
+              <a:t> bash -c "echo $'</a:t>
+            </a:r>
+            <a:r>
+              <a:rPr lang="de-DE" sz="1600" dirty="0" err="1">
+                <a:latin typeface="Courier New" panose="02070309020205020404" pitchFamily="49" charset="0"/>
+                <a:cs typeface="Courier New" panose="02070309020205020404" pitchFamily="49" charset="0"/>
+              </a:rPr>
+              <a:t>capabilities</a:t>
+            </a:r>
+            <a:r>
+              <a:rPr lang="de-DE" sz="1600" dirty="0">
+                <a:latin typeface="Courier New" panose="02070309020205020404" pitchFamily="49" charset="0"/>
+                <a:cs typeface="Courier New" panose="02070309020205020404" pitchFamily="49" charset="0"/>
+              </a:rPr>
+              <a:t> = [\"pull\", \"</a:t>
+            </a:r>
+            <a:r>
+              <a:rPr lang="de-DE" sz="1600" dirty="0" err="1">
+                <a:latin typeface="Courier New" panose="02070309020205020404" pitchFamily="49" charset="0"/>
+                <a:cs typeface="Courier New" panose="02070309020205020404" pitchFamily="49" charset="0"/>
+              </a:rPr>
+              <a:t>resolve</a:t>
+            </a:r>
+            <a:r>
+              <a:rPr lang="de-DE" sz="1600" dirty="0">
+                <a:latin typeface="Courier New" panose="02070309020205020404" pitchFamily="49" charset="0"/>
+                <a:cs typeface="Courier New" panose="02070309020205020404" pitchFamily="49" charset="0"/>
+              </a:rPr>
+              <a:t>\"] ' &gt;&gt; $FILE"</a:t>
+            </a:r>
+          </a:p>
+        </p:txBody>
+      </p:sp>
+    </p:spTree>
+    <p:extLst>
+      <p:ext uri="{BB962C8B-B14F-4D97-AF65-F5344CB8AC3E}">
+        <p14:creationId xmlns:p14="http://schemas.microsoft.com/office/powerpoint/2010/main" val="863857430"/>
+      </p:ext>
+    </p:extLst>
+  </p:cSld>
+  <p:clrMapOvr>
+    <a:masterClrMapping/>
+  </p:clrMapOvr>
+</p:sld>
+</file>
+
+<file path=ppt/slides/slide2.xml><?xml version="1.0" encoding="utf-8"?>
+<p:sld xmlns:a="http://schemas.openxmlformats.org/drawingml/2006/main" xmlns:r="http://schemas.openxmlformats.org/officeDocument/2006/relationships" xmlns:p="http://schemas.openxmlformats.org/presentationml/2006/main">
+  <p:cSld>
+    <p:spTree>
+      <p:nvGrpSpPr>
+        <p:cNvPr id="1" name=""/>
+        <p:cNvGrpSpPr/>
+        <p:nvPr/>
+      </p:nvGrpSpPr>
+      <p:grpSpPr>
+        <a:xfrm>
+          <a:off x="0" y="0"/>
+          <a:ext cx="0" cy="0"/>
+          <a:chOff x="0" y="0"/>
+          <a:chExt cx="0" cy="0"/>
+        </a:xfrm>
+      </p:grpSpPr>
+      <p:sp>
+        <p:nvSpPr>
+          <p:cNvPr id="2" name="Titel 1">
+            <a:extLst>
+              <a:ext uri="{FF2B5EF4-FFF2-40B4-BE49-F238E27FC236}">
+                <a16:creationId xmlns:a16="http://schemas.microsoft.com/office/drawing/2014/main" id="{61AC2841-EC8A-1BA6-D70A-7B843AF87BEF}"/>
+              </a:ext>
+            </a:extLst>
+          </p:cNvPr>
+          <p:cNvSpPr>
+            <a:spLocks noGrp="1"/>
+          </p:cNvSpPr>
+          <p:nvPr>
+            <p:ph type="ctrTitle"/>
+          </p:nvPr>
+        </p:nvSpPr>
+        <p:spPr/>
+        <p:txBody>
+          <a:bodyPr>
+            <a:normAutofit fontScale="90000"/>
+          </a:bodyPr>
+          <a:lstStyle/>
+          <a:p>
+            <a:r>
+              <a:rPr lang="de-DE" dirty="0"/>
+              <a:t>Teil 1</a:t>
+            </a:r>
+            <a:br>
+              <a:rPr lang="de-DE" dirty="0"/>
+            </a:br>
+            <a:r>
+              <a:rPr lang="de-DE" dirty="0"/>
+              <a:t>Installation der virtuellen Maschinen</a:t>
+            </a:r>
+          </a:p>
+        </p:txBody>
+      </p:sp>
+      <p:sp>
+        <p:nvSpPr>
+          <p:cNvPr id="3" name="Untertitel 2">
+            <a:extLst>
+              <a:ext uri="{FF2B5EF4-FFF2-40B4-BE49-F238E27FC236}">
+                <a16:creationId xmlns:a16="http://schemas.microsoft.com/office/drawing/2014/main" id="{FB2020CD-EBC6-748F-1AD6-DBF8E8960A6B}"/>
+              </a:ext>
+            </a:extLst>
+          </p:cNvPr>
+          <p:cNvSpPr>
+            <a:spLocks noGrp="1"/>
+          </p:cNvSpPr>
+          <p:nvPr>
+            <p:ph type="subTitle" idx="1"/>
+          </p:nvPr>
+        </p:nvSpPr>
+        <p:spPr/>
+        <p:txBody>
+          <a:bodyPr/>
+          <a:lstStyle/>
+          <a:p>
+            <a:r>
+              <a:rPr lang="de-DE" dirty="0"/>
+              <a:t>Dr. Georg Pietrek</a:t>
+            </a:r>
+          </a:p>
+          <a:p>
+            <a:r>
+              <a:rPr lang="de-DE" dirty="0"/>
+              <a:t>Timo Kästner, Can </a:t>
+            </a:r>
+            <a:r>
+              <a:rPr lang="de-DE" dirty="0" err="1"/>
+              <a:t>Büyükburc</a:t>
+            </a:r>
+            <a:r>
+              <a:rPr lang="de-DE" dirty="0"/>
+              <a:t>, Yannick Poggel</a:t>
+            </a:r>
+          </a:p>
+          <a:p>
+            <a:r>
+              <a:rPr lang="de-DE" dirty="0"/>
+              <a:t>16.3.2023</a:t>
+            </a:r>
+          </a:p>
+        </p:txBody>
+      </p:sp>
+    </p:spTree>
+    <p:extLst>
+      <p:ext uri="{BB962C8B-B14F-4D97-AF65-F5344CB8AC3E}">
+        <p14:creationId xmlns:p14="http://schemas.microsoft.com/office/powerpoint/2010/main" val="3079428281"/>
+      </p:ext>
+    </p:extLst>
+  </p:cSld>
+  <p:clrMapOvr>
+    <a:masterClrMapping/>
+  </p:clrMapOvr>
+</p:sld>
+</file>
+
+<file path=ppt/slides/slide20.xml><?xml version="1.0" encoding="utf-8"?>
+<p:sld xmlns:a="http://schemas.openxmlformats.org/drawingml/2006/main" xmlns:r="http://schemas.openxmlformats.org/officeDocument/2006/relationships" xmlns:p="http://schemas.openxmlformats.org/presentationml/2006/main">
+  <p:cSld>
+    <p:spTree>
+      <p:nvGrpSpPr>
+        <p:cNvPr id="1" name=""/>
+        <p:cNvGrpSpPr/>
+        <p:nvPr/>
+      </p:nvGrpSpPr>
+      <p:grpSpPr>
+        <a:xfrm>
+          <a:off x="0" y="0"/>
+          <a:ext cx="0" cy="0"/>
+          <a:chOff x="0" y="0"/>
+          <a:chExt cx="0" cy="0"/>
+        </a:xfrm>
+      </p:grpSpPr>
+      <p:sp>
+        <p:nvSpPr>
+          <p:cNvPr id="2" name="Titel 1">
+            <a:extLst>
+              <a:ext uri="{FF2B5EF4-FFF2-40B4-BE49-F238E27FC236}">
+                <a16:creationId xmlns:a16="http://schemas.microsoft.com/office/drawing/2014/main" id="{97B81511-FD40-5DFB-A11C-439D47FC7E4E}"/>
+              </a:ext>
+            </a:extLst>
+          </p:cNvPr>
+          <p:cNvSpPr>
+            <a:spLocks noGrp="1"/>
+          </p:cNvSpPr>
+          <p:nvPr>
+            <p:ph type="title"/>
+          </p:nvPr>
+        </p:nvSpPr>
+        <p:spPr/>
+        <p:txBody>
+          <a:bodyPr/>
+          <a:lstStyle/>
+          <a:p>
+            <a:r>
+              <a:rPr lang="de-DE" dirty="0"/>
+              <a:t>Zufügen eines </a:t>
+            </a:r>
+            <a:r>
+              <a:rPr lang="de-DE" dirty="0" err="1"/>
+              <a:t>Worker</a:t>
+            </a:r>
+            <a:r>
+              <a:rPr lang="de-DE" dirty="0"/>
+              <a:t> Nodes</a:t>
+            </a:r>
+          </a:p>
+        </p:txBody>
+      </p:sp>
+      <p:sp>
+        <p:nvSpPr>
+          <p:cNvPr id="3" name="Inhaltsplatzhalter 2">
+            <a:extLst>
+              <a:ext uri="{FF2B5EF4-FFF2-40B4-BE49-F238E27FC236}">
+                <a16:creationId xmlns:a16="http://schemas.microsoft.com/office/drawing/2014/main" id="{D60DEAA2-318F-E89B-9305-4E4F17176745}"/>
+              </a:ext>
+            </a:extLst>
+          </p:cNvPr>
+          <p:cNvSpPr>
+            <a:spLocks noGrp="1"/>
+          </p:cNvSpPr>
+          <p:nvPr>
+            <p:ph idx="1"/>
+          </p:nvPr>
+        </p:nvSpPr>
+        <p:spPr/>
+        <p:txBody>
+          <a:bodyPr>
+            <a:normAutofit/>
+          </a:bodyPr>
+          <a:lstStyle/>
+          <a:p>
+            <a:r>
+              <a:rPr lang="de-DE" dirty="0">
+                <a:latin typeface="Courier New" panose="02070309020205020404" pitchFamily="49" charset="0"/>
+                <a:cs typeface="Courier New" panose="02070309020205020404" pitchFamily="49" charset="0"/>
+              </a:rPr>
+              <a:t>worker1</a:t>
+            </a:r>
+            <a:r>
+              <a:rPr lang="de-DE" dirty="0"/>
+              <a:t> einrichten (3): </a:t>
+            </a:r>
+          </a:p>
+          <a:p>
+            <a:pPr lvl="1"/>
+            <a:r>
+              <a:rPr lang="de-DE" dirty="0"/>
+              <a:t>Bitte auf dem </a:t>
             </a:r>
             <a:r>
               <a:rPr lang="de-DE" dirty="0" err="1">
@@ -5371,7 +7682,7 @@
 </p:sld>
 </file>
 
-<file path=ppt/slides/slide15.xml><?xml version="1.0" encoding="utf-8"?>
+<file path=ppt/slides/slide21.xml><?xml version="1.0" encoding="utf-8"?>
 <p:sld xmlns:a="http://schemas.openxmlformats.org/drawingml/2006/main" xmlns:r="http://schemas.openxmlformats.org/officeDocument/2006/relationships" xmlns:p="http://schemas.openxmlformats.org/presentationml/2006/main">
   <p:cSld>
     <p:spTree>
@@ -5456,7 +7767,7 @@
             </a:r>
             <a:r>
               <a:rPr lang="de-DE" dirty="0"/>
-              <a:t> einrichten (3):</a:t>
+              <a:t> einrichten (4):</a:t>
             </a:r>
           </a:p>
           <a:p>
@@ -5476,44 +7787,44 @@
               <a:rPr lang="de-DE" dirty="0"/>
               <a:t> ausführen:</a:t>
             </a:r>
-          </a:p>
-          <a:p>
-            <a:pPr marL="0" indent="0">
-              <a:buNone/>
-            </a:pPr>
             <a:r>
               <a:rPr lang="de-DE" sz="2400" dirty="0"/>
               <a:t>	</a:t>
             </a:r>
-            <a:r>
-              <a:rPr lang="de-DE" sz="2400" dirty="0">
+          </a:p>
+          <a:p>
+            <a:pPr marL="0" indent="0">
+              <a:buNone/>
+            </a:pPr>
+            <a:r>
+              <a:rPr lang="de-DE" sz="1600" dirty="0">
                 <a:latin typeface="Courier New" panose="02070309020205020404" pitchFamily="49" charset="0"/>
                 <a:cs typeface="Courier New" panose="02070309020205020404" pitchFamily="49" charset="0"/>
               </a:rPr>
               <a:t>microk8s </a:t>
             </a:r>
             <a:r>
-              <a:rPr lang="de-DE" sz="2400" dirty="0" err="1">
+              <a:rPr lang="de-DE" sz="1600" dirty="0" err="1">
                 <a:latin typeface="Courier New" panose="02070309020205020404" pitchFamily="49" charset="0"/>
                 <a:cs typeface="Courier New" panose="02070309020205020404" pitchFamily="49" charset="0"/>
               </a:rPr>
               <a:t>join</a:t>
             </a:r>
             <a:r>
-              <a:rPr lang="de-DE" sz="2400" dirty="0">
+              <a:rPr lang="de-DE" sz="1600" dirty="0">
                 <a:latin typeface="Courier New" panose="02070309020205020404" pitchFamily="49" charset="0"/>
                 <a:cs typeface="Courier New" panose="02070309020205020404" pitchFamily="49" charset="0"/>
               </a:rPr>
               <a:t> 0.165.29.118:25000/b472c565140265866448027bde23cd3d/02e550107dbb --</a:t>
             </a:r>
             <a:r>
-              <a:rPr lang="de-DE" sz="2400" dirty="0" err="1">
+              <a:rPr lang="de-DE" sz="1600" dirty="0" err="1">
                 <a:latin typeface="Courier New" panose="02070309020205020404" pitchFamily="49" charset="0"/>
                 <a:cs typeface="Courier New" panose="02070309020205020404" pitchFamily="49" charset="0"/>
               </a:rPr>
               <a:t>worker</a:t>
             </a:r>
-            <a:endParaRPr lang="de-DE" sz="2400" dirty="0">
+            <a:endParaRPr lang="de-DE" sz="1600" dirty="0">
               <a:latin typeface="Courier New" panose="02070309020205020404" pitchFamily="49" charset="0"/>
               <a:cs typeface="Courier New" panose="02070309020205020404" pitchFamily="49" charset="0"/>
             </a:endParaRPr>
@@ -5533,7 +7844,7 @@
 </p:sld>
 </file>
 
-<file path=ppt/slides/slide16.xml><?xml version="1.0" encoding="utf-8"?>
+<file path=ppt/slides/slide22.xml><?xml version="1.0" encoding="utf-8"?>
 <p:sld xmlns:a="http://schemas.openxmlformats.org/drawingml/2006/main" xmlns:r="http://schemas.openxmlformats.org/officeDocument/2006/relationships" xmlns:p="http://schemas.openxmlformats.org/presentationml/2006/main">
   <p:cSld>
     <p:spTree>
@@ -5611,7 +7922,7 @@
           <a:p>
             <a:r>
               <a:rPr lang="de-DE" dirty="0"/>
-              <a:t>worker1 einrichten (4):</a:t>
+              <a:t>worker1 einrichten (5):</a:t>
             </a:r>
           </a:p>
           <a:p>
@@ -5673,7 +7984,7 @@
 </p:sld>
 </file>
 
-<file path=ppt/slides/slide17.xml><?xml version="1.0" encoding="utf-8"?>
+<file path=ppt/slides/slide23.xml><?xml version="1.0" encoding="utf-8"?>
 <p:sld xmlns:a="http://schemas.openxmlformats.org/drawingml/2006/main" xmlns:r="http://schemas.openxmlformats.org/officeDocument/2006/relationships" xmlns:p="http://schemas.openxmlformats.org/presentationml/2006/main">
   <p:cSld>
     <p:spTree>
@@ -5817,7 +8128,7 @@
 </p:sld>
 </file>
 
-<file path=ppt/slides/slide18.xml><?xml version="1.0" encoding="utf-8"?>
+<file path=ppt/slides/slide24.xml><?xml version="1.0" encoding="utf-8"?>
 <p:sld xmlns:a="http://schemas.openxmlformats.org/drawingml/2006/main" xmlns:r="http://schemas.openxmlformats.org/officeDocument/2006/relationships" xmlns:p="http://schemas.openxmlformats.org/presentationml/2006/main">
   <p:cSld>
     <p:spTree>
@@ -6003,297 +8314,12 @@
               <a:cs typeface="Courier New" panose="02070309020205020404" pitchFamily="49" charset="0"/>
             </a:endParaRPr>
           </a:p>
-          <a:p>
-            <a:pPr marL="0" indent="0">
-              <a:buNone/>
-            </a:pPr>
-            <a:r>
-              <a:rPr lang="de-DE" sz="2400" dirty="0">
-                <a:latin typeface="Courier New" panose="02070309020205020404" pitchFamily="49" charset="0"/>
-                <a:cs typeface="Courier New" panose="02070309020205020404" pitchFamily="49" charset="0"/>
-              </a:rPr>
-              <a:t>	</a:t>
-            </a:r>
-            <a:r>
-              <a:rPr lang="de-DE" sz="2400" dirty="0" err="1">
-                <a:latin typeface="Courier New" panose="02070309020205020404" pitchFamily="49" charset="0"/>
-                <a:cs typeface="Courier New" panose="02070309020205020404" pitchFamily="49" charset="0"/>
-              </a:rPr>
-              <a:t>sudo</a:t>
-            </a:r>
-            <a:r>
-              <a:rPr lang="de-DE" sz="2400" dirty="0">
-                <a:latin typeface="Courier New" panose="02070309020205020404" pitchFamily="49" charset="0"/>
-                <a:cs typeface="Courier New" panose="02070309020205020404" pitchFamily="49" charset="0"/>
-              </a:rPr>
-              <a:t> </a:t>
-            </a:r>
-            <a:r>
-              <a:rPr lang="de-DE" sz="2400" dirty="0" err="1">
-                <a:latin typeface="Courier New" panose="02070309020205020404" pitchFamily="49" charset="0"/>
-                <a:cs typeface="Courier New" panose="02070309020205020404" pitchFamily="49" charset="0"/>
-              </a:rPr>
-              <a:t>addgroup</a:t>
-            </a:r>
-            <a:r>
-              <a:rPr lang="de-DE" sz="2400" dirty="0">
-                <a:latin typeface="Courier New" panose="02070309020205020404" pitchFamily="49" charset="0"/>
-                <a:cs typeface="Courier New" panose="02070309020205020404" pitchFamily="49" charset="0"/>
-              </a:rPr>
-              <a:t> --system </a:t>
-            </a:r>
-            <a:r>
-              <a:rPr lang="de-DE" sz="2400" dirty="0" err="1">
-                <a:latin typeface="Courier New" panose="02070309020205020404" pitchFamily="49" charset="0"/>
-                <a:cs typeface="Courier New" panose="02070309020205020404" pitchFamily="49" charset="0"/>
-              </a:rPr>
-              <a:t>docker</a:t>
-            </a:r>
-            <a:endParaRPr lang="de-DE" sz="2400" dirty="0">
-              <a:latin typeface="Courier New" panose="02070309020205020404" pitchFamily="49" charset="0"/>
-              <a:cs typeface="Courier New" panose="02070309020205020404" pitchFamily="49" charset="0"/>
-            </a:endParaRPr>
-          </a:p>
-          <a:p>
-            <a:pPr marL="0" indent="0">
-              <a:buNone/>
-            </a:pPr>
-            <a:r>
-              <a:rPr lang="de-DE" sz="2400" dirty="0">
-                <a:latin typeface="Courier New" panose="02070309020205020404" pitchFamily="49" charset="0"/>
-                <a:cs typeface="Courier New" panose="02070309020205020404" pitchFamily="49" charset="0"/>
-              </a:rPr>
-              <a:t>	</a:t>
-            </a:r>
-            <a:r>
-              <a:rPr lang="de-DE" sz="2400" dirty="0" err="1">
-                <a:latin typeface="Courier New" panose="02070309020205020404" pitchFamily="49" charset="0"/>
-                <a:cs typeface="Courier New" panose="02070309020205020404" pitchFamily="49" charset="0"/>
-              </a:rPr>
-              <a:t>sudo</a:t>
-            </a:r>
-            <a:r>
-              <a:rPr lang="de-DE" sz="2400" dirty="0">
-                <a:latin typeface="Courier New" panose="02070309020205020404" pitchFamily="49" charset="0"/>
-                <a:cs typeface="Courier New" panose="02070309020205020404" pitchFamily="49" charset="0"/>
-              </a:rPr>
-              <a:t> </a:t>
-            </a:r>
-            <a:r>
-              <a:rPr lang="de-DE" sz="2400" dirty="0" err="1">
-                <a:latin typeface="Courier New" panose="02070309020205020404" pitchFamily="49" charset="0"/>
-                <a:cs typeface="Courier New" panose="02070309020205020404" pitchFamily="49" charset="0"/>
-              </a:rPr>
-              <a:t>adduser</a:t>
-            </a:r>
-            <a:r>
-              <a:rPr lang="de-DE" sz="2400" dirty="0">
-                <a:latin typeface="Courier New" panose="02070309020205020404" pitchFamily="49" charset="0"/>
-                <a:cs typeface="Courier New" panose="02070309020205020404" pitchFamily="49" charset="0"/>
-              </a:rPr>
-              <a:t> $USER </a:t>
-            </a:r>
-            <a:r>
-              <a:rPr lang="de-DE" sz="2400" dirty="0" err="1">
-                <a:latin typeface="Courier New" panose="02070309020205020404" pitchFamily="49" charset="0"/>
-                <a:cs typeface="Courier New" panose="02070309020205020404" pitchFamily="49" charset="0"/>
-              </a:rPr>
-              <a:t>docker</a:t>
-            </a:r>
-            <a:endParaRPr lang="de-DE" sz="2400" dirty="0">
-              <a:latin typeface="Courier New" panose="02070309020205020404" pitchFamily="49" charset="0"/>
-              <a:cs typeface="Courier New" panose="02070309020205020404" pitchFamily="49" charset="0"/>
-            </a:endParaRPr>
-          </a:p>
-          <a:p>
-            <a:pPr marL="0" indent="0">
-              <a:buNone/>
-            </a:pPr>
-            <a:r>
-              <a:rPr lang="de-DE" sz="2400" dirty="0">
-                <a:latin typeface="Courier New" panose="02070309020205020404" pitchFamily="49" charset="0"/>
-                <a:cs typeface="Courier New" panose="02070309020205020404" pitchFamily="49" charset="0"/>
-              </a:rPr>
-              <a:t>	</a:t>
-            </a:r>
-            <a:r>
-              <a:rPr lang="de-DE" sz="2400" dirty="0" err="1">
-                <a:latin typeface="Courier New" panose="02070309020205020404" pitchFamily="49" charset="0"/>
-                <a:cs typeface="Courier New" panose="02070309020205020404" pitchFamily="49" charset="0"/>
-              </a:rPr>
-              <a:t>sudo</a:t>
-            </a:r>
-            <a:r>
-              <a:rPr lang="de-DE" sz="2400" dirty="0">
-                <a:latin typeface="Courier New" panose="02070309020205020404" pitchFamily="49" charset="0"/>
-                <a:cs typeface="Courier New" panose="02070309020205020404" pitchFamily="49" charset="0"/>
-              </a:rPr>
-              <a:t> </a:t>
-            </a:r>
-            <a:r>
-              <a:rPr lang="de-DE" sz="2400" dirty="0" err="1">
-                <a:latin typeface="Courier New" panose="02070309020205020404" pitchFamily="49" charset="0"/>
-                <a:cs typeface="Courier New" panose="02070309020205020404" pitchFamily="49" charset="0"/>
-              </a:rPr>
-              <a:t>shutdown</a:t>
-            </a:r>
-            <a:r>
-              <a:rPr lang="de-DE" sz="2400" dirty="0">
-                <a:latin typeface="Courier New" panose="02070309020205020404" pitchFamily="49" charset="0"/>
-                <a:cs typeface="Courier New" panose="02070309020205020404" pitchFamily="49" charset="0"/>
-              </a:rPr>
-              <a:t> -</a:t>
-            </a:r>
-            <a:r>
-              <a:rPr lang="de-DE" sz="2400" dirty="0" err="1">
-                <a:latin typeface="Courier New" panose="02070309020205020404" pitchFamily="49" charset="0"/>
-                <a:cs typeface="Courier New" panose="02070309020205020404" pitchFamily="49" charset="0"/>
-              </a:rPr>
-              <a:t>r</a:t>
-            </a:r>
-            <a:r>
-              <a:rPr lang="de-DE" sz="2400" dirty="0">
-                <a:latin typeface="Courier New" panose="02070309020205020404" pitchFamily="49" charset="0"/>
-                <a:cs typeface="Courier New" panose="02070309020205020404" pitchFamily="49" charset="0"/>
-              </a:rPr>
-              <a:t> </a:t>
-            </a:r>
-            <a:r>
-              <a:rPr lang="de-DE" sz="2400" dirty="0" err="1">
-                <a:latin typeface="Courier New" panose="02070309020205020404" pitchFamily="49" charset="0"/>
-                <a:cs typeface="Courier New" panose="02070309020205020404" pitchFamily="49" charset="0"/>
-              </a:rPr>
-              <a:t>now</a:t>
-            </a:r>
-            <a:r>
-              <a:rPr lang="de-DE" dirty="0">
-                <a:latin typeface="Courier New" panose="02070309020205020404" pitchFamily="49" charset="0"/>
-                <a:cs typeface="Courier New" panose="02070309020205020404" pitchFamily="49" charset="0"/>
-              </a:rPr>
-              <a:t>	</a:t>
-            </a:r>
-          </a:p>
         </p:txBody>
       </p:sp>
     </p:spTree>
     <p:extLst>
       <p:ext uri="{BB962C8B-B14F-4D97-AF65-F5344CB8AC3E}">
         <p14:creationId xmlns:p14="http://schemas.microsoft.com/office/powerpoint/2010/main" val="2505505920"/>
-      </p:ext>
-    </p:extLst>
-  </p:cSld>
-  <p:clrMapOvr>
-    <a:masterClrMapping/>
-  </p:clrMapOvr>
-</p:sld>
-</file>
-
-<file path=ppt/slides/slide2.xml><?xml version="1.0" encoding="utf-8"?>
-<p:sld xmlns:a="http://schemas.openxmlformats.org/drawingml/2006/main" xmlns:r="http://schemas.openxmlformats.org/officeDocument/2006/relationships" xmlns:p="http://schemas.openxmlformats.org/presentationml/2006/main">
-  <p:cSld>
-    <p:spTree>
-      <p:nvGrpSpPr>
-        <p:cNvPr id="1" name=""/>
-        <p:cNvGrpSpPr/>
-        <p:nvPr/>
-      </p:nvGrpSpPr>
-      <p:grpSpPr>
-        <a:xfrm>
-          <a:off x="0" y="0"/>
-          <a:ext cx="0" cy="0"/>
-          <a:chOff x="0" y="0"/>
-          <a:chExt cx="0" cy="0"/>
-        </a:xfrm>
-      </p:grpSpPr>
-      <p:sp>
-        <p:nvSpPr>
-          <p:cNvPr id="2" name="Titel 1">
-            <a:extLst>
-              <a:ext uri="{FF2B5EF4-FFF2-40B4-BE49-F238E27FC236}">
-                <a16:creationId xmlns:a16="http://schemas.microsoft.com/office/drawing/2014/main" id="{61AC2841-EC8A-1BA6-D70A-7B843AF87BEF}"/>
-              </a:ext>
-            </a:extLst>
-          </p:cNvPr>
-          <p:cNvSpPr>
-            <a:spLocks noGrp="1"/>
-          </p:cNvSpPr>
-          <p:nvPr>
-            <p:ph type="ctrTitle"/>
-          </p:nvPr>
-        </p:nvSpPr>
-        <p:spPr/>
-        <p:txBody>
-          <a:bodyPr>
-            <a:normAutofit fontScale="90000"/>
-          </a:bodyPr>
-          <a:lstStyle/>
-          <a:p>
-            <a:r>
-              <a:rPr lang="de-DE" dirty="0"/>
-              <a:t>Teil 1</a:t>
-            </a:r>
-            <a:br>
-              <a:rPr lang="de-DE" dirty="0"/>
-            </a:br>
-            <a:r>
-              <a:rPr lang="de-DE" dirty="0"/>
-              <a:t>Installation der virtuellen Maschinen</a:t>
-            </a:r>
-          </a:p>
-        </p:txBody>
-      </p:sp>
-      <p:sp>
-        <p:nvSpPr>
-          <p:cNvPr id="3" name="Untertitel 2">
-            <a:extLst>
-              <a:ext uri="{FF2B5EF4-FFF2-40B4-BE49-F238E27FC236}">
-                <a16:creationId xmlns:a16="http://schemas.microsoft.com/office/drawing/2014/main" id="{FB2020CD-EBC6-748F-1AD6-DBF8E8960A6B}"/>
-              </a:ext>
-            </a:extLst>
-          </p:cNvPr>
-          <p:cNvSpPr>
-            <a:spLocks noGrp="1"/>
-          </p:cNvSpPr>
-          <p:nvPr>
-            <p:ph type="subTitle" idx="1"/>
-          </p:nvPr>
-        </p:nvSpPr>
-        <p:spPr/>
-        <p:txBody>
-          <a:bodyPr/>
-          <a:lstStyle/>
-          <a:p>
-            <a:r>
-              <a:rPr lang="de-DE" dirty="0"/>
-              <a:t>Dr. Georg Pietrek</a:t>
-            </a:r>
-          </a:p>
-          <a:p>
-            <a:r>
-              <a:rPr lang="de-DE" dirty="0"/>
-              <a:t>Timo Kästner, Can </a:t>
-            </a:r>
-            <a:r>
-              <a:rPr lang="de-DE" dirty="0" err="1"/>
-              <a:t>Büyükburc</a:t>
-            </a:r>
-            <a:r>
-              <a:rPr lang="de-DE" dirty="0"/>
-              <a:t>, Yannick Poggel</a:t>
-            </a:r>
-          </a:p>
-          <a:p>
-            <a:r>
-              <a:rPr lang="de-DE" dirty="0"/>
-              <a:t>16.3.2023</a:t>
-            </a:r>
-          </a:p>
-        </p:txBody>
-      </p:sp>
-    </p:spTree>
-    <p:extLst>
-      <p:ext uri="{BB962C8B-B14F-4D97-AF65-F5344CB8AC3E}">
-        <p14:creationId xmlns:p14="http://schemas.microsoft.com/office/powerpoint/2010/main" val="3079428281"/>
       </p:ext>
     </p:extLst>
   </p:cSld>
@@ -7072,7 +9098,7 @@
                 <a:latin typeface="Courier New" panose="02070309020205020404" pitchFamily="49" charset="0"/>
                 <a:cs typeface="Courier New" panose="02070309020205020404" pitchFamily="49" charset="0"/>
               </a:rPr>
-              <a:t>   </a:t>
+              <a:t>  </a:t>
             </a:r>
             <a:r>
               <a:rPr lang="de-DE" sz="1800" dirty="0">
@@ -7130,7 +9156,7 @@
                 <a:latin typeface="Courier New" panose="02070309020205020404" pitchFamily="49" charset="0"/>
                 <a:cs typeface="Courier New" panose="02070309020205020404" pitchFamily="49" charset="0"/>
               </a:rPr>
-              <a:t>   </a:t>
+              <a:t>  </a:t>
             </a:r>
             <a:r>
               <a:rPr lang="de-DE" sz="1800" dirty="0">
@@ -7174,7 +9200,7 @@
                 <a:latin typeface="Courier New" panose="02070309020205020404" pitchFamily="49" charset="0"/>
                 <a:cs typeface="Courier New" panose="02070309020205020404" pitchFamily="49" charset="0"/>
               </a:rPr>
-              <a:t>   </a:t>
+              <a:t>  </a:t>
             </a:r>
             <a:r>
               <a:rPr lang="de-DE" sz="1800" dirty="0">
@@ -7218,7 +9244,7 @@
                 <a:latin typeface="Courier New" panose="02070309020205020404" pitchFamily="49" charset="0"/>
                 <a:cs typeface="Courier New" panose="02070309020205020404" pitchFamily="49" charset="0"/>
               </a:rPr>
-              <a:t>   </a:t>
+              <a:t>  </a:t>
             </a:r>
             <a:r>
               <a:rPr lang="de-DE" sz="1800" dirty="0">
@@ -7331,7 +9357,7 @@
           <p:cNvPr id="2" name="Titel 1">
             <a:extLst>
               <a:ext uri="{FF2B5EF4-FFF2-40B4-BE49-F238E27FC236}">
-                <a16:creationId xmlns:a16="http://schemas.microsoft.com/office/drawing/2014/main" id="{97B81511-FD40-5DFB-A11C-439D47FC7E4E}"/>
+                <a16:creationId xmlns:a16="http://schemas.microsoft.com/office/drawing/2014/main" id="{54472761-F6BA-A4DF-6E97-094AE60B729E}"/>
               </a:ext>
             </a:extLst>
           </p:cNvPr>
@@ -7349,15 +9375,7 @@
           <a:p>
             <a:r>
               <a:rPr lang="de-DE" dirty="0"/>
-              <a:t>Master </a:t>
-            </a:r>
-            <a:r>
-              <a:rPr lang="de-DE" dirty="0" err="1"/>
-              <a:t>Node</a:t>
-            </a:r>
-            <a:r>
-              <a:rPr lang="de-DE" dirty="0"/>
-              <a:t> einrichten</a:t>
+              <a:t>Virtuelle Maschinen mit multipass</a:t>
             </a:r>
           </a:p>
         </p:txBody>
@@ -7367,7 +9385,7 @@
           <p:cNvPr id="3" name="Inhaltsplatzhalter 2">
             <a:extLst>
               <a:ext uri="{FF2B5EF4-FFF2-40B4-BE49-F238E27FC236}">
-                <a16:creationId xmlns:a16="http://schemas.microsoft.com/office/drawing/2014/main" id="{D60DEAA2-318F-E89B-9305-4E4F17176745}"/>
+                <a16:creationId xmlns:a16="http://schemas.microsoft.com/office/drawing/2014/main" id="{A6C84D30-D395-411D-5201-F8BC8F103909}"/>
               </a:ext>
             </a:extLst>
           </p:cNvPr>
@@ -7387,7 +9405,14 @@
           <a:p>
             <a:r>
               <a:rPr lang="de-DE" dirty="0"/>
-              <a:t>IP-Adressen in Hosts-Datei eintragen	</a:t>
+              <a:t>IP-Adresse der virtuellen Maschinen</a:t>
+            </a:r>
+          </a:p>
+          <a:p>
+            <a:pPr lvl="1"/>
+            <a:r>
+              <a:rPr lang="de-DE" dirty="0"/>
+              <a:t>Bitte die IP-Adressen der virtuellen Maschinen merken!</a:t>
             </a:r>
           </a:p>
           <a:p>
@@ -7399,7 +9424,7 @@
                 <a:latin typeface="Courier New" panose="02070309020205020404" pitchFamily="49" charset="0"/>
                 <a:cs typeface="Courier New" panose="02070309020205020404" pitchFamily="49" charset="0"/>
               </a:rPr>
-              <a:t>	multipass </a:t>
+              <a:t>   multipass </a:t>
             </a:r>
             <a:r>
               <a:rPr lang="de-DE" sz="2400" dirty="0" err="1">
@@ -7444,138 +9469,69 @@
             <a:pPr marL="0" indent="0">
               <a:buNone/>
             </a:pPr>
-            <a:r>
-              <a:rPr lang="de-DE" sz="2400" dirty="0">
-                <a:latin typeface="Courier New" panose="02070309020205020404" pitchFamily="49" charset="0"/>
-                <a:cs typeface="Courier New" panose="02070309020205020404" pitchFamily="49" charset="0"/>
-              </a:rPr>
-              <a:t>	</a:t>
-            </a:r>
-          </a:p>
-          <a:p>
-            <a:pPr marL="0" indent="0">
-              <a:buNone/>
-            </a:pPr>
-            <a:r>
-              <a:rPr lang="de-DE" sz="2400" dirty="0">
-                <a:latin typeface="Courier New" panose="02070309020205020404" pitchFamily="49" charset="0"/>
-                <a:cs typeface="Courier New" panose="02070309020205020404" pitchFamily="49" charset="0"/>
-              </a:rPr>
-              <a:t>	multipass </a:t>
-            </a:r>
-            <a:r>
-              <a:rPr lang="de-DE" sz="2400" dirty="0" err="1">
-                <a:latin typeface="Courier New" panose="02070309020205020404" pitchFamily="49" charset="0"/>
-                <a:cs typeface="Courier New" panose="02070309020205020404" pitchFamily="49" charset="0"/>
-              </a:rPr>
-              <a:t>shell</a:t>
-            </a:r>
-            <a:r>
-              <a:rPr lang="de-DE" sz="2400" dirty="0">
-                <a:latin typeface="Courier New" panose="02070309020205020404" pitchFamily="49" charset="0"/>
-                <a:cs typeface="Courier New" panose="02070309020205020404" pitchFamily="49" charset="0"/>
-              </a:rPr>
-              <a:t> </a:t>
-            </a:r>
-            <a:r>
-              <a:rPr lang="de-DE" sz="2400" dirty="0" err="1">
-                <a:latin typeface="Courier New" panose="02070309020205020404" pitchFamily="49" charset="0"/>
-                <a:cs typeface="Courier New" panose="02070309020205020404" pitchFamily="49" charset="0"/>
-              </a:rPr>
-              <a:t>master</a:t>
-            </a:r>
             <a:endParaRPr lang="de-DE" sz="2400" dirty="0">
               <a:latin typeface="Courier New" panose="02070309020205020404" pitchFamily="49" charset="0"/>
               <a:cs typeface="Courier New" panose="02070309020205020404" pitchFamily="49" charset="0"/>
             </a:endParaRPr>
           </a:p>
           <a:p>
-            <a:pPr marL="0" indent="0">
-              <a:buNone/>
-            </a:pPr>
-            <a:r>
-              <a:rPr lang="de-DE" sz="2400" dirty="0">
-                <a:latin typeface="Courier New" panose="02070309020205020404" pitchFamily="49" charset="0"/>
-                <a:cs typeface="Courier New" panose="02070309020205020404" pitchFamily="49" charset="0"/>
-              </a:rPr>
-              <a:t>	</a:t>
-            </a:r>
-            <a:r>
-              <a:rPr lang="de-DE" sz="2400" dirty="0" err="1">
-                <a:latin typeface="Courier New" panose="02070309020205020404" pitchFamily="49" charset="0"/>
-                <a:cs typeface="Courier New" panose="02070309020205020404" pitchFamily="49" charset="0"/>
-              </a:rPr>
-              <a:t>sudo</a:t>
-            </a:r>
-            <a:r>
-              <a:rPr lang="de-DE" sz="2400" dirty="0">
-                <a:latin typeface="Courier New" panose="02070309020205020404" pitchFamily="49" charset="0"/>
-                <a:cs typeface="Courier New" panose="02070309020205020404" pitchFamily="49" charset="0"/>
-              </a:rPr>
-              <a:t> vi /</a:t>
-            </a:r>
-            <a:r>
-              <a:rPr lang="de-DE" sz="2400" dirty="0" err="1">
+            <a:pPr lvl="1"/>
+            <a:endParaRPr lang="de-DE" dirty="0"/>
+          </a:p>
+          <a:p>
+            <a:pPr lvl="1"/>
+            <a:r>
+              <a:rPr lang="de-DE" dirty="0"/>
+              <a:t>Wenn möglich in die </a:t>
+            </a:r>
+            <a:r>
+              <a:rPr lang="de-DE" dirty="0">
+                <a:latin typeface="Courier New" panose="02070309020205020404" pitchFamily="49" charset="0"/>
+                <a:cs typeface="Courier New" panose="02070309020205020404" pitchFamily="49" charset="0"/>
+              </a:rPr>
+              <a:t>/</a:t>
+            </a:r>
+            <a:r>
+              <a:rPr lang="de-DE" dirty="0" err="1">
                 <a:latin typeface="Courier New" panose="02070309020205020404" pitchFamily="49" charset="0"/>
                 <a:cs typeface="Courier New" panose="02070309020205020404" pitchFamily="49" charset="0"/>
               </a:rPr>
               <a:t>etc</a:t>
             </a:r>
             <a:r>
-              <a:rPr lang="de-DE" sz="2400" dirty="0">
+              <a:rPr lang="de-DE" dirty="0">
                 <a:latin typeface="Courier New" panose="02070309020205020404" pitchFamily="49" charset="0"/>
                 <a:cs typeface="Courier New" panose="02070309020205020404" pitchFamily="49" charset="0"/>
               </a:rPr>
               <a:t>/</a:t>
             </a:r>
             <a:r>
-              <a:rPr lang="de-DE" sz="2400" dirty="0" err="1">
-                <a:latin typeface="Courier New" panose="02070309020205020404" pitchFamily="49" charset="0"/>
-                <a:cs typeface="Courier New" panose="02070309020205020404" pitchFamily="49" charset="0"/>
-              </a:rPr>
-              <a:t>cloud</a:t>
-            </a:r>
-            <a:r>
-              <a:rPr lang="de-DE" sz="2400" dirty="0">
-                <a:latin typeface="Courier New" panose="02070309020205020404" pitchFamily="49" charset="0"/>
-                <a:cs typeface="Courier New" panose="02070309020205020404" pitchFamily="49" charset="0"/>
-              </a:rPr>
-              <a:t>/</a:t>
-            </a:r>
-            <a:r>
-              <a:rPr lang="de-DE" sz="2400" dirty="0" err="1">
-                <a:latin typeface="Courier New" panose="02070309020205020404" pitchFamily="49" charset="0"/>
-                <a:cs typeface="Courier New" panose="02070309020205020404" pitchFamily="49" charset="0"/>
-              </a:rPr>
-              <a:t>templates</a:t>
-            </a:r>
-            <a:r>
-              <a:rPr lang="de-DE" sz="2400" dirty="0">
-                <a:latin typeface="Courier New" panose="02070309020205020404" pitchFamily="49" charset="0"/>
-                <a:cs typeface="Courier New" panose="02070309020205020404" pitchFamily="49" charset="0"/>
-              </a:rPr>
-              <a:t>/</a:t>
-            </a:r>
-            <a:r>
-              <a:rPr lang="de-DE" sz="2400" dirty="0" err="1">
-                <a:latin typeface="Courier New" panose="02070309020205020404" pitchFamily="49" charset="0"/>
-                <a:cs typeface="Courier New" panose="02070309020205020404" pitchFamily="49" charset="0"/>
-              </a:rPr>
-              <a:t>hosts.debian.tmpl</a:t>
-            </a:r>
-            <a:endParaRPr lang="de-DE" sz="2400" dirty="0">
-              <a:latin typeface="Courier New" panose="02070309020205020404" pitchFamily="49" charset="0"/>
-              <a:cs typeface="Courier New" panose="02070309020205020404" pitchFamily="49" charset="0"/>
-            </a:endParaRPr>
+              <a:rPr lang="de-DE" dirty="0" err="1">
+                <a:latin typeface="Courier New" panose="02070309020205020404" pitchFamily="49" charset="0"/>
+                <a:cs typeface="Courier New" panose="02070309020205020404" pitchFamily="49" charset="0"/>
+              </a:rPr>
+              <a:t>hosts</a:t>
+            </a:r>
+            <a:r>
+              <a:rPr lang="de-DE" dirty="0">
+                <a:latin typeface="Courier New" panose="02070309020205020404" pitchFamily="49" charset="0"/>
+                <a:cs typeface="Courier New" panose="02070309020205020404" pitchFamily="49" charset="0"/>
+              </a:rPr>
+              <a:t> </a:t>
+            </a:r>
+            <a:r>
+              <a:rPr lang="de-DE" dirty="0"/>
+              <a:t>des eigenen Rechners schreiben, der Rest wird dann einfacher!</a:t>
+            </a:r>
           </a:p>
         </p:txBody>
       </p:sp>
       <p:pic>
         <p:nvPicPr>
-          <p:cNvPr id="7" name="Grafik 6">
-            <a:extLst>
-              <a:ext uri="{FF2B5EF4-FFF2-40B4-BE49-F238E27FC236}">
-                <a16:creationId xmlns:a16="http://schemas.microsoft.com/office/drawing/2014/main" id="{C4C2B3E5-3DB5-B1F5-1E08-21EA9EB81FF0}"/>
+          <p:cNvPr id="4" name="Grafik 3">
+            <a:extLst>
+              <a:ext uri="{FF2B5EF4-FFF2-40B4-BE49-F238E27FC236}">
+                <a16:creationId xmlns:a16="http://schemas.microsoft.com/office/drawing/2014/main" id="{EE7FDEA7-146E-455C-621B-5FD8AFC86A02}"/>
               </a:ext>
             </a:extLst>
           </p:cNvPr>
@@ -7585,45 +9541,15 @@
           <p:nvPr/>
         </p:nvPicPr>
         <p:blipFill>
-          <a:blip r:embed="rId3"/>
+          <a:blip r:embed="rId2"/>
           <a:stretch>
             <a:fillRect/>
           </a:stretch>
         </p:blipFill>
         <p:spPr>
           <a:xfrm>
-            <a:off x="4445000" y="5567112"/>
-            <a:ext cx="2901950" cy="962226"/>
-          </a:xfrm>
-          <a:prstGeom prst="rect">
-            <a:avLst/>
-          </a:prstGeom>
-        </p:spPr>
-      </p:pic>
-      <p:pic>
-        <p:nvPicPr>
-          <p:cNvPr id="6" name="Grafik 5">
-            <a:extLst>
-              <a:ext uri="{FF2B5EF4-FFF2-40B4-BE49-F238E27FC236}">
-                <a16:creationId xmlns:a16="http://schemas.microsoft.com/office/drawing/2014/main" id="{90CB199C-3DF3-D431-995A-55C20BBA7296}"/>
-              </a:ext>
-            </a:extLst>
-          </p:cNvPr>
-          <p:cNvPicPr>
-            <a:picLocks noChangeAspect="1"/>
-          </p:cNvPicPr>
-          <p:nvPr/>
-        </p:nvPicPr>
-        <p:blipFill>
-          <a:blip r:embed="rId4"/>
-          <a:stretch>
-            <a:fillRect/>
-          </a:stretch>
-        </p:blipFill>
-        <p:spPr>
-          <a:xfrm>
-            <a:off x="4521200" y="3124869"/>
-            <a:ext cx="6832600" cy="1143000"/>
+            <a:off x="1550840" y="3429000"/>
+            <a:ext cx="9090320" cy="1473201"/>
           </a:xfrm>
           <a:prstGeom prst="rect">
             <a:avLst/>
@@ -7633,7 +9559,7 @@
     </p:spTree>
     <p:extLst>
       <p:ext uri="{BB962C8B-B14F-4D97-AF65-F5344CB8AC3E}">
-        <p14:creationId xmlns:p14="http://schemas.microsoft.com/office/powerpoint/2010/main" val="2489378187"/>
+        <p14:creationId xmlns:p14="http://schemas.microsoft.com/office/powerpoint/2010/main" val="1447484973"/>
       </p:ext>
     </p:extLst>
   </p:cSld>
@@ -7665,7 +9591,7 @@
           <p:cNvPr id="2" name="Titel 1">
             <a:extLst>
               <a:ext uri="{FF2B5EF4-FFF2-40B4-BE49-F238E27FC236}">
-                <a16:creationId xmlns:a16="http://schemas.microsoft.com/office/drawing/2014/main" id="{54472761-F6BA-A4DF-6E97-094AE60B729E}"/>
+                <a16:creationId xmlns:a16="http://schemas.microsoft.com/office/drawing/2014/main" id="{97B81511-FD40-5DFB-A11C-439D47FC7E4E}"/>
               </a:ext>
             </a:extLst>
           </p:cNvPr>
@@ -7701,7 +9627,7 @@
           <p:cNvPr id="3" name="Inhaltsplatzhalter 2">
             <a:extLst>
               <a:ext uri="{FF2B5EF4-FFF2-40B4-BE49-F238E27FC236}">
-                <a16:creationId xmlns:a16="http://schemas.microsoft.com/office/drawing/2014/main" id="{A6C84D30-D395-411D-5201-F8BC8F103909}"/>
+                <a16:creationId xmlns:a16="http://schemas.microsoft.com/office/drawing/2014/main" id="{D60DEAA2-318F-E89B-9305-4E4F17176745}"/>
               </a:ext>
             </a:extLst>
           </p:cNvPr>
@@ -7720,12 +9646,51 @@
           <a:lstStyle/>
           <a:p>
             <a:r>
-              <a:rPr lang="de-DE" dirty="0" err="1"/>
-              <a:t>Kubernetes</a:t>
-            </a:r>
-            <a:r>
-              <a:rPr lang="de-DE" dirty="0"/>
-              <a:t> installieren (1):</a:t>
+              <a:rPr lang="de-DE" dirty="0"/>
+              <a:t>IP-Adresse in Hosts-Datei eintragen</a:t>
+            </a:r>
+          </a:p>
+          <a:p>
+            <a:pPr lvl="1"/>
+            <a:r>
+              <a:rPr lang="de-DE" dirty="0"/>
+              <a:t>Die Zeile mit </a:t>
+            </a:r>
+            <a:r>
+              <a:rPr lang="de-DE" dirty="0">
+                <a:latin typeface="Courier New" panose="02070309020205020404" pitchFamily="49" charset="0"/>
+                <a:cs typeface="Courier New" panose="02070309020205020404" pitchFamily="49" charset="0"/>
+              </a:rPr>
+              <a:t>127.0.1.1</a:t>
+            </a:r>
+            <a:r>
+              <a:rPr lang="de-DE" dirty="0"/>
+              <a:t> löschen</a:t>
+            </a:r>
+          </a:p>
+          <a:p>
+            <a:pPr lvl="1"/>
+            <a:r>
+              <a:rPr lang="de-DE" dirty="0"/>
+              <a:t>Neue Zeile für </a:t>
+            </a:r>
+            <a:r>
+              <a:rPr lang="de-DE" dirty="0" err="1">
+                <a:latin typeface="Courier New" panose="02070309020205020404" pitchFamily="49" charset="0"/>
+                <a:cs typeface="Courier New" panose="02070309020205020404" pitchFamily="49" charset="0"/>
+              </a:rPr>
+              <a:t>master</a:t>
+            </a:r>
+            <a:r>
+              <a:rPr lang="de-DE" dirty="0"/>
+              <a:t> zufügen</a:t>
+            </a:r>
+          </a:p>
+          <a:p>
+            <a:pPr lvl="2"/>
+            <a:r>
+              <a:rPr lang="de-DE" dirty="0"/>
+              <a:t>Achtung! Eigene IP-Adressen nutzen!</a:t>
             </a:r>
           </a:p>
           <a:p>
@@ -7733,175 +9698,520 @@
               <a:buNone/>
             </a:pPr>
             <a:r>
-              <a:rPr lang="de-DE" sz="2400" dirty="0">
-                <a:latin typeface="Courier New" panose="02070309020205020404" pitchFamily="49" charset="0"/>
-                <a:cs typeface="Courier New" panose="02070309020205020404" pitchFamily="49" charset="0"/>
-              </a:rPr>
-              <a:t>	</a:t>
-            </a:r>
-            <a:r>
-              <a:rPr lang="de-DE" sz="2400" dirty="0" err="1">
-                <a:latin typeface="Courier New" panose="02070309020205020404" pitchFamily="49" charset="0"/>
-                <a:cs typeface="Courier New" panose="02070309020205020404" pitchFamily="49" charset="0"/>
-              </a:rPr>
-              <a:t>sudo</a:t>
-            </a:r>
-            <a:r>
-              <a:rPr lang="de-DE" sz="2400" dirty="0">
+              <a:rPr lang="de-DE" sz="1600" dirty="0">
+                <a:latin typeface="Courier New" panose="02070309020205020404" pitchFamily="49" charset="0"/>
+                <a:cs typeface="Courier New" panose="02070309020205020404" pitchFamily="49" charset="0"/>
+              </a:rPr>
+              <a:t>multipass </a:t>
+            </a:r>
+            <a:r>
+              <a:rPr lang="de-DE" sz="1600" dirty="0" err="1">
+                <a:latin typeface="Courier New" panose="02070309020205020404" pitchFamily="49" charset="0"/>
+                <a:cs typeface="Courier New" panose="02070309020205020404" pitchFamily="49" charset="0"/>
+              </a:rPr>
+              <a:t>shell</a:t>
+            </a:r>
+            <a:r>
+              <a:rPr lang="de-DE" sz="1600" dirty="0">
                 <a:latin typeface="Courier New" panose="02070309020205020404" pitchFamily="49" charset="0"/>
                 <a:cs typeface="Courier New" panose="02070309020205020404" pitchFamily="49" charset="0"/>
               </a:rPr>
               <a:t> </a:t>
             </a:r>
             <a:r>
-              <a:rPr lang="de-DE" sz="2400" dirty="0" err="1">
-                <a:latin typeface="Courier New" panose="02070309020205020404" pitchFamily="49" charset="0"/>
-                <a:cs typeface="Courier New" panose="02070309020205020404" pitchFamily="49" charset="0"/>
-              </a:rPr>
-              <a:t>snap</a:t>
-            </a:r>
-            <a:r>
-              <a:rPr lang="de-DE" sz="2400" dirty="0">
-                <a:latin typeface="Courier New" panose="02070309020205020404" pitchFamily="49" charset="0"/>
-                <a:cs typeface="Courier New" panose="02070309020205020404" pitchFamily="49" charset="0"/>
-              </a:rPr>
-              <a:t> </a:t>
-            </a:r>
-            <a:r>
-              <a:rPr lang="de-DE" sz="2400" dirty="0" err="1">
-                <a:latin typeface="Courier New" panose="02070309020205020404" pitchFamily="49" charset="0"/>
-                <a:cs typeface="Courier New" panose="02070309020205020404" pitchFamily="49" charset="0"/>
-              </a:rPr>
-              <a:t>install</a:t>
-            </a:r>
-            <a:r>
-              <a:rPr lang="de-DE" sz="2400" dirty="0">
-                <a:latin typeface="Courier New" panose="02070309020205020404" pitchFamily="49" charset="0"/>
-                <a:cs typeface="Courier New" panose="02070309020205020404" pitchFamily="49" charset="0"/>
-              </a:rPr>
-              <a:t> microk8s --classic</a:t>
-            </a:r>
-          </a:p>
-          <a:p>
-            <a:pPr marL="0" indent="0">
-              <a:buNone/>
-            </a:pPr>
-            <a:r>
-              <a:rPr lang="de-DE" sz="2400" dirty="0">
-                <a:latin typeface="Courier New" panose="02070309020205020404" pitchFamily="49" charset="0"/>
-                <a:cs typeface="Courier New" panose="02070309020205020404" pitchFamily="49" charset="0"/>
-              </a:rPr>
-              <a:t>	</a:t>
-            </a:r>
-            <a:r>
-              <a:rPr lang="de-DE" sz="2400" dirty="0" err="1">
-                <a:latin typeface="Courier New" panose="02070309020205020404" pitchFamily="49" charset="0"/>
-                <a:cs typeface="Courier New" panose="02070309020205020404" pitchFamily="49" charset="0"/>
-              </a:rPr>
-              <a:t>sudo</a:t>
-            </a:r>
-            <a:r>
-              <a:rPr lang="de-DE" sz="2400" dirty="0">
-                <a:latin typeface="Courier New" panose="02070309020205020404" pitchFamily="49" charset="0"/>
-                <a:cs typeface="Courier New" panose="02070309020205020404" pitchFamily="49" charset="0"/>
-              </a:rPr>
-              <a:t> </a:t>
-            </a:r>
-            <a:r>
-              <a:rPr lang="de-DE" sz="2400" dirty="0" err="1">
-                <a:latin typeface="Courier New" panose="02070309020205020404" pitchFamily="49" charset="0"/>
-                <a:cs typeface="Courier New" panose="02070309020205020404" pitchFamily="49" charset="0"/>
-              </a:rPr>
-              <a:t>usermod</a:t>
-            </a:r>
-            <a:r>
-              <a:rPr lang="de-DE" sz="2400" dirty="0">
-                <a:latin typeface="Courier New" panose="02070309020205020404" pitchFamily="49" charset="0"/>
-                <a:cs typeface="Courier New" panose="02070309020205020404" pitchFamily="49" charset="0"/>
-              </a:rPr>
-              <a:t> -a -G microk8s $USER</a:t>
-            </a:r>
-          </a:p>
-          <a:p>
-            <a:pPr marL="0" indent="0">
-              <a:buNone/>
-            </a:pPr>
-            <a:r>
-              <a:rPr lang="de-DE" sz="2400" dirty="0">
-                <a:latin typeface="Courier New" panose="02070309020205020404" pitchFamily="49" charset="0"/>
-                <a:cs typeface="Courier New" panose="02070309020205020404" pitchFamily="49" charset="0"/>
-              </a:rPr>
-              <a:t>	</a:t>
-            </a:r>
-            <a:r>
-              <a:rPr lang="de-DE" sz="2400" dirty="0" err="1">
-                <a:latin typeface="Courier New" panose="02070309020205020404" pitchFamily="49" charset="0"/>
-                <a:cs typeface="Courier New" panose="02070309020205020404" pitchFamily="49" charset="0"/>
-              </a:rPr>
-              <a:t>sudo</a:t>
-            </a:r>
-            <a:r>
-              <a:rPr lang="de-DE" sz="2400" dirty="0">
-                <a:latin typeface="Courier New" panose="02070309020205020404" pitchFamily="49" charset="0"/>
-                <a:cs typeface="Courier New" panose="02070309020205020404" pitchFamily="49" charset="0"/>
-              </a:rPr>
-              <a:t> </a:t>
-            </a:r>
-            <a:r>
-              <a:rPr lang="de-DE" sz="2400" dirty="0" err="1">
-                <a:latin typeface="Courier New" panose="02070309020205020404" pitchFamily="49" charset="0"/>
-                <a:cs typeface="Courier New" panose="02070309020205020404" pitchFamily="49" charset="0"/>
-              </a:rPr>
-              <a:t>shutdown</a:t>
-            </a:r>
-            <a:r>
-              <a:rPr lang="de-DE" sz="2400" dirty="0">
-                <a:latin typeface="Courier New" panose="02070309020205020404" pitchFamily="49" charset="0"/>
-                <a:cs typeface="Courier New" panose="02070309020205020404" pitchFamily="49" charset="0"/>
-              </a:rPr>
-              <a:t> -</a:t>
-            </a:r>
-            <a:r>
-              <a:rPr lang="de-DE" sz="2400" dirty="0" err="1">
-                <a:latin typeface="Courier New" panose="02070309020205020404" pitchFamily="49" charset="0"/>
-                <a:cs typeface="Courier New" panose="02070309020205020404" pitchFamily="49" charset="0"/>
-              </a:rPr>
-              <a:t>r</a:t>
-            </a:r>
-            <a:r>
-              <a:rPr lang="de-DE" sz="2400" dirty="0">
-                <a:latin typeface="Courier New" panose="02070309020205020404" pitchFamily="49" charset="0"/>
-                <a:cs typeface="Courier New" panose="02070309020205020404" pitchFamily="49" charset="0"/>
-              </a:rPr>
-              <a:t> </a:t>
-            </a:r>
-            <a:r>
-              <a:rPr lang="de-DE" sz="2400" dirty="0" err="1">
-                <a:latin typeface="Courier New" panose="02070309020205020404" pitchFamily="49" charset="0"/>
-                <a:cs typeface="Courier New" panose="02070309020205020404" pitchFamily="49" charset="0"/>
-              </a:rPr>
-              <a:t>now</a:t>
-            </a:r>
-            <a:endParaRPr lang="de-DE" sz="2400" dirty="0">
+              <a:rPr lang="de-DE" sz="1600" dirty="0" err="1">
+                <a:latin typeface="Courier New" panose="02070309020205020404" pitchFamily="49" charset="0"/>
+                <a:cs typeface="Courier New" panose="02070309020205020404" pitchFamily="49" charset="0"/>
+              </a:rPr>
+              <a:t>master</a:t>
+            </a:r>
+            <a:endParaRPr lang="de-DE" sz="1600" dirty="0">
               <a:latin typeface="Courier New" panose="02070309020205020404" pitchFamily="49" charset="0"/>
               <a:cs typeface="Courier New" panose="02070309020205020404" pitchFamily="49" charset="0"/>
             </a:endParaRPr>
           </a:p>
           <a:p>
-            <a:pPr lvl="1"/>
-            <a:r>
-              <a:rPr lang="de-DE" dirty="0">
-                <a:cs typeface="Courier New" panose="02070309020205020404" pitchFamily="49" charset="0"/>
-              </a:rPr>
-              <a:t>Kurz warten: VM startet neu</a:t>
-            </a:r>
+            <a:pPr marL="0" indent="0">
+              <a:buNone/>
+            </a:pPr>
+            <a:r>
+              <a:rPr lang="de-DE" sz="1600" dirty="0" err="1">
+                <a:latin typeface="Courier New" panose="02070309020205020404" pitchFamily="49" charset="0"/>
+                <a:cs typeface="Courier New" panose="02070309020205020404" pitchFamily="49" charset="0"/>
+              </a:rPr>
+              <a:t>sudo</a:t>
+            </a:r>
+            <a:r>
+              <a:rPr lang="de-DE" sz="1600" dirty="0">
+                <a:latin typeface="Courier New" panose="02070309020205020404" pitchFamily="49" charset="0"/>
+                <a:cs typeface="Courier New" panose="02070309020205020404" pitchFamily="49" charset="0"/>
+              </a:rPr>
+              <a:t> sed -i '/127.0.1.1/d' /</a:t>
+            </a:r>
+            <a:r>
+              <a:rPr lang="de-DE" sz="1600" dirty="0" err="1">
+                <a:latin typeface="Courier New" panose="02070309020205020404" pitchFamily="49" charset="0"/>
+                <a:cs typeface="Courier New" panose="02070309020205020404" pitchFamily="49" charset="0"/>
+              </a:rPr>
+              <a:t>etc</a:t>
+            </a:r>
+            <a:r>
+              <a:rPr lang="de-DE" sz="1600" dirty="0">
+                <a:latin typeface="Courier New" panose="02070309020205020404" pitchFamily="49" charset="0"/>
+                <a:cs typeface="Courier New" panose="02070309020205020404" pitchFamily="49" charset="0"/>
+              </a:rPr>
+              <a:t>/</a:t>
+            </a:r>
+            <a:r>
+              <a:rPr lang="de-DE" sz="1600" dirty="0" err="1">
+                <a:latin typeface="Courier New" panose="02070309020205020404" pitchFamily="49" charset="0"/>
+                <a:cs typeface="Courier New" panose="02070309020205020404" pitchFamily="49" charset="0"/>
+              </a:rPr>
+              <a:t>cloud</a:t>
+            </a:r>
+            <a:r>
+              <a:rPr lang="de-DE" sz="1600" dirty="0">
+                <a:latin typeface="Courier New" panose="02070309020205020404" pitchFamily="49" charset="0"/>
+                <a:cs typeface="Courier New" panose="02070309020205020404" pitchFamily="49" charset="0"/>
+              </a:rPr>
+              <a:t>/</a:t>
+            </a:r>
+            <a:r>
+              <a:rPr lang="de-DE" sz="1600" dirty="0" err="1">
+                <a:latin typeface="Courier New" panose="02070309020205020404" pitchFamily="49" charset="0"/>
+                <a:cs typeface="Courier New" panose="02070309020205020404" pitchFamily="49" charset="0"/>
+              </a:rPr>
+              <a:t>templates</a:t>
+            </a:r>
+            <a:r>
+              <a:rPr lang="de-DE" sz="1600" dirty="0">
+                <a:latin typeface="Courier New" panose="02070309020205020404" pitchFamily="49" charset="0"/>
+                <a:cs typeface="Courier New" panose="02070309020205020404" pitchFamily="49" charset="0"/>
+              </a:rPr>
+              <a:t>/</a:t>
+            </a:r>
+            <a:r>
+              <a:rPr lang="de-DE" sz="1600" dirty="0" err="1">
+                <a:latin typeface="Courier New" panose="02070309020205020404" pitchFamily="49" charset="0"/>
+                <a:cs typeface="Courier New" panose="02070309020205020404" pitchFamily="49" charset="0"/>
+              </a:rPr>
+              <a:t>hosts.debian.tmpl</a:t>
+            </a:r>
+            <a:endParaRPr lang="de-DE" sz="1600" dirty="0">
+              <a:latin typeface="Courier New" panose="02070309020205020404" pitchFamily="49" charset="0"/>
+              <a:cs typeface="Courier New" panose="02070309020205020404" pitchFamily="49" charset="0"/>
+            </a:endParaRPr>
+          </a:p>
+          <a:p>
+            <a:pPr marL="0" indent="0">
+              <a:buNone/>
+            </a:pPr>
+            <a:r>
+              <a:rPr lang="de-DE" sz="1600" dirty="0" err="1">
+                <a:latin typeface="Courier New" panose="02070309020205020404" pitchFamily="49" charset="0"/>
+                <a:cs typeface="Courier New" panose="02070309020205020404" pitchFamily="49" charset="0"/>
+              </a:rPr>
+              <a:t>sudo</a:t>
+            </a:r>
+            <a:r>
+              <a:rPr lang="de-DE" sz="1600" dirty="0">
+                <a:latin typeface="Courier New" panose="02070309020205020404" pitchFamily="49" charset="0"/>
+                <a:cs typeface="Courier New" panose="02070309020205020404" pitchFamily="49" charset="0"/>
+              </a:rPr>
+              <a:t> bash -c 'echo 10.238.196.224 </a:t>
+            </a:r>
+            <a:r>
+              <a:rPr lang="de-DE" sz="1600" dirty="0" err="1">
+                <a:latin typeface="Courier New" panose="02070309020205020404" pitchFamily="49" charset="0"/>
+                <a:cs typeface="Courier New" panose="02070309020205020404" pitchFamily="49" charset="0"/>
+              </a:rPr>
+              <a:t>master</a:t>
+            </a:r>
+            <a:r>
+              <a:rPr lang="de-DE" sz="1600" dirty="0">
+                <a:latin typeface="Courier New" panose="02070309020205020404" pitchFamily="49" charset="0"/>
+                <a:cs typeface="Courier New" panose="02070309020205020404" pitchFamily="49" charset="0"/>
+              </a:rPr>
+              <a:t> &gt;&gt; /</a:t>
+            </a:r>
+            <a:r>
+              <a:rPr lang="de-DE" sz="1600" dirty="0" err="1">
+                <a:latin typeface="Courier New" panose="02070309020205020404" pitchFamily="49" charset="0"/>
+                <a:cs typeface="Courier New" panose="02070309020205020404" pitchFamily="49" charset="0"/>
+              </a:rPr>
+              <a:t>etc</a:t>
+            </a:r>
+            <a:r>
+              <a:rPr lang="de-DE" sz="1600" dirty="0">
+                <a:latin typeface="Courier New" panose="02070309020205020404" pitchFamily="49" charset="0"/>
+                <a:cs typeface="Courier New" panose="02070309020205020404" pitchFamily="49" charset="0"/>
+              </a:rPr>
+              <a:t>/</a:t>
+            </a:r>
+            <a:r>
+              <a:rPr lang="de-DE" sz="1600" dirty="0" err="1">
+                <a:latin typeface="Courier New" panose="02070309020205020404" pitchFamily="49" charset="0"/>
+                <a:cs typeface="Courier New" panose="02070309020205020404" pitchFamily="49" charset="0"/>
+              </a:rPr>
+              <a:t>cloud</a:t>
+            </a:r>
+            <a:r>
+              <a:rPr lang="de-DE" sz="1600" dirty="0">
+                <a:latin typeface="Courier New" panose="02070309020205020404" pitchFamily="49" charset="0"/>
+                <a:cs typeface="Courier New" panose="02070309020205020404" pitchFamily="49" charset="0"/>
+              </a:rPr>
+              <a:t>/</a:t>
+            </a:r>
+            <a:r>
+              <a:rPr lang="de-DE" sz="1600" dirty="0" err="1">
+                <a:latin typeface="Courier New" panose="02070309020205020404" pitchFamily="49" charset="0"/>
+                <a:cs typeface="Courier New" panose="02070309020205020404" pitchFamily="49" charset="0"/>
+              </a:rPr>
+              <a:t>templates</a:t>
+            </a:r>
+            <a:r>
+              <a:rPr lang="de-DE" sz="1600" dirty="0">
+                <a:latin typeface="Courier New" panose="02070309020205020404" pitchFamily="49" charset="0"/>
+                <a:cs typeface="Courier New" panose="02070309020205020404" pitchFamily="49" charset="0"/>
+              </a:rPr>
+              <a:t>/</a:t>
+            </a:r>
+            <a:r>
+              <a:rPr lang="de-DE" sz="1600" dirty="0" err="1">
+                <a:latin typeface="Courier New" panose="02070309020205020404" pitchFamily="49" charset="0"/>
+                <a:cs typeface="Courier New" panose="02070309020205020404" pitchFamily="49" charset="0"/>
+              </a:rPr>
+              <a:t>hosts.debian.tmpl</a:t>
+            </a:r>
+            <a:r>
+              <a:rPr lang="de-DE" sz="1600" dirty="0">
+                <a:latin typeface="Courier New" panose="02070309020205020404" pitchFamily="49" charset="0"/>
+                <a:cs typeface="Courier New" panose="02070309020205020404" pitchFamily="49" charset="0"/>
+              </a:rPr>
+              <a:t>'</a:t>
+            </a:r>
+          </a:p>
+          <a:p>
+            <a:pPr marL="0" indent="0">
+              <a:buNone/>
+            </a:pPr>
+            <a:r>
+              <a:rPr lang="de-DE" sz="1600" dirty="0" err="1">
+                <a:latin typeface="Courier New" panose="02070309020205020404" pitchFamily="49" charset="0"/>
+                <a:cs typeface="Courier New" panose="02070309020205020404" pitchFamily="49" charset="0"/>
+              </a:rPr>
+              <a:t>sudo</a:t>
+            </a:r>
+            <a:r>
+              <a:rPr lang="de-DE" sz="1600" dirty="0">
+                <a:latin typeface="Courier New" panose="02070309020205020404" pitchFamily="49" charset="0"/>
+                <a:cs typeface="Courier New" panose="02070309020205020404" pitchFamily="49" charset="0"/>
+              </a:rPr>
+              <a:t> bash -c 'echo 10.238.196.24 worker1 &gt;&gt; /</a:t>
+            </a:r>
+            <a:r>
+              <a:rPr lang="de-DE" sz="1600" dirty="0" err="1">
+                <a:latin typeface="Courier New" panose="02070309020205020404" pitchFamily="49" charset="0"/>
+                <a:cs typeface="Courier New" panose="02070309020205020404" pitchFamily="49" charset="0"/>
+              </a:rPr>
+              <a:t>etc</a:t>
+            </a:r>
+            <a:r>
+              <a:rPr lang="de-DE" sz="1600" dirty="0">
+                <a:latin typeface="Courier New" panose="02070309020205020404" pitchFamily="49" charset="0"/>
+                <a:cs typeface="Courier New" panose="02070309020205020404" pitchFamily="49" charset="0"/>
+              </a:rPr>
+              <a:t>/</a:t>
+            </a:r>
+            <a:r>
+              <a:rPr lang="de-DE" sz="1600" dirty="0" err="1">
+                <a:latin typeface="Courier New" panose="02070309020205020404" pitchFamily="49" charset="0"/>
+                <a:cs typeface="Courier New" panose="02070309020205020404" pitchFamily="49" charset="0"/>
+              </a:rPr>
+              <a:t>cloud</a:t>
+            </a:r>
+            <a:r>
+              <a:rPr lang="de-DE" sz="1600" dirty="0">
+                <a:latin typeface="Courier New" panose="02070309020205020404" pitchFamily="49" charset="0"/>
+                <a:cs typeface="Courier New" panose="02070309020205020404" pitchFamily="49" charset="0"/>
+              </a:rPr>
+              <a:t>/</a:t>
+            </a:r>
+            <a:r>
+              <a:rPr lang="de-DE" sz="1600" dirty="0" err="1">
+                <a:latin typeface="Courier New" panose="02070309020205020404" pitchFamily="49" charset="0"/>
+                <a:cs typeface="Courier New" panose="02070309020205020404" pitchFamily="49" charset="0"/>
+              </a:rPr>
+              <a:t>templates</a:t>
+            </a:r>
+            <a:r>
+              <a:rPr lang="de-DE" sz="1600" dirty="0">
+                <a:latin typeface="Courier New" panose="02070309020205020404" pitchFamily="49" charset="0"/>
+                <a:cs typeface="Courier New" panose="02070309020205020404" pitchFamily="49" charset="0"/>
+              </a:rPr>
+              <a:t>/</a:t>
+            </a:r>
+            <a:r>
+              <a:rPr lang="de-DE" sz="1600" dirty="0" err="1">
+                <a:latin typeface="Courier New" panose="02070309020205020404" pitchFamily="49" charset="0"/>
+                <a:cs typeface="Courier New" panose="02070309020205020404" pitchFamily="49" charset="0"/>
+              </a:rPr>
+              <a:t>hosts.debian.tmpl</a:t>
+            </a:r>
+            <a:r>
+              <a:rPr lang="de-DE" sz="1600" dirty="0">
+                <a:latin typeface="Courier New" panose="02070309020205020404" pitchFamily="49" charset="0"/>
+                <a:cs typeface="Courier New" panose="02070309020205020404" pitchFamily="49" charset="0"/>
+              </a:rPr>
+              <a:t>'</a:t>
+            </a:r>
+          </a:p>
+          <a:p>
+            <a:pPr marL="0" indent="0">
+              <a:buNone/>
+            </a:pPr>
+            <a:r>
+              <a:rPr lang="de-DE" sz="1600" dirty="0" err="1">
+                <a:latin typeface="Courier New" panose="02070309020205020404" pitchFamily="49" charset="0"/>
+                <a:cs typeface="Courier New" panose="02070309020205020404" pitchFamily="49" charset="0"/>
+              </a:rPr>
+              <a:t>sudo</a:t>
+            </a:r>
+            <a:r>
+              <a:rPr lang="de-DE" sz="1600" dirty="0">
+                <a:latin typeface="Courier New" panose="02070309020205020404" pitchFamily="49" charset="0"/>
+                <a:cs typeface="Courier New" panose="02070309020205020404" pitchFamily="49" charset="0"/>
+              </a:rPr>
+              <a:t> bash -c 'echo 10.238.196.29 worker2 &gt;&gt; /</a:t>
+            </a:r>
+            <a:r>
+              <a:rPr lang="de-DE" sz="1600" dirty="0" err="1">
+                <a:latin typeface="Courier New" panose="02070309020205020404" pitchFamily="49" charset="0"/>
+                <a:cs typeface="Courier New" panose="02070309020205020404" pitchFamily="49" charset="0"/>
+              </a:rPr>
+              <a:t>etc</a:t>
+            </a:r>
+            <a:r>
+              <a:rPr lang="de-DE" sz="1600" dirty="0">
+                <a:latin typeface="Courier New" panose="02070309020205020404" pitchFamily="49" charset="0"/>
+                <a:cs typeface="Courier New" panose="02070309020205020404" pitchFamily="49" charset="0"/>
+              </a:rPr>
+              <a:t>/</a:t>
+            </a:r>
+            <a:r>
+              <a:rPr lang="de-DE" sz="1600" dirty="0" err="1">
+                <a:latin typeface="Courier New" panose="02070309020205020404" pitchFamily="49" charset="0"/>
+                <a:cs typeface="Courier New" panose="02070309020205020404" pitchFamily="49" charset="0"/>
+              </a:rPr>
+              <a:t>cloud</a:t>
+            </a:r>
+            <a:r>
+              <a:rPr lang="de-DE" sz="1600" dirty="0">
+                <a:latin typeface="Courier New" panose="02070309020205020404" pitchFamily="49" charset="0"/>
+                <a:cs typeface="Courier New" panose="02070309020205020404" pitchFamily="49" charset="0"/>
+              </a:rPr>
+              <a:t>/</a:t>
+            </a:r>
+            <a:r>
+              <a:rPr lang="de-DE" sz="1600" dirty="0" err="1">
+                <a:latin typeface="Courier New" panose="02070309020205020404" pitchFamily="49" charset="0"/>
+                <a:cs typeface="Courier New" panose="02070309020205020404" pitchFamily="49" charset="0"/>
+              </a:rPr>
+              <a:t>templates</a:t>
+            </a:r>
+            <a:r>
+              <a:rPr lang="de-DE" sz="1600" dirty="0">
+                <a:latin typeface="Courier New" panose="02070309020205020404" pitchFamily="49" charset="0"/>
+                <a:cs typeface="Courier New" panose="02070309020205020404" pitchFamily="49" charset="0"/>
+              </a:rPr>
+              <a:t>/</a:t>
+            </a:r>
+            <a:r>
+              <a:rPr lang="de-DE" sz="1600" dirty="0" err="1">
+                <a:latin typeface="Courier New" panose="02070309020205020404" pitchFamily="49" charset="0"/>
+                <a:cs typeface="Courier New" panose="02070309020205020404" pitchFamily="49" charset="0"/>
+              </a:rPr>
+              <a:t>hosts.debian.tmpl</a:t>
+            </a:r>
+            <a:r>
+              <a:rPr lang="de-DE" sz="1600" dirty="0">
+                <a:latin typeface="Courier New" panose="02070309020205020404" pitchFamily="49" charset="0"/>
+                <a:cs typeface="Courier New" panose="02070309020205020404" pitchFamily="49" charset="0"/>
+              </a:rPr>
+              <a:t>'</a:t>
+            </a:r>
+          </a:p>
+          <a:p>
+            <a:pPr marL="0" indent="0">
+              <a:buNone/>
+            </a:pPr>
+            <a:endParaRPr lang="de-DE" sz="1600" dirty="0">
+              <a:latin typeface="Courier New" panose="02070309020205020404" pitchFamily="49" charset="0"/>
+              <a:cs typeface="Courier New" panose="02070309020205020404" pitchFamily="49" charset="0"/>
+            </a:endParaRPr>
+          </a:p>
+        </p:txBody>
+      </p:sp>
+      <p:sp>
+        <p:nvSpPr>
+          <p:cNvPr id="6" name="Oval 5">
+            <a:extLst>
+              <a:ext uri="{FF2B5EF4-FFF2-40B4-BE49-F238E27FC236}">
+                <a16:creationId xmlns:a16="http://schemas.microsoft.com/office/drawing/2014/main" id="{F5857066-5109-281F-9891-1179BE0065B9}"/>
+              </a:ext>
+            </a:extLst>
+          </p:cNvPr>
+          <p:cNvSpPr/>
+          <p:nvPr/>
+        </p:nvSpPr>
+        <p:spPr>
+          <a:xfrm>
+            <a:off x="3170583" y="4124739"/>
+            <a:ext cx="1848678" cy="367748"/>
+          </a:xfrm>
+          <a:prstGeom prst="ellipse">
+            <a:avLst/>
+          </a:prstGeom>
+          <a:noFill/>
+          <a:ln w="38100">
+            <a:solidFill>
+              <a:srgbClr val="FF0000"/>
+            </a:solidFill>
+          </a:ln>
+        </p:spPr>
+        <p:style>
+          <a:lnRef idx="2">
+            <a:schemeClr val="accent1">
+              <a:shade val="50000"/>
+            </a:schemeClr>
+          </a:lnRef>
+          <a:fillRef idx="1">
+            <a:schemeClr val="accent1"/>
+          </a:fillRef>
+          <a:effectRef idx="0">
+            <a:schemeClr val="accent1"/>
+          </a:effectRef>
+          <a:fontRef idx="minor">
+            <a:schemeClr val="lt1"/>
+          </a:fontRef>
+        </p:style>
+        <p:txBody>
+          <a:bodyPr rtlCol="0" anchor="ctr"/>
+          <a:lstStyle/>
+          <a:p>
+            <a:pPr algn="ctr"/>
+            <a:endParaRPr lang="de-DE"/>
+          </a:p>
+        </p:txBody>
+      </p:sp>
+      <p:sp>
+        <p:nvSpPr>
+          <p:cNvPr id="10" name="Oval 9">
+            <a:extLst>
+              <a:ext uri="{FF2B5EF4-FFF2-40B4-BE49-F238E27FC236}">
+                <a16:creationId xmlns:a16="http://schemas.microsoft.com/office/drawing/2014/main" id="{D04B07F3-84D8-B73A-43A6-3FAE8E159820}"/>
+              </a:ext>
+            </a:extLst>
+          </p:cNvPr>
+          <p:cNvSpPr/>
+          <p:nvPr/>
+        </p:nvSpPr>
+        <p:spPr>
+          <a:xfrm>
+            <a:off x="3170583" y="4443550"/>
+            <a:ext cx="1848678" cy="367748"/>
+          </a:xfrm>
+          <a:prstGeom prst="ellipse">
+            <a:avLst/>
+          </a:prstGeom>
+          <a:noFill/>
+          <a:ln w="38100">
+            <a:solidFill>
+              <a:srgbClr val="FF0000"/>
+            </a:solidFill>
+          </a:ln>
+        </p:spPr>
+        <p:style>
+          <a:lnRef idx="2">
+            <a:schemeClr val="accent1">
+              <a:shade val="50000"/>
+            </a:schemeClr>
+          </a:lnRef>
+          <a:fillRef idx="1">
+            <a:schemeClr val="accent1"/>
+          </a:fillRef>
+          <a:effectRef idx="0">
+            <a:schemeClr val="accent1"/>
+          </a:effectRef>
+          <a:fontRef idx="minor">
+            <a:schemeClr val="lt1"/>
+          </a:fontRef>
+        </p:style>
+        <p:txBody>
+          <a:bodyPr rtlCol="0" anchor="ctr"/>
+          <a:lstStyle/>
+          <a:p>
+            <a:pPr algn="ctr"/>
+            <a:endParaRPr lang="de-DE"/>
+          </a:p>
+        </p:txBody>
+      </p:sp>
+      <p:sp>
+        <p:nvSpPr>
+          <p:cNvPr id="11" name="Oval 10">
+            <a:extLst>
+              <a:ext uri="{FF2B5EF4-FFF2-40B4-BE49-F238E27FC236}">
+                <a16:creationId xmlns:a16="http://schemas.microsoft.com/office/drawing/2014/main" id="{2CC1534D-F207-2778-73C2-664E1D45235F}"/>
+              </a:ext>
+            </a:extLst>
+          </p:cNvPr>
+          <p:cNvSpPr/>
+          <p:nvPr/>
+        </p:nvSpPr>
+        <p:spPr>
+          <a:xfrm>
+            <a:off x="3170583" y="4816268"/>
+            <a:ext cx="1848678" cy="367748"/>
+          </a:xfrm>
+          <a:prstGeom prst="ellipse">
+            <a:avLst/>
+          </a:prstGeom>
+          <a:noFill/>
+          <a:ln w="38100">
+            <a:solidFill>
+              <a:srgbClr val="FF0000"/>
+            </a:solidFill>
+          </a:ln>
+        </p:spPr>
+        <p:style>
+          <a:lnRef idx="2">
+            <a:schemeClr val="accent1">
+              <a:shade val="50000"/>
+            </a:schemeClr>
+          </a:lnRef>
+          <a:fillRef idx="1">
+            <a:schemeClr val="accent1"/>
+          </a:fillRef>
+          <a:effectRef idx="0">
+            <a:schemeClr val="accent1"/>
+          </a:effectRef>
+          <a:fontRef idx="minor">
+            <a:schemeClr val="lt1"/>
+          </a:fontRef>
+        </p:style>
+        <p:txBody>
+          <a:bodyPr rtlCol="0" anchor="ctr"/>
+          <a:lstStyle/>
+          <a:p>
+            <a:pPr algn="ctr"/>
+            <a:endParaRPr lang="de-DE"/>
           </a:p>
         </p:txBody>
       </p:sp>
     </p:spTree>
     <p:extLst>
       <p:ext uri="{BB962C8B-B14F-4D97-AF65-F5344CB8AC3E}">
-        <p14:creationId xmlns:p14="http://schemas.microsoft.com/office/powerpoint/2010/main" val="1270310899"/>
+        <p14:creationId xmlns:p14="http://schemas.microsoft.com/office/powerpoint/2010/main" val="2489378187"/>
       </p:ext>
     </p:extLst>
   </p:cSld>

--- a/sample/kubernetes/Bring your own device - Teil 1.pptx
+++ b/sample/kubernetes/Bring your own device - Teil 1.pptx
@@ -4119,21 +4119,7 @@
           <a:p>
             <a:r>
               <a:rPr lang="de-DE" dirty="0"/>
-              <a:t>Timo Kästner, Can </a:t>
-            </a:r>
-            <a:r>
-              <a:rPr lang="de-DE" dirty="0" err="1"/>
-              <a:t>Büyükburc</a:t>
-            </a:r>
-            <a:r>
-              <a:rPr lang="de-DE" dirty="0"/>
-              <a:t>, Yannick Poggel</a:t>
-            </a:r>
-          </a:p>
-          <a:p>
-            <a:r>
-              <a:rPr lang="de-DE" dirty="0"/>
-              <a:t>16.3.2023</a:t>
+              <a:t>19.3.2023</a:t>
             </a:r>
           </a:p>
         </p:txBody>
@@ -4168,6 +4154,35 @@
           <a:chExt cx="0" cy="0"/>
         </a:xfrm>
       </p:grpSpPr>
+      <p:pic>
+        <p:nvPicPr>
+          <p:cNvPr id="4" name="Grafik 3">
+            <a:extLst>
+              <a:ext uri="{FF2B5EF4-FFF2-40B4-BE49-F238E27FC236}">
+                <a16:creationId xmlns:a16="http://schemas.microsoft.com/office/drawing/2014/main" id="{51D9C86C-CE4F-F1AB-4167-D313136DA6F3}"/>
+              </a:ext>
+            </a:extLst>
+          </p:cNvPr>
+          <p:cNvPicPr>
+            <a:picLocks noChangeAspect="1"/>
+          </p:cNvPicPr>
+          <p:nvPr/>
+        </p:nvPicPr>
+        <p:blipFill rotWithShape="1">
+          <a:blip r:embed="rId3"/>
+          <a:srcRect t="28388"/>
+          <a:stretch/>
+        </p:blipFill>
+        <p:spPr>
+          <a:xfrm>
+            <a:off x="4513193" y="3091069"/>
+            <a:ext cx="7200900" cy="3192255"/>
+          </a:xfrm>
+          <a:prstGeom prst="rect">
+            <a:avLst/>
+          </a:prstGeom>
+        </p:spPr>
+      </p:pic>
       <p:sp>
         <p:nvSpPr>
           <p:cNvPr id="2" name="Titel 1">
@@ -4324,150 +4339,6 @@
           </a:p>
         </p:txBody>
       </p:sp>
-      <p:grpSp>
-        <p:nvGrpSpPr>
-          <p:cNvPr id="5" name="Gruppieren 4">
-            <a:extLst>
-              <a:ext uri="{FF2B5EF4-FFF2-40B4-BE49-F238E27FC236}">
-                <a16:creationId xmlns:a16="http://schemas.microsoft.com/office/drawing/2014/main" id="{CDB8AD59-C805-BA14-F36D-0A40674460D3}"/>
-              </a:ext>
-            </a:extLst>
-          </p:cNvPr>
-          <p:cNvGrpSpPr/>
-          <p:nvPr/>
-        </p:nvGrpSpPr>
-        <p:grpSpPr>
-          <a:xfrm>
-            <a:off x="2746513" y="2855780"/>
-            <a:ext cx="6158948" cy="3753742"/>
-            <a:chOff x="6095999" y="3312428"/>
-            <a:chExt cx="5797000" cy="3456120"/>
-          </a:xfrm>
-        </p:grpSpPr>
-        <p:pic>
-          <p:nvPicPr>
-            <p:cNvPr id="4" name="Grafik 3">
-              <a:extLst>
-                <a:ext uri="{FF2B5EF4-FFF2-40B4-BE49-F238E27FC236}">
-                  <a16:creationId xmlns:a16="http://schemas.microsoft.com/office/drawing/2014/main" id="{9FE6EA54-B469-A634-F4A1-A88A905A3AAF}"/>
-                </a:ext>
-              </a:extLst>
-            </p:cNvPr>
-            <p:cNvPicPr>
-              <a:picLocks noChangeAspect="1"/>
-            </p:cNvPicPr>
-            <p:nvPr/>
-          </p:nvPicPr>
-          <p:blipFill>
-            <a:blip r:embed="rId3"/>
-            <a:stretch>
-              <a:fillRect/>
-            </a:stretch>
-          </p:blipFill>
-          <p:spPr>
-            <a:xfrm>
-              <a:off x="6274905" y="3312428"/>
-              <a:ext cx="5618094" cy="3368875"/>
-            </a:xfrm>
-            <a:prstGeom prst="rect">
-              <a:avLst/>
-            </a:prstGeom>
-          </p:spPr>
-        </p:pic>
-        <p:cxnSp>
-          <p:nvCxnSpPr>
-            <p:cNvPr id="8" name="Gerade Verbindung 7">
-              <a:extLst>
-                <a:ext uri="{FF2B5EF4-FFF2-40B4-BE49-F238E27FC236}">
-                  <a16:creationId xmlns:a16="http://schemas.microsoft.com/office/drawing/2014/main" id="{E63C2712-82E1-129E-83EF-33F78DDA1E16}"/>
-                </a:ext>
-              </a:extLst>
-            </p:cNvPr>
-            <p:cNvCxnSpPr/>
-            <p:nvPr/>
-          </p:nvCxnSpPr>
-          <p:spPr>
-            <a:xfrm>
-              <a:off x="6274905" y="5476461"/>
-              <a:ext cx="2213112" cy="0"/>
-            </a:xfrm>
-            <a:prstGeom prst="line">
-              <a:avLst/>
-            </a:prstGeom>
-            <a:ln w="38100">
-              <a:solidFill>
-                <a:srgbClr val="FF0000"/>
-              </a:solidFill>
-            </a:ln>
-          </p:spPr>
-          <p:style>
-            <a:lnRef idx="1">
-              <a:schemeClr val="accent1"/>
-            </a:lnRef>
-            <a:fillRef idx="0">
-              <a:schemeClr val="accent1"/>
-            </a:fillRef>
-            <a:effectRef idx="0">
-              <a:schemeClr val="accent1"/>
-            </a:effectRef>
-            <a:fontRef idx="minor">
-              <a:schemeClr val="tx1"/>
-            </a:fontRef>
-          </p:style>
-        </p:cxnSp>
-        <p:sp>
-          <p:nvSpPr>
-            <p:cNvPr id="9" name="Oval 8">
-              <a:extLst>
-                <a:ext uri="{FF2B5EF4-FFF2-40B4-BE49-F238E27FC236}">
-                  <a16:creationId xmlns:a16="http://schemas.microsoft.com/office/drawing/2014/main" id="{49204773-070E-8DCA-D228-A0388B250054}"/>
-                </a:ext>
-              </a:extLst>
-            </p:cNvPr>
-            <p:cNvSpPr/>
-            <p:nvPr/>
-          </p:nvSpPr>
-          <p:spPr>
-            <a:xfrm>
-              <a:off x="6095999" y="6390862"/>
-              <a:ext cx="2004391" cy="377686"/>
-            </a:xfrm>
-            <a:prstGeom prst="ellipse">
-              <a:avLst/>
-            </a:prstGeom>
-            <a:noFill/>
-            <a:ln w="38100">
-              <a:solidFill>
-                <a:srgbClr val="FF0000"/>
-              </a:solidFill>
-            </a:ln>
-          </p:spPr>
-          <p:style>
-            <a:lnRef idx="2">
-              <a:schemeClr val="accent1">
-                <a:shade val="50000"/>
-              </a:schemeClr>
-            </a:lnRef>
-            <a:fillRef idx="1">
-              <a:schemeClr val="accent1"/>
-            </a:fillRef>
-            <a:effectRef idx="0">
-              <a:schemeClr val="accent1"/>
-            </a:effectRef>
-            <a:fontRef idx="minor">
-              <a:schemeClr val="lt1"/>
-            </a:fontRef>
-          </p:style>
-          <p:txBody>
-            <a:bodyPr rtlCol="0" anchor="ctr"/>
-            <a:lstStyle/>
-            <a:p>
-              <a:pPr algn="ctr"/>
-              <a:endParaRPr lang="de-DE"/>
-            </a:p>
-          </p:txBody>
-        </p:sp>
-      </p:grpSp>
     </p:spTree>
     <p:extLst>
       <p:ext uri="{BB962C8B-B14F-4D97-AF65-F5344CB8AC3E}">
@@ -4871,13 +4742,10 @@
               </a:rPr>
               <a:t>master</a:t>
             </a:r>
-            <a:r>
-              <a:rPr lang="de-DE" sz="1600" dirty="0">
-                <a:latin typeface="Courier New" panose="02070309020205020404" pitchFamily="49" charset="0"/>
-                <a:cs typeface="Courier New" panose="02070309020205020404" pitchFamily="49" charset="0"/>
-              </a:rPr>
-              <a:t>  </a:t>
-            </a:r>
+            <a:endParaRPr lang="de-DE" sz="1600" dirty="0">
+              <a:latin typeface="Courier New" panose="02070309020205020404" pitchFamily="49" charset="0"/>
+              <a:cs typeface="Courier New" panose="02070309020205020404" pitchFamily="49" charset="0"/>
+            </a:endParaRPr>
           </a:p>
           <a:p>
             <a:pPr marL="0" indent="0">
@@ -5712,13 +5580,13 @@
                 <a:latin typeface="Courier New" panose="02070309020205020404" pitchFamily="49" charset="0"/>
                 <a:cs typeface="Courier New" panose="02070309020205020404" pitchFamily="49" charset="0"/>
               </a:rPr>
-              <a:t> {…</a:t>
+              <a:t> {…} </a:t>
             </a:r>
             <a:r>
               <a:rPr lang="de-DE" dirty="0">
                 <a:cs typeface="Courier New" panose="02070309020205020404" pitchFamily="49" charset="0"/>
               </a:rPr>
-              <a:t>} und vor </a:t>
+              <a:t>und vor </a:t>
             </a:r>
             <a:r>
               <a:rPr lang="de-DE" dirty="0" err="1">
@@ -5769,7 +5637,7 @@
                 <a:latin typeface="Courier New" panose="02070309020205020404" pitchFamily="49" charset="0"/>
                 <a:cs typeface="Courier New" panose="02070309020205020404" pitchFamily="49" charset="0"/>
               </a:rPr>
-              <a:t>         10.238.196.249   </a:t>
+              <a:t>         192.168.64.30 </a:t>
             </a:r>
             <a:r>
               <a:rPr lang="de-DE" sz="1800" dirty="0" err="1">
@@ -5831,6 +5699,102 @@
               </a:rPr>
               <a:t>      }</a:t>
             </a:r>
+          </a:p>
+        </p:txBody>
+      </p:sp>
+      <p:sp>
+        <p:nvSpPr>
+          <p:cNvPr id="4" name="Oval 3">
+            <a:extLst>
+              <a:ext uri="{FF2B5EF4-FFF2-40B4-BE49-F238E27FC236}">
+                <a16:creationId xmlns:a16="http://schemas.microsoft.com/office/drawing/2014/main" id="{46C7B9DC-53A2-22ED-254F-0A6429689728}"/>
+              </a:ext>
+            </a:extLst>
+          </p:cNvPr>
+          <p:cNvSpPr/>
+          <p:nvPr/>
+        </p:nvSpPr>
+        <p:spPr>
+          <a:xfrm>
+            <a:off x="1938130" y="4314348"/>
+            <a:ext cx="2087218" cy="367748"/>
+          </a:xfrm>
+          <a:prstGeom prst="ellipse">
+            <a:avLst/>
+          </a:prstGeom>
+          <a:noFill/>
+          <a:ln w="38100">
+            <a:solidFill>
+              <a:srgbClr val="FF0000"/>
+            </a:solidFill>
+          </a:ln>
+        </p:spPr>
+        <p:style>
+          <a:lnRef idx="2">
+            <a:schemeClr val="accent1">
+              <a:shade val="50000"/>
+            </a:schemeClr>
+          </a:lnRef>
+          <a:fillRef idx="1">
+            <a:schemeClr val="accent1"/>
+          </a:fillRef>
+          <a:effectRef idx="0">
+            <a:schemeClr val="accent1"/>
+          </a:effectRef>
+          <a:fontRef idx="minor">
+            <a:schemeClr val="lt1"/>
+          </a:fontRef>
+        </p:style>
+        <p:txBody>
+          <a:bodyPr rtlCol="0" anchor="ctr"/>
+          <a:lstStyle/>
+          <a:p>
+            <a:pPr algn="ctr"/>
+            <a:endParaRPr lang="de-DE"/>
+          </a:p>
+        </p:txBody>
+      </p:sp>
+      <p:sp>
+        <p:nvSpPr>
+          <p:cNvPr id="5" name="Textfeld 4">
+            <a:extLst>
+              <a:ext uri="{FF2B5EF4-FFF2-40B4-BE49-F238E27FC236}">
+                <a16:creationId xmlns:a16="http://schemas.microsoft.com/office/drawing/2014/main" id="{30665A67-BA4A-6BE2-CAD4-9D4ED2ED746B}"/>
+              </a:ext>
+            </a:extLst>
+          </p:cNvPr>
+          <p:cNvSpPr txBox="1"/>
+          <p:nvPr/>
+        </p:nvSpPr>
+        <p:spPr>
+          <a:xfrm>
+            <a:off x="3429000" y="4053859"/>
+            <a:ext cx="428322" cy="369332"/>
+          </a:xfrm>
+          <a:prstGeom prst="rect">
+            <a:avLst/>
+          </a:prstGeom>
+          <a:noFill/>
+        </p:spPr>
+        <p:txBody>
+          <a:bodyPr wrap="none" rtlCol="0">
+            <a:spAutoFit/>
+          </a:bodyPr>
+          <a:lstStyle/>
+          <a:p>
+            <a:r>
+              <a:rPr lang="de-DE" dirty="0" err="1">
+                <a:solidFill>
+                  <a:srgbClr val="FF0000"/>
+                </a:solidFill>
+              </a:rPr>
+              <a:t>db</a:t>
+            </a:r>
+            <a:endParaRPr lang="de-DE" dirty="0">
+              <a:solidFill>
+                <a:srgbClr val="FF0000"/>
+              </a:solidFill>
+            </a:endParaRPr>
           </a:p>
         </p:txBody>
       </p:sp>
@@ -6631,184 +6595,260 @@
               <a:buNone/>
             </a:pPr>
             <a:r>
-              <a:rPr lang="de-DE" dirty="0"/>
-              <a:t>	</a:t>
-            </a:r>
+              <a:rPr lang="de-DE" sz="1600" dirty="0">
+                <a:latin typeface="Courier New" panose="02070309020205020404" pitchFamily="49" charset="0"/>
+                <a:cs typeface="Courier New" panose="02070309020205020404" pitchFamily="49" charset="0"/>
+              </a:rPr>
+              <a:t>multipass </a:t>
+            </a:r>
+            <a:r>
+              <a:rPr lang="de-DE" sz="1600" dirty="0" err="1">
+                <a:latin typeface="Courier New" panose="02070309020205020404" pitchFamily="49" charset="0"/>
+                <a:cs typeface="Courier New" panose="02070309020205020404" pitchFamily="49" charset="0"/>
+              </a:rPr>
+              <a:t>shell</a:t>
+            </a:r>
+            <a:r>
+              <a:rPr lang="de-DE" sz="1600" dirty="0">
+                <a:latin typeface="Courier New" panose="02070309020205020404" pitchFamily="49" charset="0"/>
+                <a:cs typeface="Courier New" panose="02070309020205020404" pitchFamily="49" charset="0"/>
+              </a:rPr>
+              <a:t> worker1</a:t>
+            </a:r>
+          </a:p>
+          <a:p>
+            <a:pPr marL="0" indent="0">
+              <a:buNone/>
+            </a:pPr>
+            <a:r>
+              <a:rPr lang="de-DE" sz="1600" dirty="0" err="1">
+                <a:latin typeface="Courier New" panose="02070309020205020404" pitchFamily="49" charset="0"/>
+                <a:cs typeface="Courier New" panose="02070309020205020404" pitchFamily="49" charset="0"/>
+              </a:rPr>
+              <a:t>sudo</a:t>
+            </a:r>
+            <a:r>
+              <a:rPr lang="de-DE" sz="1600" dirty="0">
+                <a:latin typeface="Courier New" panose="02070309020205020404" pitchFamily="49" charset="0"/>
+                <a:cs typeface="Courier New" panose="02070309020205020404" pitchFamily="49" charset="0"/>
+              </a:rPr>
+              <a:t> </a:t>
+            </a:r>
+            <a:r>
+              <a:rPr lang="de-DE" sz="1600" dirty="0" err="1">
+                <a:latin typeface="Courier New" panose="02070309020205020404" pitchFamily="49" charset="0"/>
+                <a:cs typeface="Courier New" panose="02070309020205020404" pitchFamily="49" charset="0"/>
+              </a:rPr>
+              <a:t>snap</a:t>
+            </a:r>
+            <a:r>
+              <a:rPr lang="de-DE" sz="1600" dirty="0">
+                <a:latin typeface="Courier New" panose="02070309020205020404" pitchFamily="49" charset="0"/>
+                <a:cs typeface="Courier New" panose="02070309020205020404" pitchFamily="49" charset="0"/>
+              </a:rPr>
+              <a:t> </a:t>
+            </a:r>
+            <a:r>
+              <a:rPr lang="de-DE" sz="1600" dirty="0" err="1">
+                <a:latin typeface="Courier New" panose="02070309020205020404" pitchFamily="49" charset="0"/>
+                <a:cs typeface="Courier New" panose="02070309020205020404" pitchFamily="49" charset="0"/>
+              </a:rPr>
+              <a:t>install</a:t>
+            </a:r>
+            <a:r>
+              <a:rPr lang="de-DE" sz="1600" dirty="0">
+                <a:latin typeface="Courier New" panose="02070309020205020404" pitchFamily="49" charset="0"/>
+                <a:cs typeface="Courier New" panose="02070309020205020404" pitchFamily="49" charset="0"/>
+              </a:rPr>
+              <a:t> microk8s --classic</a:t>
+            </a:r>
+          </a:p>
+          <a:p>
+            <a:pPr marL="0" indent="0">
+              <a:buNone/>
+            </a:pPr>
+            <a:r>
+              <a:rPr lang="de-DE" sz="1600" dirty="0" err="1">
+                <a:latin typeface="Courier New" panose="02070309020205020404" pitchFamily="49" charset="0"/>
+                <a:cs typeface="Courier New" panose="02070309020205020404" pitchFamily="49" charset="0"/>
+              </a:rPr>
+              <a:t>sudo</a:t>
+            </a:r>
+            <a:r>
+              <a:rPr lang="de-DE" sz="1600" dirty="0">
+                <a:latin typeface="Courier New" panose="02070309020205020404" pitchFamily="49" charset="0"/>
+                <a:cs typeface="Courier New" panose="02070309020205020404" pitchFamily="49" charset="0"/>
+              </a:rPr>
+              <a:t> </a:t>
+            </a:r>
+            <a:r>
+              <a:rPr lang="de-DE" sz="1600" dirty="0" err="1">
+                <a:latin typeface="Courier New" panose="02070309020205020404" pitchFamily="49" charset="0"/>
+                <a:cs typeface="Courier New" panose="02070309020205020404" pitchFamily="49" charset="0"/>
+              </a:rPr>
+              <a:t>usermod</a:t>
+            </a:r>
+            <a:r>
+              <a:rPr lang="de-DE" sz="1600" dirty="0">
+                <a:latin typeface="Courier New" panose="02070309020205020404" pitchFamily="49" charset="0"/>
+                <a:cs typeface="Courier New" panose="02070309020205020404" pitchFamily="49" charset="0"/>
+              </a:rPr>
+              <a:t> -a -G microk8s $USER</a:t>
+            </a:r>
+          </a:p>
+          <a:p>
+            <a:pPr marL="0" indent="0">
+              <a:buNone/>
+            </a:pPr>
+            <a:r>
+              <a:rPr lang="de-DE" sz="1600" dirty="0" err="1">
+                <a:latin typeface="Courier New" panose="02070309020205020404" pitchFamily="49" charset="0"/>
+                <a:cs typeface="Courier New" panose="02070309020205020404" pitchFamily="49" charset="0"/>
+              </a:rPr>
+              <a:t>sudo</a:t>
+            </a:r>
+            <a:r>
+              <a:rPr lang="de-DE" sz="1600" dirty="0">
+                <a:latin typeface="Courier New" panose="02070309020205020404" pitchFamily="49" charset="0"/>
+                <a:cs typeface="Courier New" panose="02070309020205020404" pitchFamily="49" charset="0"/>
+              </a:rPr>
+              <a:t> bash -c 'echo 192.168.64.27 </a:t>
+            </a:r>
+            <a:r>
+              <a:rPr lang="de-DE" sz="1600" dirty="0" err="1">
+                <a:latin typeface="Courier New" panose="02070309020205020404" pitchFamily="49" charset="0"/>
+                <a:cs typeface="Courier New" panose="02070309020205020404" pitchFamily="49" charset="0"/>
+              </a:rPr>
+              <a:t>master</a:t>
+            </a:r>
+            <a:r>
+              <a:rPr lang="de-DE" sz="1600" dirty="0">
+                <a:latin typeface="Courier New" panose="02070309020205020404" pitchFamily="49" charset="0"/>
+                <a:cs typeface="Courier New" panose="02070309020205020404" pitchFamily="49" charset="0"/>
+              </a:rPr>
+              <a:t> &gt;&gt; /</a:t>
+            </a:r>
+            <a:r>
+              <a:rPr lang="de-DE" sz="1600" dirty="0" err="1">
+                <a:latin typeface="Courier New" panose="02070309020205020404" pitchFamily="49" charset="0"/>
+                <a:cs typeface="Courier New" panose="02070309020205020404" pitchFamily="49" charset="0"/>
+              </a:rPr>
+              <a:t>etc</a:t>
+            </a:r>
+            <a:r>
+              <a:rPr lang="de-DE" sz="1600" dirty="0">
+                <a:latin typeface="Courier New" panose="02070309020205020404" pitchFamily="49" charset="0"/>
+                <a:cs typeface="Courier New" panose="02070309020205020404" pitchFamily="49" charset="0"/>
+              </a:rPr>
+              <a:t>/</a:t>
+            </a:r>
+            <a:r>
+              <a:rPr lang="de-DE" sz="1600" dirty="0" err="1">
+                <a:latin typeface="Courier New" panose="02070309020205020404" pitchFamily="49" charset="0"/>
+                <a:cs typeface="Courier New" panose="02070309020205020404" pitchFamily="49" charset="0"/>
+              </a:rPr>
+              <a:t>cloud</a:t>
+            </a:r>
+            <a:r>
+              <a:rPr lang="de-DE" sz="1600" dirty="0">
+                <a:latin typeface="Courier New" panose="02070309020205020404" pitchFamily="49" charset="0"/>
+                <a:cs typeface="Courier New" panose="02070309020205020404" pitchFamily="49" charset="0"/>
+              </a:rPr>
+              <a:t>/</a:t>
+            </a:r>
+            <a:r>
+              <a:rPr lang="de-DE" sz="1600" dirty="0" err="1">
+                <a:latin typeface="Courier New" panose="02070309020205020404" pitchFamily="49" charset="0"/>
+                <a:cs typeface="Courier New" panose="02070309020205020404" pitchFamily="49" charset="0"/>
+              </a:rPr>
+              <a:t>templates</a:t>
+            </a:r>
+            <a:r>
+              <a:rPr lang="de-DE" sz="1600" dirty="0">
+                <a:latin typeface="Courier New" panose="02070309020205020404" pitchFamily="49" charset="0"/>
+                <a:cs typeface="Courier New" panose="02070309020205020404" pitchFamily="49" charset="0"/>
+              </a:rPr>
+              <a:t>/</a:t>
+            </a:r>
+            <a:r>
+              <a:rPr lang="de-DE" sz="1600" dirty="0" err="1">
+                <a:latin typeface="Courier New" panose="02070309020205020404" pitchFamily="49" charset="0"/>
+                <a:cs typeface="Courier New" panose="02070309020205020404" pitchFamily="49" charset="0"/>
+              </a:rPr>
+              <a:t>hosts.debian.tmpl</a:t>
+            </a:r>
+            <a:r>
+              <a:rPr lang="de-DE" sz="1600" dirty="0">
+                <a:latin typeface="Courier New" panose="02070309020205020404" pitchFamily="49" charset="0"/>
+                <a:cs typeface="Courier New" panose="02070309020205020404" pitchFamily="49" charset="0"/>
+              </a:rPr>
+              <a:t>'</a:t>
+            </a:r>
+          </a:p>
+          <a:p>
+            <a:pPr marL="0" indent="0">
+              <a:buNone/>
+            </a:pPr>
+            <a:r>
+              <a:rPr lang="de-DE" sz="1600" dirty="0" err="1">
+                <a:latin typeface="Courier New" panose="02070309020205020404" pitchFamily="49" charset="0"/>
+                <a:cs typeface="Courier New" panose="02070309020205020404" pitchFamily="49" charset="0"/>
+              </a:rPr>
+              <a:t>sudo</a:t>
+            </a:r>
+            <a:r>
+              <a:rPr lang="de-DE" sz="1600" dirty="0">
+                <a:latin typeface="Courier New" panose="02070309020205020404" pitchFamily="49" charset="0"/>
+                <a:cs typeface="Courier New" panose="02070309020205020404" pitchFamily="49" charset="0"/>
+              </a:rPr>
+              <a:t> </a:t>
+            </a:r>
+            <a:r>
+              <a:rPr lang="de-DE" sz="1600" dirty="0" err="1">
+                <a:latin typeface="Courier New" panose="02070309020205020404" pitchFamily="49" charset="0"/>
+                <a:cs typeface="Courier New" panose="02070309020205020404" pitchFamily="49" charset="0"/>
+              </a:rPr>
+              <a:t>shutdown</a:t>
+            </a:r>
+            <a:r>
+              <a:rPr lang="de-DE" sz="1600" dirty="0">
+                <a:latin typeface="Courier New" panose="02070309020205020404" pitchFamily="49" charset="0"/>
+                <a:cs typeface="Courier New" panose="02070309020205020404" pitchFamily="49" charset="0"/>
+              </a:rPr>
+              <a:t> -</a:t>
+            </a:r>
+            <a:r>
+              <a:rPr lang="de-DE" sz="1600" dirty="0" err="1">
+                <a:latin typeface="Courier New" panose="02070309020205020404" pitchFamily="49" charset="0"/>
+                <a:cs typeface="Courier New" panose="02070309020205020404" pitchFamily="49" charset="0"/>
+              </a:rPr>
+              <a:t>r</a:t>
+            </a:r>
+            <a:r>
+              <a:rPr lang="de-DE" sz="1600" dirty="0">
+                <a:latin typeface="Courier New" panose="02070309020205020404" pitchFamily="49" charset="0"/>
+                <a:cs typeface="Courier New" panose="02070309020205020404" pitchFamily="49" charset="0"/>
+              </a:rPr>
+              <a:t> </a:t>
+            </a:r>
+            <a:r>
+              <a:rPr lang="de-DE" sz="1600" dirty="0" err="1">
+                <a:latin typeface="Courier New" panose="02070309020205020404" pitchFamily="49" charset="0"/>
+                <a:cs typeface="Courier New" panose="02070309020205020404" pitchFamily="49" charset="0"/>
+              </a:rPr>
+              <a:t>now</a:t>
+            </a:r>
+            <a:endParaRPr lang="de-DE" sz="1600" dirty="0">
+              <a:latin typeface="Courier New" panose="02070309020205020404" pitchFamily="49" charset="0"/>
+              <a:cs typeface="Courier New" panose="02070309020205020404" pitchFamily="49" charset="0"/>
+            </a:endParaRPr>
+          </a:p>
+          <a:p>
             <a:r>
               <a:rPr lang="de-DE" sz="2400" dirty="0">
-                <a:latin typeface="Courier New" panose="02070309020205020404" pitchFamily="49" charset="0"/>
-                <a:cs typeface="Courier New" panose="02070309020205020404" pitchFamily="49" charset="0"/>
-              </a:rPr>
-              <a:t>multipass </a:t>
-            </a:r>
-            <a:r>
-              <a:rPr lang="de-DE" sz="2400" dirty="0" err="1">
-                <a:latin typeface="Courier New" panose="02070309020205020404" pitchFamily="49" charset="0"/>
-                <a:cs typeface="Courier New" panose="02070309020205020404" pitchFamily="49" charset="0"/>
-              </a:rPr>
-              <a:t>shell</a:t>
-            </a:r>
-            <a:r>
-              <a:rPr lang="de-DE" sz="2400" dirty="0">
-                <a:latin typeface="Courier New" panose="02070309020205020404" pitchFamily="49" charset="0"/>
-                <a:cs typeface="Courier New" panose="02070309020205020404" pitchFamily="49" charset="0"/>
-              </a:rPr>
-              <a:t> worker1</a:t>
-            </a:r>
-          </a:p>
-          <a:p>
-            <a:pPr marL="0" indent="0">
-              <a:buNone/>
-            </a:pPr>
-            <a:r>
-              <a:rPr lang="de-DE" sz="2400" dirty="0">
-                <a:latin typeface="Courier New" panose="02070309020205020404" pitchFamily="49" charset="0"/>
-                <a:cs typeface="Courier New" panose="02070309020205020404" pitchFamily="49" charset="0"/>
-              </a:rPr>
-              <a:t>	</a:t>
-            </a:r>
-            <a:r>
-              <a:rPr lang="de-DE" sz="2400" dirty="0" err="1">
-                <a:latin typeface="Courier New" panose="02070309020205020404" pitchFamily="49" charset="0"/>
-                <a:cs typeface="Courier New" panose="02070309020205020404" pitchFamily="49" charset="0"/>
-              </a:rPr>
-              <a:t>sudo</a:t>
-            </a:r>
-            <a:r>
-              <a:rPr lang="de-DE" sz="2400" dirty="0">
-                <a:latin typeface="Courier New" panose="02070309020205020404" pitchFamily="49" charset="0"/>
-                <a:cs typeface="Courier New" panose="02070309020205020404" pitchFamily="49" charset="0"/>
-              </a:rPr>
-              <a:t> </a:t>
-            </a:r>
-            <a:r>
-              <a:rPr lang="de-DE" sz="2400" dirty="0" err="1">
-                <a:latin typeface="Courier New" panose="02070309020205020404" pitchFamily="49" charset="0"/>
-                <a:cs typeface="Courier New" panose="02070309020205020404" pitchFamily="49" charset="0"/>
-              </a:rPr>
-              <a:t>snap</a:t>
-            </a:r>
-            <a:r>
-              <a:rPr lang="de-DE" sz="2400" dirty="0">
-                <a:latin typeface="Courier New" panose="02070309020205020404" pitchFamily="49" charset="0"/>
-                <a:cs typeface="Courier New" panose="02070309020205020404" pitchFamily="49" charset="0"/>
-              </a:rPr>
-              <a:t> </a:t>
-            </a:r>
-            <a:r>
-              <a:rPr lang="de-DE" sz="2400" dirty="0" err="1">
-                <a:latin typeface="Courier New" panose="02070309020205020404" pitchFamily="49" charset="0"/>
-                <a:cs typeface="Courier New" panose="02070309020205020404" pitchFamily="49" charset="0"/>
-              </a:rPr>
-              <a:t>install</a:t>
-            </a:r>
-            <a:r>
-              <a:rPr lang="de-DE" sz="2400" dirty="0">
-                <a:latin typeface="Courier New" panose="02070309020205020404" pitchFamily="49" charset="0"/>
-                <a:cs typeface="Courier New" panose="02070309020205020404" pitchFamily="49" charset="0"/>
-              </a:rPr>
-              <a:t> microk8s --classic</a:t>
-            </a:r>
-          </a:p>
-          <a:p>
-            <a:pPr marL="0" indent="0">
-              <a:buNone/>
-            </a:pPr>
-            <a:r>
-              <a:rPr lang="de-DE" sz="2400" dirty="0">
-                <a:latin typeface="Courier New" panose="02070309020205020404" pitchFamily="49" charset="0"/>
-                <a:cs typeface="Courier New" panose="02070309020205020404" pitchFamily="49" charset="0"/>
-              </a:rPr>
-              <a:t>	</a:t>
-            </a:r>
-            <a:r>
-              <a:rPr lang="de-DE" sz="2400" dirty="0" err="1">
-                <a:latin typeface="Courier New" panose="02070309020205020404" pitchFamily="49" charset="0"/>
-                <a:cs typeface="Courier New" panose="02070309020205020404" pitchFamily="49" charset="0"/>
-              </a:rPr>
-              <a:t>sudo</a:t>
-            </a:r>
-            <a:r>
-              <a:rPr lang="de-DE" sz="2400" dirty="0">
-                <a:latin typeface="Courier New" panose="02070309020205020404" pitchFamily="49" charset="0"/>
-                <a:cs typeface="Courier New" panose="02070309020205020404" pitchFamily="49" charset="0"/>
-              </a:rPr>
-              <a:t> </a:t>
-            </a:r>
-            <a:r>
-              <a:rPr lang="de-DE" sz="2400" dirty="0" err="1">
-                <a:latin typeface="Courier New" panose="02070309020205020404" pitchFamily="49" charset="0"/>
-                <a:cs typeface="Courier New" panose="02070309020205020404" pitchFamily="49" charset="0"/>
-              </a:rPr>
-              <a:t>usermod</a:t>
-            </a:r>
-            <a:r>
-              <a:rPr lang="de-DE" sz="2400" dirty="0">
-                <a:latin typeface="Courier New" panose="02070309020205020404" pitchFamily="49" charset="0"/>
-                <a:cs typeface="Courier New" panose="02070309020205020404" pitchFamily="49" charset="0"/>
-              </a:rPr>
-              <a:t> -a -G microk8s $USER</a:t>
-            </a:r>
-          </a:p>
-          <a:p>
-            <a:pPr marL="0" indent="0">
-              <a:buNone/>
-            </a:pPr>
-            <a:r>
-              <a:rPr lang="de-DE" sz="2400" dirty="0">
-                <a:latin typeface="Courier New" panose="02070309020205020404" pitchFamily="49" charset="0"/>
-                <a:cs typeface="Courier New" panose="02070309020205020404" pitchFamily="49" charset="0"/>
-              </a:rPr>
-              <a:t>	</a:t>
-            </a:r>
-            <a:r>
-              <a:rPr lang="de-DE" sz="2400" dirty="0" err="1">
-                <a:latin typeface="Courier New" panose="02070309020205020404" pitchFamily="49" charset="0"/>
-                <a:cs typeface="Courier New" panose="02070309020205020404" pitchFamily="49" charset="0"/>
-              </a:rPr>
-              <a:t>sudo</a:t>
-            </a:r>
-            <a:r>
-              <a:rPr lang="de-DE" sz="2400" dirty="0">
-                <a:latin typeface="Courier New" panose="02070309020205020404" pitchFamily="49" charset="0"/>
-                <a:cs typeface="Courier New" panose="02070309020205020404" pitchFamily="49" charset="0"/>
-              </a:rPr>
-              <a:t> </a:t>
-            </a:r>
-            <a:r>
-              <a:rPr lang="de-DE" sz="2400" dirty="0" err="1">
-                <a:latin typeface="Courier New" panose="02070309020205020404" pitchFamily="49" charset="0"/>
-                <a:cs typeface="Courier New" panose="02070309020205020404" pitchFamily="49" charset="0"/>
-              </a:rPr>
-              <a:t>shutdown</a:t>
-            </a:r>
-            <a:r>
-              <a:rPr lang="de-DE" sz="2400" dirty="0">
-                <a:latin typeface="Courier New" panose="02070309020205020404" pitchFamily="49" charset="0"/>
-                <a:cs typeface="Courier New" panose="02070309020205020404" pitchFamily="49" charset="0"/>
-              </a:rPr>
-              <a:t> -</a:t>
-            </a:r>
-            <a:r>
-              <a:rPr lang="de-DE" sz="2400" dirty="0" err="1">
-                <a:latin typeface="Courier New" panose="02070309020205020404" pitchFamily="49" charset="0"/>
-                <a:cs typeface="Courier New" panose="02070309020205020404" pitchFamily="49" charset="0"/>
-              </a:rPr>
-              <a:t>r</a:t>
-            </a:r>
-            <a:r>
-              <a:rPr lang="de-DE" sz="2400" dirty="0">
-                <a:latin typeface="Courier New" panose="02070309020205020404" pitchFamily="49" charset="0"/>
-                <a:cs typeface="Courier New" panose="02070309020205020404" pitchFamily="49" charset="0"/>
-              </a:rPr>
-              <a:t> </a:t>
-            </a:r>
-            <a:r>
-              <a:rPr lang="de-DE" sz="2400" dirty="0" err="1">
-                <a:latin typeface="Courier New" panose="02070309020205020404" pitchFamily="49" charset="0"/>
-                <a:cs typeface="Courier New" panose="02070309020205020404" pitchFamily="49" charset="0"/>
-              </a:rPr>
-              <a:t>now</a:t>
+                <a:cs typeface="Courier New" panose="02070309020205020404" pitchFamily="49" charset="0"/>
+              </a:rPr>
+              <a:t>Kurz warten: VM startet neu</a:t>
             </a:r>
             <a:endParaRPr lang="de-DE" sz="2400" dirty="0">
               <a:latin typeface="Courier New" panose="02070309020205020404" pitchFamily="49" charset="0"/>
@@ -6816,20 +6856,109 @@
             </a:endParaRPr>
           </a:p>
           <a:p>
-            <a:pPr lvl="1"/>
-            <a:r>
-              <a:rPr lang="de-DE" dirty="0">
-                <a:cs typeface="Courier New" panose="02070309020205020404" pitchFamily="49" charset="0"/>
-              </a:rPr>
-              <a:t>Kurz warten: VM startet neu</a:t>
-            </a:r>
-            <a:r>
-              <a:rPr lang="de-DE" dirty="0">
-                <a:latin typeface="Courier New" panose="02070309020205020404" pitchFamily="49" charset="0"/>
-                <a:cs typeface="Courier New" panose="02070309020205020404" pitchFamily="49" charset="0"/>
-              </a:rPr>
-              <a:t>		</a:t>
-            </a:r>
+            <a:pPr marL="0" indent="0">
+              <a:buNone/>
+            </a:pPr>
+            <a:endParaRPr lang="de-DE" sz="2400" dirty="0">
+              <a:latin typeface="Courier New" panose="02070309020205020404" pitchFamily="49" charset="0"/>
+              <a:cs typeface="Courier New" panose="02070309020205020404" pitchFamily="49" charset="0"/>
+            </a:endParaRPr>
+          </a:p>
+        </p:txBody>
+      </p:sp>
+      <p:sp>
+        <p:nvSpPr>
+          <p:cNvPr id="4" name="Oval 3">
+            <a:extLst>
+              <a:ext uri="{FF2B5EF4-FFF2-40B4-BE49-F238E27FC236}">
+                <a16:creationId xmlns:a16="http://schemas.microsoft.com/office/drawing/2014/main" id="{24626021-4772-CC2D-6BA3-2EE62B40E05D}"/>
+              </a:ext>
+            </a:extLst>
+          </p:cNvPr>
+          <p:cNvSpPr/>
+          <p:nvPr/>
+        </p:nvSpPr>
+        <p:spPr>
+          <a:xfrm>
+            <a:off x="3150705" y="3330369"/>
+            <a:ext cx="1848678" cy="367748"/>
+          </a:xfrm>
+          <a:prstGeom prst="ellipse">
+            <a:avLst/>
+          </a:prstGeom>
+          <a:noFill/>
+          <a:ln w="38100">
+            <a:solidFill>
+              <a:srgbClr val="FF0000"/>
+            </a:solidFill>
+          </a:ln>
+        </p:spPr>
+        <p:style>
+          <a:lnRef idx="2">
+            <a:schemeClr val="accent1">
+              <a:shade val="50000"/>
+            </a:schemeClr>
+          </a:lnRef>
+          <a:fillRef idx="1">
+            <a:schemeClr val="accent1"/>
+          </a:fillRef>
+          <a:effectRef idx="0">
+            <a:schemeClr val="accent1"/>
+          </a:effectRef>
+          <a:fontRef idx="minor">
+            <a:schemeClr val="lt1"/>
+          </a:fontRef>
+        </p:style>
+        <p:txBody>
+          <a:bodyPr rtlCol="0" anchor="ctr"/>
+          <a:lstStyle/>
+          <a:p>
+            <a:pPr algn="ctr"/>
+            <a:endParaRPr lang="de-DE"/>
+          </a:p>
+        </p:txBody>
+      </p:sp>
+      <p:sp>
+        <p:nvSpPr>
+          <p:cNvPr id="5" name="Textfeld 4">
+            <a:extLst>
+              <a:ext uri="{FF2B5EF4-FFF2-40B4-BE49-F238E27FC236}">
+                <a16:creationId xmlns:a16="http://schemas.microsoft.com/office/drawing/2014/main" id="{46581B34-F8D2-B17D-5777-06D1CA2A0672}"/>
+              </a:ext>
+            </a:extLst>
+          </p:cNvPr>
+          <p:cNvSpPr txBox="1"/>
+          <p:nvPr/>
+        </p:nvSpPr>
+        <p:spPr>
+          <a:xfrm>
+            <a:off x="4313583" y="3631962"/>
+            <a:ext cx="836832" cy="369332"/>
+          </a:xfrm>
+          <a:prstGeom prst="rect">
+            <a:avLst/>
+          </a:prstGeom>
+          <a:noFill/>
+        </p:spPr>
+        <p:txBody>
+          <a:bodyPr wrap="none" rtlCol="0">
+            <a:spAutoFit/>
+          </a:bodyPr>
+          <a:lstStyle/>
+          <a:p>
+            <a:r>
+              <a:rPr lang="de-DE" dirty="0" err="1">
+                <a:solidFill>
+                  <a:srgbClr val="FF0000"/>
+                </a:solidFill>
+              </a:rPr>
+              <a:t>master</a:t>
+            </a:r>
+            <a:endParaRPr lang="de-DE" dirty="0">
+              <a:solidFill>
+                <a:srgbClr val="FF0000"/>
+              </a:solidFill>
+            </a:endParaRPr>
           </a:p>
         </p:txBody>
       </p:sp>
@@ -6939,32 +7068,6 @@
               <a:buNone/>
             </a:pPr>
             <a:r>
-              <a:rPr lang="de-DE" sz="1600" dirty="0">
-                <a:latin typeface="Courier New" panose="02070309020205020404" pitchFamily="49" charset="0"/>
-                <a:cs typeface="Courier New" panose="02070309020205020404" pitchFamily="49" charset="0"/>
-              </a:rPr>
-              <a:t>multipass </a:t>
-            </a:r>
-            <a:r>
-              <a:rPr lang="de-DE" sz="1600" dirty="0" err="1">
-                <a:latin typeface="Courier New" panose="02070309020205020404" pitchFamily="49" charset="0"/>
-                <a:cs typeface="Courier New" panose="02070309020205020404" pitchFamily="49" charset="0"/>
-              </a:rPr>
-              <a:t>shell</a:t>
-            </a:r>
-            <a:r>
-              <a:rPr lang="de-DE" sz="1600" dirty="0">
-                <a:latin typeface="Courier New" panose="02070309020205020404" pitchFamily="49" charset="0"/>
-                <a:cs typeface="Courier New" panose="02070309020205020404" pitchFamily="49" charset="0"/>
-              </a:rPr>
-              <a:t> worker1  </a:t>
-            </a:r>
-          </a:p>
-          <a:p>
-            <a:pPr marL="0" indent="0">
-              <a:buNone/>
-            </a:pPr>
-            <a:r>
               <a:rPr lang="de-DE" sz="1600" dirty="0" err="1">
                 <a:latin typeface="Courier New" panose="02070309020205020404" pitchFamily="49" charset="0"/>
                 <a:cs typeface="Courier New" panose="02070309020205020404" pitchFamily="49" charset="0"/>
@@ -7360,21 +7463,7 @@
           <a:p>
             <a:r>
               <a:rPr lang="de-DE" dirty="0"/>
-              <a:t>Timo Kästner, Can </a:t>
-            </a:r>
-            <a:r>
-              <a:rPr lang="de-DE" dirty="0" err="1"/>
-              <a:t>Büyükburc</a:t>
-            </a:r>
-            <a:r>
-              <a:rPr lang="de-DE" dirty="0"/>
-              <a:t>, Yannick Poggel</a:t>
-            </a:r>
-          </a:p>
-          <a:p>
-            <a:r>
-              <a:rPr lang="de-DE" dirty="0"/>
-              <a:t>16.3.2023</a:t>
+              <a:t>19.3.2023</a:t>
             </a:r>
           </a:p>
         </p:txBody>
@@ -9528,10 +9617,10 @@
       </p:sp>
       <p:pic>
         <p:nvPicPr>
-          <p:cNvPr id="4" name="Grafik 3">
-            <a:extLst>
-              <a:ext uri="{FF2B5EF4-FFF2-40B4-BE49-F238E27FC236}">
-                <a16:creationId xmlns:a16="http://schemas.microsoft.com/office/drawing/2014/main" id="{EE7FDEA7-146E-455C-621B-5FD8AFC86A02}"/>
+          <p:cNvPr id="5" name="Grafik 4">
+            <a:extLst>
+              <a:ext uri="{FF2B5EF4-FFF2-40B4-BE49-F238E27FC236}">
+                <a16:creationId xmlns:a16="http://schemas.microsoft.com/office/drawing/2014/main" id="{55F1850F-EBF2-E346-620D-A172D8847EFB}"/>
               </a:ext>
             </a:extLst>
           </p:cNvPr>
@@ -9548,8 +9637,8 @@
         </p:blipFill>
         <p:spPr>
           <a:xfrm>
-            <a:off x="1550840" y="3429000"/>
-            <a:ext cx="9090320" cy="1473201"/>
+            <a:off x="1798170" y="3541885"/>
+            <a:ext cx="8595659" cy="1387923"/>
           </a:xfrm>
           <a:prstGeom prst="rect">
             <a:avLst/>
@@ -9654,32 +9743,25 @@
             <a:pPr lvl="1"/>
             <a:r>
               <a:rPr lang="de-DE" dirty="0"/>
-              <a:t>Die Zeile mit </a:t>
+              <a:t>Neue Zeilen für </a:t>
             </a:r>
             <a:r>
               <a:rPr lang="de-DE" dirty="0">
                 <a:latin typeface="Courier New" panose="02070309020205020404" pitchFamily="49" charset="0"/>
                 <a:cs typeface="Courier New" panose="02070309020205020404" pitchFamily="49" charset="0"/>
               </a:rPr>
-              <a:t>127.0.1.1</a:t>
-            </a:r>
-            <a:r>
-              <a:rPr lang="de-DE" dirty="0"/>
-              <a:t> löschen</a:t>
-            </a:r>
-          </a:p>
-          <a:p>
-            <a:pPr lvl="1"/>
-            <a:r>
-              <a:rPr lang="de-DE" dirty="0"/>
-              <a:t>Neue Zeile für </a:t>
-            </a:r>
-            <a:r>
-              <a:rPr lang="de-DE" dirty="0" err="1">
-                <a:latin typeface="Courier New" panose="02070309020205020404" pitchFamily="49" charset="0"/>
-                <a:cs typeface="Courier New" panose="02070309020205020404" pitchFamily="49" charset="0"/>
-              </a:rPr>
-              <a:t>master</a:t>
+              <a:t>worker1</a:t>
+            </a:r>
+            <a:r>
+              <a:rPr lang="de-DE" dirty="0"/>
+              <a:t> und </a:t>
+            </a:r>
+            <a:r>
+              <a:rPr lang="de-DE" dirty="0">
+                <a:latin typeface="Courier New" panose="02070309020205020404" pitchFamily="49" charset="0"/>
+                <a:cs typeface="Courier New" panose="02070309020205020404" pitchFamily="49" charset="0"/>
+              </a:rPr>
+              <a:t>worker2</a:t>
             </a:r>
             <a:r>
               <a:rPr lang="de-DE" dirty="0"/>
@@ -9746,7 +9828,7 @@
                 <a:latin typeface="Courier New" panose="02070309020205020404" pitchFamily="49" charset="0"/>
                 <a:cs typeface="Courier New" panose="02070309020205020404" pitchFamily="49" charset="0"/>
               </a:rPr>
-              <a:t> sed -i '/127.0.1.1/d' /</a:t>
+              <a:t> bash -c 'echo 192.168.64.28 worker1 &gt;&gt; /</a:t>
             </a:r>
             <a:r>
               <a:rPr lang="de-DE" sz="1600" dirty="0" err="1">
@@ -9797,10 +9879,13 @@
               </a:rPr>
               <a:t>hosts.debian.tmpl</a:t>
             </a:r>
-            <a:endParaRPr lang="de-DE" sz="1600" dirty="0">
-              <a:latin typeface="Courier New" panose="02070309020205020404" pitchFamily="49" charset="0"/>
-              <a:cs typeface="Courier New" panose="02070309020205020404" pitchFamily="49" charset="0"/>
-            </a:endParaRPr>
+            <a:r>
+              <a:rPr lang="de-DE" sz="1600" dirty="0">
+                <a:latin typeface="Courier New" panose="02070309020205020404" pitchFamily="49" charset="0"/>
+                <a:cs typeface="Courier New" panose="02070309020205020404" pitchFamily="49" charset="0"/>
+              </a:rPr>
+              <a:t>'</a:t>
+            </a:r>
           </a:p>
           <a:p>
             <a:pPr marL="0" indent="0">
@@ -9818,171 +9903,7 @@
                 <a:latin typeface="Courier New" panose="02070309020205020404" pitchFamily="49" charset="0"/>
                 <a:cs typeface="Courier New" panose="02070309020205020404" pitchFamily="49" charset="0"/>
               </a:rPr>
-              <a:t> bash -c 'echo 10.238.196.224 </a:t>
-            </a:r>
-            <a:r>
-              <a:rPr lang="de-DE" sz="1600" dirty="0" err="1">
-                <a:latin typeface="Courier New" panose="02070309020205020404" pitchFamily="49" charset="0"/>
-                <a:cs typeface="Courier New" panose="02070309020205020404" pitchFamily="49" charset="0"/>
-              </a:rPr>
-              <a:t>master</a:t>
-            </a:r>
-            <a:r>
-              <a:rPr lang="de-DE" sz="1600" dirty="0">
-                <a:latin typeface="Courier New" panose="02070309020205020404" pitchFamily="49" charset="0"/>
-                <a:cs typeface="Courier New" panose="02070309020205020404" pitchFamily="49" charset="0"/>
-              </a:rPr>
-              <a:t> &gt;&gt; /</a:t>
-            </a:r>
-            <a:r>
-              <a:rPr lang="de-DE" sz="1600" dirty="0" err="1">
-                <a:latin typeface="Courier New" panose="02070309020205020404" pitchFamily="49" charset="0"/>
-                <a:cs typeface="Courier New" panose="02070309020205020404" pitchFamily="49" charset="0"/>
-              </a:rPr>
-              <a:t>etc</a:t>
-            </a:r>
-            <a:r>
-              <a:rPr lang="de-DE" sz="1600" dirty="0">
-                <a:latin typeface="Courier New" panose="02070309020205020404" pitchFamily="49" charset="0"/>
-                <a:cs typeface="Courier New" panose="02070309020205020404" pitchFamily="49" charset="0"/>
-              </a:rPr>
-              <a:t>/</a:t>
-            </a:r>
-            <a:r>
-              <a:rPr lang="de-DE" sz="1600" dirty="0" err="1">
-                <a:latin typeface="Courier New" panose="02070309020205020404" pitchFamily="49" charset="0"/>
-                <a:cs typeface="Courier New" panose="02070309020205020404" pitchFamily="49" charset="0"/>
-              </a:rPr>
-              <a:t>cloud</a:t>
-            </a:r>
-            <a:r>
-              <a:rPr lang="de-DE" sz="1600" dirty="0">
-                <a:latin typeface="Courier New" panose="02070309020205020404" pitchFamily="49" charset="0"/>
-                <a:cs typeface="Courier New" panose="02070309020205020404" pitchFamily="49" charset="0"/>
-              </a:rPr>
-              <a:t>/</a:t>
-            </a:r>
-            <a:r>
-              <a:rPr lang="de-DE" sz="1600" dirty="0" err="1">
-                <a:latin typeface="Courier New" panose="02070309020205020404" pitchFamily="49" charset="0"/>
-                <a:cs typeface="Courier New" panose="02070309020205020404" pitchFamily="49" charset="0"/>
-              </a:rPr>
-              <a:t>templates</a:t>
-            </a:r>
-            <a:r>
-              <a:rPr lang="de-DE" sz="1600" dirty="0">
-                <a:latin typeface="Courier New" panose="02070309020205020404" pitchFamily="49" charset="0"/>
-                <a:cs typeface="Courier New" panose="02070309020205020404" pitchFamily="49" charset="0"/>
-              </a:rPr>
-              <a:t>/</a:t>
-            </a:r>
-            <a:r>
-              <a:rPr lang="de-DE" sz="1600" dirty="0" err="1">
-                <a:latin typeface="Courier New" panose="02070309020205020404" pitchFamily="49" charset="0"/>
-                <a:cs typeface="Courier New" panose="02070309020205020404" pitchFamily="49" charset="0"/>
-              </a:rPr>
-              <a:t>hosts.debian.tmpl</a:t>
-            </a:r>
-            <a:r>
-              <a:rPr lang="de-DE" sz="1600" dirty="0">
-                <a:latin typeface="Courier New" panose="02070309020205020404" pitchFamily="49" charset="0"/>
-                <a:cs typeface="Courier New" panose="02070309020205020404" pitchFamily="49" charset="0"/>
-              </a:rPr>
-              <a:t>'</a:t>
-            </a:r>
-          </a:p>
-          <a:p>
-            <a:pPr marL="0" indent="0">
-              <a:buNone/>
-            </a:pPr>
-            <a:r>
-              <a:rPr lang="de-DE" sz="1600" dirty="0" err="1">
-                <a:latin typeface="Courier New" panose="02070309020205020404" pitchFamily="49" charset="0"/>
-                <a:cs typeface="Courier New" panose="02070309020205020404" pitchFamily="49" charset="0"/>
-              </a:rPr>
-              <a:t>sudo</a:t>
-            </a:r>
-            <a:r>
-              <a:rPr lang="de-DE" sz="1600" dirty="0">
-                <a:latin typeface="Courier New" panose="02070309020205020404" pitchFamily="49" charset="0"/>
-                <a:cs typeface="Courier New" panose="02070309020205020404" pitchFamily="49" charset="0"/>
-              </a:rPr>
-              <a:t> bash -c 'echo 10.238.196.24 worker1 &gt;&gt; /</a:t>
-            </a:r>
-            <a:r>
-              <a:rPr lang="de-DE" sz="1600" dirty="0" err="1">
-                <a:latin typeface="Courier New" panose="02070309020205020404" pitchFamily="49" charset="0"/>
-                <a:cs typeface="Courier New" panose="02070309020205020404" pitchFamily="49" charset="0"/>
-              </a:rPr>
-              <a:t>etc</a:t>
-            </a:r>
-            <a:r>
-              <a:rPr lang="de-DE" sz="1600" dirty="0">
-                <a:latin typeface="Courier New" panose="02070309020205020404" pitchFamily="49" charset="0"/>
-                <a:cs typeface="Courier New" panose="02070309020205020404" pitchFamily="49" charset="0"/>
-              </a:rPr>
-              <a:t>/</a:t>
-            </a:r>
-            <a:r>
-              <a:rPr lang="de-DE" sz="1600" dirty="0" err="1">
-                <a:latin typeface="Courier New" panose="02070309020205020404" pitchFamily="49" charset="0"/>
-                <a:cs typeface="Courier New" panose="02070309020205020404" pitchFamily="49" charset="0"/>
-              </a:rPr>
-              <a:t>cloud</a:t>
-            </a:r>
-            <a:r>
-              <a:rPr lang="de-DE" sz="1600" dirty="0">
-                <a:latin typeface="Courier New" panose="02070309020205020404" pitchFamily="49" charset="0"/>
-                <a:cs typeface="Courier New" panose="02070309020205020404" pitchFamily="49" charset="0"/>
-              </a:rPr>
-              <a:t>/</a:t>
-            </a:r>
-            <a:r>
-              <a:rPr lang="de-DE" sz="1600" dirty="0" err="1">
-                <a:latin typeface="Courier New" panose="02070309020205020404" pitchFamily="49" charset="0"/>
-                <a:cs typeface="Courier New" panose="02070309020205020404" pitchFamily="49" charset="0"/>
-              </a:rPr>
-              <a:t>templates</a:t>
-            </a:r>
-            <a:r>
-              <a:rPr lang="de-DE" sz="1600" dirty="0">
-                <a:latin typeface="Courier New" panose="02070309020205020404" pitchFamily="49" charset="0"/>
-                <a:cs typeface="Courier New" panose="02070309020205020404" pitchFamily="49" charset="0"/>
-              </a:rPr>
-              <a:t>/</a:t>
-            </a:r>
-            <a:r>
-              <a:rPr lang="de-DE" sz="1600" dirty="0" err="1">
-                <a:latin typeface="Courier New" panose="02070309020205020404" pitchFamily="49" charset="0"/>
-                <a:cs typeface="Courier New" panose="02070309020205020404" pitchFamily="49" charset="0"/>
-              </a:rPr>
-              <a:t>hosts.debian.tmpl</a:t>
-            </a:r>
-            <a:r>
-              <a:rPr lang="de-DE" sz="1600" dirty="0">
-                <a:latin typeface="Courier New" panose="02070309020205020404" pitchFamily="49" charset="0"/>
-                <a:cs typeface="Courier New" panose="02070309020205020404" pitchFamily="49" charset="0"/>
-              </a:rPr>
-              <a:t>'</a:t>
-            </a:r>
-          </a:p>
-          <a:p>
-            <a:pPr marL="0" indent="0">
-              <a:buNone/>
-            </a:pPr>
-            <a:r>
-              <a:rPr lang="de-DE" sz="1600" dirty="0" err="1">
-                <a:latin typeface="Courier New" panose="02070309020205020404" pitchFamily="49" charset="0"/>
-                <a:cs typeface="Courier New" panose="02070309020205020404" pitchFamily="49" charset="0"/>
-              </a:rPr>
-              <a:t>sudo</a:t>
-            </a:r>
-            <a:r>
-              <a:rPr lang="de-DE" sz="1600" dirty="0">
-                <a:latin typeface="Courier New" panose="02070309020205020404" pitchFamily="49" charset="0"/>
-                <a:cs typeface="Courier New" panose="02070309020205020404" pitchFamily="49" charset="0"/>
-              </a:rPr>
-              <a:t> bash -c 'echo 10.238.196.29 worker2 &gt;&gt; /</a:t>
+              <a:t> bash -c 'echo 192.168.64.29 worker2 &gt;&gt; /</a:t>
             </a:r>
             <a:r>
               <a:rPr lang="de-DE" sz="1600" dirty="0" err="1">
@@ -10066,7 +9987,7 @@
         </p:nvSpPr>
         <p:spPr>
           <a:xfrm>
-            <a:off x="3170583" y="4124739"/>
+            <a:off x="3170583" y="3389250"/>
             <a:ext cx="1848678" cy="367748"/>
           </a:xfrm>
           <a:prstGeom prst="ellipse">
@@ -10118,7 +10039,7 @@
         </p:nvSpPr>
         <p:spPr>
           <a:xfrm>
-            <a:off x="3170583" y="4443550"/>
+            <a:off x="3170583" y="3708061"/>
             <a:ext cx="1848678" cy="367748"/>
           </a:xfrm>
           <a:prstGeom prst="ellipse">
@@ -10158,53 +10079,79 @@
       </p:sp>
       <p:sp>
         <p:nvSpPr>
-          <p:cNvPr id="11" name="Oval 10">
-            <a:extLst>
-              <a:ext uri="{FF2B5EF4-FFF2-40B4-BE49-F238E27FC236}">
-                <a16:creationId xmlns:a16="http://schemas.microsoft.com/office/drawing/2014/main" id="{2CC1534D-F207-2778-73C2-664E1D45235F}"/>
-              </a:ext>
-            </a:extLst>
-          </p:cNvPr>
-          <p:cNvSpPr/>
+          <p:cNvPr id="4" name="Textfeld 3">
+            <a:extLst>
+              <a:ext uri="{FF2B5EF4-FFF2-40B4-BE49-F238E27FC236}">
+                <a16:creationId xmlns:a16="http://schemas.microsoft.com/office/drawing/2014/main" id="{559BBEC5-94F5-50CC-88D9-5A561A18266A}"/>
+              </a:ext>
+            </a:extLst>
+          </p:cNvPr>
+          <p:cNvSpPr txBox="1"/>
           <p:nvPr/>
         </p:nvSpPr>
         <p:spPr>
           <a:xfrm>
-            <a:off x="3170583" y="4816268"/>
-            <a:ext cx="1848678" cy="367748"/>
+            <a:off x="4363278" y="3041379"/>
+            <a:ext cx="958980" cy="369332"/>
           </a:xfrm>
-          <a:prstGeom prst="ellipse">
+          <a:prstGeom prst="rect">
             <a:avLst/>
           </a:prstGeom>
           <a:noFill/>
-          <a:ln w="38100">
-            <a:solidFill>
-              <a:srgbClr val="FF0000"/>
-            </a:solidFill>
-          </a:ln>
         </p:spPr>
-        <p:style>
-          <a:lnRef idx="2">
-            <a:schemeClr val="accent1">
-              <a:shade val="50000"/>
-            </a:schemeClr>
-          </a:lnRef>
-          <a:fillRef idx="1">
-            <a:schemeClr val="accent1"/>
-          </a:fillRef>
-          <a:effectRef idx="0">
-            <a:schemeClr val="accent1"/>
-          </a:effectRef>
-          <a:fontRef idx="minor">
-            <a:schemeClr val="lt1"/>
-          </a:fontRef>
-        </p:style>
-        <p:txBody>
-          <a:bodyPr rtlCol="0" anchor="ctr"/>
-          <a:lstStyle/>
-          <a:p>
-            <a:pPr algn="ctr"/>
-            <a:endParaRPr lang="de-DE"/>
+        <p:txBody>
+          <a:bodyPr wrap="none" rtlCol="0">
+            <a:spAutoFit/>
+          </a:bodyPr>
+          <a:lstStyle/>
+          <a:p>
+            <a:r>
+              <a:rPr lang="de-DE" dirty="0">
+                <a:solidFill>
+                  <a:srgbClr val="FF0000"/>
+                </a:solidFill>
+              </a:rPr>
+              <a:t>worker1</a:t>
+            </a:r>
+          </a:p>
+        </p:txBody>
+      </p:sp>
+      <p:sp>
+        <p:nvSpPr>
+          <p:cNvPr id="5" name="Textfeld 4">
+            <a:extLst>
+              <a:ext uri="{FF2B5EF4-FFF2-40B4-BE49-F238E27FC236}">
+                <a16:creationId xmlns:a16="http://schemas.microsoft.com/office/drawing/2014/main" id="{FE202805-C4B9-1661-F0A1-FFC5E73D2ECD}"/>
+              </a:ext>
+            </a:extLst>
+          </p:cNvPr>
+          <p:cNvSpPr txBox="1"/>
+          <p:nvPr/>
+        </p:nvSpPr>
+        <p:spPr>
+          <a:xfrm>
+            <a:off x="4363278" y="4003827"/>
+            <a:ext cx="958980" cy="369332"/>
+          </a:xfrm>
+          <a:prstGeom prst="rect">
+            <a:avLst/>
+          </a:prstGeom>
+          <a:noFill/>
+        </p:spPr>
+        <p:txBody>
+          <a:bodyPr wrap="none" rtlCol="0">
+            <a:spAutoFit/>
+          </a:bodyPr>
+          <a:lstStyle/>
+          <a:p>
+            <a:r>
+              <a:rPr lang="de-DE" dirty="0">
+                <a:solidFill>
+                  <a:srgbClr val="FF0000"/>
+                </a:solidFill>
+              </a:rPr>
+              <a:t>worker2</a:t>
+            </a:r>
           </a:p>
         </p:txBody>
       </p:sp>
